--- a/poster/Footprint.pptx
+++ b/poster/Footprint.pptx
@@ -238,7 +238,7 @@
           <a:p>
             <a:fld id="{5288C8A9-C8E4-D04E-9830-749FB15BD155}" type="datetimeFigureOut">
               <a:rPr lang="en-US" smtClean="0"/>
-              <a:t>12/6/18</a:t>
+              <a:t>12/7/18</a:t>
             </a:fld>
             <a:endParaRPr lang="en-US" dirty="0"/>
           </a:p>
@@ -4130,6 +4130,111 @@
           <a:chExt cx="0" cy="0"/>
         </a:xfrm>
       </p:grpSpPr>
+      <p:cxnSp>
+        <p:nvCxnSpPr>
+          <p:cNvPr id="41" name="Straight Connector 40">
+            <a:extLst>
+              <a:ext uri="{FF2B5EF4-FFF2-40B4-BE49-F238E27FC236}">
+                <a16:creationId xmlns:a16="http://schemas.microsoft.com/office/drawing/2014/main" id="{ABC5CABA-92DA-E443-A719-44020547A673}"/>
+              </a:ext>
+            </a:extLst>
+          </p:cNvPr>
+          <p:cNvCxnSpPr/>
+          <p:nvPr/>
+        </p:nvCxnSpPr>
+        <p:spPr bwMode="auto">
+          <a:xfrm flipV="1">
+            <a:off x="16306800" y="20978068"/>
+            <a:ext cx="12496800" cy="50874"/>
+          </a:xfrm>
+          <a:prstGeom prst="line">
+            <a:avLst/>
+          </a:prstGeom>
+          <a:solidFill>
+            <a:schemeClr val="accent1"/>
+          </a:solidFill>
+          <a:ln w="38100" cap="flat" cmpd="sng" algn="ctr">
+            <a:solidFill>
+              <a:srgbClr val="0070C0"/>
+            </a:solidFill>
+            <a:prstDash val="dash"/>
+            <a:round/>
+            <a:headEnd type="none" w="med" len="med"/>
+            <a:tailEnd type="none" w="med" len="med"/>
+          </a:ln>
+          <a:effectLst/>
+        </p:spPr>
+      </p:cxnSp>
+      <p:sp>
+        <p:nvSpPr>
+          <p:cNvPr id="8" name="Rectangle 7">
+            <a:extLst>
+              <a:ext uri="{FF2B5EF4-FFF2-40B4-BE49-F238E27FC236}">
+                <a16:creationId xmlns:a16="http://schemas.microsoft.com/office/drawing/2014/main" id="{F091A0C3-A5C4-7644-963D-C066FEC86601}"/>
+              </a:ext>
+            </a:extLst>
+          </p:cNvPr>
+          <p:cNvSpPr/>
+          <p:nvPr/>
+        </p:nvSpPr>
+        <p:spPr bwMode="auto">
+          <a:xfrm>
+            <a:off x="19901590" y="20129820"/>
+            <a:ext cx="2617569" cy="1792558"/>
+          </a:xfrm>
+          <a:prstGeom prst="rect">
+            <a:avLst/>
+          </a:prstGeom>
+          <a:solidFill>
+            <a:schemeClr val="bg1"/>
+          </a:solidFill>
+          <a:ln w="38100" cap="flat" cmpd="sng" algn="ctr">
+            <a:solidFill>
+              <a:schemeClr val="tx1"/>
+            </a:solidFill>
+            <a:prstDash val="solid"/>
+            <a:miter lim="800000"/>
+            <a:headEnd type="none" w="med" len="med"/>
+            <a:tailEnd type="none" w="med" len="med"/>
+          </a:ln>
+          <a:effectLst>
+            <a:outerShdw blurRad="50800" dist="38100" dir="2700000">
+              <a:srgbClr val="000000">
+                <a:alpha val="43000"/>
+              </a:srgbClr>
+            </a:outerShdw>
+          </a:effectLst>
+        </p:spPr>
+        <p:txBody>
+          <a:bodyPr vert="horz" wrap="square" lIns="91440" tIns="45720" rIns="91440" bIns="45720" numCol="1" rtlCol="0" anchor="ctr" anchorCtr="0" compatLnSpc="1">
+            <a:prstTxWarp prst="textNoShape">
+              <a:avLst/>
+            </a:prstTxWarp>
+          </a:bodyPr>
+          <a:lstStyle/>
+          <a:p>
+            <a:pPr marL="0" marR="0" indent="0" algn="ctr" defTabSz="3762375" rtl="0" eaLnBrk="1" fontAlgn="base" latinLnBrk="0" hangingPunct="1">
+              <a:lnSpc>
+                <a:spcPct val="100000"/>
+              </a:lnSpc>
+              <a:spcBef>
+                <a:spcPct val="0"/>
+              </a:spcBef>
+              <a:spcAft>
+                <a:spcPct val="0"/>
+              </a:spcAft>
+              <a:buClrTx/>
+              <a:buSzTx/>
+              <a:buFontTx/>
+              <a:buNone/>
+              <a:tabLst/>
+            </a:pPr>
+            <a:endParaRPr lang="en-US" dirty="0">
+              <a:latin typeface="Arial" pitchFamily="-110" charset="0"/>
+            </a:endParaRPr>
+          </a:p>
+        </p:txBody>
+      </p:sp>
       <p:sp>
         <p:nvSpPr>
           <p:cNvPr id="12290" name="Text Box 4"/>
@@ -4152,14 +4257,14 @@
           </a:ln>
           <a:extLst>
             <a:ext uri="{909E8E84-426E-40dd-AFC4-6F175D3DCCD1}">
-              <a14:hiddenFill xmlns="" xmlns:a14="http://schemas.microsoft.com/office/drawing/2010/main">
+              <a14:hiddenFill xmlns:a14="http://schemas.microsoft.com/office/drawing/2010/main" xmlns="">
                 <a:solidFill>
                   <a:srgbClr val="FFFFFF"/>
                 </a:solidFill>
               </a14:hiddenFill>
             </a:ext>
             <a:ext uri="{91240B29-F687-4f45-9708-019B960494DF}">
-              <a14:hiddenLine xmlns="" xmlns:a14="http://schemas.microsoft.com/office/drawing/2010/main" w="9525">
+              <a14:hiddenLine xmlns:a14="http://schemas.microsoft.com/office/drawing/2010/main" xmlns="" w="9525">
                 <a:solidFill>
                   <a:srgbClr val="000000"/>
                 </a:solidFill>
@@ -4313,14 +4418,14 @@
           </a:ln>
           <a:extLst>
             <a:ext uri="{909E8E84-426E-40dd-AFC4-6F175D3DCCD1}">
-              <a14:hiddenFill xmlns="" xmlns:a14="http://schemas.microsoft.com/office/drawing/2010/main">
+              <a14:hiddenFill xmlns:a14="http://schemas.microsoft.com/office/drawing/2010/main" xmlns="">
                 <a:solidFill>
                   <a:srgbClr val="FFFFFF"/>
                 </a:solidFill>
               </a14:hiddenFill>
             </a:ext>
             <a:ext uri="{91240B29-F687-4f45-9708-019B960494DF}">
-              <a14:hiddenLine xmlns="" xmlns:a14="http://schemas.microsoft.com/office/drawing/2010/main" w="9525">
+              <a14:hiddenLine xmlns:a14="http://schemas.microsoft.com/office/drawing/2010/main" xmlns="" w="9525">
                 <a:solidFill>
                   <a:srgbClr val="000000"/>
                 </a:solidFill>
@@ -4549,14 +4654,14 @@
           </a:ln>
           <a:extLst>
             <a:ext uri="{909E8E84-426E-40dd-AFC4-6F175D3DCCD1}">
-              <a14:hiddenFill xmlns="" xmlns:a14="http://schemas.microsoft.com/office/drawing/2010/main">
+              <a14:hiddenFill xmlns:a14="http://schemas.microsoft.com/office/drawing/2010/main" xmlns="">
                 <a:solidFill>
                   <a:srgbClr val="FFFFFF"/>
                 </a:solidFill>
               </a14:hiddenFill>
             </a:ext>
             <a:ext uri="{91240B29-F687-4f45-9708-019B960494DF}">
-              <a14:hiddenLine xmlns="" xmlns:a14="http://schemas.microsoft.com/office/drawing/2010/main" w="9525">
+              <a14:hiddenLine xmlns:a14="http://schemas.microsoft.com/office/drawing/2010/main" xmlns="" w="9525">
                 <a:solidFill>
                   <a:srgbClr val="000000"/>
                 </a:solidFill>
@@ -4592,7 +4697,7 @@
           </a:ln>
           <a:extLst>
             <a:ext uri="{91240B29-F687-4f45-9708-019B960494DF}">
-              <a14:hiddenLine xmlns="" xmlns:a14="http://schemas.microsoft.com/office/drawing/2010/main" w="9525">
+              <a14:hiddenLine xmlns:a14="http://schemas.microsoft.com/office/drawing/2010/main" xmlns="" w="9525">
                 <a:solidFill>
                   <a:srgbClr val="000000"/>
                 </a:solidFill>
@@ -4645,7 +4750,7 @@
           </a:ln>
           <a:extLst>
             <a:ext uri="{91240B29-F687-4f45-9708-019B960494DF}">
-              <a14:hiddenLine xmlns="" xmlns:a14="http://schemas.microsoft.com/office/drawing/2010/main" w="9525">
+              <a14:hiddenLine xmlns:a14="http://schemas.microsoft.com/office/drawing/2010/main" xmlns="" w="9525">
                 <a:solidFill>
                   <a:srgbClr val="000000"/>
                 </a:solidFill>
@@ -4711,7 +4816,7 @@
           </a:ln>
           <a:extLst>
             <a:ext uri="{91240B29-F687-4f45-9708-019B960494DF}">
-              <a14:hiddenLine xmlns="" xmlns:a14="http://schemas.microsoft.com/office/drawing/2010/main" w="9525">
+              <a14:hiddenLine xmlns:a14="http://schemas.microsoft.com/office/drawing/2010/main" xmlns="" w="9525">
                 <a:solidFill>
                   <a:srgbClr val="000000"/>
                 </a:solidFill>
@@ -5839,8 +5944,8 @@
         </p:nvSpPr>
         <p:spPr>
           <a:xfrm>
-            <a:off x="8130044" y="16228342"/>
-            <a:ext cx="10208244" cy="830997"/>
+            <a:off x="6988339" y="16230600"/>
+            <a:ext cx="8533105" cy="707886"/>
           </a:xfrm>
           <a:prstGeom prst="rect">
             <a:avLst/>
@@ -5866,18 +5971,18 @@
           </a:lstStyle>
           <a:p>
             <a:r>
-              <a:rPr lang="en-US" sz="4800" dirty="0"/>
+              <a:rPr lang="en-US" sz="4000" dirty="0"/>
               <a:t>Idea </a:t>
             </a:r>
             <a:r>
-              <a:rPr lang="en-US" altLang="zh-CN" sz="4800" dirty="0"/>
+              <a:rPr lang="en-US" altLang="zh-CN" sz="4000" dirty="0"/>
               <a:t>2</a:t>
             </a:r>
             <a:r>
-              <a:rPr lang="en-US" sz="4800" dirty="0"/>
+              <a:rPr lang="en-US" sz="4000" dirty="0"/>
               <a:t>: Autoencoder to reduce noise</a:t>
             </a:r>
-            <a:endParaRPr sz="4800" dirty="0"/>
+            <a:endParaRPr sz="4000" dirty="0"/>
           </a:p>
         </p:txBody>
       </p:sp>
@@ -5896,7 +6001,7 @@
         <p:spPr>
           <a:xfrm>
             <a:off x="152400" y="16246734"/>
-            <a:ext cx="7574509" cy="830997"/>
+            <a:ext cx="6341801" cy="707886"/>
           </a:xfrm>
           <a:prstGeom prst="rect">
             <a:avLst/>
@@ -5922,10 +6027,10 @@
           </a:lstStyle>
           <a:p>
             <a:r>
-              <a:rPr lang="en-US" sz="4800" dirty="0"/>
+              <a:rPr lang="en-US" sz="4000" dirty="0"/>
               <a:t>Idea 1: Data augmentation</a:t>
             </a:r>
-            <a:endParaRPr sz="4800" dirty="0"/>
+            <a:endParaRPr sz="4000" dirty="0"/>
           </a:p>
         </p:txBody>
       </p:sp>
@@ -5943,8 +6048,8 @@
         </p:nvGrpSpPr>
         <p:grpSpPr>
           <a:xfrm>
-            <a:off x="228600" y="17379633"/>
-            <a:ext cx="7823217" cy="8772850"/>
+            <a:off x="228600" y="17221200"/>
+            <a:ext cx="6827155" cy="8772850"/>
             <a:chOff x="334108" y="17379633"/>
             <a:chExt cx="7823217" cy="8772850"/>
           </a:xfrm>
@@ -6432,8 +6537,8 @@
           </p:nvSpPr>
           <p:spPr>
             <a:xfrm>
-              <a:off x="1787266" y="25324275"/>
-              <a:ext cx="2680468" cy="828208"/>
+              <a:off x="1556551" y="25324275"/>
+              <a:ext cx="3025820" cy="828208"/>
             </a:xfrm>
             <a:prstGeom prst="rect">
               <a:avLst/>
@@ -6755,7 +6860,7 @@
         </p:nvSpPr>
         <p:spPr>
           <a:xfrm>
-            <a:off x="21031200" y="16209876"/>
+            <a:off x="19507200" y="16209876"/>
             <a:ext cx="5161991" cy="830997"/>
           </a:xfrm>
           <a:prstGeom prst="rect">
@@ -6803,7 +6908,7 @@
         </p:nvSpPr>
         <p:spPr bwMode="auto">
           <a:xfrm>
-            <a:off x="10041794" y="21233525"/>
+            <a:off x="8132676" y="21235783"/>
             <a:ext cx="914400" cy="914400"/>
           </a:xfrm>
           <a:prstGeom prst="ellipse">
@@ -6873,7 +6978,7 @@
         </p:nvSpPr>
         <p:spPr bwMode="auto">
           <a:xfrm>
-            <a:off x="10041794" y="19580715"/>
+            <a:off x="8132676" y="19582973"/>
             <a:ext cx="914400" cy="914400"/>
           </a:xfrm>
           <a:prstGeom prst="ellipse">
@@ -6943,7 +7048,7 @@
         </p:nvSpPr>
         <p:spPr bwMode="auto">
           <a:xfrm>
-            <a:off x="10041794" y="17927905"/>
+            <a:off x="8132676" y="17930163"/>
             <a:ext cx="914400" cy="914400"/>
           </a:xfrm>
           <a:prstGeom prst="ellipse">
@@ -7013,7 +7118,7 @@
         </p:nvSpPr>
         <p:spPr bwMode="auto">
           <a:xfrm>
-            <a:off x="10041794" y="22886334"/>
+            <a:off x="8132676" y="22888592"/>
             <a:ext cx="914400" cy="914400"/>
           </a:xfrm>
           <a:prstGeom prst="ellipse">
@@ -7083,7 +7188,7 @@
         </p:nvSpPr>
         <p:spPr bwMode="auto">
           <a:xfrm>
-            <a:off x="15087600" y="21253025"/>
+            <a:off x="13178482" y="21255283"/>
             <a:ext cx="914400" cy="914400"/>
           </a:xfrm>
           <a:prstGeom prst="ellipse">
@@ -7153,7 +7258,7 @@
         </p:nvSpPr>
         <p:spPr bwMode="auto">
           <a:xfrm>
-            <a:off x="15087600" y="19600215"/>
+            <a:off x="13178482" y="19602473"/>
             <a:ext cx="914400" cy="914400"/>
           </a:xfrm>
           <a:prstGeom prst="ellipse">
@@ -7223,7 +7328,7 @@
         </p:nvSpPr>
         <p:spPr bwMode="auto">
           <a:xfrm>
-            <a:off x="15087600" y="17947405"/>
+            <a:off x="13178482" y="17949663"/>
             <a:ext cx="914400" cy="914400"/>
           </a:xfrm>
           <a:prstGeom prst="ellipse">
@@ -7293,7 +7398,7 @@
         </p:nvSpPr>
         <p:spPr bwMode="auto">
           <a:xfrm>
-            <a:off x="15087600" y="22905834"/>
+            <a:off x="13178482" y="22908092"/>
             <a:ext cx="914400" cy="914400"/>
           </a:xfrm>
           <a:prstGeom prst="ellipse">
@@ -7363,7 +7468,7 @@
         </p:nvSpPr>
         <p:spPr bwMode="auto">
           <a:xfrm>
-            <a:off x="12564697" y="21284399"/>
+            <a:off x="10655579" y="21286657"/>
             <a:ext cx="914400" cy="914400"/>
           </a:xfrm>
           <a:prstGeom prst="ellipse">
@@ -7433,7 +7538,7 @@
         </p:nvSpPr>
         <p:spPr bwMode="auto">
           <a:xfrm>
-            <a:off x="12564697" y="19631589"/>
+            <a:off x="10655579" y="19633847"/>
             <a:ext cx="914400" cy="914400"/>
           </a:xfrm>
           <a:prstGeom prst="ellipse">
@@ -7503,7 +7608,7 @@
         </p:nvSpPr>
         <p:spPr>
           <a:xfrm>
-            <a:off x="8922969" y="17068800"/>
+            <a:off x="7013851" y="17071058"/>
             <a:ext cx="2888031" cy="828208"/>
           </a:xfrm>
           <a:prstGeom prst="rect">
@@ -7529,7 +7634,7 @@
               </a:spcAft>
             </a:pPr>
             <a:r>
-              <a:rPr lang="en-US" sz="3600" dirty="0"/>
+              <a:rPr lang="en-US" sz="3400" dirty="0"/>
               <a:t>Input Layer</a:t>
             </a:r>
           </a:p>
@@ -7549,7 +7654,7 @@
         </p:nvSpPr>
         <p:spPr>
           <a:xfrm>
-            <a:off x="11589121" y="18041381"/>
+            <a:off x="9680003" y="18574781"/>
             <a:ext cx="2888031" cy="1313419"/>
           </a:xfrm>
           <a:prstGeom prst="rect">
@@ -7575,7 +7680,7 @@
               </a:spcAft>
             </a:pPr>
             <a:r>
-              <a:rPr lang="en-US" sz="3600" dirty="0"/>
+              <a:rPr lang="en-US" sz="3400" dirty="0"/>
               <a:t>Hidden Layer</a:t>
             </a:r>
           </a:p>
@@ -7595,7 +7700,7 @@
         </p:nvSpPr>
         <p:spPr>
           <a:xfrm>
-            <a:off x="14158127" y="17108411"/>
+            <a:off x="12249009" y="17110669"/>
             <a:ext cx="2888031" cy="828208"/>
           </a:xfrm>
           <a:prstGeom prst="rect">
@@ -7621,7 +7726,7 @@
               </a:spcAft>
             </a:pPr>
             <a:r>
-              <a:rPr lang="en-US" sz="3600" dirty="0"/>
+              <a:rPr lang="en-US" sz="3400" dirty="0"/>
               <a:t>Output Layer</a:t>
             </a:r>
           </a:p>
@@ -7641,9 +7746,9 @@
         </p:nvGrpSpPr>
         <p:grpSpPr>
           <a:xfrm>
-            <a:off x="10822283" y="18708394"/>
+            <a:off x="8913165" y="18710652"/>
             <a:ext cx="1742414" cy="4635140"/>
-            <a:chOff x="10822283" y="18708394"/>
+            <a:chOff x="8913165" y="18710652"/>
             <a:chExt cx="1742414" cy="4635140"/>
           </a:xfrm>
         </p:grpSpPr>
@@ -7665,7 +7770,7 @@
           </p:nvCxnSpPr>
           <p:spPr bwMode="auto">
             <a:xfrm>
-              <a:off x="10822283" y="18708394"/>
+              <a:off x="8913165" y="18710652"/>
               <a:ext cx="1742414" cy="1380395"/>
             </a:xfrm>
             <a:prstGeom prst="straightConnector1">
@@ -7703,7 +7808,7 @@
           </p:nvCxnSpPr>
           <p:spPr bwMode="auto">
             <a:xfrm>
-              <a:off x="10973566" y="20088789"/>
+              <a:off x="9064448" y="20091047"/>
               <a:ext cx="1591131" cy="0"/>
             </a:xfrm>
             <a:prstGeom prst="straightConnector1">
@@ -7741,7 +7846,7 @@
           </p:nvCxnSpPr>
           <p:spPr bwMode="auto">
             <a:xfrm flipV="1">
-              <a:off x="10973566" y="20088789"/>
+              <a:off x="9064448" y="20091047"/>
               <a:ext cx="1591131" cy="1621436"/>
             </a:xfrm>
             <a:prstGeom prst="straightConnector1">
@@ -7779,7 +7884,7 @@
           </p:nvCxnSpPr>
           <p:spPr bwMode="auto">
             <a:xfrm>
-              <a:off x="10973566" y="20099737"/>
+              <a:off x="9064448" y="20101995"/>
               <a:ext cx="1591131" cy="1641862"/>
             </a:xfrm>
             <a:prstGeom prst="straightConnector1">
@@ -7818,7 +7923,7 @@
           </p:nvCxnSpPr>
           <p:spPr bwMode="auto">
             <a:xfrm flipV="1">
-              <a:off x="10956194" y="20088789"/>
+              <a:off x="9047076" y="20091047"/>
               <a:ext cx="1608503" cy="3254745"/>
             </a:xfrm>
             <a:prstGeom prst="straightConnector1">
@@ -7857,7 +7962,7 @@
           </p:nvCxnSpPr>
           <p:spPr bwMode="auto">
             <a:xfrm>
-              <a:off x="10822283" y="18708394"/>
+              <a:off x="8913165" y="18710652"/>
               <a:ext cx="1742414" cy="3033205"/>
             </a:xfrm>
             <a:prstGeom prst="straightConnector1">
@@ -7896,7 +8001,7 @@
           </p:nvCxnSpPr>
           <p:spPr bwMode="auto">
             <a:xfrm>
-              <a:off x="10956194" y="21690725"/>
+              <a:off x="9047076" y="21692983"/>
               <a:ext cx="1608503" cy="50874"/>
             </a:xfrm>
             <a:prstGeom prst="straightConnector1">
@@ -7935,7 +8040,7 @@
           </p:nvCxnSpPr>
           <p:spPr bwMode="auto">
             <a:xfrm flipV="1">
-              <a:off x="10956194" y="21741599"/>
+              <a:off x="9047076" y="21743857"/>
               <a:ext cx="1608503" cy="1601935"/>
             </a:xfrm>
             <a:prstGeom prst="straightConnector1">
@@ -7971,7 +8076,7 @@
         </p:nvGrpSpPr>
         <p:grpSpPr>
           <a:xfrm flipH="1">
-            <a:off x="13594080" y="18748999"/>
+            <a:off x="11684962" y="18751257"/>
             <a:ext cx="1645920" cy="4635140"/>
             <a:chOff x="10822283" y="19165594"/>
             <a:chExt cx="1742414" cy="4635140"/>
@@ -8288,7 +8393,7 @@
         </p:nvSpPr>
         <p:spPr>
           <a:xfrm>
-            <a:off x="8305800" y="24012992"/>
+            <a:off x="6396682" y="24015250"/>
             <a:ext cx="4479172" cy="828208"/>
           </a:xfrm>
           <a:prstGeom prst="rect">
@@ -8314,7 +8419,7 @@
               </a:spcAft>
             </a:pPr>
             <a:r>
-              <a:rPr lang="en-US" sz="3600" b="1" i="1" dirty="0"/>
+              <a:rPr lang="en-US" sz="3400" b="1" i="1" dirty="0"/>
               <a:t>Images with noise</a:t>
             </a:r>
           </a:p>
@@ -8334,8 +8439,8 @@
         </p:nvSpPr>
         <p:spPr>
           <a:xfrm>
-            <a:off x="13297736" y="24012992"/>
-            <a:ext cx="5142664" cy="828208"/>
+            <a:off x="10855218" y="24015250"/>
+            <a:ext cx="4765782" cy="828208"/>
           </a:xfrm>
           <a:prstGeom prst="rect">
             <a:avLst/>
@@ -8360,7 +8465,7 @@
               </a:spcAft>
             </a:pPr>
             <a:r>
-              <a:rPr lang="en-US" sz="3600" b="1" i="1" dirty="0"/>
+              <a:rPr lang="en-US" sz="3400" b="1" i="1" dirty="0"/>
               <a:t>Images without noise</a:t>
             </a:r>
           </a:p>
@@ -8380,7 +8485,7 @@
         </p:nvSpPr>
         <p:spPr>
           <a:xfrm>
-            <a:off x="9220200" y="25034436"/>
+            <a:off x="6896783" y="24958236"/>
             <a:ext cx="8419417" cy="721164"/>
           </a:xfrm>
           <a:prstGeom prst="rect">
@@ -8410,6 +8515,3513 @@
             <a:r>
               <a:rPr lang="en-US" sz="3600" dirty="0"/>
               <a:t>Autoencoder is trained to filter out noise</a:t>
+            </a:r>
+          </a:p>
+        </p:txBody>
+      </p:sp>
+      <p:grpSp>
+        <p:nvGrpSpPr>
+          <p:cNvPr id="7" name="Group 6">
+            <a:extLst>
+              <a:ext uri="{FF2B5EF4-FFF2-40B4-BE49-F238E27FC236}">
+                <a16:creationId xmlns:a16="http://schemas.microsoft.com/office/drawing/2014/main" id="{D9245B7E-A488-0F43-953E-5D18994A1DF5}"/>
+              </a:ext>
+            </a:extLst>
+          </p:cNvPr>
+          <p:cNvGrpSpPr>
+            <a:grpSpLocks noChangeAspect="1"/>
+          </p:cNvGrpSpPr>
+          <p:nvPr/>
+        </p:nvGrpSpPr>
+        <p:grpSpPr>
+          <a:xfrm>
+            <a:off x="20127652" y="20359600"/>
+            <a:ext cx="2162908" cy="1328435"/>
+            <a:chOff x="19019520" y="18666943"/>
+            <a:chExt cx="5960206" cy="5892329"/>
+          </a:xfrm>
+        </p:grpSpPr>
+        <p:sp>
+          <p:nvSpPr>
+            <p:cNvPr id="94" name="Oval 93">
+              <a:extLst>
+                <a:ext uri="{FF2B5EF4-FFF2-40B4-BE49-F238E27FC236}">
+                  <a16:creationId xmlns:a16="http://schemas.microsoft.com/office/drawing/2014/main" id="{4DBA4B01-B088-AB4B-A810-7DFCF9AF6AB1}"/>
+                </a:ext>
+              </a:extLst>
+            </p:cNvPr>
+            <p:cNvSpPr/>
+            <p:nvPr/>
+          </p:nvSpPr>
+          <p:spPr bwMode="auto">
+            <a:xfrm>
+              <a:off x="19019520" y="21972563"/>
+              <a:ext cx="914400" cy="914400"/>
+            </a:xfrm>
+            <a:prstGeom prst="ellipse">
+              <a:avLst/>
+            </a:prstGeom>
+            <a:solidFill>
+              <a:srgbClr val="00B050"/>
+            </a:solidFill>
+            <a:ln w="76200" cap="flat" cmpd="sng" algn="ctr">
+              <a:solidFill>
+                <a:srgbClr val="00B050"/>
+              </a:solidFill>
+              <a:prstDash val="solid"/>
+              <a:miter lim="800000"/>
+              <a:headEnd type="none" w="med" len="med"/>
+              <a:tailEnd type="none" w="med" len="med"/>
+            </a:ln>
+            <a:effectLst>
+              <a:outerShdw blurRad="50800" dist="38100" dir="2700000">
+                <a:srgbClr val="000000">
+                  <a:alpha val="43000"/>
+                </a:srgbClr>
+              </a:outerShdw>
+            </a:effectLst>
+          </p:spPr>
+          <p:txBody>
+            <a:bodyPr vert="horz" wrap="square" lIns="91440" tIns="45720" rIns="91440" bIns="45720" numCol="1" rtlCol="0" anchor="ctr" anchorCtr="0" compatLnSpc="1">
+              <a:prstTxWarp prst="textNoShape">
+                <a:avLst/>
+              </a:prstTxWarp>
+            </a:bodyPr>
+            <a:lstStyle/>
+            <a:p>
+              <a:pPr marL="0" marR="0" indent="0" algn="ctr" defTabSz="3762375" rtl="0" eaLnBrk="1" fontAlgn="base" latinLnBrk="0" hangingPunct="1">
+                <a:lnSpc>
+                  <a:spcPct val="100000"/>
+                </a:lnSpc>
+                <a:spcBef>
+                  <a:spcPct val="0"/>
+                </a:spcBef>
+                <a:spcAft>
+                  <a:spcPct val="0"/>
+                </a:spcAft>
+                <a:buClrTx/>
+                <a:buSzTx/>
+                <a:buFontTx/>
+                <a:buNone/>
+                <a:tabLst/>
+              </a:pPr>
+              <a:endParaRPr lang="en-US" dirty="0">
+                <a:latin typeface="Arial" pitchFamily="-110" charset="0"/>
+              </a:endParaRPr>
+            </a:p>
+          </p:txBody>
+        </p:sp>
+        <p:sp>
+          <p:nvSpPr>
+            <p:cNvPr id="99" name="Oval 98">
+              <a:extLst>
+                <a:ext uri="{FF2B5EF4-FFF2-40B4-BE49-F238E27FC236}">
+                  <a16:creationId xmlns:a16="http://schemas.microsoft.com/office/drawing/2014/main" id="{121445BE-1B15-0C48-BEF7-E5467810A598}"/>
+                </a:ext>
+              </a:extLst>
+            </p:cNvPr>
+            <p:cNvSpPr/>
+            <p:nvPr/>
+          </p:nvSpPr>
+          <p:spPr bwMode="auto">
+            <a:xfrm>
+              <a:off x="19019520" y="20319753"/>
+              <a:ext cx="914400" cy="914400"/>
+            </a:xfrm>
+            <a:prstGeom prst="ellipse">
+              <a:avLst/>
+            </a:prstGeom>
+            <a:solidFill>
+              <a:srgbClr val="00B050"/>
+            </a:solidFill>
+            <a:ln w="76200" cap="flat" cmpd="sng" algn="ctr">
+              <a:solidFill>
+                <a:srgbClr val="00B050"/>
+              </a:solidFill>
+              <a:prstDash val="solid"/>
+              <a:miter lim="800000"/>
+              <a:headEnd type="none" w="med" len="med"/>
+              <a:tailEnd type="none" w="med" len="med"/>
+            </a:ln>
+            <a:effectLst>
+              <a:outerShdw blurRad="50800" dist="38100" dir="2700000">
+                <a:srgbClr val="000000">
+                  <a:alpha val="43000"/>
+                </a:srgbClr>
+              </a:outerShdw>
+            </a:effectLst>
+          </p:spPr>
+          <p:txBody>
+            <a:bodyPr vert="horz" wrap="square" lIns="91440" tIns="45720" rIns="91440" bIns="45720" numCol="1" rtlCol="0" anchor="ctr" anchorCtr="0" compatLnSpc="1">
+              <a:prstTxWarp prst="textNoShape">
+                <a:avLst/>
+              </a:prstTxWarp>
+            </a:bodyPr>
+            <a:lstStyle/>
+            <a:p>
+              <a:pPr marL="0" marR="0" indent="0" algn="ctr" defTabSz="3762375" rtl="0" eaLnBrk="1" fontAlgn="base" latinLnBrk="0" hangingPunct="1">
+                <a:lnSpc>
+                  <a:spcPct val="100000"/>
+                </a:lnSpc>
+                <a:spcBef>
+                  <a:spcPct val="0"/>
+                </a:spcBef>
+                <a:spcAft>
+                  <a:spcPct val="0"/>
+                </a:spcAft>
+                <a:buClrTx/>
+                <a:buSzTx/>
+                <a:buFontTx/>
+                <a:buNone/>
+                <a:tabLst/>
+              </a:pPr>
+              <a:endParaRPr lang="en-US" dirty="0">
+                <a:latin typeface="Arial" pitchFamily="-110" charset="0"/>
+              </a:endParaRPr>
+            </a:p>
+          </p:txBody>
+        </p:sp>
+        <p:sp>
+          <p:nvSpPr>
+            <p:cNvPr id="100" name="Oval 99">
+              <a:extLst>
+                <a:ext uri="{FF2B5EF4-FFF2-40B4-BE49-F238E27FC236}">
+                  <a16:creationId xmlns:a16="http://schemas.microsoft.com/office/drawing/2014/main" id="{033ECC3C-C110-BF47-966E-02BD199699F4}"/>
+                </a:ext>
+              </a:extLst>
+            </p:cNvPr>
+            <p:cNvSpPr/>
+            <p:nvPr/>
+          </p:nvSpPr>
+          <p:spPr bwMode="auto">
+            <a:xfrm>
+              <a:off x="19019520" y="18666943"/>
+              <a:ext cx="914400" cy="914400"/>
+            </a:xfrm>
+            <a:prstGeom prst="ellipse">
+              <a:avLst/>
+            </a:prstGeom>
+            <a:solidFill>
+              <a:srgbClr val="00B050"/>
+            </a:solidFill>
+            <a:ln w="76200" cap="flat" cmpd="sng" algn="ctr">
+              <a:solidFill>
+                <a:srgbClr val="00B050"/>
+              </a:solidFill>
+              <a:prstDash val="solid"/>
+              <a:miter lim="800000"/>
+              <a:headEnd type="none" w="med" len="med"/>
+              <a:tailEnd type="none" w="med" len="med"/>
+            </a:ln>
+            <a:effectLst>
+              <a:outerShdw blurRad="50800" dist="38100" dir="2700000">
+                <a:srgbClr val="000000">
+                  <a:alpha val="43000"/>
+                </a:srgbClr>
+              </a:outerShdw>
+            </a:effectLst>
+          </p:spPr>
+          <p:txBody>
+            <a:bodyPr vert="horz" wrap="square" lIns="91440" tIns="45720" rIns="91440" bIns="45720" numCol="1" rtlCol="0" anchor="ctr" anchorCtr="0" compatLnSpc="1">
+              <a:prstTxWarp prst="textNoShape">
+                <a:avLst/>
+              </a:prstTxWarp>
+            </a:bodyPr>
+            <a:lstStyle/>
+            <a:p>
+              <a:pPr marL="0" marR="0" indent="0" algn="ctr" defTabSz="3762375" rtl="0" eaLnBrk="1" fontAlgn="base" latinLnBrk="0" hangingPunct="1">
+                <a:lnSpc>
+                  <a:spcPct val="100000"/>
+                </a:lnSpc>
+                <a:spcBef>
+                  <a:spcPct val="0"/>
+                </a:spcBef>
+                <a:spcAft>
+                  <a:spcPct val="0"/>
+                </a:spcAft>
+                <a:buClrTx/>
+                <a:buSzTx/>
+                <a:buFontTx/>
+                <a:buNone/>
+                <a:tabLst/>
+              </a:pPr>
+              <a:endParaRPr lang="en-US" dirty="0">
+                <a:latin typeface="Arial" pitchFamily="-110" charset="0"/>
+              </a:endParaRPr>
+            </a:p>
+          </p:txBody>
+        </p:sp>
+        <p:sp>
+          <p:nvSpPr>
+            <p:cNvPr id="101" name="Oval 100">
+              <a:extLst>
+                <a:ext uri="{FF2B5EF4-FFF2-40B4-BE49-F238E27FC236}">
+                  <a16:creationId xmlns:a16="http://schemas.microsoft.com/office/drawing/2014/main" id="{B7EA7E57-459C-1047-903C-7353C6891ED2}"/>
+                </a:ext>
+              </a:extLst>
+            </p:cNvPr>
+            <p:cNvSpPr/>
+            <p:nvPr/>
+          </p:nvSpPr>
+          <p:spPr bwMode="auto">
+            <a:xfrm>
+              <a:off x="19019520" y="23625372"/>
+              <a:ext cx="914400" cy="914400"/>
+            </a:xfrm>
+            <a:prstGeom prst="ellipse">
+              <a:avLst/>
+            </a:prstGeom>
+            <a:solidFill>
+              <a:srgbClr val="00B050"/>
+            </a:solidFill>
+            <a:ln w="76200" cap="flat" cmpd="sng" algn="ctr">
+              <a:solidFill>
+                <a:srgbClr val="00B050"/>
+              </a:solidFill>
+              <a:prstDash val="solid"/>
+              <a:miter lim="800000"/>
+              <a:headEnd type="none" w="med" len="med"/>
+              <a:tailEnd type="none" w="med" len="med"/>
+            </a:ln>
+            <a:effectLst>
+              <a:outerShdw blurRad="50800" dist="38100" dir="2700000">
+                <a:srgbClr val="000000">
+                  <a:alpha val="43000"/>
+                </a:srgbClr>
+              </a:outerShdw>
+            </a:effectLst>
+          </p:spPr>
+          <p:txBody>
+            <a:bodyPr vert="horz" wrap="square" lIns="91440" tIns="45720" rIns="91440" bIns="45720" numCol="1" rtlCol="0" anchor="ctr" anchorCtr="0" compatLnSpc="1">
+              <a:prstTxWarp prst="textNoShape">
+                <a:avLst/>
+              </a:prstTxWarp>
+            </a:bodyPr>
+            <a:lstStyle/>
+            <a:p>
+              <a:pPr marL="0" marR="0" indent="0" algn="ctr" defTabSz="3762375" rtl="0" eaLnBrk="1" fontAlgn="base" latinLnBrk="0" hangingPunct="1">
+                <a:lnSpc>
+                  <a:spcPct val="100000"/>
+                </a:lnSpc>
+                <a:spcBef>
+                  <a:spcPct val="0"/>
+                </a:spcBef>
+                <a:spcAft>
+                  <a:spcPct val="0"/>
+                </a:spcAft>
+                <a:buClrTx/>
+                <a:buSzTx/>
+                <a:buFontTx/>
+                <a:buNone/>
+                <a:tabLst/>
+              </a:pPr>
+              <a:endParaRPr lang="en-US" dirty="0">
+                <a:latin typeface="Arial" pitchFamily="-110" charset="0"/>
+              </a:endParaRPr>
+            </a:p>
+          </p:txBody>
+        </p:sp>
+        <p:sp>
+          <p:nvSpPr>
+            <p:cNvPr id="102" name="Oval 101">
+              <a:extLst>
+                <a:ext uri="{FF2B5EF4-FFF2-40B4-BE49-F238E27FC236}">
+                  <a16:creationId xmlns:a16="http://schemas.microsoft.com/office/drawing/2014/main" id="{C1B1DF3F-EE21-5740-AF86-FC481797D40C}"/>
+                </a:ext>
+              </a:extLst>
+            </p:cNvPr>
+            <p:cNvSpPr/>
+            <p:nvPr/>
+          </p:nvSpPr>
+          <p:spPr bwMode="auto">
+            <a:xfrm>
+              <a:off x="24065326" y="21992063"/>
+              <a:ext cx="914400" cy="914400"/>
+            </a:xfrm>
+            <a:prstGeom prst="ellipse">
+              <a:avLst/>
+            </a:prstGeom>
+            <a:solidFill>
+              <a:srgbClr val="0070C0"/>
+            </a:solidFill>
+            <a:ln w="76200" cap="flat" cmpd="sng" algn="ctr">
+              <a:solidFill>
+                <a:srgbClr val="0070C0"/>
+              </a:solidFill>
+              <a:prstDash val="solid"/>
+              <a:miter lim="800000"/>
+              <a:headEnd type="none" w="med" len="med"/>
+              <a:tailEnd type="none" w="med" len="med"/>
+            </a:ln>
+            <a:effectLst>
+              <a:outerShdw blurRad="50800" dist="38100" dir="2700000">
+                <a:srgbClr val="000000">
+                  <a:alpha val="43000"/>
+                </a:srgbClr>
+              </a:outerShdw>
+            </a:effectLst>
+          </p:spPr>
+          <p:txBody>
+            <a:bodyPr vert="horz" wrap="square" lIns="91440" tIns="45720" rIns="91440" bIns="45720" numCol="1" rtlCol="0" anchor="ctr" anchorCtr="0" compatLnSpc="1">
+              <a:prstTxWarp prst="textNoShape">
+                <a:avLst/>
+              </a:prstTxWarp>
+            </a:bodyPr>
+            <a:lstStyle/>
+            <a:p>
+              <a:pPr marL="0" marR="0" indent="0" algn="ctr" defTabSz="3762375" rtl="0" eaLnBrk="1" fontAlgn="base" latinLnBrk="0" hangingPunct="1">
+                <a:lnSpc>
+                  <a:spcPct val="100000"/>
+                </a:lnSpc>
+                <a:spcBef>
+                  <a:spcPct val="0"/>
+                </a:spcBef>
+                <a:spcAft>
+                  <a:spcPct val="0"/>
+                </a:spcAft>
+                <a:buClrTx/>
+                <a:buSzTx/>
+                <a:buFontTx/>
+                <a:buNone/>
+                <a:tabLst/>
+              </a:pPr>
+              <a:endParaRPr lang="en-US" dirty="0">
+                <a:latin typeface="Arial" pitchFamily="-110" charset="0"/>
+              </a:endParaRPr>
+            </a:p>
+          </p:txBody>
+        </p:sp>
+        <p:sp>
+          <p:nvSpPr>
+            <p:cNvPr id="103" name="Oval 102">
+              <a:extLst>
+                <a:ext uri="{FF2B5EF4-FFF2-40B4-BE49-F238E27FC236}">
+                  <a16:creationId xmlns:a16="http://schemas.microsoft.com/office/drawing/2014/main" id="{F5CBD91F-B1A3-B047-B4AE-2D78241752B6}"/>
+                </a:ext>
+              </a:extLst>
+            </p:cNvPr>
+            <p:cNvSpPr/>
+            <p:nvPr/>
+          </p:nvSpPr>
+          <p:spPr bwMode="auto">
+            <a:xfrm>
+              <a:off x="24065326" y="20339253"/>
+              <a:ext cx="914400" cy="914400"/>
+            </a:xfrm>
+            <a:prstGeom prst="ellipse">
+              <a:avLst/>
+            </a:prstGeom>
+            <a:solidFill>
+              <a:srgbClr val="0070C0"/>
+            </a:solidFill>
+            <a:ln w="76200" cap="flat" cmpd="sng" algn="ctr">
+              <a:solidFill>
+                <a:srgbClr val="0070C0"/>
+              </a:solidFill>
+              <a:prstDash val="solid"/>
+              <a:miter lim="800000"/>
+              <a:headEnd type="none" w="med" len="med"/>
+              <a:tailEnd type="none" w="med" len="med"/>
+            </a:ln>
+            <a:effectLst>
+              <a:outerShdw blurRad="50800" dist="38100" dir="2700000">
+                <a:srgbClr val="000000">
+                  <a:alpha val="43000"/>
+                </a:srgbClr>
+              </a:outerShdw>
+            </a:effectLst>
+          </p:spPr>
+          <p:txBody>
+            <a:bodyPr vert="horz" wrap="square" lIns="91440" tIns="45720" rIns="91440" bIns="45720" numCol="1" rtlCol="0" anchor="ctr" anchorCtr="0" compatLnSpc="1">
+              <a:prstTxWarp prst="textNoShape">
+                <a:avLst/>
+              </a:prstTxWarp>
+            </a:bodyPr>
+            <a:lstStyle/>
+            <a:p>
+              <a:pPr marL="0" marR="0" indent="0" algn="ctr" defTabSz="3762375" rtl="0" eaLnBrk="1" fontAlgn="base" latinLnBrk="0" hangingPunct="1">
+                <a:lnSpc>
+                  <a:spcPct val="100000"/>
+                </a:lnSpc>
+                <a:spcBef>
+                  <a:spcPct val="0"/>
+                </a:spcBef>
+                <a:spcAft>
+                  <a:spcPct val="0"/>
+                </a:spcAft>
+                <a:buClrTx/>
+                <a:buSzTx/>
+                <a:buFontTx/>
+                <a:buNone/>
+                <a:tabLst/>
+              </a:pPr>
+              <a:endParaRPr lang="en-US" dirty="0">
+                <a:latin typeface="Arial" pitchFamily="-110" charset="0"/>
+              </a:endParaRPr>
+            </a:p>
+          </p:txBody>
+        </p:sp>
+        <p:sp>
+          <p:nvSpPr>
+            <p:cNvPr id="106" name="Oval 105">
+              <a:extLst>
+                <a:ext uri="{FF2B5EF4-FFF2-40B4-BE49-F238E27FC236}">
+                  <a16:creationId xmlns:a16="http://schemas.microsoft.com/office/drawing/2014/main" id="{D3B5C395-6D73-A141-A4CD-A12E63A3BF1E}"/>
+                </a:ext>
+              </a:extLst>
+            </p:cNvPr>
+            <p:cNvSpPr/>
+            <p:nvPr/>
+          </p:nvSpPr>
+          <p:spPr bwMode="auto">
+            <a:xfrm>
+              <a:off x="24065326" y="18686443"/>
+              <a:ext cx="914400" cy="914400"/>
+            </a:xfrm>
+            <a:prstGeom prst="ellipse">
+              <a:avLst/>
+            </a:prstGeom>
+            <a:solidFill>
+              <a:srgbClr val="0070C0"/>
+            </a:solidFill>
+            <a:ln w="76200" cap="flat" cmpd="sng" algn="ctr">
+              <a:solidFill>
+                <a:srgbClr val="0070C0"/>
+              </a:solidFill>
+              <a:prstDash val="solid"/>
+              <a:miter lim="800000"/>
+              <a:headEnd type="none" w="med" len="med"/>
+              <a:tailEnd type="none" w="med" len="med"/>
+            </a:ln>
+            <a:effectLst>
+              <a:outerShdw blurRad="50800" dist="38100" dir="2700000">
+                <a:srgbClr val="000000">
+                  <a:alpha val="43000"/>
+                </a:srgbClr>
+              </a:outerShdw>
+            </a:effectLst>
+          </p:spPr>
+          <p:txBody>
+            <a:bodyPr vert="horz" wrap="square" lIns="91440" tIns="45720" rIns="91440" bIns="45720" numCol="1" rtlCol="0" anchor="ctr" anchorCtr="0" compatLnSpc="1">
+              <a:prstTxWarp prst="textNoShape">
+                <a:avLst/>
+              </a:prstTxWarp>
+            </a:bodyPr>
+            <a:lstStyle/>
+            <a:p>
+              <a:pPr marL="0" marR="0" indent="0" algn="ctr" defTabSz="3762375" rtl="0" eaLnBrk="1" fontAlgn="base" latinLnBrk="0" hangingPunct="1">
+                <a:lnSpc>
+                  <a:spcPct val="100000"/>
+                </a:lnSpc>
+                <a:spcBef>
+                  <a:spcPct val="0"/>
+                </a:spcBef>
+                <a:spcAft>
+                  <a:spcPct val="0"/>
+                </a:spcAft>
+                <a:buClrTx/>
+                <a:buSzTx/>
+                <a:buFontTx/>
+                <a:buNone/>
+                <a:tabLst/>
+              </a:pPr>
+              <a:endParaRPr lang="en-US" dirty="0">
+                <a:latin typeface="Arial" pitchFamily="-110" charset="0"/>
+              </a:endParaRPr>
+            </a:p>
+          </p:txBody>
+        </p:sp>
+        <p:sp>
+          <p:nvSpPr>
+            <p:cNvPr id="107" name="Oval 106">
+              <a:extLst>
+                <a:ext uri="{FF2B5EF4-FFF2-40B4-BE49-F238E27FC236}">
+                  <a16:creationId xmlns:a16="http://schemas.microsoft.com/office/drawing/2014/main" id="{3DB57EB1-F0B4-A24B-B5F5-E8B011DFD698}"/>
+                </a:ext>
+              </a:extLst>
+            </p:cNvPr>
+            <p:cNvSpPr/>
+            <p:nvPr/>
+          </p:nvSpPr>
+          <p:spPr bwMode="auto">
+            <a:xfrm>
+              <a:off x="24065326" y="23644872"/>
+              <a:ext cx="914400" cy="914400"/>
+            </a:xfrm>
+            <a:prstGeom prst="ellipse">
+              <a:avLst/>
+            </a:prstGeom>
+            <a:solidFill>
+              <a:srgbClr val="0070C0"/>
+            </a:solidFill>
+            <a:ln w="76200" cap="flat" cmpd="sng" algn="ctr">
+              <a:solidFill>
+                <a:srgbClr val="0070C0"/>
+              </a:solidFill>
+              <a:prstDash val="solid"/>
+              <a:miter lim="800000"/>
+              <a:headEnd type="none" w="med" len="med"/>
+              <a:tailEnd type="none" w="med" len="med"/>
+            </a:ln>
+            <a:effectLst>
+              <a:outerShdw blurRad="50800" dist="38100" dir="2700000">
+                <a:srgbClr val="000000">
+                  <a:alpha val="43000"/>
+                </a:srgbClr>
+              </a:outerShdw>
+            </a:effectLst>
+          </p:spPr>
+          <p:txBody>
+            <a:bodyPr vert="horz" wrap="square" lIns="91440" tIns="45720" rIns="91440" bIns="45720" numCol="1" rtlCol="0" anchor="ctr" anchorCtr="0" compatLnSpc="1">
+              <a:prstTxWarp prst="textNoShape">
+                <a:avLst/>
+              </a:prstTxWarp>
+            </a:bodyPr>
+            <a:lstStyle/>
+            <a:p>
+              <a:pPr marL="0" marR="0" indent="0" algn="ctr" defTabSz="3762375" rtl="0" eaLnBrk="1" fontAlgn="base" latinLnBrk="0" hangingPunct="1">
+                <a:lnSpc>
+                  <a:spcPct val="100000"/>
+                </a:lnSpc>
+                <a:spcBef>
+                  <a:spcPct val="0"/>
+                </a:spcBef>
+                <a:spcAft>
+                  <a:spcPct val="0"/>
+                </a:spcAft>
+                <a:buClrTx/>
+                <a:buSzTx/>
+                <a:buFontTx/>
+                <a:buNone/>
+                <a:tabLst/>
+              </a:pPr>
+              <a:endParaRPr lang="en-US" dirty="0">
+                <a:latin typeface="Arial" pitchFamily="-110" charset="0"/>
+              </a:endParaRPr>
+            </a:p>
+          </p:txBody>
+        </p:sp>
+        <p:sp>
+          <p:nvSpPr>
+            <p:cNvPr id="108" name="Oval 107">
+              <a:extLst>
+                <a:ext uri="{FF2B5EF4-FFF2-40B4-BE49-F238E27FC236}">
+                  <a16:creationId xmlns:a16="http://schemas.microsoft.com/office/drawing/2014/main" id="{437395A8-64FA-114D-9190-B61438DAD4D1}"/>
+                </a:ext>
+              </a:extLst>
+            </p:cNvPr>
+            <p:cNvSpPr/>
+            <p:nvPr/>
+          </p:nvSpPr>
+          <p:spPr bwMode="auto">
+            <a:xfrm>
+              <a:off x="21542423" y="22023437"/>
+              <a:ext cx="914400" cy="914400"/>
+            </a:xfrm>
+            <a:prstGeom prst="ellipse">
+              <a:avLst/>
+            </a:prstGeom>
+            <a:solidFill>
+              <a:srgbClr val="FFC000"/>
+            </a:solidFill>
+            <a:ln w="76200" cap="flat" cmpd="sng" algn="ctr">
+              <a:solidFill>
+                <a:srgbClr val="FFC000"/>
+              </a:solidFill>
+              <a:prstDash val="solid"/>
+              <a:miter lim="800000"/>
+              <a:headEnd type="none" w="med" len="med"/>
+              <a:tailEnd type="none" w="med" len="med"/>
+            </a:ln>
+            <a:effectLst>
+              <a:outerShdw blurRad="50800" dist="38100" dir="2700000">
+                <a:srgbClr val="000000">
+                  <a:alpha val="43000"/>
+                </a:srgbClr>
+              </a:outerShdw>
+            </a:effectLst>
+          </p:spPr>
+          <p:txBody>
+            <a:bodyPr vert="horz" wrap="square" lIns="91440" tIns="45720" rIns="91440" bIns="45720" numCol="1" rtlCol="0" anchor="ctr" anchorCtr="0" compatLnSpc="1">
+              <a:prstTxWarp prst="textNoShape">
+                <a:avLst/>
+              </a:prstTxWarp>
+            </a:bodyPr>
+            <a:lstStyle/>
+            <a:p>
+              <a:pPr marL="0" marR="0" indent="0" algn="ctr" defTabSz="3762375" rtl="0" eaLnBrk="1" fontAlgn="base" latinLnBrk="0" hangingPunct="1">
+                <a:lnSpc>
+                  <a:spcPct val="100000"/>
+                </a:lnSpc>
+                <a:spcBef>
+                  <a:spcPct val="0"/>
+                </a:spcBef>
+                <a:spcAft>
+                  <a:spcPct val="0"/>
+                </a:spcAft>
+                <a:buClrTx/>
+                <a:buSzTx/>
+                <a:buFontTx/>
+                <a:buNone/>
+                <a:tabLst/>
+              </a:pPr>
+              <a:endParaRPr lang="en-US" dirty="0">
+                <a:latin typeface="Arial" pitchFamily="-110" charset="0"/>
+              </a:endParaRPr>
+            </a:p>
+          </p:txBody>
+        </p:sp>
+        <p:sp>
+          <p:nvSpPr>
+            <p:cNvPr id="112" name="Oval 111">
+              <a:extLst>
+                <a:ext uri="{FF2B5EF4-FFF2-40B4-BE49-F238E27FC236}">
+                  <a16:creationId xmlns:a16="http://schemas.microsoft.com/office/drawing/2014/main" id="{B7D24CAB-F420-8449-B024-AAECB6C9921B}"/>
+                </a:ext>
+              </a:extLst>
+            </p:cNvPr>
+            <p:cNvSpPr/>
+            <p:nvPr/>
+          </p:nvSpPr>
+          <p:spPr bwMode="auto">
+            <a:xfrm>
+              <a:off x="21542423" y="20370627"/>
+              <a:ext cx="914400" cy="914400"/>
+            </a:xfrm>
+            <a:prstGeom prst="ellipse">
+              <a:avLst/>
+            </a:prstGeom>
+            <a:solidFill>
+              <a:srgbClr val="FFC000"/>
+            </a:solidFill>
+            <a:ln w="76200" cap="flat" cmpd="sng" algn="ctr">
+              <a:solidFill>
+                <a:srgbClr val="FFC000"/>
+              </a:solidFill>
+              <a:prstDash val="solid"/>
+              <a:miter lim="800000"/>
+              <a:headEnd type="none" w="med" len="med"/>
+              <a:tailEnd type="none" w="med" len="med"/>
+            </a:ln>
+            <a:effectLst>
+              <a:outerShdw blurRad="50800" dist="38100" dir="2700000">
+                <a:srgbClr val="000000">
+                  <a:alpha val="43000"/>
+                </a:srgbClr>
+              </a:outerShdw>
+            </a:effectLst>
+          </p:spPr>
+          <p:txBody>
+            <a:bodyPr vert="horz" wrap="square" lIns="91440" tIns="45720" rIns="91440" bIns="45720" numCol="1" rtlCol="0" anchor="ctr" anchorCtr="0" compatLnSpc="1">
+              <a:prstTxWarp prst="textNoShape">
+                <a:avLst/>
+              </a:prstTxWarp>
+            </a:bodyPr>
+            <a:lstStyle/>
+            <a:p>
+              <a:pPr marL="0" marR="0" indent="0" algn="ctr" defTabSz="3762375" rtl="0" eaLnBrk="1" fontAlgn="base" latinLnBrk="0" hangingPunct="1">
+                <a:lnSpc>
+                  <a:spcPct val="100000"/>
+                </a:lnSpc>
+                <a:spcBef>
+                  <a:spcPct val="0"/>
+                </a:spcBef>
+                <a:spcAft>
+                  <a:spcPct val="0"/>
+                </a:spcAft>
+                <a:buClrTx/>
+                <a:buSzTx/>
+                <a:buFontTx/>
+                <a:buNone/>
+                <a:tabLst/>
+              </a:pPr>
+              <a:endParaRPr lang="en-US" dirty="0">
+                <a:latin typeface="Arial" pitchFamily="-110" charset="0"/>
+              </a:endParaRPr>
+            </a:p>
+          </p:txBody>
+        </p:sp>
+        <p:grpSp>
+          <p:nvGrpSpPr>
+            <p:cNvPr id="122" name="Group 121">
+              <a:extLst>
+                <a:ext uri="{FF2B5EF4-FFF2-40B4-BE49-F238E27FC236}">
+                  <a16:creationId xmlns:a16="http://schemas.microsoft.com/office/drawing/2014/main" id="{F0285AA5-ACA5-5A41-8142-779BCA040726}"/>
+                </a:ext>
+              </a:extLst>
+            </p:cNvPr>
+            <p:cNvGrpSpPr/>
+            <p:nvPr/>
+          </p:nvGrpSpPr>
+          <p:grpSpPr>
+            <a:xfrm>
+              <a:off x="19800009" y="19447432"/>
+              <a:ext cx="1742414" cy="4635140"/>
+              <a:chOff x="19647609" y="19295032"/>
+              <a:chExt cx="1742414" cy="4635140"/>
+            </a:xfrm>
+          </p:grpSpPr>
+          <p:cxnSp>
+            <p:nvCxnSpPr>
+              <p:cNvPr id="123" name="Straight Arrow Connector 122">
+                <a:extLst>
+                  <a:ext uri="{FF2B5EF4-FFF2-40B4-BE49-F238E27FC236}">
+                    <a16:creationId xmlns:a16="http://schemas.microsoft.com/office/drawing/2014/main" id="{D0B8FA29-5114-984F-8D4F-CE2198DCE4F1}"/>
+                  </a:ext>
+                </a:extLst>
+              </p:cNvPr>
+              <p:cNvCxnSpPr>
+                <a:cxnSpLocks/>
+                <a:stCxn id="100" idx="5"/>
+                <a:endCxn id="112" idx="2"/>
+              </p:cNvCxnSpPr>
+              <p:nvPr/>
+            </p:nvCxnSpPr>
+            <p:spPr bwMode="auto">
+              <a:xfrm>
+                <a:off x="19647609" y="19295032"/>
+                <a:ext cx="1742414" cy="1380395"/>
+              </a:xfrm>
+              <a:prstGeom prst="straightConnector1">
+                <a:avLst/>
+              </a:prstGeom>
+              <a:solidFill>
+                <a:schemeClr val="accent1"/>
+              </a:solidFill>
+              <a:ln w="57150" cap="flat" cmpd="sng" algn="ctr">
+                <a:solidFill>
+                  <a:schemeClr val="tx1"/>
+                </a:solidFill>
+                <a:prstDash val="solid"/>
+                <a:round/>
+                <a:headEnd type="none" w="med" len="med"/>
+                <a:tailEnd type="none" w="med" len="med"/>
+              </a:ln>
+              <a:effectLst/>
+            </p:spPr>
+          </p:cxnSp>
+          <p:cxnSp>
+            <p:nvCxnSpPr>
+              <p:cNvPr id="124" name="Straight Arrow Connector 123">
+                <a:extLst>
+                  <a:ext uri="{FF2B5EF4-FFF2-40B4-BE49-F238E27FC236}">
+                    <a16:creationId xmlns:a16="http://schemas.microsoft.com/office/drawing/2014/main" id="{104A0CCF-D5D3-5544-9C7D-3A740DF8176A}"/>
+                  </a:ext>
+                </a:extLst>
+              </p:cNvPr>
+              <p:cNvCxnSpPr>
+                <a:cxnSpLocks/>
+                <a:endCxn id="112" idx="2"/>
+              </p:cNvCxnSpPr>
+              <p:nvPr/>
+            </p:nvCxnSpPr>
+            <p:spPr bwMode="auto">
+              <a:xfrm>
+                <a:off x="19798892" y="20675427"/>
+                <a:ext cx="1591131" cy="0"/>
+              </a:xfrm>
+              <a:prstGeom prst="straightConnector1">
+                <a:avLst/>
+              </a:prstGeom>
+              <a:solidFill>
+                <a:schemeClr val="accent1"/>
+              </a:solidFill>
+              <a:ln w="57150" cap="flat" cmpd="sng" algn="ctr">
+                <a:solidFill>
+                  <a:schemeClr val="tx1"/>
+                </a:solidFill>
+                <a:prstDash val="solid"/>
+                <a:round/>
+                <a:headEnd type="none" w="med" len="med"/>
+                <a:tailEnd type="none" w="med" len="med"/>
+              </a:ln>
+              <a:effectLst/>
+            </p:spPr>
+          </p:cxnSp>
+          <p:cxnSp>
+            <p:nvCxnSpPr>
+              <p:cNvPr id="125" name="Straight Arrow Connector 124">
+                <a:extLst>
+                  <a:ext uri="{FF2B5EF4-FFF2-40B4-BE49-F238E27FC236}">
+                    <a16:creationId xmlns:a16="http://schemas.microsoft.com/office/drawing/2014/main" id="{9C78D093-0999-254B-A440-58D55D5168F4}"/>
+                  </a:ext>
+                </a:extLst>
+              </p:cNvPr>
+              <p:cNvCxnSpPr>
+                <a:cxnSpLocks/>
+                <a:endCxn id="112" idx="2"/>
+              </p:cNvCxnSpPr>
+              <p:nvPr/>
+            </p:nvCxnSpPr>
+            <p:spPr bwMode="auto">
+              <a:xfrm flipV="1">
+                <a:off x="19798892" y="20675427"/>
+                <a:ext cx="1591131" cy="1621436"/>
+              </a:xfrm>
+              <a:prstGeom prst="straightConnector1">
+                <a:avLst/>
+              </a:prstGeom>
+              <a:solidFill>
+                <a:schemeClr val="accent1"/>
+              </a:solidFill>
+              <a:ln w="57150" cap="flat" cmpd="sng" algn="ctr">
+                <a:solidFill>
+                  <a:schemeClr val="tx1"/>
+                </a:solidFill>
+                <a:prstDash val="solid"/>
+                <a:round/>
+                <a:headEnd type="none" w="med" len="med"/>
+                <a:tailEnd type="none" w="med" len="med"/>
+              </a:ln>
+              <a:effectLst/>
+            </p:spPr>
+          </p:cxnSp>
+          <p:cxnSp>
+            <p:nvCxnSpPr>
+              <p:cNvPr id="126" name="Straight Arrow Connector 125">
+                <a:extLst>
+                  <a:ext uri="{FF2B5EF4-FFF2-40B4-BE49-F238E27FC236}">
+                    <a16:creationId xmlns:a16="http://schemas.microsoft.com/office/drawing/2014/main" id="{C377AD3A-ECCB-F447-A331-CEC94C27C3B3}"/>
+                  </a:ext>
+                </a:extLst>
+              </p:cNvPr>
+              <p:cNvCxnSpPr>
+                <a:cxnSpLocks/>
+                <a:endCxn id="108" idx="2"/>
+              </p:cNvCxnSpPr>
+              <p:nvPr/>
+            </p:nvCxnSpPr>
+            <p:spPr bwMode="auto">
+              <a:xfrm>
+                <a:off x="19798892" y="20686375"/>
+                <a:ext cx="1591131" cy="1641862"/>
+              </a:xfrm>
+              <a:prstGeom prst="straightConnector1">
+                <a:avLst/>
+              </a:prstGeom>
+              <a:solidFill>
+                <a:schemeClr val="accent1"/>
+              </a:solidFill>
+              <a:ln w="57150" cap="flat" cmpd="sng" algn="ctr">
+                <a:solidFill>
+                  <a:schemeClr val="tx1"/>
+                </a:solidFill>
+                <a:prstDash val="solid"/>
+                <a:round/>
+                <a:headEnd type="none" w="med" len="med"/>
+                <a:tailEnd type="none" w="med" len="med"/>
+              </a:ln>
+              <a:effectLst/>
+            </p:spPr>
+          </p:cxnSp>
+          <p:cxnSp>
+            <p:nvCxnSpPr>
+              <p:cNvPr id="127" name="Straight Arrow Connector 126">
+                <a:extLst>
+                  <a:ext uri="{FF2B5EF4-FFF2-40B4-BE49-F238E27FC236}">
+                    <a16:creationId xmlns:a16="http://schemas.microsoft.com/office/drawing/2014/main" id="{E3D3C2FB-9F1B-C14B-9534-6348C87AC531}"/>
+                  </a:ext>
+                </a:extLst>
+              </p:cNvPr>
+              <p:cNvCxnSpPr>
+                <a:cxnSpLocks/>
+                <a:stCxn id="101" idx="6"/>
+                <a:endCxn id="112" idx="2"/>
+              </p:cNvCxnSpPr>
+              <p:nvPr/>
+            </p:nvCxnSpPr>
+            <p:spPr bwMode="auto">
+              <a:xfrm flipV="1">
+                <a:off x="19781520" y="20675427"/>
+                <a:ext cx="1608503" cy="3254745"/>
+              </a:xfrm>
+              <a:prstGeom prst="straightConnector1">
+                <a:avLst/>
+              </a:prstGeom>
+              <a:solidFill>
+                <a:schemeClr val="accent1"/>
+              </a:solidFill>
+              <a:ln w="57150" cap="flat" cmpd="sng" algn="ctr">
+                <a:solidFill>
+                  <a:schemeClr val="tx1"/>
+                </a:solidFill>
+                <a:prstDash val="solid"/>
+                <a:round/>
+                <a:headEnd type="none" w="med" len="med"/>
+                <a:tailEnd type="none" w="med" len="med"/>
+              </a:ln>
+              <a:effectLst/>
+            </p:spPr>
+          </p:cxnSp>
+          <p:cxnSp>
+            <p:nvCxnSpPr>
+              <p:cNvPr id="128" name="Straight Arrow Connector 127">
+                <a:extLst>
+                  <a:ext uri="{FF2B5EF4-FFF2-40B4-BE49-F238E27FC236}">
+                    <a16:creationId xmlns:a16="http://schemas.microsoft.com/office/drawing/2014/main" id="{B4534B69-D651-F144-9CBC-F7A7FDFBC085}"/>
+                  </a:ext>
+                </a:extLst>
+              </p:cNvPr>
+              <p:cNvCxnSpPr>
+                <a:cxnSpLocks/>
+                <a:stCxn id="100" idx="5"/>
+                <a:endCxn id="108" idx="2"/>
+              </p:cNvCxnSpPr>
+              <p:nvPr/>
+            </p:nvCxnSpPr>
+            <p:spPr bwMode="auto">
+              <a:xfrm>
+                <a:off x="19647609" y="19295032"/>
+                <a:ext cx="1742414" cy="3033205"/>
+              </a:xfrm>
+              <a:prstGeom prst="straightConnector1">
+                <a:avLst/>
+              </a:prstGeom>
+              <a:solidFill>
+                <a:schemeClr val="accent1"/>
+              </a:solidFill>
+              <a:ln w="57150" cap="flat" cmpd="sng" algn="ctr">
+                <a:solidFill>
+                  <a:schemeClr val="tx1"/>
+                </a:solidFill>
+                <a:prstDash val="solid"/>
+                <a:round/>
+                <a:headEnd type="none" w="med" len="med"/>
+                <a:tailEnd type="none" w="med" len="med"/>
+              </a:ln>
+              <a:effectLst/>
+            </p:spPr>
+          </p:cxnSp>
+          <p:cxnSp>
+            <p:nvCxnSpPr>
+              <p:cNvPr id="129" name="Straight Arrow Connector 128">
+                <a:extLst>
+                  <a:ext uri="{FF2B5EF4-FFF2-40B4-BE49-F238E27FC236}">
+                    <a16:creationId xmlns:a16="http://schemas.microsoft.com/office/drawing/2014/main" id="{744C94FC-60D1-C54E-BB1E-410CD1EC8483}"/>
+                  </a:ext>
+                </a:extLst>
+              </p:cNvPr>
+              <p:cNvCxnSpPr>
+                <a:cxnSpLocks/>
+                <a:stCxn id="94" idx="6"/>
+                <a:endCxn id="108" idx="2"/>
+              </p:cNvCxnSpPr>
+              <p:nvPr/>
+            </p:nvCxnSpPr>
+            <p:spPr bwMode="auto">
+              <a:xfrm>
+                <a:off x="19781520" y="22277363"/>
+                <a:ext cx="1608503" cy="50874"/>
+              </a:xfrm>
+              <a:prstGeom prst="straightConnector1">
+                <a:avLst/>
+              </a:prstGeom>
+              <a:solidFill>
+                <a:schemeClr val="accent1"/>
+              </a:solidFill>
+              <a:ln w="57150" cap="flat" cmpd="sng" algn="ctr">
+                <a:solidFill>
+                  <a:schemeClr val="tx1"/>
+                </a:solidFill>
+                <a:prstDash val="solid"/>
+                <a:round/>
+                <a:headEnd type="none" w="med" len="med"/>
+                <a:tailEnd type="none" w="med" len="med"/>
+              </a:ln>
+              <a:effectLst/>
+            </p:spPr>
+          </p:cxnSp>
+          <p:cxnSp>
+            <p:nvCxnSpPr>
+              <p:cNvPr id="130" name="Straight Arrow Connector 129">
+                <a:extLst>
+                  <a:ext uri="{FF2B5EF4-FFF2-40B4-BE49-F238E27FC236}">
+                    <a16:creationId xmlns:a16="http://schemas.microsoft.com/office/drawing/2014/main" id="{D50C84CC-D814-0041-A037-D7F0D2FDE7E9}"/>
+                  </a:ext>
+                </a:extLst>
+              </p:cNvPr>
+              <p:cNvCxnSpPr>
+                <a:cxnSpLocks/>
+                <a:stCxn id="101" idx="6"/>
+                <a:endCxn id="108" idx="2"/>
+              </p:cNvCxnSpPr>
+              <p:nvPr/>
+            </p:nvCxnSpPr>
+            <p:spPr bwMode="auto">
+              <a:xfrm flipV="1">
+                <a:off x="19781520" y="22328237"/>
+                <a:ext cx="1608503" cy="1601935"/>
+              </a:xfrm>
+              <a:prstGeom prst="straightConnector1">
+                <a:avLst/>
+              </a:prstGeom>
+              <a:solidFill>
+                <a:schemeClr val="accent1"/>
+              </a:solidFill>
+              <a:ln w="57150" cap="flat" cmpd="sng" algn="ctr">
+                <a:solidFill>
+                  <a:schemeClr val="tx1"/>
+                </a:solidFill>
+                <a:prstDash val="solid"/>
+                <a:round/>
+                <a:headEnd type="none" w="med" len="med"/>
+                <a:tailEnd type="none" w="med" len="med"/>
+              </a:ln>
+              <a:effectLst/>
+            </p:spPr>
+          </p:cxnSp>
+        </p:grpSp>
+        <p:grpSp>
+          <p:nvGrpSpPr>
+            <p:cNvPr id="131" name="Group 130">
+              <a:extLst>
+                <a:ext uri="{FF2B5EF4-FFF2-40B4-BE49-F238E27FC236}">
+                  <a16:creationId xmlns:a16="http://schemas.microsoft.com/office/drawing/2014/main" id="{932DF53E-DC0A-964D-A5D8-7BBF35EF867F}"/>
+                </a:ext>
+              </a:extLst>
+            </p:cNvPr>
+            <p:cNvGrpSpPr/>
+            <p:nvPr/>
+          </p:nvGrpSpPr>
+          <p:grpSpPr>
+            <a:xfrm flipH="1">
+              <a:off x="22571806" y="19488037"/>
+              <a:ext cx="1645920" cy="4635140"/>
+              <a:chOff x="10822283" y="19165594"/>
+              <a:chExt cx="1742414" cy="4635140"/>
+            </a:xfrm>
+          </p:grpSpPr>
+          <p:cxnSp>
+            <p:nvCxnSpPr>
+              <p:cNvPr id="132" name="Straight Arrow Connector 131">
+                <a:extLst>
+                  <a:ext uri="{FF2B5EF4-FFF2-40B4-BE49-F238E27FC236}">
+                    <a16:creationId xmlns:a16="http://schemas.microsoft.com/office/drawing/2014/main" id="{91ACAE14-CE81-0840-93A9-902458F9F42F}"/>
+                  </a:ext>
+                </a:extLst>
+              </p:cNvPr>
+              <p:cNvCxnSpPr>
+                <a:cxnSpLocks/>
+              </p:cNvCxnSpPr>
+              <p:nvPr/>
+            </p:nvCxnSpPr>
+            <p:spPr bwMode="auto">
+              <a:xfrm>
+                <a:off x="10822283" y="19165594"/>
+                <a:ext cx="1742414" cy="1380395"/>
+              </a:xfrm>
+              <a:prstGeom prst="straightConnector1">
+                <a:avLst/>
+              </a:prstGeom>
+              <a:solidFill>
+                <a:schemeClr val="accent1"/>
+              </a:solidFill>
+              <a:ln w="57150" cap="flat" cmpd="sng" algn="ctr">
+                <a:solidFill>
+                  <a:schemeClr val="tx1"/>
+                </a:solidFill>
+                <a:prstDash val="solid"/>
+                <a:round/>
+                <a:headEnd type="none" w="med" len="med"/>
+                <a:tailEnd type="none" w="med" len="med"/>
+              </a:ln>
+              <a:effectLst/>
+            </p:spPr>
+          </p:cxnSp>
+          <p:cxnSp>
+            <p:nvCxnSpPr>
+              <p:cNvPr id="133" name="Straight Arrow Connector 132">
+                <a:extLst>
+                  <a:ext uri="{FF2B5EF4-FFF2-40B4-BE49-F238E27FC236}">
+                    <a16:creationId xmlns:a16="http://schemas.microsoft.com/office/drawing/2014/main" id="{29A65826-10ED-EB44-A2FC-0237D6953268}"/>
+                  </a:ext>
+                </a:extLst>
+              </p:cNvPr>
+              <p:cNvCxnSpPr>
+                <a:cxnSpLocks/>
+              </p:cNvCxnSpPr>
+              <p:nvPr/>
+            </p:nvCxnSpPr>
+            <p:spPr bwMode="auto">
+              <a:xfrm>
+                <a:off x="10973566" y="20545989"/>
+                <a:ext cx="1591131" cy="0"/>
+              </a:xfrm>
+              <a:prstGeom prst="straightConnector1">
+                <a:avLst/>
+              </a:prstGeom>
+              <a:solidFill>
+                <a:schemeClr val="accent1"/>
+              </a:solidFill>
+              <a:ln w="57150" cap="flat" cmpd="sng" algn="ctr">
+                <a:solidFill>
+                  <a:schemeClr val="tx1"/>
+                </a:solidFill>
+                <a:prstDash val="solid"/>
+                <a:round/>
+                <a:headEnd type="none" w="med" len="med"/>
+                <a:tailEnd type="none" w="med" len="med"/>
+              </a:ln>
+              <a:effectLst/>
+            </p:spPr>
+          </p:cxnSp>
+          <p:cxnSp>
+            <p:nvCxnSpPr>
+              <p:cNvPr id="134" name="Straight Arrow Connector 133">
+                <a:extLst>
+                  <a:ext uri="{FF2B5EF4-FFF2-40B4-BE49-F238E27FC236}">
+                    <a16:creationId xmlns:a16="http://schemas.microsoft.com/office/drawing/2014/main" id="{59EB4D32-5F20-EA4B-8E9A-C859242364EB}"/>
+                  </a:ext>
+                </a:extLst>
+              </p:cNvPr>
+              <p:cNvCxnSpPr>
+                <a:cxnSpLocks/>
+              </p:cNvCxnSpPr>
+              <p:nvPr/>
+            </p:nvCxnSpPr>
+            <p:spPr bwMode="auto">
+              <a:xfrm flipV="1">
+                <a:off x="10973566" y="20545989"/>
+                <a:ext cx="1591131" cy="1621436"/>
+              </a:xfrm>
+              <a:prstGeom prst="straightConnector1">
+                <a:avLst/>
+              </a:prstGeom>
+              <a:solidFill>
+                <a:schemeClr val="accent1"/>
+              </a:solidFill>
+              <a:ln w="57150" cap="flat" cmpd="sng" algn="ctr">
+                <a:solidFill>
+                  <a:schemeClr val="tx1"/>
+                </a:solidFill>
+                <a:prstDash val="solid"/>
+                <a:round/>
+                <a:headEnd type="none" w="med" len="med"/>
+                <a:tailEnd type="none" w="med" len="med"/>
+              </a:ln>
+              <a:effectLst/>
+            </p:spPr>
+          </p:cxnSp>
+          <p:cxnSp>
+            <p:nvCxnSpPr>
+              <p:cNvPr id="135" name="Straight Arrow Connector 134">
+                <a:extLst>
+                  <a:ext uri="{FF2B5EF4-FFF2-40B4-BE49-F238E27FC236}">
+                    <a16:creationId xmlns:a16="http://schemas.microsoft.com/office/drawing/2014/main" id="{D0C03409-A2A9-CF4C-8712-46DAF7D23FEF}"/>
+                  </a:ext>
+                </a:extLst>
+              </p:cNvPr>
+              <p:cNvCxnSpPr>
+                <a:cxnSpLocks/>
+              </p:cNvCxnSpPr>
+              <p:nvPr/>
+            </p:nvCxnSpPr>
+            <p:spPr bwMode="auto">
+              <a:xfrm>
+                <a:off x="10973566" y="20556937"/>
+                <a:ext cx="1591131" cy="1641862"/>
+              </a:xfrm>
+              <a:prstGeom prst="straightConnector1">
+                <a:avLst/>
+              </a:prstGeom>
+              <a:solidFill>
+                <a:schemeClr val="accent1"/>
+              </a:solidFill>
+              <a:ln w="57150" cap="flat" cmpd="sng" algn="ctr">
+                <a:solidFill>
+                  <a:schemeClr val="tx1"/>
+                </a:solidFill>
+                <a:prstDash val="solid"/>
+                <a:round/>
+                <a:headEnd type="none" w="med" len="med"/>
+                <a:tailEnd type="none" w="med" len="med"/>
+              </a:ln>
+              <a:effectLst/>
+            </p:spPr>
+          </p:cxnSp>
+          <p:cxnSp>
+            <p:nvCxnSpPr>
+              <p:cNvPr id="136" name="Straight Arrow Connector 135">
+                <a:extLst>
+                  <a:ext uri="{FF2B5EF4-FFF2-40B4-BE49-F238E27FC236}">
+                    <a16:creationId xmlns:a16="http://schemas.microsoft.com/office/drawing/2014/main" id="{BC7599E5-D7BB-D24E-912F-55FE8D04A88E}"/>
+                  </a:ext>
+                </a:extLst>
+              </p:cNvPr>
+              <p:cNvCxnSpPr>
+                <a:cxnSpLocks/>
+              </p:cNvCxnSpPr>
+              <p:nvPr/>
+            </p:nvCxnSpPr>
+            <p:spPr bwMode="auto">
+              <a:xfrm flipV="1">
+                <a:off x="10956194" y="20545989"/>
+                <a:ext cx="1608503" cy="3254745"/>
+              </a:xfrm>
+              <a:prstGeom prst="straightConnector1">
+                <a:avLst/>
+              </a:prstGeom>
+              <a:solidFill>
+                <a:schemeClr val="accent1"/>
+              </a:solidFill>
+              <a:ln w="57150" cap="flat" cmpd="sng" algn="ctr">
+                <a:solidFill>
+                  <a:schemeClr val="tx1"/>
+                </a:solidFill>
+                <a:prstDash val="solid"/>
+                <a:round/>
+                <a:headEnd type="none" w="med" len="med"/>
+                <a:tailEnd type="none" w="med" len="med"/>
+              </a:ln>
+              <a:effectLst/>
+            </p:spPr>
+          </p:cxnSp>
+          <p:cxnSp>
+            <p:nvCxnSpPr>
+              <p:cNvPr id="137" name="Straight Arrow Connector 136">
+                <a:extLst>
+                  <a:ext uri="{FF2B5EF4-FFF2-40B4-BE49-F238E27FC236}">
+                    <a16:creationId xmlns:a16="http://schemas.microsoft.com/office/drawing/2014/main" id="{B184213E-CDCA-6345-932C-F4B426F9CE81}"/>
+                  </a:ext>
+                </a:extLst>
+              </p:cNvPr>
+              <p:cNvCxnSpPr>
+                <a:cxnSpLocks/>
+              </p:cNvCxnSpPr>
+              <p:nvPr/>
+            </p:nvCxnSpPr>
+            <p:spPr bwMode="auto">
+              <a:xfrm>
+                <a:off x="10822283" y="19165594"/>
+                <a:ext cx="1742414" cy="3033205"/>
+              </a:xfrm>
+              <a:prstGeom prst="straightConnector1">
+                <a:avLst/>
+              </a:prstGeom>
+              <a:solidFill>
+                <a:schemeClr val="accent1"/>
+              </a:solidFill>
+              <a:ln w="57150" cap="flat" cmpd="sng" algn="ctr">
+                <a:solidFill>
+                  <a:schemeClr val="tx1"/>
+                </a:solidFill>
+                <a:prstDash val="solid"/>
+                <a:round/>
+                <a:headEnd type="none" w="med" len="med"/>
+                <a:tailEnd type="none" w="med" len="med"/>
+              </a:ln>
+              <a:effectLst/>
+            </p:spPr>
+          </p:cxnSp>
+          <p:cxnSp>
+            <p:nvCxnSpPr>
+              <p:cNvPr id="138" name="Straight Arrow Connector 137">
+                <a:extLst>
+                  <a:ext uri="{FF2B5EF4-FFF2-40B4-BE49-F238E27FC236}">
+                    <a16:creationId xmlns:a16="http://schemas.microsoft.com/office/drawing/2014/main" id="{0DCD2926-6982-854F-B524-BE435D42D452}"/>
+                  </a:ext>
+                </a:extLst>
+              </p:cNvPr>
+              <p:cNvCxnSpPr>
+                <a:cxnSpLocks/>
+              </p:cNvCxnSpPr>
+              <p:nvPr/>
+            </p:nvCxnSpPr>
+            <p:spPr bwMode="auto">
+              <a:xfrm>
+                <a:off x="10956194" y="22147925"/>
+                <a:ext cx="1608503" cy="50874"/>
+              </a:xfrm>
+              <a:prstGeom prst="straightConnector1">
+                <a:avLst/>
+              </a:prstGeom>
+              <a:solidFill>
+                <a:schemeClr val="accent1"/>
+              </a:solidFill>
+              <a:ln w="57150" cap="flat" cmpd="sng" algn="ctr">
+                <a:solidFill>
+                  <a:schemeClr val="tx1"/>
+                </a:solidFill>
+                <a:prstDash val="solid"/>
+                <a:round/>
+                <a:headEnd type="none" w="med" len="med"/>
+                <a:tailEnd type="none" w="med" len="med"/>
+              </a:ln>
+              <a:effectLst/>
+            </p:spPr>
+          </p:cxnSp>
+          <p:cxnSp>
+            <p:nvCxnSpPr>
+              <p:cNvPr id="139" name="Straight Arrow Connector 138">
+                <a:extLst>
+                  <a:ext uri="{FF2B5EF4-FFF2-40B4-BE49-F238E27FC236}">
+                    <a16:creationId xmlns:a16="http://schemas.microsoft.com/office/drawing/2014/main" id="{3366C77B-E659-9D47-AED3-EA85CCCF48FF}"/>
+                  </a:ext>
+                </a:extLst>
+              </p:cNvPr>
+              <p:cNvCxnSpPr>
+                <a:cxnSpLocks/>
+              </p:cNvCxnSpPr>
+              <p:nvPr/>
+            </p:nvCxnSpPr>
+            <p:spPr bwMode="auto">
+              <a:xfrm flipV="1">
+                <a:off x="10956194" y="22198799"/>
+                <a:ext cx="1608503" cy="1601935"/>
+              </a:xfrm>
+              <a:prstGeom prst="straightConnector1">
+                <a:avLst/>
+              </a:prstGeom>
+              <a:solidFill>
+                <a:schemeClr val="accent1"/>
+              </a:solidFill>
+              <a:ln w="57150" cap="flat" cmpd="sng" algn="ctr">
+                <a:solidFill>
+                  <a:schemeClr val="tx1"/>
+                </a:solidFill>
+                <a:prstDash val="solid"/>
+                <a:round/>
+                <a:headEnd type="none" w="med" len="med"/>
+                <a:tailEnd type="none" w="med" len="med"/>
+              </a:ln>
+              <a:effectLst/>
+            </p:spPr>
+          </p:cxnSp>
+        </p:grpSp>
+      </p:grpSp>
+      <p:pic>
+        <p:nvPicPr>
+          <p:cNvPr id="10" name="Picture 9">
+            <a:extLst>
+              <a:ext uri="{FF2B5EF4-FFF2-40B4-BE49-F238E27FC236}">
+                <a16:creationId xmlns:a16="http://schemas.microsoft.com/office/drawing/2014/main" id="{A54FF318-5D33-664E-89C1-6F561C0F3D39}"/>
+              </a:ext>
+            </a:extLst>
+          </p:cNvPr>
+          <p:cNvPicPr>
+            <a:picLocks noChangeAspect="1"/>
+          </p:cNvPicPr>
+          <p:nvPr/>
+        </p:nvPicPr>
+        <p:blipFill>
+          <a:blip r:embed="rId7"/>
+          <a:stretch>
+            <a:fillRect/>
+          </a:stretch>
+        </p:blipFill>
+        <p:spPr>
+          <a:xfrm>
+            <a:off x="23437173" y="22354742"/>
+            <a:ext cx="2546430" cy="1809306"/>
+          </a:xfrm>
+          <a:prstGeom prst="rect">
+            <a:avLst/>
+          </a:prstGeom>
+        </p:spPr>
+      </p:pic>
+      <p:sp>
+        <p:nvSpPr>
+          <p:cNvPr id="144" name="Rectangle 143">
+            <a:extLst>
+              <a:ext uri="{FF2B5EF4-FFF2-40B4-BE49-F238E27FC236}">
+                <a16:creationId xmlns:a16="http://schemas.microsoft.com/office/drawing/2014/main" id="{686B73E6-B000-A042-AAF6-DE2CB7CE1E1B}"/>
+              </a:ext>
+            </a:extLst>
+          </p:cNvPr>
+          <p:cNvSpPr/>
+          <p:nvPr/>
+        </p:nvSpPr>
+        <p:spPr bwMode="auto">
+          <a:xfrm>
+            <a:off x="23406790" y="22347833"/>
+            <a:ext cx="2617569" cy="1792558"/>
+          </a:xfrm>
+          <a:prstGeom prst="rect">
+            <a:avLst/>
+          </a:prstGeom>
+          <a:noFill/>
+          <a:ln w="38100" cap="flat" cmpd="sng" algn="ctr">
+            <a:solidFill>
+              <a:schemeClr val="tx1"/>
+            </a:solidFill>
+            <a:prstDash val="solid"/>
+            <a:miter lim="800000"/>
+            <a:headEnd type="none" w="med" len="med"/>
+            <a:tailEnd type="none" w="med" len="med"/>
+          </a:ln>
+          <a:effectLst>
+            <a:outerShdw blurRad="50800" dist="38100" dir="2700000">
+              <a:srgbClr val="000000">
+                <a:alpha val="43000"/>
+              </a:srgbClr>
+            </a:outerShdw>
+          </a:effectLst>
+        </p:spPr>
+        <p:txBody>
+          <a:bodyPr vert="horz" wrap="square" lIns="91440" tIns="45720" rIns="91440" bIns="45720" numCol="1" rtlCol="0" anchor="ctr" anchorCtr="0" compatLnSpc="1">
+            <a:prstTxWarp prst="textNoShape">
+              <a:avLst/>
+            </a:prstTxWarp>
+          </a:bodyPr>
+          <a:lstStyle/>
+          <a:p>
+            <a:pPr marL="0" marR="0" indent="0" algn="ctr" defTabSz="3762375" rtl="0" eaLnBrk="1" fontAlgn="base" latinLnBrk="0" hangingPunct="1">
+              <a:lnSpc>
+                <a:spcPct val="100000"/>
+              </a:lnSpc>
+              <a:spcBef>
+                <a:spcPct val="0"/>
+              </a:spcBef>
+              <a:spcAft>
+                <a:spcPct val="0"/>
+              </a:spcAft>
+              <a:buClrTx/>
+              <a:buSzTx/>
+              <a:buFontTx/>
+              <a:buNone/>
+              <a:tabLst/>
+            </a:pPr>
+            <a:endParaRPr lang="en-US" dirty="0">
+              <a:latin typeface="Arial" pitchFamily="-110" charset="0"/>
+            </a:endParaRPr>
+          </a:p>
+        </p:txBody>
+      </p:sp>
+      <p:grpSp>
+        <p:nvGrpSpPr>
+          <p:cNvPr id="146" name="Group 145">
+            <a:extLst>
+              <a:ext uri="{FF2B5EF4-FFF2-40B4-BE49-F238E27FC236}">
+                <a16:creationId xmlns:a16="http://schemas.microsoft.com/office/drawing/2014/main" id="{0F26BAA2-A43A-D44C-9E9B-E6FF5B2AED7F}"/>
+              </a:ext>
+            </a:extLst>
+          </p:cNvPr>
+          <p:cNvGrpSpPr/>
+          <p:nvPr/>
+        </p:nvGrpSpPr>
+        <p:grpSpPr>
+          <a:xfrm>
+            <a:off x="16472590" y="18160816"/>
+            <a:ext cx="2502089" cy="1641862"/>
+            <a:chOff x="334108" y="17379633"/>
+            <a:chExt cx="7823217" cy="7994967"/>
+          </a:xfrm>
+        </p:grpSpPr>
+        <p:pic>
+          <p:nvPicPr>
+            <p:cNvPr id="147" name="Picture 146">
+              <a:extLst>
+                <a:ext uri="{FF2B5EF4-FFF2-40B4-BE49-F238E27FC236}">
+                  <a16:creationId xmlns:a16="http://schemas.microsoft.com/office/drawing/2014/main" id="{D43EECD7-972C-6A47-A535-50771CE9E844}"/>
+                </a:ext>
+              </a:extLst>
+            </p:cNvPr>
+            <p:cNvPicPr>
+              <a:picLocks noChangeAspect="1"/>
+            </p:cNvPicPr>
+            <p:nvPr/>
+          </p:nvPicPr>
+          <p:blipFill>
+            <a:blip r:embed="rId5"/>
+            <a:stretch>
+              <a:fillRect/>
+            </a:stretch>
+          </p:blipFill>
+          <p:spPr>
+            <a:xfrm>
+              <a:off x="334108" y="19507200"/>
+              <a:ext cx="1342060" cy="3502512"/>
+            </a:xfrm>
+            <a:prstGeom prst="rect">
+              <a:avLst/>
+            </a:prstGeom>
+          </p:spPr>
+        </p:pic>
+        <p:pic>
+          <p:nvPicPr>
+            <p:cNvPr id="149" name="Picture 148">
+              <a:extLst>
+                <a:ext uri="{FF2B5EF4-FFF2-40B4-BE49-F238E27FC236}">
+                  <a16:creationId xmlns:a16="http://schemas.microsoft.com/office/drawing/2014/main" id="{665ED391-01C9-1140-ADCD-16B058580531}"/>
+                </a:ext>
+              </a:extLst>
+            </p:cNvPr>
+            <p:cNvPicPr>
+              <a:picLocks noChangeAspect="1"/>
+            </p:cNvPicPr>
+            <p:nvPr/>
+          </p:nvPicPr>
+          <p:blipFill rotWithShape="1">
+            <a:blip r:embed="rId5"/>
+            <a:srcRect t="16933" b="45178"/>
+            <a:stretch/>
+          </p:blipFill>
+          <p:spPr>
+            <a:xfrm>
+              <a:off x="2451259" y="17379633"/>
+              <a:ext cx="1342060" cy="1327066"/>
+            </a:xfrm>
+            <a:prstGeom prst="rect">
+              <a:avLst/>
+            </a:prstGeom>
+          </p:spPr>
+        </p:pic>
+        <p:pic>
+          <p:nvPicPr>
+            <p:cNvPr id="151" name="Picture 150">
+              <a:extLst>
+                <a:ext uri="{FF2B5EF4-FFF2-40B4-BE49-F238E27FC236}">
+                  <a16:creationId xmlns:a16="http://schemas.microsoft.com/office/drawing/2014/main" id="{F0AEC92B-5996-A746-8B68-AFD16D5D8043}"/>
+                </a:ext>
+              </a:extLst>
+            </p:cNvPr>
+            <p:cNvPicPr>
+              <a:picLocks noChangeAspect="1"/>
+            </p:cNvPicPr>
+            <p:nvPr/>
+          </p:nvPicPr>
+          <p:blipFill rotWithShape="1">
+            <a:blip r:embed="rId5"/>
+            <a:srcRect t="16933" b="45178"/>
+            <a:stretch/>
+          </p:blipFill>
+          <p:spPr>
+            <a:xfrm rot="16200000">
+              <a:off x="2451259" y="19604766"/>
+              <a:ext cx="1342060" cy="1327066"/>
+            </a:xfrm>
+            <a:prstGeom prst="rect">
+              <a:avLst/>
+            </a:prstGeom>
+          </p:spPr>
+        </p:pic>
+        <p:pic>
+          <p:nvPicPr>
+            <p:cNvPr id="152" name="Picture 151">
+              <a:extLst>
+                <a:ext uri="{FF2B5EF4-FFF2-40B4-BE49-F238E27FC236}">
+                  <a16:creationId xmlns:a16="http://schemas.microsoft.com/office/drawing/2014/main" id="{F3464B9D-BA97-E441-B612-CD04855B2499}"/>
+                </a:ext>
+              </a:extLst>
+            </p:cNvPr>
+            <p:cNvPicPr>
+              <a:picLocks noChangeAspect="1"/>
+            </p:cNvPicPr>
+            <p:nvPr/>
+          </p:nvPicPr>
+          <p:blipFill rotWithShape="1">
+            <a:blip r:embed="rId5"/>
+            <a:srcRect t="16933" b="45178"/>
+            <a:stretch/>
+          </p:blipFill>
+          <p:spPr>
+            <a:xfrm flipH="1">
+              <a:off x="2434578" y="21829899"/>
+              <a:ext cx="1375422" cy="1327066"/>
+            </a:xfrm>
+            <a:prstGeom prst="rect">
+              <a:avLst/>
+            </a:prstGeom>
+          </p:spPr>
+        </p:pic>
+        <p:pic>
+          <p:nvPicPr>
+            <p:cNvPr id="154" name="Picture 153">
+              <a:extLst>
+                <a:ext uri="{FF2B5EF4-FFF2-40B4-BE49-F238E27FC236}">
+                  <a16:creationId xmlns:a16="http://schemas.microsoft.com/office/drawing/2014/main" id="{426CD974-6402-B74A-B9DB-19757A23318A}"/>
+                </a:ext>
+              </a:extLst>
+            </p:cNvPr>
+            <p:cNvPicPr>
+              <a:picLocks noChangeAspect="1"/>
+            </p:cNvPicPr>
+            <p:nvPr/>
+          </p:nvPicPr>
+          <p:blipFill rotWithShape="1">
+            <a:blip r:embed="rId6">
+              <a:extLst>
+                <a:ext uri="{BEBA8EAE-BF5A-486C-A8C5-ECC9F3942E4B}">
+                  <a14:imgProps xmlns:a14="http://schemas.microsoft.com/office/drawing/2010/main">
+                    <a14:imgLayer>
+                      <a14:imgEffect>
+                        <a14:sharpenSoften amount="50000"/>
+                      </a14:imgEffect>
+                      <a14:imgEffect>
+                        <a14:brightnessContrast bright="-40000" contrast="20000"/>
+                      </a14:imgEffect>
+                    </a14:imgLayer>
+                  </a14:imgProps>
+                </a:ext>
+              </a:extLst>
+            </a:blip>
+            <a:srcRect t="16933" b="45178"/>
+            <a:stretch/>
+          </p:blipFill>
+          <p:spPr>
+            <a:xfrm>
+              <a:off x="2451259" y="24047534"/>
+              <a:ext cx="1342060" cy="1327066"/>
+            </a:xfrm>
+            <a:prstGeom prst="rect">
+              <a:avLst/>
+            </a:prstGeom>
+          </p:spPr>
+        </p:pic>
+        <p:grpSp>
+          <p:nvGrpSpPr>
+            <p:cNvPr id="155" name="Group 154">
+              <a:extLst>
+                <a:ext uri="{FF2B5EF4-FFF2-40B4-BE49-F238E27FC236}">
+                  <a16:creationId xmlns:a16="http://schemas.microsoft.com/office/drawing/2014/main" id="{2FF1B882-7019-A149-9CD8-7E56A96F3B80}"/>
+                </a:ext>
+              </a:extLst>
+            </p:cNvPr>
+            <p:cNvGrpSpPr/>
+            <p:nvPr/>
+          </p:nvGrpSpPr>
+          <p:grpSpPr>
+            <a:xfrm>
+              <a:off x="1651991" y="18262393"/>
+              <a:ext cx="710210" cy="6503201"/>
+              <a:chOff x="1651990" y="18262393"/>
+              <a:chExt cx="1296169" cy="6503201"/>
+            </a:xfrm>
+          </p:grpSpPr>
+          <p:cxnSp>
+            <p:nvCxnSpPr>
+              <p:cNvPr id="185" name="Straight Arrow Connector 184">
+                <a:extLst>
+                  <a:ext uri="{FF2B5EF4-FFF2-40B4-BE49-F238E27FC236}">
+                    <a16:creationId xmlns:a16="http://schemas.microsoft.com/office/drawing/2014/main" id="{CDB0163F-0F91-6D45-B2D1-330C38689B42}"/>
+                  </a:ext>
+                </a:extLst>
+              </p:cNvPr>
+              <p:cNvCxnSpPr>
+                <a:cxnSpLocks/>
+              </p:cNvCxnSpPr>
+              <p:nvPr/>
+            </p:nvCxnSpPr>
+            <p:spPr bwMode="auto">
+              <a:xfrm flipV="1">
+                <a:off x="1651990" y="20346589"/>
+                <a:ext cx="1232288" cy="823966"/>
+              </a:xfrm>
+              <a:prstGeom prst="straightConnector1">
+                <a:avLst/>
+              </a:prstGeom>
+              <a:solidFill>
+                <a:schemeClr val="accent1"/>
+              </a:solidFill>
+              <a:ln w="57150" cap="flat" cmpd="sng" algn="ctr">
+                <a:solidFill>
+                  <a:srgbClr val="FF0000"/>
+                </a:solidFill>
+                <a:prstDash val="solid"/>
+                <a:round/>
+                <a:headEnd type="none" w="med" len="med"/>
+                <a:tailEnd type="arrow" w="med" len="med"/>
+              </a:ln>
+              <a:effectLst/>
+            </p:spPr>
+          </p:cxnSp>
+          <p:cxnSp>
+            <p:nvCxnSpPr>
+              <p:cNvPr id="187" name="Straight Arrow Connector 186">
+                <a:extLst>
+                  <a:ext uri="{FF2B5EF4-FFF2-40B4-BE49-F238E27FC236}">
+                    <a16:creationId xmlns:a16="http://schemas.microsoft.com/office/drawing/2014/main" id="{AA3714F0-20EA-4A42-BAAD-D76ADF3A9AE2}"/>
+                  </a:ext>
+                </a:extLst>
+              </p:cNvPr>
+              <p:cNvCxnSpPr>
+                <a:cxnSpLocks/>
+              </p:cNvCxnSpPr>
+              <p:nvPr/>
+            </p:nvCxnSpPr>
+            <p:spPr bwMode="auto">
+              <a:xfrm flipV="1">
+                <a:off x="1676168" y="18262393"/>
+                <a:ext cx="1271991" cy="2908162"/>
+              </a:xfrm>
+              <a:prstGeom prst="straightConnector1">
+                <a:avLst/>
+              </a:prstGeom>
+              <a:solidFill>
+                <a:schemeClr val="accent1"/>
+              </a:solidFill>
+              <a:ln w="57150" cap="flat" cmpd="sng" algn="ctr">
+                <a:solidFill>
+                  <a:srgbClr val="FF0000"/>
+                </a:solidFill>
+                <a:prstDash val="solid"/>
+                <a:round/>
+                <a:headEnd type="none" w="med" len="med"/>
+                <a:tailEnd type="arrow" w="med" len="med"/>
+              </a:ln>
+              <a:effectLst/>
+            </p:spPr>
+          </p:cxnSp>
+          <p:cxnSp>
+            <p:nvCxnSpPr>
+              <p:cNvPr id="189" name="Straight Arrow Connector 188">
+                <a:extLst>
+                  <a:ext uri="{FF2B5EF4-FFF2-40B4-BE49-F238E27FC236}">
+                    <a16:creationId xmlns:a16="http://schemas.microsoft.com/office/drawing/2014/main" id="{B8E59CF3-3A2C-9B4F-A013-AD07F2652049}"/>
+                  </a:ext>
+                </a:extLst>
+              </p:cNvPr>
+              <p:cNvCxnSpPr>
+                <a:cxnSpLocks/>
+              </p:cNvCxnSpPr>
+              <p:nvPr/>
+            </p:nvCxnSpPr>
+            <p:spPr bwMode="auto">
+              <a:xfrm>
+                <a:off x="1651990" y="21160417"/>
+                <a:ext cx="1091210" cy="1302978"/>
+              </a:xfrm>
+              <a:prstGeom prst="straightConnector1">
+                <a:avLst/>
+              </a:prstGeom>
+              <a:solidFill>
+                <a:schemeClr val="accent1"/>
+              </a:solidFill>
+              <a:ln w="57150" cap="flat" cmpd="sng" algn="ctr">
+                <a:solidFill>
+                  <a:srgbClr val="FF0000"/>
+                </a:solidFill>
+                <a:prstDash val="solid"/>
+                <a:round/>
+                <a:headEnd type="none" w="med" len="med"/>
+                <a:tailEnd type="arrow" w="med" len="med"/>
+              </a:ln>
+              <a:effectLst/>
+            </p:spPr>
+          </p:cxnSp>
+          <p:cxnSp>
+            <p:nvCxnSpPr>
+              <p:cNvPr id="191" name="Straight Arrow Connector 190">
+                <a:extLst>
+                  <a:ext uri="{FF2B5EF4-FFF2-40B4-BE49-F238E27FC236}">
+                    <a16:creationId xmlns:a16="http://schemas.microsoft.com/office/drawing/2014/main" id="{5C7AB9A7-A5F1-0541-BF2E-DF9B514C2A69}"/>
+                  </a:ext>
+                </a:extLst>
+              </p:cNvPr>
+              <p:cNvCxnSpPr>
+                <a:cxnSpLocks/>
+                <a:stCxn id="147" idx="3"/>
+              </p:cNvCxnSpPr>
+              <p:nvPr/>
+            </p:nvCxnSpPr>
+            <p:spPr bwMode="auto">
+              <a:xfrm>
+                <a:off x="1676169" y="21258456"/>
+                <a:ext cx="1067032" cy="3507138"/>
+              </a:xfrm>
+              <a:prstGeom prst="straightConnector1">
+                <a:avLst/>
+              </a:prstGeom>
+              <a:solidFill>
+                <a:schemeClr val="accent1"/>
+              </a:solidFill>
+              <a:ln w="57150" cap="flat" cmpd="sng" algn="ctr">
+                <a:solidFill>
+                  <a:srgbClr val="FF0000"/>
+                </a:solidFill>
+                <a:prstDash val="solid"/>
+                <a:round/>
+                <a:headEnd type="none" w="med" len="med"/>
+                <a:tailEnd type="arrow" w="med" len="med"/>
+              </a:ln>
+              <a:effectLst/>
+            </p:spPr>
+          </p:cxnSp>
+        </p:grpSp>
+        <p:cxnSp>
+          <p:nvCxnSpPr>
+            <p:cNvPr id="163" name="Straight Arrow Connector 162">
+              <a:extLst>
+                <a:ext uri="{FF2B5EF4-FFF2-40B4-BE49-F238E27FC236}">
+                  <a16:creationId xmlns:a16="http://schemas.microsoft.com/office/drawing/2014/main" id="{0662BE07-6BB0-DC4A-9BA4-E5A8552336DA}"/>
+                </a:ext>
+              </a:extLst>
+            </p:cNvPr>
+            <p:cNvCxnSpPr>
+              <a:cxnSpLocks/>
+            </p:cNvCxnSpPr>
+            <p:nvPr/>
+          </p:nvCxnSpPr>
+          <p:spPr bwMode="auto">
+            <a:xfrm flipV="1">
+              <a:off x="4550102" y="21490131"/>
+              <a:ext cx="2077150" cy="33638"/>
+            </a:xfrm>
+            <a:prstGeom prst="straightConnector1">
+              <a:avLst/>
+            </a:prstGeom>
+            <a:solidFill>
+              <a:schemeClr val="accent1"/>
+            </a:solidFill>
+            <a:ln w="57150" cap="flat" cmpd="sng" algn="ctr">
+              <a:solidFill>
+                <a:srgbClr val="FF0000"/>
+              </a:solidFill>
+              <a:prstDash val="solid"/>
+              <a:round/>
+              <a:headEnd type="none" w="med" len="med"/>
+              <a:tailEnd type="arrow" w="med" len="med"/>
+            </a:ln>
+            <a:effectLst/>
+          </p:spPr>
+        </p:cxnSp>
+        <p:cxnSp>
+          <p:nvCxnSpPr>
+            <p:cNvPr id="165" name="Straight Arrow Connector 164">
+              <a:extLst>
+                <a:ext uri="{FF2B5EF4-FFF2-40B4-BE49-F238E27FC236}">
+                  <a16:creationId xmlns:a16="http://schemas.microsoft.com/office/drawing/2014/main" id="{E852C649-AE35-6C4A-B0EB-341956421CFE}"/>
+                </a:ext>
+              </a:extLst>
+            </p:cNvPr>
+            <p:cNvCxnSpPr>
+              <a:cxnSpLocks/>
+            </p:cNvCxnSpPr>
+            <p:nvPr/>
+          </p:nvCxnSpPr>
+          <p:spPr bwMode="auto">
+            <a:xfrm>
+              <a:off x="3901668" y="18323774"/>
+              <a:ext cx="648434" cy="3199995"/>
+            </a:xfrm>
+            <a:prstGeom prst="straightConnector1">
+              <a:avLst/>
+            </a:prstGeom>
+            <a:solidFill>
+              <a:schemeClr val="accent1"/>
+            </a:solidFill>
+            <a:ln w="57150" cap="flat" cmpd="sng" algn="ctr">
+              <a:solidFill>
+                <a:srgbClr val="FF0000"/>
+              </a:solidFill>
+              <a:prstDash val="solid"/>
+              <a:round/>
+              <a:headEnd type="none" w="med" len="med"/>
+              <a:tailEnd type="none" w="med" len="med"/>
+            </a:ln>
+            <a:effectLst/>
+          </p:spPr>
+        </p:cxnSp>
+        <p:cxnSp>
+          <p:nvCxnSpPr>
+            <p:cNvPr id="169" name="Straight Arrow Connector 168">
+              <a:extLst>
+                <a:ext uri="{FF2B5EF4-FFF2-40B4-BE49-F238E27FC236}">
+                  <a16:creationId xmlns:a16="http://schemas.microsoft.com/office/drawing/2014/main" id="{4023AB5B-2349-3645-81A4-08E4710DD541}"/>
+                </a:ext>
+              </a:extLst>
+            </p:cNvPr>
+            <p:cNvCxnSpPr>
+              <a:cxnSpLocks/>
+            </p:cNvCxnSpPr>
+            <p:nvPr/>
+          </p:nvCxnSpPr>
+          <p:spPr bwMode="auto">
+            <a:xfrm>
+              <a:off x="3886200" y="20269200"/>
+              <a:ext cx="629441" cy="1300872"/>
+            </a:xfrm>
+            <a:prstGeom prst="straightConnector1">
+              <a:avLst/>
+            </a:prstGeom>
+            <a:solidFill>
+              <a:schemeClr val="accent1"/>
+            </a:solidFill>
+            <a:ln w="57150" cap="flat" cmpd="sng" algn="ctr">
+              <a:solidFill>
+                <a:srgbClr val="FF0000"/>
+              </a:solidFill>
+              <a:prstDash val="solid"/>
+              <a:round/>
+              <a:headEnd type="none" w="med" len="med"/>
+              <a:tailEnd type="none" w="med" len="med"/>
+            </a:ln>
+            <a:effectLst/>
+          </p:spPr>
+        </p:cxnSp>
+        <p:cxnSp>
+          <p:nvCxnSpPr>
+            <p:cNvPr id="170" name="Straight Arrow Connector 169">
+              <a:extLst>
+                <a:ext uri="{FF2B5EF4-FFF2-40B4-BE49-F238E27FC236}">
+                  <a16:creationId xmlns:a16="http://schemas.microsoft.com/office/drawing/2014/main" id="{6163EAB4-4E4D-4945-B2C8-BF10C28523D6}"/>
+                </a:ext>
+              </a:extLst>
+            </p:cNvPr>
+            <p:cNvCxnSpPr>
+              <a:cxnSpLocks/>
+            </p:cNvCxnSpPr>
+            <p:nvPr/>
+          </p:nvCxnSpPr>
+          <p:spPr bwMode="auto">
+            <a:xfrm flipV="1">
+              <a:off x="3838066" y="21542424"/>
+              <a:ext cx="657734" cy="1012776"/>
+            </a:xfrm>
+            <a:prstGeom prst="straightConnector1">
+              <a:avLst/>
+            </a:prstGeom>
+            <a:solidFill>
+              <a:schemeClr val="accent1"/>
+            </a:solidFill>
+            <a:ln w="57150" cap="flat" cmpd="sng" algn="ctr">
+              <a:solidFill>
+                <a:srgbClr val="FF0000"/>
+              </a:solidFill>
+              <a:prstDash val="solid"/>
+              <a:round/>
+              <a:headEnd type="none" w="med" len="med"/>
+              <a:tailEnd type="none" w="med" len="med"/>
+            </a:ln>
+            <a:effectLst/>
+          </p:spPr>
+        </p:cxnSp>
+        <p:cxnSp>
+          <p:nvCxnSpPr>
+            <p:cNvPr id="171" name="Straight Arrow Connector 170">
+              <a:extLst>
+                <a:ext uri="{FF2B5EF4-FFF2-40B4-BE49-F238E27FC236}">
+                  <a16:creationId xmlns:a16="http://schemas.microsoft.com/office/drawing/2014/main" id="{4CD120A5-9A8C-F440-9CDF-99B75426D15B}"/>
+                </a:ext>
+              </a:extLst>
+            </p:cNvPr>
+            <p:cNvCxnSpPr>
+              <a:cxnSpLocks/>
+              <a:stCxn id="154" idx="3"/>
+            </p:cNvCxnSpPr>
+            <p:nvPr/>
+          </p:nvCxnSpPr>
+          <p:spPr bwMode="auto">
+            <a:xfrm flipV="1">
+              <a:off x="3793319" y="21568059"/>
+              <a:ext cx="722322" cy="3143008"/>
+            </a:xfrm>
+            <a:prstGeom prst="straightConnector1">
+              <a:avLst/>
+            </a:prstGeom>
+            <a:solidFill>
+              <a:schemeClr val="accent1"/>
+            </a:solidFill>
+            <a:ln w="57150" cap="flat" cmpd="sng" algn="ctr">
+              <a:solidFill>
+                <a:srgbClr val="FF0000"/>
+              </a:solidFill>
+              <a:prstDash val="solid"/>
+              <a:round/>
+              <a:headEnd type="none" w="med" len="med"/>
+              <a:tailEnd type="none" w="med" len="med"/>
+            </a:ln>
+            <a:effectLst/>
+          </p:spPr>
+        </p:cxnSp>
+        <p:pic>
+          <p:nvPicPr>
+            <p:cNvPr id="183" name="Picture 182">
+              <a:extLst>
+                <a:ext uri="{FF2B5EF4-FFF2-40B4-BE49-F238E27FC236}">
+                  <a16:creationId xmlns:a16="http://schemas.microsoft.com/office/drawing/2014/main" id="{A5DABED0-47C7-6B40-B43F-8A1FCDE93F52}"/>
+                </a:ext>
+              </a:extLst>
+            </p:cNvPr>
+            <p:cNvPicPr>
+              <a:picLocks noChangeAspect="1"/>
+            </p:cNvPicPr>
+            <p:nvPr/>
+          </p:nvPicPr>
+          <p:blipFill rotWithShape="1">
+            <a:blip r:embed="rId4"/>
+            <a:srcRect t="16577" b="13224"/>
+            <a:stretch/>
+          </p:blipFill>
+          <p:spPr>
+            <a:xfrm>
+              <a:off x="6631987" y="20768596"/>
+              <a:ext cx="1525338" cy="1525339"/>
+            </a:xfrm>
+            <a:prstGeom prst="rect">
+              <a:avLst/>
+            </a:prstGeom>
+          </p:spPr>
+        </p:pic>
+      </p:grpSp>
+      <p:sp>
+        <p:nvSpPr>
+          <p:cNvPr id="192" name="Rectangle 191">
+            <a:extLst>
+              <a:ext uri="{FF2B5EF4-FFF2-40B4-BE49-F238E27FC236}">
+                <a16:creationId xmlns:a16="http://schemas.microsoft.com/office/drawing/2014/main" id="{72F41B5D-4798-6045-AE27-D35BEA47C27A}"/>
+              </a:ext>
+            </a:extLst>
+          </p:cNvPr>
+          <p:cNvSpPr/>
+          <p:nvPr/>
+        </p:nvSpPr>
+        <p:spPr bwMode="auto">
+          <a:xfrm>
+            <a:off x="16460251" y="18085216"/>
+            <a:ext cx="2617569" cy="1792558"/>
+          </a:xfrm>
+          <a:prstGeom prst="rect">
+            <a:avLst/>
+          </a:prstGeom>
+          <a:noFill/>
+          <a:ln w="38100" cap="flat" cmpd="sng" algn="ctr">
+            <a:solidFill>
+              <a:schemeClr val="tx1"/>
+            </a:solidFill>
+            <a:prstDash val="solid"/>
+            <a:miter lim="800000"/>
+            <a:headEnd type="none" w="med" len="med"/>
+            <a:tailEnd type="none" w="med" len="med"/>
+          </a:ln>
+          <a:effectLst>
+            <a:outerShdw blurRad="50800" dist="38100" dir="2700000">
+              <a:srgbClr val="000000">
+                <a:alpha val="43000"/>
+              </a:srgbClr>
+            </a:outerShdw>
+          </a:effectLst>
+        </p:spPr>
+        <p:txBody>
+          <a:bodyPr vert="horz" wrap="square" lIns="91440" tIns="45720" rIns="91440" bIns="45720" numCol="1" rtlCol="0" anchor="ctr" anchorCtr="0" compatLnSpc="1">
+            <a:prstTxWarp prst="textNoShape">
+              <a:avLst/>
+            </a:prstTxWarp>
+          </a:bodyPr>
+          <a:lstStyle/>
+          <a:p>
+            <a:pPr marL="0" marR="0" indent="0" algn="ctr" defTabSz="3762375" rtl="0" eaLnBrk="1" fontAlgn="base" latinLnBrk="0" hangingPunct="1">
+              <a:lnSpc>
+                <a:spcPct val="100000"/>
+              </a:lnSpc>
+              <a:spcBef>
+                <a:spcPct val="0"/>
+              </a:spcBef>
+              <a:spcAft>
+                <a:spcPct val="0"/>
+              </a:spcAft>
+              <a:buClrTx/>
+              <a:buSzTx/>
+              <a:buFontTx/>
+              <a:buNone/>
+              <a:tabLst/>
+            </a:pPr>
+            <a:endParaRPr lang="en-US" dirty="0">
+              <a:latin typeface="Arial" pitchFamily="-110" charset="0"/>
+            </a:endParaRPr>
+          </a:p>
+        </p:txBody>
+      </p:sp>
+      <p:sp>
+        <p:nvSpPr>
+          <p:cNvPr id="193" name="Google Shape;50;p6">
+            <a:extLst>
+              <a:ext uri="{FF2B5EF4-FFF2-40B4-BE49-F238E27FC236}">
+                <a16:creationId xmlns:a16="http://schemas.microsoft.com/office/drawing/2014/main" id="{52A62785-8A0B-5F46-A638-DA398812B1F0}"/>
+              </a:ext>
+            </a:extLst>
+          </p:cNvPr>
+          <p:cNvSpPr txBox="1"/>
+          <p:nvPr/>
+        </p:nvSpPr>
+        <p:spPr>
+          <a:xfrm>
+            <a:off x="15240000" y="19957245"/>
+            <a:ext cx="4306524" cy="828208"/>
+          </a:xfrm>
+          <a:prstGeom prst="rect">
+            <a:avLst/>
+          </a:prstGeom>
+          <a:noFill/>
+          <a:ln>
+            <a:noFill/>
+          </a:ln>
+        </p:spPr>
+        <p:txBody>
+          <a:bodyPr spcFirstLastPara="1" wrap="square" lIns="91425" tIns="91425" rIns="91425" bIns="91425" anchor="t" anchorCtr="0">
+            <a:noAutofit/>
+          </a:bodyPr>
+          <a:lstStyle/>
+          <a:p>
+            <a:pPr lvl="0" algn="ctr">
+              <a:spcBef>
+                <a:spcPts val="0"/>
+              </a:spcBef>
+              <a:spcAft>
+                <a:spcPts val="0"/>
+              </a:spcAft>
+            </a:pPr>
+            <a:r>
+              <a:rPr lang="en-US" sz="3400" b="1" dirty="0"/>
+              <a:t>Data augmentation</a:t>
+            </a:r>
+          </a:p>
+        </p:txBody>
+      </p:sp>
+      <p:sp>
+        <p:nvSpPr>
+          <p:cNvPr id="194" name="Google Shape;50;p6">
+            <a:extLst>
+              <a:ext uri="{FF2B5EF4-FFF2-40B4-BE49-F238E27FC236}">
+                <a16:creationId xmlns:a16="http://schemas.microsoft.com/office/drawing/2014/main" id="{0CBE2400-3B81-6F4C-89CB-0872EE4EA3DE}"/>
+              </a:ext>
+            </a:extLst>
+          </p:cNvPr>
+          <p:cNvSpPr txBox="1"/>
+          <p:nvPr/>
+        </p:nvSpPr>
+        <p:spPr>
+          <a:xfrm>
+            <a:off x="15786790" y="17265450"/>
+            <a:ext cx="3937787" cy="690649"/>
+          </a:xfrm>
+          <a:prstGeom prst="rect">
+            <a:avLst/>
+          </a:prstGeom>
+          <a:noFill/>
+          <a:ln>
+            <a:noFill/>
+          </a:ln>
+        </p:spPr>
+        <p:txBody>
+          <a:bodyPr spcFirstLastPara="1" wrap="square" lIns="91425" tIns="91425" rIns="91425" bIns="91425" anchor="t" anchorCtr="0">
+            <a:noAutofit/>
+          </a:bodyPr>
+          <a:lstStyle/>
+          <a:p>
+            <a:pPr lvl="0" algn="ctr">
+              <a:spcBef>
+                <a:spcPts val="0"/>
+              </a:spcBef>
+              <a:spcAft>
+                <a:spcPts val="0"/>
+              </a:spcAft>
+            </a:pPr>
+            <a:r>
+              <a:rPr lang="en-US" sz="3200" i="1" dirty="0"/>
+              <a:t>Images with noise</a:t>
+            </a:r>
+          </a:p>
+        </p:txBody>
+      </p:sp>
+      <p:cxnSp>
+        <p:nvCxnSpPr>
+          <p:cNvPr id="22" name="Curved Connector 21">
+            <a:extLst>
+              <a:ext uri="{FF2B5EF4-FFF2-40B4-BE49-F238E27FC236}">
+                <a16:creationId xmlns:a16="http://schemas.microsoft.com/office/drawing/2014/main" id="{221A3ECC-05FD-D347-BB02-330F9DF32E8B}"/>
+              </a:ext>
+            </a:extLst>
+          </p:cNvPr>
+          <p:cNvCxnSpPr>
+            <a:cxnSpLocks/>
+            <a:stCxn id="192" idx="3"/>
+            <a:endCxn id="8" idx="1"/>
+          </p:cNvCxnSpPr>
+          <p:nvPr/>
+        </p:nvCxnSpPr>
+        <p:spPr bwMode="auto">
+          <a:xfrm>
+            <a:off x="19077820" y="18981495"/>
+            <a:ext cx="823770" cy="1645920"/>
+          </a:xfrm>
+          <a:prstGeom prst="curvedConnector3">
+            <a:avLst/>
+          </a:prstGeom>
+          <a:solidFill>
+            <a:schemeClr val="accent1"/>
+          </a:solidFill>
+          <a:ln w="57150" cap="flat" cmpd="sng" algn="ctr">
+            <a:solidFill>
+              <a:srgbClr val="0070C0"/>
+            </a:solidFill>
+            <a:prstDash val="solid"/>
+            <a:round/>
+            <a:headEnd type="none" w="med" len="med"/>
+            <a:tailEnd type="arrow" w="med" len="med"/>
+          </a:ln>
+          <a:effectLst/>
+        </p:spPr>
+      </p:cxnSp>
+      <p:cxnSp>
+        <p:nvCxnSpPr>
+          <p:cNvPr id="195" name="Curved Connector 194">
+            <a:extLst>
+              <a:ext uri="{FF2B5EF4-FFF2-40B4-BE49-F238E27FC236}">
+                <a16:creationId xmlns:a16="http://schemas.microsoft.com/office/drawing/2014/main" id="{730EE097-A947-5741-A89E-585BF1CC41C2}"/>
+              </a:ext>
+            </a:extLst>
+          </p:cNvPr>
+          <p:cNvCxnSpPr>
+            <a:cxnSpLocks/>
+          </p:cNvCxnSpPr>
+          <p:nvPr/>
+        </p:nvCxnSpPr>
+        <p:spPr bwMode="auto">
+          <a:xfrm>
+            <a:off x="22550837" y="21638542"/>
+            <a:ext cx="823770" cy="1645920"/>
+          </a:xfrm>
+          <a:prstGeom prst="curvedConnector3">
+            <a:avLst/>
+          </a:prstGeom>
+          <a:solidFill>
+            <a:schemeClr val="accent1"/>
+          </a:solidFill>
+          <a:ln w="57150" cap="flat" cmpd="sng" algn="ctr">
+            <a:solidFill>
+              <a:schemeClr val="tx1"/>
+            </a:solidFill>
+            <a:prstDash val="solid"/>
+            <a:round/>
+            <a:headEnd type="none" w="med" len="med"/>
+            <a:tailEnd type="arrow" w="med" len="med"/>
+          </a:ln>
+          <a:effectLst/>
+        </p:spPr>
+      </p:cxnSp>
+      <p:cxnSp>
+        <p:nvCxnSpPr>
+          <p:cNvPr id="196" name="Curved Connector 195">
+            <a:extLst>
+              <a:ext uri="{FF2B5EF4-FFF2-40B4-BE49-F238E27FC236}">
+                <a16:creationId xmlns:a16="http://schemas.microsoft.com/office/drawing/2014/main" id="{90DA5EA2-B7E8-4B42-A990-7440893337B4}"/>
+              </a:ext>
+            </a:extLst>
+          </p:cNvPr>
+          <p:cNvCxnSpPr>
+            <a:cxnSpLocks/>
+            <a:stCxn id="8" idx="3"/>
+          </p:cNvCxnSpPr>
+          <p:nvPr/>
+        </p:nvCxnSpPr>
+        <p:spPr bwMode="auto">
+          <a:xfrm flipV="1">
+            <a:off x="22519159" y="18926985"/>
+            <a:ext cx="990180" cy="1645920"/>
+          </a:xfrm>
+          <a:prstGeom prst="curvedConnector3">
+            <a:avLst/>
+          </a:prstGeom>
+          <a:solidFill>
+            <a:schemeClr val="accent1"/>
+          </a:solidFill>
+          <a:ln w="57150" cap="flat" cmpd="sng" algn="ctr">
+            <a:solidFill>
+              <a:srgbClr val="0070C0"/>
+            </a:solidFill>
+            <a:prstDash val="solid"/>
+            <a:round/>
+            <a:headEnd type="none" w="med" len="med"/>
+            <a:tailEnd type="arrow" w="med" len="med"/>
+          </a:ln>
+          <a:effectLst/>
+        </p:spPr>
+      </p:cxnSp>
+      <p:sp>
+        <p:nvSpPr>
+          <p:cNvPr id="203" name="Google Shape;50;p6">
+            <a:extLst>
+              <a:ext uri="{FF2B5EF4-FFF2-40B4-BE49-F238E27FC236}">
+                <a16:creationId xmlns:a16="http://schemas.microsoft.com/office/drawing/2014/main" id="{17A0C9B2-3FA9-EF4A-A1BE-5130B06D8F9E}"/>
+              </a:ext>
+            </a:extLst>
+          </p:cNvPr>
+          <p:cNvSpPr txBox="1"/>
+          <p:nvPr/>
+        </p:nvSpPr>
+        <p:spPr>
+          <a:xfrm>
+            <a:off x="22597551" y="17256993"/>
+            <a:ext cx="4529649" cy="690649"/>
+          </a:xfrm>
+          <a:prstGeom prst="rect">
+            <a:avLst/>
+          </a:prstGeom>
+          <a:noFill/>
+          <a:ln>
+            <a:noFill/>
+          </a:ln>
+        </p:spPr>
+        <p:txBody>
+          <a:bodyPr spcFirstLastPara="1" wrap="square" lIns="91425" tIns="91425" rIns="91425" bIns="91425" anchor="t" anchorCtr="0">
+            <a:noAutofit/>
+          </a:bodyPr>
+          <a:lstStyle/>
+          <a:p>
+            <a:pPr lvl="0" algn="ctr">
+              <a:spcBef>
+                <a:spcPts val="0"/>
+              </a:spcBef>
+              <a:spcAft>
+                <a:spcPts val="0"/>
+              </a:spcAft>
+            </a:pPr>
+            <a:r>
+              <a:rPr lang="en-US" sz="3200" i="1" dirty="0"/>
+              <a:t>Images without noise</a:t>
+            </a:r>
+          </a:p>
+        </p:txBody>
+      </p:sp>
+      <p:grpSp>
+        <p:nvGrpSpPr>
+          <p:cNvPr id="205" name="Group 204">
+            <a:extLst>
+              <a:ext uri="{FF2B5EF4-FFF2-40B4-BE49-F238E27FC236}">
+                <a16:creationId xmlns:a16="http://schemas.microsoft.com/office/drawing/2014/main" id="{B103B722-B162-CF47-BFE1-AB7CC1251C02}"/>
+              </a:ext>
+            </a:extLst>
+          </p:cNvPr>
+          <p:cNvGrpSpPr/>
+          <p:nvPr/>
+        </p:nvGrpSpPr>
+        <p:grpSpPr>
+          <a:xfrm>
+            <a:off x="24115794" y="18195681"/>
+            <a:ext cx="1111690" cy="1641862"/>
+            <a:chOff x="334108" y="17379633"/>
+            <a:chExt cx="3475892" cy="7994967"/>
+          </a:xfrm>
+        </p:grpSpPr>
+        <p:pic>
+          <p:nvPicPr>
+            <p:cNvPr id="206" name="Picture 205">
+              <a:extLst>
+                <a:ext uri="{FF2B5EF4-FFF2-40B4-BE49-F238E27FC236}">
+                  <a16:creationId xmlns:a16="http://schemas.microsoft.com/office/drawing/2014/main" id="{0B7D6E9C-9C9E-664D-A0ED-92F0303B93D7}"/>
+                </a:ext>
+              </a:extLst>
+            </p:cNvPr>
+            <p:cNvPicPr>
+              <a:picLocks noChangeAspect="1"/>
+            </p:cNvPicPr>
+            <p:nvPr/>
+          </p:nvPicPr>
+          <p:blipFill>
+            <a:blip r:embed="rId5"/>
+            <a:stretch>
+              <a:fillRect/>
+            </a:stretch>
+          </p:blipFill>
+          <p:spPr>
+            <a:xfrm>
+              <a:off x="334108" y="19507200"/>
+              <a:ext cx="1342060" cy="3502512"/>
+            </a:xfrm>
+            <a:prstGeom prst="rect">
+              <a:avLst/>
+            </a:prstGeom>
+          </p:spPr>
+        </p:pic>
+        <p:pic>
+          <p:nvPicPr>
+            <p:cNvPr id="207" name="Picture 206">
+              <a:extLst>
+                <a:ext uri="{FF2B5EF4-FFF2-40B4-BE49-F238E27FC236}">
+                  <a16:creationId xmlns:a16="http://schemas.microsoft.com/office/drawing/2014/main" id="{CC7B2163-7EC0-134C-99C6-BF33D06071C1}"/>
+                </a:ext>
+              </a:extLst>
+            </p:cNvPr>
+            <p:cNvPicPr>
+              <a:picLocks noChangeAspect="1"/>
+            </p:cNvPicPr>
+            <p:nvPr/>
+          </p:nvPicPr>
+          <p:blipFill rotWithShape="1">
+            <a:blip r:embed="rId5"/>
+            <a:srcRect t="16933" b="45178"/>
+            <a:stretch/>
+          </p:blipFill>
+          <p:spPr>
+            <a:xfrm>
+              <a:off x="2451259" y="17379633"/>
+              <a:ext cx="1342060" cy="1327066"/>
+            </a:xfrm>
+            <a:prstGeom prst="rect">
+              <a:avLst/>
+            </a:prstGeom>
+          </p:spPr>
+        </p:pic>
+        <p:pic>
+          <p:nvPicPr>
+            <p:cNvPr id="208" name="Picture 207">
+              <a:extLst>
+                <a:ext uri="{FF2B5EF4-FFF2-40B4-BE49-F238E27FC236}">
+                  <a16:creationId xmlns:a16="http://schemas.microsoft.com/office/drawing/2014/main" id="{C9B29518-BC69-3545-AD00-B46263BA569C}"/>
+                </a:ext>
+              </a:extLst>
+            </p:cNvPr>
+            <p:cNvPicPr>
+              <a:picLocks noChangeAspect="1"/>
+            </p:cNvPicPr>
+            <p:nvPr/>
+          </p:nvPicPr>
+          <p:blipFill rotWithShape="1">
+            <a:blip r:embed="rId5"/>
+            <a:srcRect t="16933" b="45178"/>
+            <a:stretch/>
+          </p:blipFill>
+          <p:spPr>
+            <a:xfrm rot="16200000">
+              <a:off x="2451259" y="19604766"/>
+              <a:ext cx="1342060" cy="1327066"/>
+            </a:xfrm>
+            <a:prstGeom prst="rect">
+              <a:avLst/>
+            </a:prstGeom>
+          </p:spPr>
+        </p:pic>
+        <p:pic>
+          <p:nvPicPr>
+            <p:cNvPr id="211" name="Picture 210">
+              <a:extLst>
+                <a:ext uri="{FF2B5EF4-FFF2-40B4-BE49-F238E27FC236}">
+                  <a16:creationId xmlns:a16="http://schemas.microsoft.com/office/drawing/2014/main" id="{869E1EAB-0D97-684D-9CB0-B1D12212F315}"/>
+                </a:ext>
+              </a:extLst>
+            </p:cNvPr>
+            <p:cNvPicPr>
+              <a:picLocks noChangeAspect="1"/>
+            </p:cNvPicPr>
+            <p:nvPr/>
+          </p:nvPicPr>
+          <p:blipFill rotWithShape="1">
+            <a:blip r:embed="rId5"/>
+            <a:srcRect t="16933" b="45178"/>
+            <a:stretch/>
+          </p:blipFill>
+          <p:spPr>
+            <a:xfrm flipH="1">
+              <a:off x="2434578" y="21829899"/>
+              <a:ext cx="1375422" cy="1327066"/>
+            </a:xfrm>
+            <a:prstGeom prst="rect">
+              <a:avLst/>
+            </a:prstGeom>
+          </p:spPr>
+        </p:pic>
+        <p:pic>
+          <p:nvPicPr>
+            <p:cNvPr id="213" name="Picture 212">
+              <a:extLst>
+                <a:ext uri="{FF2B5EF4-FFF2-40B4-BE49-F238E27FC236}">
+                  <a16:creationId xmlns:a16="http://schemas.microsoft.com/office/drawing/2014/main" id="{A9D0D947-013B-B14D-BEBC-1CE64C500899}"/>
+                </a:ext>
+              </a:extLst>
+            </p:cNvPr>
+            <p:cNvPicPr>
+              <a:picLocks noChangeAspect="1"/>
+            </p:cNvPicPr>
+            <p:nvPr/>
+          </p:nvPicPr>
+          <p:blipFill rotWithShape="1">
+            <a:blip r:embed="rId6">
+              <a:extLst>
+                <a:ext uri="{BEBA8EAE-BF5A-486C-A8C5-ECC9F3942E4B}">
+                  <a14:imgProps xmlns:a14="http://schemas.microsoft.com/office/drawing/2010/main">
+                    <a14:imgLayer>
+                      <a14:imgEffect>
+                        <a14:sharpenSoften amount="50000"/>
+                      </a14:imgEffect>
+                      <a14:imgEffect>
+                        <a14:brightnessContrast bright="-40000" contrast="20000"/>
+                      </a14:imgEffect>
+                    </a14:imgLayer>
+                  </a14:imgProps>
+                </a:ext>
+              </a:extLst>
+            </a:blip>
+            <a:srcRect t="16933" b="45178"/>
+            <a:stretch/>
+          </p:blipFill>
+          <p:spPr>
+            <a:xfrm>
+              <a:off x="2451259" y="24047534"/>
+              <a:ext cx="1342060" cy="1327066"/>
+            </a:xfrm>
+            <a:prstGeom prst="rect">
+              <a:avLst/>
+            </a:prstGeom>
+          </p:spPr>
+        </p:pic>
+        <p:grpSp>
+          <p:nvGrpSpPr>
+            <p:cNvPr id="224" name="Group 223">
+              <a:extLst>
+                <a:ext uri="{FF2B5EF4-FFF2-40B4-BE49-F238E27FC236}">
+                  <a16:creationId xmlns:a16="http://schemas.microsoft.com/office/drawing/2014/main" id="{9EED4796-A085-1E49-996C-E2A885ECF636}"/>
+                </a:ext>
+              </a:extLst>
+            </p:cNvPr>
+            <p:cNvGrpSpPr/>
+            <p:nvPr/>
+          </p:nvGrpSpPr>
+          <p:grpSpPr>
+            <a:xfrm>
+              <a:off x="1651991" y="18262393"/>
+              <a:ext cx="710210" cy="6503201"/>
+              <a:chOff x="1651990" y="18262393"/>
+              <a:chExt cx="1296169" cy="6503201"/>
+            </a:xfrm>
+          </p:grpSpPr>
+          <p:cxnSp>
+            <p:nvCxnSpPr>
+              <p:cNvPr id="231" name="Straight Arrow Connector 230">
+                <a:extLst>
+                  <a:ext uri="{FF2B5EF4-FFF2-40B4-BE49-F238E27FC236}">
+                    <a16:creationId xmlns:a16="http://schemas.microsoft.com/office/drawing/2014/main" id="{C24D40AB-CBB4-0C41-82DD-2E3DB7E638FD}"/>
+                  </a:ext>
+                </a:extLst>
+              </p:cNvPr>
+              <p:cNvCxnSpPr>
+                <a:cxnSpLocks/>
+              </p:cNvCxnSpPr>
+              <p:nvPr/>
+            </p:nvCxnSpPr>
+            <p:spPr bwMode="auto">
+              <a:xfrm flipV="1">
+                <a:off x="1651990" y="20346589"/>
+                <a:ext cx="1232288" cy="823966"/>
+              </a:xfrm>
+              <a:prstGeom prst="straightConnector1">
+                <a:avLst/>
+              </a:prstGeom>
+              <a:solidFill>
+                <a:schemeClr val="accent1"/>
+              </a:solidFill>
+              <a:ln w="57150" cap="flat" cmpd="sng" algn="ctr">
+                <a:solidFill>
+                  <a:srgbClr val="FF0000"/>
+                </a:solidFill>
+                <a:prstDash val="solid"/>
+                <a:round/>
+                <a:headEnd type="none" w="med" len="med"/>
+                <a:tailEnd type="arrow" w="med" len="med"/>
+              </a:ln>
+              <a:effectLst/>
+            </p:spPr>
+          </p:cxnSp>
+          <p:cxnSp>
+            <p:nvCxnSpPr>
+              <p:cNvPr id="232" name="Straight Arrow Connector 231">
+                <a:extLst>
+                  <a:ext uri="{FF2B5EF4-FFF2-40B4-BE49-F238E27FC236}">
+                    <a16:creationId xmlns:a16="http://schemas.microsoft.com/office/drawing/2014/main" id="{6FF5D8C0-295C-2F4C-AA32-FF28489679C0}"/>
+                  </a:ext>
+                </a:extLst>
+              </p:cNvPr>
+              <p:cNvCxnSpPr>
+                <a:cxnSpLocks/>
+              </p:cNvCxnSpPr>
+              <p:nvPr/>
+            </p:nvCxnSpPr>
+            <p:spPr bwMode="auto">
+              <a:xfrm flipV="1">
+                <a:off x="1676168" y="18262393"/>
+                <a:ext cx="1271991" cy="2908162"/>
+              </a:xfrm>
+              <a:prstGeom prst="straightConnector1">
+                <a:avLst/>
+              </a:prstGeom>
+              <a:solidFill>
+                <a:schemeClr val="accent1"/>
+              </a:solidFill>
+              <a:ln w="57150" cap="flat" cmpd="sng" algn="ctr">
+                <a:solidFill>
+                  <a:srgbClr val="FF0000"/>
+                </a:solidFill>
+                <a:prstDash val="solid"/>
+                <a:round/>
+                <a:headEnd type="none" w="med" len="med"/>
+                <a:tailEnd type="arrow" w="med" len="med"/>
+              </a:ln>
+              <a:effectLst/>
+            </p:spPr>
+          </p:cxnSp>
+          <p:cxnSp>
+            <p:nvCxnSpPr>
+              <p:cNvPr id="233" name="Straight Arrow Connector 232">
+                <a:extLst>
+                  <a:ext uri="{FF2B5EF4-FFF2-40B4-BE49-F238E27FC236}">
+                    <a16:creationId xmlns:a16="http://schemas.microsoft.com/office/drawing/2014/main" id="{09CE0708-F1FC-F545-A3FB-DA20429A2CAC}"/>
+                  </a:ext>
+                </a:extLst>
+              </p:cNvPr>
+              <p:cNvCxnSpPr>
+                <a:cxnSpLocks/>
+              </p:cNvCxnSpPr>
+              <p:nvPr/>
+            </p:nvCxnSpPr>
+            <p:spPr bwMode="auto">
+              <a:xfrm>
+                <a:off x="1651990" y="21160417"/>
+                <a:ext cx="1091210" cy="1302978"/>
+              </a:xfrm>
+              <a:prstGeom prst="straightConnector1">
+                <a:avLst/>
+              </a:prstGeom>
+              <a:solidFill>
+                <a:schemeClr val="accent1"/>
+              </a:solidFill>
+              <a:ln w="57150" cap="flat" cmpd="sng" algn="ctr">
+                <a:solidFill>
+                  <a:srgbClr val="FF0000"/>
+                </a:solidFill>
+                <a:prstDash val="solid"/>
+                <a:round/>
+                <a:headEnd type="none" w="med" len="med"/>
+                <a:tailEnd type="arrow" w="med" len="med"/>
+              </a:ln>
+              <a:effectLst/>
+            </p:spPr>
+          </p:cxnSp>
+          <p:cxnSp>
+            <p:nvCxnSpPr>
+              <p:cNvPr id="234" name="Straight Arrow Connector 233">
+                <a:extLst>
+                  <a:ext uri="{FF2B5EF4-FFF2-40B4-BE49-F238E27FC236}">
+                    <a16:creationId xmlns:a16="http://schemas.microsoft.com/office/drawing/2014/main" id="{4AA71D28-BBB7-E24A-8251-C41B7E1F49BE}"/>
+                  </a:ext>
+                </a:extLst>
+              </p:cNvPr>
+              <p:cNvCxnSpPr>
+                <a:cxnSpLocks/>
+                <a:stCxn id="206" idx="3"/>
+              </p:cNvCxnSpPr>
+              <p:nvPr/>
+            </p:nvCxnSpPr>
+            <p:spPr bwMode="auto">
+              <a:xfrm>
+                <a:off x="1676169" y="21258456"/>
+                <a:ext cx="1067032" cy="3507138"/>
+              </a:xfrm>
+              <a:prstGeom prst="straightConnector1">
+                <a:avLst/>
+              </a:prstGeom>
+              <a:solidFill>
+                <a:schemeClr val="accent1"/>
+              </a:solidFill>
+              <a:ln w="57150" cap="flat" cmpd="sng" algn="ctr">
+                <a:solidFill>
+                  <a:srgbClr val="FF0000"/>
+                </a:solidFill>
+                <a:prstDash val="solid"/>
+                <a:round/>
+                <a:headEnd type="none" w="med" len="med"/>
+                <a:tailEnd type="arrow" w="med" len="med"/>
+              </a:ln>
+              <a:effectLst/>
+            </p:spPr>
+          </p:cxnSp>
+        </p:grpSp>
+      </p:grpSp>
+      <p:sp>
+        <p:nvSpPr>
+          <p:cNvPr id="235" name="Rectangle 234">
+            <a:extLst>
+              <a:ext uri="{FF2B5EF4-FFF2-40B4-BE49-F238E27FC236}">
+                <a16:creationId xmlns:a16="http://schemas.microsoft.com/office/drawing/2014/main" id="{D1A012AA-316C-E646-A8DA-1E9A22DDEDF2}"/>
+              </a:ext>
+            </a:extLst>
+          </p:cNvPr>
+          <p:cNvSpPr/>
+          <p:nvPr/>
+        </p:nvSpPr>
+        <p:spPr bwMode="auto">
+          <a:xfrm>
+            <a:off x="23528948" y="18120081"/>
+            <a:ext cx="2617569" cy="1792558"/>
+          </a:xfrm>
+          <a:prstGeom prst="rect">
+            <a:avLst/>
+          </a:prstGeom>
+          <a:noFill/>
+          <a:ln w="38100" cap="flat" cmpd="sng" algn="ctr">
+            <a:solidFill>
+              <a:schemeClr val="tx1"/>
+            </a:solidFill>
+            <a:prstDash val="solid"/>
+            <a:miter lim="800000"/>
+            <a:headEnd type="none" w="med" len="med"/>
+            <a:tailEnd type="none" w="med" len="med"/>
+          </a:ln>
+          <a:effectLst>
+            <a:outerShdw blurRad="50800" dist="38100" dir="2700000">
+              <a:srgbClr val="000000">
+                <a:alpha val="43000"/>
+              </a:srgbClr>
+            </a:outerShdw>
+          </a:effectLst>
+        </p:spPr>
+        <p:txBody>
+          <a:bodyPr vert="horz" wrap="square" lIns="91440" tIns="45720" rIns="91440" bIns="45720" numCol="1" rtlCol="0" anchor="ctr" anchorCtr="0" compatLnSpc="1">
+            <a:prstTxWarp prst="textNoShape">
+              <a:avLst/>
+            </a:prstTxWarp>
+          </a:bodyPr>
+          <a:lstStyle/>
+          <a:p>
+            <a:pPr marL="0" marR="0" indent="0" algn="ctr" defTabSz="3762375" rtl="0" eaLnBrk="1" fontAlgn="base" latinLnBrk="0" hangingPunct="1">
+              <a:lnSpc>
+                <a:spcPct val="100000"/>
+              </a:lnSpc>
+              <a:spcBef>
+                <a:spcPct val="0"/>
+              </a:spcBef>
+              <a:spcAft>
+                <a:spcPct val="0"/>
+              </a:spcAft>
+              <a:buClrTx/>
+              <a:buSzTx/>
+              <a:buFontTx/>
+              <a:buNone/>
+              <a:tabLst/>
+            </a:pPr>
+            <a:endParaRPr lang="en-US" dirty="0">
+              <a:latin typeface="Arial" pitchFamily="-110" charset="0"/>
+            </a:endParaRPr>
+          </a:p>
+        </p:txBody>
+      </p:sp>
+      <p:sp>
+        <p:nvSpPr>
+          <p:cNvPr id="238" name="Google Shape;50;p6">
+            <a:extLst>
+              <a:ext uri="{FF2B5EF4-FFF2-40B4-BE49-F238E27FC236}">
+                <a16:creationId xmlns:a16="http://schemas.microsoft.com/office/drawing/2014/main" id="{07AFAD25-E79B-FF49-902E-2D261E1ACACA}"/>
+              </a:ext>
+            </a:extLst>
+          </p:cNvPr>
+          <p:cNvSpPr txBox="1"/>
+          <p:nvPr/>
+        </p:nvSpPr>
+        <p:spPr>
+          <a:xfrm>
+            <a:off x="23619809" y="21541378"/>
+            <a:ext cx="2146908" cy="690649"/>
+          </a:xfrm>
+          <a:prstGeom prst="rect">
+            <a:avLst/>
+          </a:prstGeom>
+          <a:noFill/>
+          <a:ln>
+            <a:noFill/>
+          </a:ln>
+        </p:spPr>
+        <p:txBody>
+          <a:bodyPr spcFirstLastPara="1" wrap="square" lIns="91425" tIns="91425" rIns="91425" bIns="91425" anchor="t" anchorCtr="0">
+            <a:noAutofit/>
+          </a:bodyPr>
+          <a:lstStyle/>
+          <a:p>
+            <a:pPr lvl="0" algn="ctr">
+              <a:spcBef>
+                <a:spcPts val="0"/>
+              </a:spcBef>
+              <a:spcAft>
+                <a:spcPts val="0"/>
+              </a:spcAft>
+            </a:pPr>
+            <a:r>
+              <a:rPr lang="en-US" sz="3400" b="1" i="1" dirty="0"/>
+              <a:t>KNN</a:t>
+            </a:r>
+          </a:p>
+        </p:txBody>
+      </p:sp>
+      <p:cxnSp>
+        <p:nvCxnSpPr>
+          <p:cNvPr id="239" name="Straight Arrow Connector 238">
+            <a:extLst>
+              <a:ext uri="{FF2B5EF4-FFF2-40B4-BE49-F238E27FC236}">
+                <a16:creationId xmlns:a16="http://schemas.microsoft.com/office/drawing/2014/main" id="{114D7081-482C-AE46-B5BD-E6C64F5B2277}"/>
+              </a:ext>
+            </a:extLst>
+          </p:cNvPr>
+          <p:cNvCxnSpPr>
+            <a:cxnSpLocks/>
+          </p:cNvCxnSpPr>
+          <p:nvPr/>
+        </p:nvCxnSpPr>
+        <p:spPr bwMode="auto">
+          <a:xfrm>
+            <a:off x="26069451" y="23318355"/>
+            <a:ext cx="546749" cy="0"/>
+          </a:xfrm>
+          <a:prstGeom prst="straightConnector1">
+            <a:avLst/>
+          </a:prstGeom>
+          <a:solidFill>
+            <a:schemeClr val="accent1"/>
+          </a:solidFill>
+          <a:ln w="57150" cap="flat" cmpd="sng" algn="ctr">
+            <a:solidFill>
+              <a:schemeClr val="tx1"/>
+            </a:solidFill>
+            <a:prstDash val="solid"/>
+            <a:round/>
+            <a:headEnd type="none" w="med" len="med"/>
+            <a:tailEnd type="arrow" w="med" len="med"/>
+          </a:ln>
+          <a:effectLst/>
+        </p:spPr>
+      </p:cxnSp>
+      <p:grpSp>
+        <p:nvGrpSpPr>
+          <p:cNvPr id="36" name="Group 35">
+            <a:extLst>
+              <a:ext uri="{FF2B5EF4-FFF2-40B4-BE49-F238E27FC236}">
+                <a16:creationId xmlns:a16="http://schemas.microsoft.com/office/drawing/2014/main" id="{8534EE85-182A-1642-B290-46FB70BC76C4}"/>
+              </a:ext>
+            </a:extLst>
+          </p:cNvPr>
+          <p:cNvGrpSpPr/>
+          <p:nvPr/>
+        </p:nvGrpSpPr>
+        <p:grpSpPr>
+          <a:xfrm>
+            <a:off x="16547723" y="22676246"/>
+            <a:ext cx="2464272" cy="1223179"/>
+            <a:chOff x="17938611" y="22303628"/>
+            <a:chExt cx="3176755" cy="1271180"/>
+          </a:xfrm>
+        </p:grpSpPr>
+        <p:pic>
+          <p:nvPicPr>
+            <p:cNvPr id="236" name="Picture 235">
+              <a:extLst>
+                <a:ext uri="{FF2B5EF4-FFF2-40B4-BE49-F238E27FC236}">
+                  <a16:creationId xmlns:a16="http://schemas.microsoft.com/office/drawing/2014/main" id="{5F225F40-8AC3-C74F-BCEB-8B0DEB58C30B}"/>
+                </a:ext>
+              </a:extLst>
+            </p:cNvPr>
+            <p:cNvPicPr>
+              <a:picLocks noChangeAspect="1"/>
+            </p:cNvPicPr>
+            <p:nvPr/>
+          </p:nvPicPr>
+          <p:blipFill>
+            <a:blip r:embed="rId4"/>
+            <a:stretch>
+              <a:fillRect/>
+            </a:stretch>
+          </p:blipFill>
+          <p:spPr>
+            <a:xfrm>
+              <a:off x="17938611" y="22304415"/>
+              <a:ext cx="891799" cy="1270393"/>
+            </a:xfrm>
+            <a:prstGeom prst="rect">
+              <a:avLst/>
+            </a:prstGeom>
+          </p:spPr>
+        </p:pic>
+        <p:pic>
+          <p:nvPicPr>
+            <p:cNvPr id="30" name="Picture 29">
+              <a:extLst>
+                <a:ext uri="{FF2B5EF4-FFF2-40B4-BE49-F238E27FC236}">
+                  <a16:creationId xmlns:a16="http://schemas.microsoft.com/office/drawing/2014/main" id="{34C623F9-C124-5F40-81D0-5273AC8948DE}"/>
+                </a:ext>
+              </a:extLst>
+            </p:cNvPr>
+            <p:cNvPicPr>
+              <a:picLocks noChangeAspect="1"/>
+            </p:cNvPicPr>
+            <p:nvPr/>
+          </p:nvPicPr>
+          <p:blipFill>
+            <a:blip r:embed="rId8"/>
+            <a:stretch>
+              <a:fillRect/>
+            </a:stretch>
+          </p:blipFill>
+          <p:spPr>
+            <a:xfrm>
+              <a:off x="19086890" y="22306961"/>
+              <a:ext cx="884422" cy="1265299"/>
+            </a:xfrm>
+            <a:prstGeom prst="rect">
+              <a:avLst/>
+            </a:prstGeom>
+          </p:spPr>
+        </p:pic>
+        <p:pic>
+          <p:nvPicPr>
+            <p:cNvPr id="32" name="Picture 31">
+              <a:extLst>
+                <a:ext uri="{FF2B5EF4-FFF2-40B4-BE49-F238E27FC236}">
+                  <a16:creationId xmlns:a16="http://schemas.microsoft.com/office/drawing/2014/main" id="{C33E620D-6DDE-3B4E-AF89-BCCF222BCAAC}"/>
+                </a:ext>
+              </a:extLst>
+            </p:cNvPr>
+            <p:cNvPicPr>
+              <a:picLocks noChangeAspect="1"/>
+            </p:cNvPicPr>
+            <p:nvPr/>
+          </p:nvPicPr>
+          <p:blipFill>
+            <a:blip r:embed="rId9"/>
+            <a:stretch>
+              <a:fillRect/>
+            </a:stretch>
+          </p:blipFill>
+          <p:spPr>
+            <a:xfrm>
+              <a:off x="20266010" y="22303628"/>
+              <a:ext cx="849356" cy="1265707"/>
+            </a:xfrm>
+            <a:prstGeom prst="rect">
+              <a:avLst/>
+            </a:prstGeom>
+          </p:spPr>
+        </p:pic>
+      </p:grpSp>
+      <p:sp>
+        <p:nvSpPr>
+          <p:cNvPr id="241" name="Rectangle 240">
+            <a:extLst>
+              <a:ext uri="{FF2B5EF4-FFF2-40B4-BE49-F238E27FC236}">
+                <a16:creationId xmlns:a16="http://schemas.microsoft.com/office/drawing/2014/main" id="{09FCDB36-64FD-E341-AC5B-D600EC3B976C}"/>
+              </a:ext>
+            </a:extLst>
+          </p:cNvPr>
+          <p:cNvSpPr/>
+          <p:nvPr/>
+        </p:nvSpPr>
+        <p:spPr bwMode="auto">
+          <a:xfrm>
+            <a:off x="16472590" y="22385340"/>
+            <a:ext cx="2617569" cy="1792558"/>
+          </a:xfrm>
+          <a:prstGeom prst="rect">
+            <a:avLst/>
+          </a:prstGeom>
+          <a:noFill/>
+          <a:ln w="38100" cap="flat" cmpd="sng" algn="ctr">
+            <a:solidFill>
+              <a:schemeClr val="tx1"/>
+            </a:solidFill>
+            <a:prstDash val="solid"/>
+            <a:miter lim="800000"/>
+            <a:headEnd type="none" w="med" len="med"/>
+            <a:tailEnd type="none" w="med" len="med"/>
+          </a:ln>
+          <a:effectLst>
+            <a:outerShdw blurRad="50800" dist="38100" dir="2700000">
+              <a:srgbClr val="000000">
+                <a:alpha val="43000"/>
+              </a:srgbClr>
+            </a:outerShdw>
+          </a:effectLst>
+        </p:spPr>
+        <p:txBody>
+          <a:bodyPr vert="horz" wrap="square" lIns="91440" tIns="45720" rIns="91440" bIns="45720" numCol="1" rtlCol="0" anchor="ctr" anchorCtr="0" compatLnSpc="1">
+            <a:prstTxWarp prst="textNoShape">
+              <a:avLst/>
+            </a:prstTxWarp>
+          </a:bodyPr>
+          <a:lstStyle/>
+          <a:p>
+            <a:pPr marL="0" marR="0" indent="0" algn="ctr" defTabSz="3762375" rtl="0" eaLnBrk="1" fontAlgn="base" latinLnBrk="0" hangingPunct="1">
+              <a:lnSpc>
+                <a:spcPct val="100000"/>
+              </a:lnSpc>
+              <a:spcBef>
+                <a:spcPct val="0"/>
+              </a:spcBef>
+              <a:spcAft>
+                <a:spcPct val="0"/>
+              </a:spcAft>
+              <a:buClrTx/>
+              <a:buSzTx/>
+              <a:buFontTx/>
+              <a:buNone/>
+              <a:tabLst/>
+            </a:pPr>
+            <a:endParaRPr lang="en-US" dirty="0">
+              <a:latin typeface="Arial" pitchFamily="-110" charset="0"/>
+            </a:endParaRPr>
+          </a:p>
+        </p:txBody>
+      </p:sp>
+      <p:cxnSp>
+        <p:nvCxnSpPr>
+          <p:cNvPr id="242" name="Curved Connector 241">
+            <a:extLst>
+              <a:ext uri="{FF2B5EF4-FFF2-40B4-BE49-F238E27FC236}">
+                <a16:creationId xmlns:a16="http://schemas.microsoft.com/office/drawing/2014/main" id="{4DC6FD37-56E6-554B-B7BC-362EDD74E823}"/>
+              </a:ext>
+            </a:extLst>
+          </p:cNvPr>
+          <p:cNvCxnSpPr>
+            <a:cxnSpLocks/>
+          </p:cNvCxnSpPr>
+          <p:nvPr/>
+        </p:nvCxnSpPr>
+        <p:spPr bwMode="auto">
+          <a:xfrm flipV="1">
+            <a:off x="19090159" y="21562342"/>
+            <a:ext cx="811431" cy="1645920"/>
+          </a:xfrm>
+          <a:prstGeom prst="curvedConnector3">
+            <a:avLst>
+              <a:gd name="adj1" fmla="val 50000"/>
+            </a:avLst>
+          </a:prstGeom>
+          <a:solidFill>
+            <a:schemeClr val="accent1"/>
+          </a:solidFill>
+          <a:ln w="57150" cap="flat" cmpd="sng" algn="ctr">
+            <a:solidFill>
+              <a:schemeClr val="tx1"/>
+            </a:solidFill>
+            <a:prstDash val="solid"/>
+            <a:round/>
+            <a:headEnd type="none" w="med" len="med"/>
+            <a:tailEnd type="arrow" w="med" len="med"/>
+          </a:ln>
+          <a:effectLst/>
+        </p:spPr>
+      </p:cxnSp>
+      <p:grpSp>
+        <p:nvGrpSpPr>
+          <p:cNvPr id="39" name="Group 38">
+            <a:extLst>
+              <a:ext uri="{FF2B5EF4-FFF2-40B4-BE49-F238E27FC236}">
+                <a16:creationId xmlns:a16="http://schemas.microsoft.com/office/drawing/2014/main" id="{A1BAAF46-02E9-D746-840B-FA03ADC4DD28}"/>
+              </a:ext>
+            </a:extLst>
+          </p:cNvPr>
+          <p:cNvGrpSpPr/>
+          <p:nvPr/>
+        </p:nvGrpSpPr>
+        <p:grpSpPr>
+          <a:xfrm>
+            <a:off x="26920455" y="22790049"/>
+            <a:ext cx="1554090" cy="1009433"/>
+            <a:chOff x="609600" y="6858000"/>
+            <a:chExt cx="8305800" cy="5835500"/>
+          </a:xfrm>
+        </p:grpSpPr>
+        <p:pic>
+          <p:nvPicPr>
+            <p:cNvPr id="243" name="Picture 242">
+              <a:extLst>
+                <a:ext uri="{FF2B5EF4-FFF2-40B4-BE49-F238E27FC236}">
+                  <a16:creationId xmlns:a16="http://schemas.microsoft.com/office/drawing/2014/main" id="{41F4853C-B945-9549-8FE2-124B29631D42}"/>
+                </a:ext>
+              </a:extLst>
+            </p:cNvPr>
+            <p:cNvPicPr>
+              <a:picLocks noChangeAspect="1"/>
+            </p:cNvPicPr>
+            <p:nvPr/>
+          </p:nvPicPr>
+          <p:blipFill>
+            <a:blip r:embed="rId4"/>
+            <a:stretch>
+              <a:fillRect/>
+            </a:stretch>
+          </p:blipFill>
+          <p:spPr>
+            <a:xfrm>
+              <a:off x="609600" y="7010400"/>
+              <a:ext cx="3959196" cy="5639987"/>
+            </a:xfrm>
+            <a:prstGeom prst="rect">
+              <a:avLst/>
+            </a:prstGeom>
+          </p:spPr>
+        </p:pic>
+        <p:pic>
+          <p:nvPicPr>
+            <p:cNvPr id="244" name="Picture 243">
+              <a:extLst>
+                <a:ext uri="{FF2B5EF4-FFF2-40B4-BE49-F238E27FC236}">
+                  <a16:creationId xmlns:a16="http://schemas.microsoft.com/office/drawing/2014/main" id="{28FF817B-B8B7-7043-989F-CB8E4CB2E72E}"/>
+                </a:ext>
+              </a:extLst>
+            </p:cNvPr>
+            <p:cNvPicPr>
+              <a:picLocks noChangeAspect="1"/>
+            </p:cNvPicPr>
+            <p:nvPr/>
+          </p:nvPicPr>
+          <p:blipFill>
+            <a:blip r:embed="rId5"/>
+            <a:stretch>
+              <a:fillRect/>
+            </a:stretch>
+          </p:blipFill>
+          <p:spPr>
+            <a:xfrm>
+              <a:off x="6679407" y="6858000"/>
+              <a:ext cx="2235993" cy="5835500"/>
+            </a:xfrm>
+            <a:prstGeom prst="rect">
+              <a:avLst/>
+            </a:prstGeom>
+          </p:spPr>
+        </p:pic>
+        <p:cxnSp>
+          <p:nvCxnSpPr>
+            <p:cNvPr id="245" name="Straight Arrow Connector 244">
+              <a:extLst>
+                <a:ext uri="{FF2B5EF4-FFF2-40B4-BE49-F238E27FC236}">
+                  <a16:creationId xmlns:a16="http://schemas.microsoft.com/office/drawing/2014/main" id="{FF206092-C2D7-0B4C-9750-CE2169586DEC}"/>
+                </a:ext>
+              </a:extLst>
+            </p:cNvPr>
+            <p:cNvCxnSpPr>
+              <a:cxnSpLocks/>
+            </p:cNvCxnSpPr>
+            <p:nvPr/>
+          </p:nvCxnSpPr>
+          <p:spPr bwMode="auto">
+            <a:xfrm flipV="1">
+              <a:off x="4568796" y="9753600"/>
+              <a:ext cx="2194560" cy="0"/>
+            </a:xfrm>
+            <a:prstGeom prst="straightConnector1">
+              <a:avLst/>
+            </a:prstGeom>
+            <a:solidFill>
+              <a:schemeClr val="accent1"/>
+            </a:solidFill>
+            <a:ln w="57150" cap="flat" cmpd="sng" algn="ctr">
+              <a:solidFill>
+                <a:schemeClr val="tx1"/>
+              </a:solidFill>
+              <a:prstDash val="solid"/>
+              <a:round/>
+              <a:headEnd type="none" w="med" len="med"/>
+              <a:tailEnd type="arrow" w="med" len="med"/>
+            </a:ln>
+            <a:effectLst/>
+          </p:spPr>
+        </p:cxnSp>
+      </p:grpSp>
+      <p:sp>
+        <p:nvSpPr>
+          <p:cNvPr id="246" name="Rectangle 245">
+            <a:extLst>
+              <a:ext uri="{FF2B5EF4-FFF2-40B4-BE49-F238E27FC236}">
+                <a16:creationId xmlns:a16="http://schemas.microsoft.com/office/drawing/2014/main" id="{8CA6D0D1-4F66-8249-A338-2CE0A7454983}"/>
+              </a:ext>
+            </a:extLst>
+          </p:cNvPr>
+          <p:cNvSpPr/>
+          <p:nvPr/>
+        </p:nvSpPr>
+        <p:spPr bwMode="auto">
+          <a:xfrm>
+            <a:off x="26643231" y="22371490"/>
+            <a:ext cx="2160369" cy="1792558"/>
+          </a:xfrm>
+          <a:prstGeom prst="rect">
+            <a:avLst/>
+          </a:prstGeom>
+          <a:noFill/>
+          <a:ln w="38100" cap="flat" cmpd="sng" algn="ctr">
+            <a:solidFill>
+              <a:schemeClr val="tx1"/>
+            </a:solidFill>
+            <a:prstDash val="solid"/>
+            <a:miter lim="800000"/>
+            <a:headEnd type="none" w="med" len="med"/>
+            <a:tailEnd type="none" w="med" len="med"/>
+          </a:ln>
+          <a:effectLst>
+            <a:outerShdw blurRad="50800" dist="38100" dir="2700000">
+              <a:srgbClr val="000000">
+                <a:alpha val="43000"/>
+              </a:srgbClr>
+            </a:outerShdw>
+          </a:effectLst>
+        </p:spPr>
+        <p:txBody>
+          <a:bodyPr vert="horz" wrap="square" lIns="91440" tIns="45720" rIns="91440" bIns="45720" numCol="1" rtlCol="0" anchor="ctr" anchorCtr="0" compatLnSpc="1">
+            <a:prstTxWarp prst="textNoShape">
+              <a:avLst/>
+            </a:prstTxWarp>
+          </a:bodyPr>
+          <a:lstStyle/>
+          <a:p>
+            <a:pPr marL="0" marR="0" indent="0" algn="ctr" defTabSz="3762375" rtl="0" eaLnBrk="1" fontAlgn="base" latinLnBrk="0" hangingPunct="1">
+              <a:lnSpc>
+                <a:spcPct val="100000"/>
+              </a:lnSpc>
+              <a:spcBef>
+                <a:spcPct val="0"/>
+              </a:spcBef>
+              <a:spcAft>
+                <a:spcPct val="0"/>
+              </a:spcAft>
+              <a:buClrTx/>
+              <a:buSzTx/>
+              <a:buFontTx/>
+              <a:buNone/>
+              <a:tabLst/>
+            </a:pPr>
+            <a:endParaRPr lang="en-US" dirty="0">
+              <a:latin typeface="Arial" pitchFamily="-110" charset="0"/>
+            </a:endParaRPr>
+          </a:p>
+        </p:txBody>
+      </p:sp>
+      <p:sp>
+        <p:nvSpPr>
+          <p:cNvPr id="247" name="Google Shape;50;p6">
+            <a:extLst>
+              <a:ext uri="{FF2B5EF4-FFF2-40B4-BE49-F238E27FC236}">
+                <a16:creationId xmlns:a16="http://schemas.microsoft.com/office/drawing/2014/main" id="{D500EBB9-B00E-5C4F-8593-E7412FB92FB8}"/>
+              </a:ext>
+            </a:extLst>
+          </p:cNvPr>
+          <p:cNvSpPr txBox="1"/>
+          <p:nvPr/>
+        </p:nvSpPr>
+        <p:spPr>
+          <a:xfrm>
+            <a:off x="19206398" y="19284366"/>
+            <a:ext cx="4063494" cy="828208"/>
+          </a:xfrm>
+          <a:prstGeom prst="rect">
+            <a:avLst/>
+          </a:prstGeom>
+          <a:noFill/>
+          <a:ln>
+            <a:noFill/>
+          </a:ln>
+        </p:spPr>
+        <p:txBody>
+          <a:bodyPr spcFirstLastPara="1" wrap="square" lIns="91425" tIns="91425" rIns="91425" bIns="91425" anchor="t" anchorCtr="0">
+            <a:noAutofit/>
+          </a:bodyPr>
+          <a:lstStyle/>
+          <a:p>
+            <a:pPr lvl="0" algn="ctr">
+              <a:spcBef>
+                <a:spcPts val="0"/>
+              </a:spcBef>
+              <a:spcAft>
+                <a:spcPts val="0"/>
+              </a:spcAft>
+            </a:pPr>
+            <a:r>
+              <a:rPr lang="en-US" sz="3400" b="1" dirty="0"/>
+              <a:t>Autoencoder</a:t>
+            </a:r>
+          </a:p>
+        </p:txBody>
+      </p:sp>
+      <p:sp>
+        <p:nvSpPr>
+          <p:cNvPr id="248" name="Google Shape;50;p6">
+            <a:extLst>
+              <a:ext uri="{FF2B5EF4-FFF2-40B4-BE49-F238E27FC236}">
+                <a16:creationId xmlns:a16="http://schemas.microsoft.com/office/drawing/2014/main" id="{931F84FD-0942-3E4E-AECA-4F9A4588DD50}"/>
+              </a:ext>
+            </a:extLst>
+          </p:cNvPr>
+          <p:cNvSpPr txBox="1"/>
+          <p:nvPr/>
+        </p:nvSpPr>
+        <p:spPr>
+          <a:xfrm>
+            <a:off x="25864643" y="20094616"/>
+            <a:ext cx="3937787" cy="690649"/>
+          </a:xfrm>
+          <a:prstGeom prst="rect">
+            <a:avLst/>
+          </a:prstGeom>
+          <a:noFill/>
+          <a:ln>
+            <a:noFill/>
+          </a:ln>
+        </p:spPr>
+        <p:txBody>
+          <a:bodyPr spcFirstLastPara="1" wrap="square" lIns="91425" tIns="91425" rIns="91425" bIns="91425" anchor="t" anchorCtr="0">
+            <a:noAutofit/>
+          </a:bodyPr>
+          <a:lstStyle/>
+          <a:p>
+            <a:pPr lvl="0" algn="ctr">
+              <a:spcBef>
+                <a:spcPts val="0"/>
+              </a:spcBef>
+              <a:spcAft>
+                <a:spcPts val="0"/>
+              </a:spcAft>
+            </a:pPr>
+            <a:r>
+              <a:rPr lang="en-US" sz="3400" dirty="0">
+                <a:solidFill>
+                  <a:srgbClr val="0070C0"/>
+                </a:solidFill>
+              </a:rPr>
+              <a:t>Training</a:t>
+            </a:r>
+          </a:p>
+        </p:txBody>
+      </p:sp>
+      <p:sp>
+        <p:nvSpPr>
+          <p:cNvPr id="249" name="Google Shape;50;p6">
+            <a:extLst>
+              <a:ext uri="{FF2B5EF4-FFF2-40B4-BE49-F238E27FC236}">
+                <a16:creationId xmlns:a16="http://schemas.microsoft.com/office/drawing/2014/main" id="{E2CADA4B-D28D-6149-8F17-4488DDAB1A8F}"/>
+              </a:ext>
+            </a:extLst>
+          </p:cNvPr>
+          <p:cNvSpPr txBox="1"/>
+          <p:nvPr/>
+        </p:nvSpPr>
+        <p:spPr>
+          <a:xfrm>
+            <a:off x="25864644" y="21109480"/>
+            <a:ext cx="3937787" cy="690649"/>
+          </a:xfrm>
+          <a:prstGeom prst="rect">
+            <a:avLst/>
+          </a:prstGeom>
+          <a:noFill/>
+          <a:ln>
+            <a:noFill/>
+          </a:ln>
+        </p:spPr>
+        <p:txBody>
+          <a:bodyPr spcFirstLastPara="1" wrap="square" lIns="91425" tIns="91425" rIns="91425" bIns="91425" anchor="t" anchorCtr="0">
+            <a:noAutofit/>
+          </a:bodyPr>
+          <a:lstStyle/>
+          <a:p>
+            <a:pPr lvl="0" algn="ctr">
+              <a:spcBef>
+                <a:spcPts val="0"/>
+              </a:spcBef>
+              <a:spcAft>
+                <a:spcPts val="0"/>
+              </a:spcAft>
+            </a:pPr>
+            <a:r>
+              <a:rPr lang="en-US" sz="3400" dirty="0"/>
+              <a:t>Testing</a:t>
+            </a:r>
+          </a:p>
+        </p:txBody>
+      </p:sp>
+      <p:sp>
+        <p:nvSpPr>
+          <p:cNvPr id="250" name="Google Shape;50;p6">
+            <a:extLst>
+              <a:ext uri="{FF2B5EF4-FFF2-40B4-BE49-F238E27FC236}">
+                <a16:creationId xmlns:a16="http://schemas.microsoft.com/office/drawing/2014/main" id="{FFFE00FB-C80C-1445-89F3-6FFC6500B41D}"/>
+              </a:ext>
+            </a:extLst>
+          </p:cNvPr>
+          <p:cNvSpPr txBox="1"/>
+          <p:nvPr/>
+        </p:nvSpPr>
+        <p:spPr>
+          <a:xfrm>
+            <a:off x="25593162" y="24346025"/>
+            <a:ext cx="3573164" cy="1180975"/>
+          </a:xfrm>
+          <a:prstGeom prst="rect">
+            <a:avLst/>
+          </a:prstGeom>
+          <a:noFill/>
+          <a:ln>
+            <a:noFill/>
+          </a:ln>
+        </p:spPr>
+        <p:txBody>
+          <a:bodyPr spcFirstLastPara="1" wrap="square" lIns="91425" tIns="91425" rIns="91425" bIns="91425" anchor="t" anchorCtr="0">
+            <a:noAutofit/>
+          </a:bodyPr>
+          <a:lstStyle/>
+          <a:p>
+            <a:pPr lvl="0" algn="ctr">
+              <a:spcBef>
+                <a:spcPts val="0"/>
+              </a:spcBef>
+              <a:spcAft>
+                <a:spcPts val="0"/>
+              </a:spcAft>
+            </a:pPr>
+            <a:r>
+              <a:rPr lang="en-US" sz="3200" dirty="0"/>
+              <a:t>Identified footwear impressions</a:t>
+            </a:r>
+            <a:endParaRPr lang="en-US" sz="3200" i="1" dirty="0"/>
+          </a:p>
+        </p:txBody>
+      </p:sp>
+      <p:sp>
+        <p:nvSpPr>
+          <p:cNvPr id="42" name="Rectangle 41">
+            <a:extLst>
+              <a:ext uri="{FF2B5EF4-FFF2-40B4-BE49-F238E27FC236}">
+                <a16:creationId xmlns:a16="http://schemas.microsoft.com/office/drawing/2014/main" id="{7C0F0351-4ABC-DE4A-A1E2-6966060871A8}"/>
+              </a:ext>
+            </a:extLst>
+          </p:cNvPr>
+          <p:cNvSpPr/>
+          <p:nvPr/>
+        </p:nvSpPr>
+        <p:spPr>
+          <a:xfrm>
+            <a:off x="15638638" y="24312163"/>
+            <a:ext cx="4425651" cy="1077218"/>
+          </a:xfrm>
+          <a:prstGeom prst="rect">
+            <a:avLst/>
+          </a:prstGeom>
+        </p:spPr>
+        <p:txBody>
+          <a:bodyPr wrap="square">
+            <a:spAutoFit/>
+          </a:bodyPr>
+          <a:lstStyle/>
+          <a:p>
+            <a:pPr lvl="0" algn="ctr">
+              <a:spcBef>
+                <a:spcPts val="0"/>
+              </a:spcBef>
+              <a:spcAft>
+                <a:spcPts val="0"/>
+              </a:spcAft>
+            </a:pPr>
+            <a:r>
+              <a:rPr lang="en-US" sz="3200" dirty="0"/>
+              <a:t>Footwear impressions </a:t>
+            </a:r>
+          </a:p>
+          <a:p>
+            <a:pPr lvl="0" algn="ctr">
+              <a:spcBef>
+                <a:spcPts val="0"/>
+              </a:spcBef>
+              <a:spcAft>
+                <a:spcPts val="0"/>
+              </a:spcAft>
+            </a:pPr>
+            <a:r>
+              <a:rPr lang="en-US" sz="3200" dirty="0"/>
+              <a:t>at the crime scene</a:t>
             </a:r>
           </a:p>
         </p:txBody>

--- a/poster/Footprint.pptx
+++ b/poster/Footprint.pptx
@@ -4257,14 +4257,14 @@
           </a:ln>
           <a:extLst>
             <a:ext uri="{909E8E84-426E-40dd-AFC4-6F175D3DCCD1}">
-              <a14:hiddenFill xmlns="" xmlns:a14="http://schemas.microsoft.com/office/drawing/2010/main">
+              <a14:hiddenFill xmlns:a14="http://schemas.microsoft.com/office/drawing/2010/main" xmlns="">
                 <a:solidFill>
                   <a:srgbClr val="FFFFFF"/>
                 </a:solidFill>
               </a14:hiddenFill>
             </a:ext>
             <a:ext uri="{91240B29-F687-4f45-9708-019B960494DF}">
-              <a14:hiddenLine xmlns="" xmlns:a14="http://schemas.microsoft.com/office/drawing/2010/main" w="9525">
+              <a14:hiddenLine xmlns:a14="http://schemas.microsoft.com/office/drawing/2010/main" xmlns="" w="9525">
                 <a:solidFill>
                   <a:srgbClr val="000000"/>
                 </a:solidFill>
@@ -4418,14 +4418,14 @@
           </a:ln>
           <a:extLst>
             <a:ext uri="{909E8E84-426E-40dd-AFC4-6F175D3DCCD1}">
-              <a14:hiddenFill xmlns="" xmlns:a14="http://schemas.microsoft.com/office/drawing/2010/main">
+              <a14:hiddenFill xmlns:a14="http://schemas.microsoft.com/office/drawing/2010/main" xmlns="">
                 <a:solidFill>
                   <a:srgbClr val="FFFFFF"/>
                 </a:solidFill>
               </a14:hiddenFill>
             </a:ext>
             <a:ext uri="{91240B29-F687-4f45-9708-019B960494DF}">
-              <a14:hiddenLine xmlns="" xmlns:a14="http://schemas.microsoft.com/office/drawing/2010/main" w="9525">
+              <a14:hiddenLine xmlns:a14="http://schemas.microsoft.com/office/drawing/2010/main" xmlns="" w="9525">
                 <a:solidFill>
                   <a:srgbClr val="000000"/>
                 </a:solidFill>
@@ -4654,14 +4654,14 @@
           </a:ln>
           <a:extLst>
             <a:ext uri="{909E8E84-426E-40dd-AFC4-6F175D3DCCD1}">
-              <a14:hiddenFill xmlns="" xmlns:a14="http://schemas.microsoft.com/office/drawing/2010/main">
+              <a14:hiddenFill xmlns:a14="http://schemas.microsoft.com/office/drawing/2010/main" xmlns="">
                 <a:solidFill>
                   <a:srgbClr val="FFFFFF"/>
                 </a:solidFill>
               </a14:hiddenFill>
             </a:ext>
             <a:ext uri="{91240B29-F687-4f45-9708-019B960494DF}">
-              <a14:hiddenLine xmlns="" xmlns:a14="http://schemas.microsoft.com/office/drawing/2010/main" w="9525">
+              <a14:hiddenLine xmlns:a14="http://schemas.microsoft.com/office/drawing/2010/main" xmlns="" w="9525">
                 <a:solidFill>
                   <a:srgbClr val="000000"/>
                 </a:solidFill>
@@ -4697,7 +4697,7 @@
           </a:ln>
           <a:extLst>
             <a:ext uri="{91240B29-F687-4f45-9708-019B960494DF}">
-              <a14:hiddenLine xmlns="" xmlns:a14="http://schemas.microsoft.com/office/drawing/2010/main" w="9525">
+              <a14:hiddenLine xmlns:a14="http://schemas.microsoft.com/office/drawing/2010/main" xmlns="" w="9525">
                 <a:solidFill>
                   <a:srgbClr val="000000"/>
                 </a:solidFill>
@@ -4750,7 +4750,7 @@
           </a:ln>
           <a:extLst>
             <a:ext uri="{91240B29-F687-4f45-9708-019B960494DF}">
-              <a14:hiddenLine xmlns="" xmlns:a14="http://schemas.microsoft.com/office/drawing/2010/main" w="9525">
+              <a14:hiddenLine xmlns:a14="http://schemas.microsoft.com/office/drawing/2010/main" xmlns="" w="9525">
                 <a:solidFill>
                   <a:srgbClr val="000000"/>
                 </a:solidFill>
@@ -4816,7 +4816,7 @@
           </a:ln>
           <a:extLst>
             <a:ext uri="{91240B29-F687-4f45-9708-019B960494DF}">
-              <a14:hiddenLine xmlns="" xmlns:a14="http://schemas.microsoft.com/office/drawing/2010/main" w="9525">
+              <a14:hiddenLine xmlns:a14="http://schemas.microsoft.com/office/drawing/2010/main" xmlns="" w="9525">
                 <a:solidFill>
                   <a:srgbClr val="000000"/>
                 </a:solidFill>
@@ -10543,10 +10543,10 @@
       </p:sp>
       <p:pic>
         <p:nvPicPr>
-          <p:cNvPr id="5" name="Picture 4">
+          <p:cNvPr id="2" name="Picture 1">
             <a:extLst>
               <a:ext uri="{FF2B5EF4-FFF2-40B4-BE49-F238E27FC236}">
-                <a16:creationId xmlns:a16="http://schemas.microsoft.com/office/drawing/2014/main" id="{36802F12-DA59-4FF8-B0CD-8B2370B8236F}"/>
+                <a16:creationId xmlns:a16="http://schemas.microsoft.com/office/drawing/2014/main" id="{D59FB03C-73F9-485B-94A8-F65E71FB2508}"/>
               </a:ext>
             </a:extLst>
           </p:cNvPr>
@@ -10563,8 +10563,8 @@
         </p:blipFill>
         <p:spPr>
           <a:xfrm>
-            <a:off x="7657330" y="18068215"/>
-            <a:ext cx="7628556" cy="4743450"/>
+            <a:off x="7887161" y="18086542"/>
+            <a:ext cx="7119490" cy="5218085"/>
           </a:xfrm>
           <a:prstGeom prst="rect">
             <a:avLst/>

--- a/poster/Footprint.pptx
+++ b/poster/Footprint.pptx
@@ -238,7 +238,7 @@
           <a:p>
             <a:fld id="{5288C8A9-C8E4-D04E-9830-749FB15BD155}" type="datetimeFigureOut">
               <a:rPr lang="en-US" smtClean="0"/>
-              <a:t>12/7/2018</a:t>
+              <a:t>12/7/18</a:t>
             </a:fld>
             <a:endParaRPr lang="en-US" dirty="0"/>
           </a:p>
@@ -4130,111 +4130,6 @@
           <a:chExt cx="0" cy="0"/>
         </a:xfrm>
       </p:grpSpPr>
-      <p:cxnSp>
-        <p:nvCxnSpPr>
-          <p:cNvPr id="41" name="Straight Connector 40">
-            <a:extLst>
-              <a:ext uri="{FF2B5EF4-FFF2-40B4-BE49-F238E27FC236}">
-                <a16:creationId xmlns:a16="http://schemas.microsoft.com/office/drawing/2014/main" id="{ABC5CABA-92DA-E443-A719-44020547A673}"/>
-              </a:ext>
-            </a:extLst>
-          </p:cNvPr>
-          <p:cNvCxnSpPr/>
-          <p:nvPr/>
-        </p:nvCxnSpPr>
-        <p:spPr bwMode="auto">
-          <a:xfrm flipV="1">
-            <a:off x="16306800" y="20978068"/>
-            <a:ext cx="12496800" cy="50874"/>
-          </a:xfrm>
-          <a:prstGeom prst="line">
-            <a:avLst/>
-          </a:prstGeom>
-          <a:solidFill>
-            <a:schemeClr val="accent1"/>
-          </a:solidFill>
-          <a:ln w="38100" cap="flat" cmpd="sng" algn="ctr">
-            <a:solidFill>
-              <a:srgbClr val="0070C0"/>
-            </a:solidFill>
-            <a:prstDash val="dash"/>
-            <a:round/>
-            <a:headEnd type="none" w="med" len="med"/>
-            <a:tailEnd type="none" w="med" len="med"/>
-          </a:ln>
-          <a:effectLst/>
-        </p:spPr>
-      </p:cxnSp>
-      <p:sp>
-        <p:nvSpPr>
-          <p:cNvPr id="8" name="Rectangle 7">
-            <a:extLst>
-              <a:ext uri="{FF2B5EF4-FFF2-40B4-BE49-F238E27FC236}">
-                <a16:creationId xmlns:a16="http://schemas.microsoft.com/office/drawing/2014/main" id="{F091A0C3-A5C4-7644-963D-C066FEC86601}"/>
-              </a:ext>
-            </a:extLst>
-          </p:cNvPr>
-          <p:cNvSpPr/>
-          <p:nvPr/>
-        </p:nvSpPr>
-        <p:spPr bwMode="auto">
-          <a:xfrm>
-            <a:off x="19901590" y="20129820"/>
-            <a:ext cx="2617569" cy="1792558"/>
-          </a:xfrm>
-          <a:prstGeom prst="rect">
-            <a:avLst/>
-          </a:prstGeom>
-          <a:solidFill>
-            <a:schemeClr val="bg1"/>
-          </a:solidFill>
-          <a:ln w="38100" cap="flat" cmpd="sng" algn="ctr">
-            <a:solidFill>
-              <a:schemeClr val="tx1"/>
-            </a:solidFill>
-            <a:prstDash val="solid"/>
-            <a:miter lim="800000"/>
-            <a:headEnd type="none" w="med" len="med"/>
-            <a:tailEnd type="none" w="med" len="med"/>
-          </a:ln>
-          <a:effectLst>
-            <a:outerShdw blurRad="50800" dist="38100" dir="2700000">
-              <a:srgbClr val="000000">
-                <a:alpha val="43000"/>
-              </a:srgbClr>
-            </a:outerShdw>
-          </a:effectLst>
-        </p:spPr>
-        <p:txBody>
-          <a:bodyPr vert="horz" wrap="square" lIns="91440" tIns="45720" rIns="91440" bIns="45720" numCol="1" rtlCol="0" anchor="ctr" anchorCtr="0" compatLnSpc="1">
-            <a:prstTxWarp prst="textNoShape">
-              <a:avLst/>
-            </a:prstTxWarp>
-          </a:bodyPr>
-          <a:lstStyle/>
-          <a:p>
-            <a:pPr marL="0" marR="0" indent="0" algn="ctr" defTabSz="3762375" rtl="0" eaLnBrk="1" fontAlgn="base" latinLnBrk="0" hangingPunct="1">
-              <a:lnSpc>
-                <a:spcPct val="100000"/>
-              </a:lnSpc>
-              <a:spcBef>
-                <a:spcPct val="0"/>
-              </a:spcBef>
-              <a:spcAft>
-                <a:spcPct val="0"/>
-              </a:spcAft>
-              <a:buClrTx/>
-              <a:buSzTx/>
-              <a:buFontTx/>
-              <a:buNone/>
-              <a:tabLst/>
-            </a:pPr>
-            <a:endParaRPr lang="en-US" dirty="0">
-              <a:latin typeface="Arial" pitchFamily="-110" charset="0"/>
-            </a:endParaRPr>
-          </a:p>
-        </p:txBody>
-      </p:sp>
       <p:sp>
         <p:nvSpPr>
           <p:cNvPr id="12290" name="Text Box 4"/>
@@ -4257,14 +4152,14 @@
           </a:ln>
           <a:extLst>
             <a:ext uri="{909E8E84-426E-40dd-AFC4-6F175D3DCCD1}">
-              <a14:hiddenFill xmlns:a14="http://schemas.microsoft.com/office/drawing/2010/main" xmlns="">
+              <a14:hiddenFill xmlns="" xmlns:a14="http://schemas.microsoft.com/office/drawing/2010/main">
                 <a:solidFill>
                   <a:srgbClr val="FFFFFF"/>
                 </a:solidFill>
               </a14:hiddenFill>
             </a:ext>
             <a:ext uri="{91240B29-F687-4f45-9708-019B960494DF}">
-              <a14:hiddenLine xmlns:a14="http://schemas.microsoft.com/office/drawing/2010/main" xmlns="" w="9525">
+              <a14:hiddenLine xmlns="" xmlns:a14="http://schemas.microsoft.com/office/drawing/2010/main" w="9525">
                 <a:solidFill>
                   <a:srgbClr val="000000"/>
                 </a:solidFill>
@@ -4418,14 +4313,14 @@
           </a:ln>
           <a:extLst>
             <a:ext uri="{909E8E84-426E-40dd-AFC4-6F175D3DCCD1}">
-              <a14:hiddenFill xmlns:a14="http://schemas.microsoft.com/office/drawing/2010/main" xmlns="">
+              <a14:hiddenFill xmlns="" xmlns:a14="http://schemas.microsoft.com/office/drawing/2010/main">
                 <a:solidFill>
                   <a:srgbClr val="FFFFFF"/>
                 </a:solidFill>
               </a14:hiddenFill>
             </a:ext>
             <a:ext uri="{91240B29-F687-4f45-9708-019B960494DF}">
-              <a14:hiddenLine xmlns:a14="http://schemas.microsoft.com/office/drawing/2010/main" xmlns="" w="9525">
+              <a14:hiddenLine xmlns="" xmlns:a14="http://schemas.microsoft.com/office/drawing/2010/main" w="9525">
                 <a:solidFill>
                   <a:srgbClr val="000000"/>
                 </a:solidFill>
@@ -4654,14 +4549,14 @@
           </a:ln>
           <a:extLst>
             <a:ext uri="{909E8E84-426E-40dd-AFC4-6F175D3DCCD1}">
-              <a14:hiddenFill xmlns:a14="http://schemas.microsoft.com/office/drawing/2010/main" xmlns="">
+              <a14:hiddenFill xmlns="" xmlns:a14="http://schemas.microsoft.com/office/drawing/2010/main">
                 <a:solidFill>
                   <a:srgbClr val="FFFFFF"/>
                 </a:solidFill>
               </a14:hiddenFill>
             </a:ext>
             <a:ext uri="{91240B29-F687-4f45-9708-019B960494DF}">
-              <a14:hiddenLine xmlns:a14="http://schemas.microsoft.com/office/drawing/2010/main" xmlns="" w="9525">
+              <a14:hiddenLine xmlns="" xmlns:a14="http://schemas.microsoft.com/office/drawing/2010/main" w="9525">
                 <a:solidFill>
                   <a:srgbClr val="000000"/>
                 </a:solidFill>
@@ -4697,7 +4592,7 @@
           </a:ln>
           <a:extLst>
             <a:ext uri="{91240B29-F687-4f45-9708-019B960494DF}">
-              <a14:hiddenLine xmlns:a14="http://schemas.microsoft.com/office/drawing/2010/main" xmlns="" w="9525">
+              <a14:hiddenLine xmlns="" xmlns:a14="http://schemas.microsoft.com/office/drawing/2010/main" w="9525">
                 <a:solidFill>
                   <a:srgbClr val="000000"/>
                 </a:solidFill>
@@ -4750,7 +4645,7 @@
           </a:ln>
           <a:extLst>
             <a:ext uri="{91240B29-F687-4f45-9708-019B960494DF}">
-              <a14:hiddenLine xmlns:a14="http://schemas.microsoft.com/office/drawing/2010/main" xmlns="" w="9525">
+              <a14:hiddenLine xmlns="" xmlns:a14="http://schemas.microsoft.com/office/drawing/2010/main" w="9525">
                 <a:solidFill>
                   <a:srgbClr val="000000"/>
                 </a:solidFill>
@@ -4816,7 +4711,7 @@
           </a:ln>
           <a:extLst>
             <a:ext uri="{91240B29-F687-4f45-9708-019B960494DF}">
-              <a14:hiddenLine xmlns:a14="http://schemas.microsoft.com/office/drawing/2010/main" xmlns="" w="9525">
+              <a14:hiddenLine xmlns="" xmlns:a14="http://schemas.microsoft.com/office/drawing/2010/main" w="9525">
                 <a:solidFill>
                   <a:srgbClr val="000000"/>
                 </a:solidFill>
@@ -6048,10 +5943,10 @@
         </p:nvGrpSpPr>
         <p:grpSpPr>
           <a:xfrm>
-            <a:off x="228600" y="17221200"/>
-            <a:ext cx="6827155" cy="8772850"/>
+            <a:off x="228602" y="17221200"/>
+            <a:ext cx="6265600" cy="8772850"/>
             <a:chOff x="334108" y="17379633"/>
-            <a:chExt cx="7823217" cy="8772850"/>
+            <a:chExt cx="8526528" cy="8772850"/>
           </a:xfrm>
         </p:grpSpPr>
         <p:pic>
@@ -6425,7 +6320,7 @@
                 </a:spcAft>
               </a:pPr>
               <a:r>
-                <a:rPr lang="en-US" sz="3600" dirty="0"/>
+                <a:rPr lang="en-US" sz="3200" dirty="0"/>
                 <a:t>Crop</a:t>
               </a:r>
             </a:p>
@@ -6471,7 +6366,7 @@
                 </a:spcAft>
               </a:pPr>
               <a:r>
-                <a:rPr lang="en-US" sz="3600" dirty="0"/>
+                <a:rPr lang="en-US" sz="3200" dirty="0"/>
                 <a:t>Rotate</a:t>
               </a:r>
             </a:p>
@@ -6517,7 +6412,7 @@
                 </a:spcAft>
               </a:pPr>
               <a:r>
-                <a:rPr lang="en-US" sz="3600" dirty="0"/>
+                <a:rPr lang="en-US" sz="3200" dirty="0"/>
                 <a:t>Flip</a:t>
               </a:r>
             </a:p>
@@ -6563,7 +6458,7 @@
                 </a:spcAft>
               </a:pPr>
               <a:r>
-                <a:rPr lang="en-US" sz="3600" dirty="0"/>
+                <a:rPr lang="en-US" sz="3200" dirty="0"/>
                 <a:t>Brightness</a:t>
               </a:r>
             </a:p>
@@ -6769,8 +6664,8 @@
           </p:nvSpPr>
           <p:spPr>
             <a:xfrm>
-              <a:off x="4267200" y="20017541"/>
-              <a:ext cx="2680468" cy="1363353"/>
+              <a:off x="4529258" y="22136423"/>
+              <a:ext cx="4331378" cy="2532244"/>
             </a:xfrm>
             <a:prstGeom prst="rect">
               <a:avLst/>
@@ -6786,7 +6681,7 @@
             </a:bodyPr>
             <a:lstStyle/>
             <a:p>
-              <a:pPr lvl="0" algn="ctr">
+              <a:pPr lvl="0">
                 <a:spcBef>
                   <a:spcPts val="0"/>
                 </a:spcBef>
@@ -6795,24 +6690,73 @@
                 </a:spcAft>
               </a:pPr>
               <a:r>
-                <a:rPr lang="en-US" sz="3600" dirty="0"/>
-                <a:t>Gaussian</a:t>
+                <a:rPr lang="en-US" altLang="zh-CN" sz="3200" dirty="0"/>
+                <a:t>Noise:</a:t>
               </a:r>
             </a:p>
             <a:p>
-              <a:pPr lvl="0" algn="ctr">
+              <a:pPr marL="457200" lvl="0" indent="-457200">
                 <a:spcBef>
                   <a:spcPts val="0"/>
                 </a:spcBef>
                 <a:spcAft>
                   <a:spcPts val="0"/>
                 </a:spcAft>
+                <a:buFontTx/>
+                <a:buChar char="-"/>
               </a:pPr>
               <a:r>
-                <a:rPr lang="en-US" altLang="zh-CN" sz="3600" dirty="0"/>
-                <a:t>Noise</a:t>
+                <a:rPr lang="en-US" sz="3200" dirty="0"/>
+                <a:t>Gaussian</a:t>
               </a:r>
-              <a:endParaRPr lang="en-US" sz="3600" dirty="0"/>
+            </a:p>
+            <a:p>
+              <a:pPr marL="457200" lvl="0" indent="-457200">
+                <a:spcBef>
+                  <a:spcPts val="0"/>
+                </a:spcBef>
+                <a:spcAft>
+                  <a:spcPts val="0"/>
+                </a:spcAft>
+                <a:buFontTx/>
+                <a:buChar char="-"/>
+              </a:pPr>
+              <a:r>
+                <a:rPr lang="en-US" sz="3200" dirty="0"/>
+                <a:t>Poisson</a:t>
+              </a:r>
+            </a:p>
+            <a:p>
+              <a:pPr marL="457200" lvl="0" indent="-457200">
+                <a:spcBef>
+                  <a:spcPts val="0"/>
+                </a:spcBef>
+                <a:spcAft>
+                  <a:spcPts val="0"/>
+                </a:spcAft>
+                <a:buFontTx/>
+                <a:buChar char="-"/>
+              </a:pPr>
+              <a:r>
+                <a:rPr lang="en-US" sz="3200" dirty="0"/>
+                <a:t>Salt &amp; Pepper</a:t>
+              </a:r>
+            </a:p>
+            <a:p>
+              <a:pPr marL="457200" lvl="0" indent="-457200">
+                <a:spcBef>
+                  <a:spcPts val="0"/>
+                </a:spcBef>
+                <a:spcAft>
+                  <a:spcPts val="0"/>
+                </a:spcAft>
+                <a:buFontTx/>
+                <a:buChar char="-"/>
+              </a:pPr>
+              <a:r>
+                <a:rPr lang="en-US" sz="3200" dirty="0"/>
+                <a:t>Speckle</a:t>
+              </a:r>
             </a:p>
           </p:txBody>
         </p:sp>
@@ -6896,98 +6840,6 @@
       </p:sp>
       <p:sp>
         <p:nvSpPr>
-          <p:cNvPr id="221" name="Google Shape;50;p6">
-            <a:extLst>
-              <a:ext uri="{FF2B5EF4-FFF2-40B4-BE49-F238E27FC236}">
-                <a16:creationId xmlns:a16="http://schemas.microsoft.com/office/drawing/2014/main" id="{D7E84659-0CD0-BE4C-8C58-ECDBE2FD6BCB}"/>
-              </a:ext>
-            </a:extLst>
-          </p:cNvPr>
-          <p:cNvSpPr txBox="1"/>
-          <p:nvPr/>
-        </p:nvSpPr>
-        <p:spPr>
-          <a:xfrm>
-            <a:off x="6396682" y="24015250"/>
-            <a:ext cx="4479172" cy="828208"/>
-          </a:xfrm>
-          <a:prstGeom prst="rect">
-            <a:avLst/>
-          </a:prstGeom>
-          <a:noFill/>
-          <a:ln>
-            <a:noFill/>
-          </a:ln>
-        </p:spPr>
-        <p:txBody>
-          <a:bodyPr spcFirstLastPara="1" wrap="square" lIns="91425" tIns="91425" rIns="91425" bIns="91425" anchor="t" anchorCtr="0">
-            <a:noAutofit/>
-          </a:bodyPr>
-          <a:lstStyle/>
-          <a:p>
-            <a:pPr lvl="0" algn="ctr">
-              <a:spcBef>
-                <a:spcPts val="0"/>
-              </a:spcBef>
-              <a:spcAft>
-                <a:spcPts val="0"/>
-              </a:spcAft>
-            </a:pPr>
-            <a:r>
-              <a:rPr lang="en-US" sz="3400" b="1" i="1" dirty="0"/>
-              <a:t>Images with noise</a:t>
-            </a:r>
-          </a:p>
-        </p:txBody>
-      </p:sp>
-      <p:sp>
-        <p:nvSpPr>
-          <p:cNvPr id="222" name="Google Shape;50;p6">
-            <a:extLst>
-              <a:ext uri="{FF2B5EF4-FFF2-40B4-BE49-F238E27FC236}">
-                <a16:creationId xmlns:a16="http://schemas.microsoft.com/office/drawing/2014/main" id="{CE90A7B6-C811-8C49-9564-5CEDB80B1A31}"/>
-              </a:ext>
-            </a:extLst>
-          </p:cNvPr>
-          <p:cNvSpPr txBox="1"/>
-          <p:nvPr/>
-        </p:nvSpPr>
-        <p:spPr>
-          <a:xfrm>
-            <a:off x="10855218" y="24015250"/>
-            <a:ext cx="4765782" cy="828208"/>
-          </a:xfrm>
-          <a:prstGeom prst="rect">
-            <a:avLst/>
-          </a:prstGeom>
-          <a:noFill/>
-          <a:ln>
-            <a:noFill/>
-          </a:ln>
-        </p:spPr>
-        <p:txBody>
-          <a:bodyPr spcFirstLastPara="1" wrap="square" lIns="91425" tIns="91425" rIns="91425" bIns="91425" anchor="t" anchorCtr="0">
-            <a:noAutofit/>
-          </a:bodyPr>
-          <a:lstStyle/>
-          <a:p>
-            <a:pPr lvl="0" algn="ctr">
-              <a:spcBef>
-                <a:spcPts val="0"/>
-              </a:spcBef>
-              <a:spcAft>
-                <a:spcPts val="0"/>
-              </a:spcAft>
-            </a:pPr>
-            <a:r>
-              <a:rPr lang="en-US" sz="3400" b="1" i="1" dirty="0"/>
-              <a:t>Images without noise</a:t>
-            </a:r>
-          </a:p>
-        </p:txBody>
-      </p:sp>
-      <p:sp>
-        <p:nvSpPr>
           <p:cNvPr id="223" name="Google Shape;50;p6">
             <a:extLst>
               <a:ext uri="{FF2B5EF4-FFF2-40B4-BE49-F238E27FC236}">
@@ -7000,8 +6852,8 @@
         </p:nvSpPr>
         <p:spPr>
           <a:xfrm>
-            <a:off x="6896783" y="24958236"/>
-            <a:ext cx="8419417" cy="721164"/>
+            <a:off x="7467600" y="24562159"/>
+            <a:ext cx="7498064" cy="721164"/>
           </a:xfrm>
           <a:prstGeom prst="rect">
             <a:avLst/>
@@ -7028,7 +6880,7 @@
               </a:spcAft>
             </a:pPr>
             <a:r>
-              <a:rPr lang="en-US" sz="3600" dirty="0"/>
+              <a:rPr lang="en-US" sz="3200" dirty="0"/>
               <a:t>Autoencoder is trained to filter out noise</a:t>
             </a:r>
           </a:p>
@@ -7036,32 +6888,65 @@
       </p:sp>
       <p:grpSp>
         <p:nvGrpSpPr>
-          <p:cNvPr id="7" name="Group 6">
+          <p:cNvPr id="3" name="Group 2">
             <a:extLst>
               <a:ext uri="{FF2B5EF4-FFF2-40B4-BE49-F238E27FC236}">
-                <a16:creationId xmlns:a16="http://schemas.microsoft.com/office/drawing/2014/main" id="{D9245B7E-A488-0F43-953E-5D18994A1DF5}"/>
+                <a16:creationId xmlns:a16="http://schemas.microsoft.com/office/drawing/2014/main" id="{21CEE1E3-D399-4E40-93EE-CD90E6EF8C43}"/>
               </a:ext>
             </a:extLst>
           </p:cNvPr>
-          <p:cNvGrpSpPr>
-            <a:grpSpLocks noChangeAspect="1"/>
-          </p:cNvGrpSpPr>
+          <p:cNvGrpSpPr/>
           <p:nvPr/>
         </p:nvGrpSpPr>
         <p:grpSpPr>
           <a:xfrm>
-            <a:off x="20127652" y="20359600"/>
-            <a:ext cx="2162908" cy="1328435"/>
-            <a:chOff x="19019520" y="18666943"/>
-            <a:chExt cx="5960206" cy="5892329"/>
+            <a:off x="15925800" y="17256993"/>
+            <a:ext cx="13876634" cy="8270007"/>
+            <a:chOff x="15086869" y="17256993"/>
+            <a:chExt cx="14715562" cy="8270007"/>
           </a:xfrm>
         </p:grpSpPr>
+        <p:cxnSp>
+          <p:nvCxnSpPr>
+            <p:cNvPr id="41" name="Straight Connector 40">
+              <a:extLst>
+                <a:ext uri="{FF2B5EF4-FFF2-40B4-BE49-F238E27FC236}">
+                  <a16:creationId xmlns:a16="http://schemas.microsoft.com/office/drawing/2014/main" id="{ABC5CABA-92DA-E443-A719-44020547A673}"/>
+                </a:ext>
+              </a:extLst>
+            </p:cNvPr>
+            <p:cNvCxnSpPr/>
+            <p:nvPr/>
+          </p:nvCxnSpPr>
+          <p:spPr bwMode="auto">
+            <a:xfrm flipV="1">
+              <a:off x="16306800" y="20978068"/>
+              <a:ext cx="12496800" cy="50874"/>
+            </a:xfrm>
+            <a:prstGeom prst="line">
+              <a:avLst/>
+            </a:prstGeom>
+            <a:solidFill>
+              <a:schemeClr val="accent1"/>
+            </a:solidFill>
+            <a:ln w="38100" cap="flat" cmpd="sng" algn="ctr">
+              <a:solidFill>
+                <a:srgbClr val="0070C0"/>
+              </a:solidFill>
+              <a:prstDash val="dash"/>
+              <a:round/>
+              <a:headEnd type="none" w="med" len="med"/>
+              <a:tailEnd type="none" w="med" len="med"/>
+            </a:ln>
+            <a:effectLst/>
+          </p:spPr>
+        </p:cxnSp>
         <p:sp>
           <p:nvSpPr>
-            <p:cNvPr id="94" name="Oval 93">
+            <p:cNvPr id="8" name="Rectangle 7">
               <a:extLst>
                 <a:ext uri="{FF2B5EF4-FFF2-40B4-BE49-F238E27FC236}">
-                  <a16:creationId xmlns:a16="http://schemas.microsoft.com/office/drawing/2014/main" id="{4DBA4B01-B088-AB4B-A810-7DFCF9AF6AB1}"/>
+                  <a16:creationId xmlns:a16="http://schemas.microsoft.com/office/drawing/2014/main" id="{F091A0C3-A5C4-7644-963D-C066FEC86601}"/>
                 </a:ext>
               </a:extLst>
             </p:cNvPr>
@@ -7070,18 +6955,2121 @@
           </p:nvSpPr>
           <p:spPr bwMode="auto">
             <a:xfrm>
-              <a:off x="19019520" y="21972563"/>
-              <a:ext cx="914400" cy="914400"/>
+              <a:off x="19901590" y="20129820"/>
+              <a:ext cx="2617569" cy="1792558"/>
             </a:xfrm>
-            <a:prstGeom prst="ellipse">
+            <a:prstGeom prst="rect">
               <a:avLst/>
             </a:prstGeom>
             <a:solidFill>
-              <a:srgbClr val="00B050"/>
+              <a:schemeClr val="bg1"/>
             </a:solidFill>
-            <a:ln w="76200" cap="flat" cmpd="sng" algn="ctr">
+            <a:ln w="38100" cap="flat" cmpd="sng" algn="ctr">
+              <a:solidFill>
+                <a:schemeClr val="tx1"/>
+              </a:solidFill>
+              <a:prstDash val="solid"/>
+              <a:miter lim="800000"/>
+              <a:headEnd type="none" w="med" len="med"/>
+              <a:tailEnd type="none" w="med" len="med"/>
+            </a:ln>
+            <a:effectLst>
+              <a:outerShdw blurRad="50800" dist="38100" dir="2700000">
+                <a:srgbClr val="000000">
+                  <a:alpha val="43000"/>
+                </a:srgbClr>
+              </a:outerShdw>
+            </a:effectLst>
+          </p:spPr>
+          <p:txBody>
+            <a:bodyPr vert="horz" wrap="square" lIns="91440" tIns="45720" rIns="91440" bIns="45720" numCol="1" rtlCol="0" anchor="ctr" anchorCtr="0" compatLnSpc="1">
+              <a:prstTxWarp prst="textNoShape">
+                <a:avLst/>
+              </a:prstTxWarp>
+            </a:bodyPr>
+            <a:lstStyle/>
+            <a:p>
+              <a:pPr marL="0" marR="0" indent="0" algn="ctr" defTabSz="3762375" rtl="0" eaLnBrk="1" fontAlgn="base" latinLnBrk="0" hangingPunct="1">
+                <a:lnSpc>
+                  <a:spcPct val="100000"/>
+                </a:lnSpc>
+                <a:spcBef>
+                  <a:spcPct val="0"/>
+                </a:spcBef>
+                <a:spcAft>
+                  <a:spcPct val="0"/>
+                </a:spcAft>
+                <a:buClrTx/>
+                <a:buSzTx/>
+                <a:buFontTx/>
+                <a:buNone/>
+                <a:tabLst/>
+              </a:pPr>
+              <a:endParaRPr lang="en-US" dirty="0">
+                <a:latin typeface="Arial" pitchFamily="-110" charset="0"/>
+              </a:endParaRPr>
+            </a:p>
+          </p:txBody>
+        </p:sp>
+        <p:grpSp>
+          <p:nvGrpSpPr>
+            <p:cNvPr id="7" name="Group 6">
+              <a:extLst>
+                <a:ext uri="{FF2B5EF4-FFF2-40B4-BE49-F238E27FC236}">
+                  <a16:creationId xmlns:a16="http://schemas.microsoft.com/office/drawing/2014/main" id="{D9245B7E-A488-0F43-953E-5D18994A1DF5}"/>
+                </a:ext>
+              </a:extLst>
+            </p:cNvPr>
+            <p:cNvGrpSpPr>
+              <a:grpSpLocks noChangeAspect="1"/>
+            </p:cNvGrpSpPr>
+            <p:nvPr/>
+          </p:nvGrpSpPr>
+          <p:grpSpPr>
+            <a:xfrm>
+              <a:off x="20127652" y="20359600"/>
+              <a:ext cx="2162908" cy="1328435"/>
+              <a:chOff x="19019520" y="18666943"/>
+              <a:chExt cx="5960206" cy="5892329"/>
+            </a:xfrm>
+          </p:grpSpPr>
+          <p:sp>
+            <p:nvSpPr>
+              <p:cNvPr id="94" name="Oval 93">
+                <a:extLst>
+                  <a:ext uri="{FF2B5EF4-FFF2-40B4-BE49-F238E27FC236}">
+                    <a16:creationId xmlns:a16="http://schemas.microsoft.com/office/drawing/2014/main" id="{4DBA4B01-B088-AB4B-A810-7DFCF9AF6AB1}"/>
+                  </a:ext>
+                </a:extLst>
+              </p:cNvPr>
+              <p:cNvSpPr/>
+              <p:nvPr/>
+            </p:nvSpPr>
+            <p:spPr bwMode="auto">
+              <a:xfrm>
+                <a:off x="19019520" y="21972563"/>
+                <a:ext cx="914400" cy="914400"/>
+              </a:xfrm>
+              <a:prstGeom prst="ellipse">
+                <a:avLst/>
+              </a:prstGeom>
               <a:solidFill>
                 <a:srgbClr val="00B050"/>
+              </a:solidFill>
+              <a:ln w="76200" cap="flat" cmpd="sng" algn="ctr">
+                <a:solidFill>
+                  <a:srgbClr val="00B050"/>
+                </a:solidFill>
+                <a:prstDash val="solid"/>
+                <a:miter lim="800000"/>
+                <a:headEnd type="none" w="med" len="med"/>
+                <a:tailEnd type="none" w="med" len="med"/>
+              </a:ln>
+              <a:effectLst>
+                <a:outerShdw blurRad="50800" dist="38100" dir="2700000">
+                  <a:srgbClr val="000000">
+                    <a:alpha val="43000"/>
+                  </a:srgbClr>
+                </a:outerShdw>
+              </a:effectLst>
+            </p:spPr>
+            <p:txBody>
+              <a:bodyPr vert="horz" wrap="square" lIns="91440" tIns="45720" rIns="91440" bIns="45720" numCol="1" rtlCol="0" anchor="ctr" anchorCtr="0" compatLnSpc="1">
+                <a:prstTxWarp prst="textNoShape">
+                  <a:avLst/>
+                </a:prstTxWarp>
+              </a:bodyPr>
+              <a:lstStyle/>
+              <a:p>
+                <a:pPr marL="0" marR="0" indent="0" algn="ctr" defTabSz="3762375" rtl="0" eaLnBrk="1" fontAlgn="base" latinLnBrk="0" hangingPunct="1">
+                  <a:lnSpc>
+                    <a:spcPct val="100000"/>
+                  </a:lnSpc>
+                  <a:spcBef>
+                    <a:spcPct val="0"/>
+                  </a:spcBef>
+                  <a:spcAft>
+                    <a:spcPct val="0"/>
+                  </a:spcAft>
+                  <a:buClrTx/>
+                  <a:buSzTx/>
+                  <a:buFontTx/>
+                  <a:buNone/>
+                  <a:tabLst/>
+                </a:pPr>
+                <a:endParaRPr lang="en-US" dirty="0">
+                  <a:latin typeface="Arial" pitchFamily="-110" charset="0"/>
+                </a:endParaRPr>
+              </a:p>
+            </p:txBody>
+          </p:sp>
+          <p:sp>
+            <p:nvSpPr>
+              <p:cNvPr id="99" name="Oval 98">
+                <a:extLst>
+                  <a:ext uri="{FF2B5EF4-FFF2-40B4-BE49-F238E27FC236}">
+                    <a16:creationId xmlns:a16="http://schemas.microsoft.com/office/drawing/2014/main" id="{121445BE-1B15-0C48-BEF7-E5467810A598}"/>
+                  </a:ext>
+                </a:extLst>
+              </p:cNvPr>
+              <p:cNvSpPr/>
+              <p:nvPr/>
+            </p:nvSpPr>
+            <p:spPr bwMode="auto">
+              <a:xfrm>
+                <a:off x="19019520" y="20319753"/>
+                <a:ext cx="914400" cy="914400"/>
+              </a:xfrm>
+              <a:prstGeom prst="ellipse">
+                <a:avLst/>
+              </a:prstGeom>
+              <a:solidFill>
+                <a:srgbClr val="00B050"/>
+              </a:solidFill>
+              <a:ln w="76200" cap="flat" cmpd="sng" algn="ctr">
+                <a:solidFill>
+                  <a:srgbClr val="00B050"/>
+                </a:solidFill>
+                <a:prstDash val="solid"/>
+                <a:miter lim="800000"/>
+                <a:headEnd type="none" w="med" len="med"/>
+                <a:tailEnd type="none" w="med" len="med"/>
+              </a:ln>
+              <a:effectLst>
+                <a:outerShdw blurRad="50800" dist="38100" dir="2700000">
+                  <a:srgbClr val="000000">
+                    <a:alpha val="43000"/>
+                  </a:srgbClr>
+                </a:outerShdw>
+              </a:effectLst>
+            </p:spPr>
+            <p:txBody>
+              <a:bodyPr vert="horz" wrap="square" lIns="91440" tIns="45720" rIns="91440" bIns="45720" numCol="1" rtlCol="0" anchor="ctr" anchorCtr="0" compatLnSpc="1">
+                <a:prstTxWarp prst="textNoShape">
+                  <a:avLst/>
+                </a:prstTxWarp>
+              </a:bodyPr>
+              <a:lstStyle/>
+              <a:p>
+                <a:pPr marL="0" marR="0" indent="0" algn="ctr" defTabSz="3762375" rtl="0" eaLnBrk="1" fontAlgn="base" latinLnBrk="0" hangingPunct="1">
+                  <a:lnSpc>
+                    <a:spcPct val="100000"/>
+                  </a:lnSpc>
+                  <a:spcBef>
+                    <a:spcPct val="0"/>
+                  </a:spcBef>
+                  <a:spcAft>
+                    <a:spcPct val="0"/>
+                  </a:spcAft>
+                  <a:buClrTx/>
+                  <a:buSzTx/>
+                  <a:buFontTx/>
+                  <a:buNone/>
+                  <a:tabLst/>
+                </a:pPr>
+                <a:endParaRPr lang="en-US" dirty="0">
+                  <a:latin typeface="Arial" pitchFamily="-110" charset="0"/>
+                </a:endParaRPr>
+              </a:p>
+            </p:txBody>
+          </p:sp>
+          <p:sp>
+            <p:nvSpPr>
+              <p:cNvPr id="100" name="Oval 99">
+                <a:extLst>
+                  <a:ext uri="{FF2B5EF4-FFF2-40B4-BE49-F238E27FC236}">
+                    <a16:creationId xmlns:a16="http://schemas.microsoft.com/office/drawing/2014/main" id="{033ECC3C-C110-BF47-966E-02BD199699F4}"/>
+                  </a:ext>
+                </a:extLst>
+              </p:cNvPr>
+              <p:cNvSpPr/>
+              <p:nvPr/>
+            </p:nvSpPr>
+            <p:spPr bwMode="auto">
+              <a:xfrm>
+                <a:off x="19019520" y="18666943"/>
+                <a:ext cx="914400" cy="914400"/>
+              </a:xfrm>
+              <a:prstGeom prst="ellipse">
+                <a:avLst/>
+              </a:prstGeom>
+              <a:solidFill>
+                <a:srgbClr val="00B050"/>
+              </a:solidFill>
+              <a:ln w="76200" cap="flat" cmpd="sng" algn="ctr">
+                <a:solidFill>
+                  <a:srgbClr val="00B050"/>
+                </a:solidFill>
+                <a:prstDash val="solid"/>
+                <a:miter lim="800000"/>
+                <a:headEnd type="none" w="med" len="med"/>
+                <a:tailEnd type="none" w="med" len="med"/>
+              </a:ln>
+              <a:effectLst>
+                <a:outerShdw blurRad="50800" dist="38100" dir="2700000">
+                  <a:srgbClr val="000000">
+                    <a:alpha val="43000"/>
+                  </a:srgbClr>
+                </a:outerShdw>
+              </a:effectLst>
+            </p:spPr>
+            <p:txBody>
+              <a:bodyPr vert="horz" wrap="square" lIns="91440" tIns="45720" rIns="91440" bIns="45720" numCol="1" rtlCol="0" anchor="ctr" anchorCtr="0" compatLnSpc="1">
+                <a:prstTxWarp prst="textNoShape">
+                  <a:avLst/>
+                </a:prstTxWarp>
+              </a:bodyPr>
+              <a:lstStyle/>
+              <a:p>
+                <a:pPr marL="0" marR="0" indent="0" algn="ctr" defTabSz="3762375" rtl="0" eaLnBrk="1" fontAlgn="base" latinLnBrk="0" hangingPunct="1">
+                  <a:lnSpc>
+                    <a:spcPct val="100000"/>
+                  </a:lnSpc>
+                  <a:spcBef>
+                    <a:spcPct val="0"/>
+                  </a:spcBef>
+                  <a:spcAft>
+                    <a:spcPct val="0"/>
+                  </a:spcAft>
+                  <a:buClrTx/>
+                  <a:buSzTx/>
+                  <a:buFontTx/>
+                  <a:buNone/>
+                  <a:tabLst/>
+                </a:pPr>
+                <a:endParaRPr lang="en-US" dirty="0">
+                  <a:latin typeface="Arial" pitchFamily="-110" charset="0"/>
+                </a:endParaRPr>
+              </a:p>
+            </p:txBody>
+          </p:sp>
+          <p:sp>
+            <p:nvSpPr>
+              <p:cNvPr id="101" name="Oval 100">
+                <a:extLst>
+                  <a:ext uri="{FF2B5EF4-FFF2-40B4-BE49-F238E27FC236}">
+                    <a16:creationId xmlns:a16="http://schemas.microsoft.com/office/drawing/2014/main" id="{B7EA7E57-459C-1047-903C-7353C6891ED2}"/>
+                  </a:ext>
+                </a:extLst>
+              </p:cNvPr>
+              <p:cNvSpPr/>
+              <p:nvPr/>
+            </p:nvSpPr>
+            <p:spPr bwMode="auto">
+              <a:xfrm>
+                <a:off x="19019520" y="23625372"/>
+                <a:ext cx="914400" cy="914400"/>
+              </a:xfrm>
+              <a:prstGeom prst="ellipse">
+                <a:avLst/>
+              </a:prstGeom>
+              <a:solidFill>
+                <a:srgbClr val="00B050"/>
+              </a:solidFill>
+              <a:ln w="76200" cap="flat" cmpd="sng" algn="ctr">
+                <a:solidFill>
+                  <a:srgbClr val="00B050"/>
+                </a:solidFill>
+                <a:prstDash val="solid"/>
+                <a:miter lim="800000"/>
+                <a:headEnd type="none" w="med" len="med"/>
+                <a:tailEnd type="none" w="med" len="med"/>
+              </a:ln>
+              <a:effectLst>
+                <a:outerShdw blurRad="50800" dist="38100" dir="2700000">
+                  <a:srgbClr val="000000">
+                    <a:alpha val="43000"/>
+                  </a:srgbClr>
+                </a:outerShdw>
+              </a:effectLst>
+            </p:spPr>
+            <p:txBody>
+              <a:bodyPr vert="horz" wrap="square" lIns="91440" tIns="45720" rIns="91440" bIns="45720" numCol="1" rtlCol="0" anchor="ctr" anchorCtr="0" compatLnSpc="1">
+                <a:prstTxWarp prst="textNoShape">
+                  <a:avLst/>
+                </a:prstTxWarp>
+              </a:bodyPr>
+              <a:lstStyle/>
+              <a:p>
+                <a:pPr marL="0" marR="0" indent="0" algn="ctr" defTabSz="3762375" rtl="0" eaLnBrk="1" fontAlgn="base" latinLnBrk="0" hangingPunct="1">
+                  <a:lnSpc>
+                    <a:spcPct val="100000"/>
+                  </a:lnSpc>
+                  <a:spcBef>
+                    <a:spcPct val="0"/>
+                  </a:spcBef>
+                  <a:spcAft>
+                    <a:spcPct val="0"/>
+                  </a:spcAft>
+                  <a:buClrTx/>
+                  <a:buSzTx/>
+                  <a:buFontTx/>
+                  <a:buNone/>
+                  <a:tabLst/>
+                </a:pPr>
+                <a:endParaRPr lang="en-US" dirty="0">
+                  <a:latin typeface="Arial" pitchFamily="-110" charset="0"/>
+                </a:endParaRPr>
+              </a:p>
+            </p:txBody>
+          </p:sp>
+          <p:sp>
+            <p:nvSpPr>
+              <p:cNvPr id="102" name="Oval 101">
+                <a:extLst>
+                  <a:ext uri="{FF2B5EF4-FFF2-40B4-BE49-F238E27FC236}">
+                    <a16:creationId xmlns:a16="http://schemas.microsoft.com/office/drawing/2014/main" id="{C1B1DF3F-EE21-5740-AF86-FC481797D40C}"/>
+                  </a:ext>
+                </a:extLst>
+              </p:cNvPr>
+              <p:cNvSpPr/>
+              <p:nvPr/>
+            </p:nvSpPr>
+            <p:spPr bwMode="auto">
+              <a:xfrm>
+                <a:off x="24065326" y="21992063"/>
+                <a:ext cx="914400" cy="914400"/>
+              </a:xfrm>
+              <a:prstGeom prst="ellipse">
+                <a:avLst/>
+              </a:prstGeom>
+              <a:solidFill>
+                <a:srgbClr val="0070C0"/>
+              </a:solidFill>
+              <a:ln w="76200" cap="flat" cmpd="sng" algn="ctr">
+                <a:solidFill>
+                  <a:srgbClr val="0070C0"/>
+                </a:solidFill>
+                <a:prstDash val="solid"/>
+                <a:miter lim="800000"/>
+                <a:headEnd type="none" w="med" len="med"/>
+                <a:tailEnd type="none" w="med" len="med"/>
+              </a:ln>
+              <a:effectLst>
+                <a:outerShdw blurRad="50800" dist="38100" dir="2700000">
+                  <a:srgbClr val="000000">
+                    <a:alpha val="43000"/>
+                  </a:srgbClr>
+                </a:outerShdw>
+              </a:effectLst>
+            </p:spPr>
+            <p:txBody>
+              <a:bodyPr vert="horz" wrap="square" lIns="91440" tIns="45720" rIns="91440" bIns="45720" numCol="1" rtlCol="0" anchor="ctr" anchorCtr="0" compatLnSpc="1">
+                <a:prstTxWarp prst="textNoShape">
+                  <a:avLst/>
+                </a:prstTxWarp>
+              </a:bodyPr>
+              <a:lstStyle/>
+              <a:p>
+                <a:pPr marL="0" marR="0" indent="0" algn="ctr" defTabSz="3762375" rtl="0" eaLnBrk="1" fontAlgn="base" latinLnBrk="0" hangingPunct="1">
+                  <a:lnSpc>
+                    <a:spcPct val="100000"/>
+                  </a:lnSpc>
+                  <a:spcBef>
+                    <a:spcPct val="0"/>
+                  </a:spcBef>
+                  <a:spcAft>
+                    <a:spcPct val="0"/>
+                  </a:spcAft>
+                  <a:buClrTx/>
+                  <a:buSzTx/>
+                  <a:buFontTx/>
+                  <a:buNone/>
+                  <a:tabLst/>
+                </a:pPr>
+                <a:endParaRPr lang="en-US" dirty="0">
+                  <a:latin typeface="Arial" pitchFamily="-110" charset="0"/>
+                </a:endParaRPr>
+              </a:p>
+            </p:txBody>
+          </p:sp>
+          <p:sp>
+            <p:nvSpPr>
+              <p:cNvPr id="103" name="Oval 102">
+                <a:extLst>
+                  <a:ext uri="{FF2B5EF4-FFF2-40B4-BE49-F238E27FC236}">
+                    <a16:creationId xmlns:a16="http://schemas.microsoft.com/office/drawing/2014/main" id="{F5CBD91F-B1A3-B047-B4AE-2D78241752B6}"/>
+                  </a:ext>
+                </a:extLst>
+              </p:cNvPr>
+              <p:cNvSpPr/>
+              <p:nvPr/>
+            </p:nvSpPr>
+            <p:spPr bwMode="auto">
+              <a:xfrm>
+                <a:off x="24065326" y="20339253"/>
+                <a:ext cx="914400" cy="914400"/>
+              </a:xfrm>
+              <a:prstGeom prst="ellipse">
+                <a:avLst/>
+              </a:prstGeom>
+              <a:solidFill>
+                <a:srgbClr val="0070C0"/>
+              </a:solidFill>
+              <a:ln w="76200" cap="flat" cmpd="sng" algn="ctr">
+                <a:solidFill>
+                  <a:srgbClr val="0070C0"/>
+                </a:solidFill>
+                <a:prstDash val="solid"/>
+                <a:miter lim="800000"/>
+                <a:headEnd type="none" w="med" len="med"/>
+                <a:tailEnd type="none" w="med" len="med"/>
+              </a:ln>
+              <a:effectLst>
+                <a:outerShdw blurRad="50800" dist="38100" dir="2700000">
+                  <a:srgbClr val="000000">
+                    <a:alpha val="43000"/>
+                  </a:srgbClr>
+                </a:outerShdw>
+              </a:effectLst>
+            </p:spPr>
+            <p:txBody>
+              <a:bodyPr vert="horz" wrap="square" lIns="91440" tIns="45720" rIns="91440" bIns="45720" numCol="1" rtlCol="0" anchor="ctr" anchorCtr="0" compatLnSpc="1">
+                <a:prstTxWarp prst="textNoShape">
+                  <a:avLst/>
+                </a:prstTxWarp>
+              </a:bodyPr>
+              <a:lstStyle/>
+              <a:p>
+                <a:pPr marL="0" marR="0" indent="0" algn="ctr" defTabSz="3762375" rtl="0" eaLnBrk="1" fontAlgn="base" latinLnBrk="0" hangingPunct="1">
+                  <a:lnSpc>
+                    <a:spcPct val="100000"/>
+                  </a:lnSpc>
+                  <a:spcBef>
+                    <a:spcPct val="0"/>
+                  </a:spcBef>
+                  <a:spcAft>
+                    <a:spcPct val="0"/>
+                  </a:spcAft>
+                  <a:buClrTx/>
+                  <a:buSzTx/>
+                  <a:buFontTx/>
+                  <a:buNone/>
+                  <a:tabLst/>
+                </a:pPr>
+                <a:endParaRPr lang="en-US" dirty="0">
+                  <a:latin typeface="Arial" pitchFamily="-110" charset="0"/>
+                </a:endParaRPr>
+              </a:p>
+            </p:txBody>
+          </p:sp>
+          <p:sp>
+            <p:nvSpPr>
+              <p:cNvPr id="106" name="Oval 105">
+                <a:extLst>
+                  <a:ext uri="{FF2B5EF4-FFF2-40B4-BE49-F238E27FC236}">
+                    <a16:creationId xmlns:a16="http://schemas.microsoft.com/office/drawing/2014/main" id="{D3B5C395-6D73-A141-A4CD-A12E63A3BF1E}"/>
+                  </a:ext>
+                </a:extLst>
+              </p:cNvPr>
+              <p:cNvSpPr/>
+              <p:nvPr/>
+            </p:nvSpPr>
+            <p:spPr bwMode="auto">
+              <a:xfrm>
+                <a:off x="24065326" y="18686443"/>
+                <a:ext cx="914400" cy="914400"/>
+              </a:xfrm>
+              <a:prstGeom prst="ellipse">
+                <a:avLst/>
+              </a:prstGeom>
+              <a:solidFill>
+                <a:srgbClr val="0070C0"/>
+              </a:solidFill>
+              <a:ln w="76200" cap="flat" cmpd="sng" algn="ctr">
+                <a:solidFill>
+                  <a:srgbClr val="0070C0"/>
+                </a:solidFill>
+                <a:prstDash val="solid"/>
+                <a:miter lim="800000"/>
+                <a:headEnd type="none" w="med" len="med"/>
+                <a:tailEnd type="none" w="med" len="med"/>
+              </a:ln>
+              <a:effectLst>
+                <a:outerShdw blurRad="50800" dist="38100" dir="2700000">
+                  <a:srgbClr val="000000">
+                    <a:alpha val="43000"/>
+                  </a:srgbClr>
+                </a:outerShdw>
+              </a:effectLst>
+            </p:spPr>
+            <p:txBody>
+              <a:bodyPr vert="horz" wrap="square" lIns="91440" tIns="45720" rIns="91440" bIns="45720" numCol="1" rtlCol="0" anchor="ctr" anchorCtr="0" compatLnSpc="1">
+                <a:prstTxWarp prst="textNoShape">
+                  <a:avLst/>
+                </a:prstTxWarp>
+              </a:bodyPr>
+              <a:lstStyle/>
+              <a:p>
+                <a:pPr marL="0" marR="0" indent="0" algn="ctr" defTabSz="3762375" rtl="0" eaLnBrk="1" fontAlgn="base" latinLnBrk="0" hangingPunct="1">
+                  <a:lnSpc>
+                    <a:spcPct val="100000"/>
+                  </a:lnSpc>
+                  <a:spcBef>
+                    <a:spcPct val="0"/>
+                  </a:spcBef>
+                  <a:spcAft>
+                    <a:spcPct val="0"/>
+                  </a:spcAft>
+                  <a:buClrTx/>
+                  <a:buSzTx/>
+                  <a:buFontTx/>
+                  <a:buNone/>
+                  <a:tabLst/>
+                </a:pPr>
+                <a:endParaRPr lang="en-US" dirty="0">
+                  <a:latin typeface="Arial" pitchFamily="-110" charset="0"/>
+                </a:endParaRPr>
+              </a:p>
+            </p:txBody>
+          </p:sp>
+          <p:sp>
+            <p:nvSpPr>
+              <p:cNvPr id="107" name="Oval 106">
+                <a:extLst>
+                  <a:ext uri="{FF2B5EF4-FFF2-40B4-BE49-F238E27FC236}">
+                    <a16:creationId xmlns:a16="http://schemas.microsoft.com/office/drawing/2014/main" id="{3DB57EB1-F0B4-A24B-B5F5-E8B011DFD698}"/>
+                  </a:ext>
+                </a:extLst>
+              </p:cNvPr>
+              <p:cNvSpPr/>
+              <p:nvPr/>
+            </p:nvSpPr>
+            <p:spPr bwMode="auto">
+              <a:xfrm>
+                <a:off x="24065326" y="23644872"/>
+                <a:ext cx="914400" cy="914400"/>
+              </a:xfrm>
+              <a:prstGeom prst="ellipse">
+                <a:avLst/>
+              </a:prstGeom>
+              <a:solidFill>
+                <a:srgbClr val="0070C0"/>
+              </a:solidFill>
+              <a:ln w="76200" cap="flat" cmpd="sng" algn="ctr">
+                <a:solidFill>
+                  <a:srgbClr val="0070C0"/>
+                </a:solidFill>
+                <a:prstDash val="solid"/>
+                <a:miter lim="800000"/>
+                <a:headEnd type="none" w="med" len="med"/>
+                <a:tailEnd type="none" w="med" len="med"/>
+              </a:ln>
+              <a:effectLst>
+                <a:outerShdw blurRad="50800" dist="38100" dir="2700000">
+                  <a:srgbClr val="000000">
+                    <a:alpha val="43000"/>
+                  </a:srgbClr>
+                </a:outerShdw>
+              </a:effectLst>
+            </p:spPr>
+            <p:txBody>
+              <a:bodyPr vert="horz" wrap="square" lIns="91440" tIns="45720" rIns="91440" bIns="45720" numCol="1" rtlCol="0" anchor="ctr" anchorCtr="0" compatLnSpc="1">
+                <a:prstTxWarp prst="textNoShape">
+                  <a:avLst/>
+                </a:prstTxWarp>
+              </a:bodyPr>
+              <a:lstStyle/>
+              <a:p>
+                <a:pPr marL="0" marR="0" indent="0" algn="ctr" defTabSz="3762375" rtl="0" eaLnBrk="1" fontAlgn="base" latinLnBrk="0" hangingPunct="1">
+                  <a:lnSpc>
+                    <a:spcPct val="100000"/>
+                  </a:lnSpc>
+                  <a:spcBef>
+                    <a:spcPct val="0"/>
+                  </a:spcBef>
+                  <a:spcAft>
+                    <a:spcPct val="0"/>
+                  </a:spcAft>
+                  <a:buClrTx/>
+                  <a:buSzTx/>
+                  <a:buFontTx/>
+                  <a:buNone/>
+                  <a:tabLst/>
+                </a:pPr>
+                <a:endParaRPr lang="en-US" dirty="0">
+                  <a:latin typeface="Arial" pitchFamily="-110" charset="0"/>
+                </a:endParaRPr>
+              </a:p>
+            </p:txBody>
+          </p:sp>
+          <p:sp>
+            <p:nvSpPr>
+              <p:cNvPr id="108" name="Oval 107">
+                <a:extLst>
+                  <a:ext uri="{FF2B5EF4-FFF2-40B4-BE49-F238E27FC236}">
+                    <a16:creationId xmlns:a16="http://schemas.microsoft.com/office/drawing/2014/main" id="{437395A8-64FA-114D-9190-B61438DAD4D1}"/>
+                  </a:ext>
+                </a:extLst>
+              </p:cNvPr>
+              <p:cNvSpPr/>
+              <p:nvPr/>
+            </p:nvSpPr>
+            <p:spPr bwMode="auto">
+              <a:xfrm>
+                <a:off x="21542423" y="22023437"/>
+                <a:ext cx="914400" cy="914400"/>
+              </a:xfrm>
+              <a:prstGeom prst="ellipse">
+                <a:avLst/>
+              </a:prstGeom>
+              <a:solidFill>
+                <a:srgbClr val="FFC000"/>
+              </a:solidFill>
+              <a:ln w="76200" cap="flat" cmpd="sng" algn="ctr">
+                <a:solidFill>
+                  <a:srgbClr val="FFC000"/>
+                </a:solidFill>
+                <a:prstDash val="solid"/>
+                <a:miter lim="800000"/>
+                <a:headEnd type="none" w="med" len="med"/>
+                <a:tailEnd type="none" w="med" len="med"/>
+              </a:ln>
+              <a:effectLst>
+                <a:outerShdw blurRad="50800" dist="38100" dir="2700000">
+                  <a:srgbClr val="000000">
+                    <a:alpha val="43000"/>
+                  </a:srgbClr>
+                </a:outerShdw>
+              </a:effectLst>
+            </p:spPr>
+            <p:txBody>
+              <a:bodyPr vert="horz" wrap="square" lIns="91440" tIns="45720" rIns="91440" bIns="45720" numCol="1" rtlCol="0" anchor="ctr" anchorCtr="0" compatLnSpc="1">
+                <a:prstTxWarp prst="textNoShape">
+                  <a:avLst/>
+                </a:prstTxWarp>
+              </a:bodyPr>
+              <a:lstStyle/>
+              <a:p>
+                <a:pPr marL="0" marR="0" indent="0" algn="ctr" defTabSz="3762375" rtl="0" eaLnBrk="1" fontAlgn="base" latinLnBrk="0" hangingPunct="1">
+                  <a:lnSpc>
+                    <a:spcPct val="100000"/>
+                  </a:lnSpc>
+                  <a:spcBef>
+                    <a:spcPct val="0"/>
+                  </a:spcBef>
+                  <a:spcAft>
+                    <a:spcPct val="0"/>
+                  </a:spcAft>
+                  <a:buClrTx/>
+                  <a:buSzTx/>
+                  <a:buFontTx/>
+                  <a:buNone/>
+                  <a:tabLst/>
+                </a:pPr>
+                <a:endParaRPr lang="en-US" dirty="0">
+                  <a:latin typeface="Arial" pitchFamily="-110" charset="0"/>
+                </a:endParaRPr>
+              </a:p>
+            </p:txBody>
+          </p:sp>
+          <p:sp>
+            <p:nvSpPr>
+              <p:cNvPr id="112" name="Oval 111">
+                <a:extLst>
+                  <a:ext uri="{FF2B5EF4-FFF2-40B4-BE49-F238E27FC236}">
+                    <a16:creationId xmlns:a16="http://schemas.microsoft.com/office/drawing/2014/main" id="{B7D24CAB-F420-8449-B024-AAECB6C9921B}"/>
+                  </a:ext>
+                </a:extLst>
+              </p:cNvPr>
+              <p:cNvSpPr/>
+              <p:nvPr/>
+            </p:nvSpPr>
+            <p:spPr bwMode="auto">
+              <a:xfrm>
+                <a:off x="21542423" y="20370627"/>
+                <a:ext cx="914400" cy="914400"/>
+              </a:xfrm>
+              <a:prstGeom prst="ellipse">
+                <a:avLst/>
+              </a:prstGeom>
+              <a:solidFill>
+                <a:srgbClr val="FFC000"/>
+              </a:solidFill>
+              <a:ln w="76200" cap="flat" cmpd="sng" algn="ctr">
+                <a:solidFill>
+                  <a:srgbClr val="FFC000"/>
+                </a:solidFill>
+                <a:prstDash val="solid"/>
+                <a:miter lim="800000"/>
+                <a:headEnd type="none" w="med" len="med"/>
+                <a:tailEnd type="none" w="med" len="med"/>
+              </a:ln>
+              <a:effectLst>
+                <a:outerShdw blurRad="50800" dist="38100" dir="2700000">
+                  <a:srgbClr val="000000">
+                    <a:alpha val="43000"/>
+                  </a:srgbClr>
+                </a:outerShdw>
+              </a:effectLst>
+            </p:spPr>
+            <p:txBody>
+              <a:bodyPr vert="horz" wrap="square" lIns="91440" tIns="45720" rIns="91440" bIns="45720" numCol="1" rtlCol="0" anchor="ctr" anchorCtr="0" compatLnSpc="1">
+                <a:prstTxWarp prst="textNoShape">
+                  <a:avLst/>
+                </a:prstTxWarp>
+              </a:bodyPr>
+              <a:lstStyle/>
+              <a:p>
+                <a:pPr marL="0" marR="0" indent="0" algn="ctr" defTabSz="3762375" rtl="0" eaLnBrk="1" fontAlgn="base" latinLnBrk="0" hangingPunct="1">
+                  <a:lnSpc>
+                    <a:spcPct val="100000"/>
+                  </a:lnSpc>
+                  <a:spcBef>
+                    <a:spcPct val="0"/>
+                  </a:spcBef>
+                  <a:spcAft>
+                    <a:spcPct val="0"/>
+                  </a:spcAft>
+                  <a:buClrTx/>
+                  <a:buSzTx/>
+                  <a:buFontTx/>
+                  <a:buNone/>
+                  <a:tabLst/>
+                </a:pPr>
+                <a:endParaRPr lang="en-US" dirty="0">
+                  <a:latin typeface="Arial" pitchFamily="-110" charset="0"/>
+                </a:endParaRPr>
+              </a:p>
+            </p:txBody>
+          </p:sp>
+          <p:grpSp>
+            <p:nvGrpSpPr>
+              <p:cNvPr id="122" name="Group 121">
+                <a:extLst>
+                  <a:ext uri="{FF2B5EF4-FFF2-40B4-BE49-F238E27FC236}">
+                    <a16:creationId xmlns:a16="http://schemas.microsoft.com/office/drawing/2014/main" id="{F0285AA5-ACA5-5A41-8142-779BCA040726}"/>
+                  </a:ext>
+                </a:extLst>
+              </p:cNvPr>
+              <p:cNvGrpSpPr/>
+              <p:nvPr/>
+            </p:nvGrpSpPr>
+            <p:grpSpPr>
+              <a:xfrm>
+                <a:off x="19800009" y="19447432"/>
+                <a:ext cx="1742414" cy="4635140"/>
+                <a:chOff x="19647609" y="19295032"/>
+                <a:chExt cx="1742414" cy="4635140"/>
+              </a:xfrm>
+            </p:grpSpPr>
+            <p:cxnSp>
+              <p:nvCxnSpPr>
+                <p:cNvPr id="123" name="Straight Arrow Connector 122">
+                  <a:extLst>
+                    <a:ext uri="{FF2B5EF4-FFF2-40B4-BE49-F238E27FC236}">
+                      <a16:creationId xmlns:a16="http://schemas.microsoft.com/office/drawing/2014/main" id="{D0B8FA29-5114-984F-8D4F-CE2198DCE4F1}"/>
+                    </a:ext>
+                  </a:extLst>
+                </p:cNvPr>
+                <p:cNvCxnSpPr>
+                  <a:cxnSpLocks/>
+                  <a:stCxn id="100" idx="5"/>
+                  <a:endCxn id="112" idx="2"/>
+                </p:cNvCxnSpPr>
+                <p:nvPr/>
+              </p:nvCxnSpPr>
+              <p:spPr bwMode="auto">
+                <a:xfrm>
+                  <a:off x="19647609" y="19295032"/>
+                  <a:ext cx="1742414" cy="1380395"/>
+                </a:xfrm>
+                <a:prstGeom prst="straightConnector1">
+                  <a:avLst/>
+                </a:prstGeom>
+                <a:solidFill>
+                  <a:schemeClr val="accent1"/>
+                </a:solidFill>
+                <a:ln w="57150" cap="flat" cmpd="sng" algn="ctr">
+                  <a:solidFill>
+                    <a:schemeClr val="tx1"/>
+                  </a:solidFill>
+                  <a:prstDash val="solid"/>
+                  <a:round/>
+                  <a:headEnd type="none" w="med" len="med"/>
+                  <a:tailEnd type="none" w="med" len="med"/>
+                </a:ln>
+                <a:effectLst/>
+              </p:spPr>
+            </p:cxnSp>
+            <p:cxnSp>
+              <p:nvCxnSpPr>
+                <p:cNvPr id="124" name="Straight Arrow Connector 123">
+                  <a:extLst>
+                    <a:ext uri="{FF2B5EF4-FFF2-40B4-BE49-F238E27FC236}">
+                      <a16:creationId xmlns:a16="http://schemas.microsoft.com/office/drawing/2014/main" id="{104A0CCF-D5D3-5544-9C7D-3A740DF8176A}"/>
+                    </a:ext>
+                  </a:extLst>
+                </p:cNvPr>
+                <p:cNvCxnSpPr>
+                  <a:cxnSpLocks/>
+                  <a:endCxn id="112" idx="2"/>
+                </p:cNvCxnSpPr>
+                <p:nvPr/>
+              </p:nvCxnSpPr>
+              <p:spPr bwMode="auto">
+                <a:xfrm>
+                  <a:off x="19798892" y="20675427"/>
+                  <a:ext cx="1591131" cy="0"/>
+                </a:xfrm>
+                <a:prstGeom prst="straightConnector1">
+                  <a:avLst/>
+                </a:prstGeom>
+                <a:solidFill>
+                  <a:schemeClr val="accent1"/>
+                </a:solidFill>
+                <a:ln w="57150" cap="flat" cmpd="sng" algn="ctr">
+                  <a:solidFill>
+                    <a:schemeClr val="tx1"/>
+                  </a:solidFill>
+                  <a:prstDash val="solid"/>
+                  <a:round/>
+                  <a:headEnd type="none" w="med" len="med"/>
+                  <a:tailEnd type="none" w="med" len="med"/>
+                </a:ln>
+                <a:effectLst/>
+              </p:spPr>
+            </p:cxnSp>
+            <p:cxnSp>
+              <p:nvCxnSpPr>
+                <p:cNvPr id="125" name="Straight Arrow Connector 124">
+                  <a:extLst>
+                    <a:ext uri="{FF2B5EF4-FFF2-40B4-BE49-F238E27FC236}">
+                      <a16:creationId xmlns:a16="http://schemas.microsoft.com/office/drawing/2014/main" id="{9C78D093-0999-254B-A440-58D55D5168F4}"/>
+                    </a:ext>
+                  </a:extLst>
+                </p:cNvPr>
+                <p:cNvCxnSpPr>
+                  <a:cxnSpLocks/>
+                  <a:endCxn id="112" idx="2"/>
+                </p:cNvCxnSpPr>
+                <p:nvPr/>
+              </p:nvCxnSpPr>
+              <p:spPr bwMode="auto">
+                <a:xfrm flipV="1">
+                  <a:off x="19798892" y="20675427"/>
+                  <a:ext cx="1591131" cy="1621436"/>
+                </a:xfrm>
+                <a:prstGeom prst="straightConnector1">
+                  <a:avLst/>
+                </a:prstGeom>
+                <a:solidFill>
+                  <a:schemeClr val="accent1"/>
+                </a:solidFill>
+                <a:ln w="57150" cap="flat" cmpd="sng" algn="ctr">
+                  <a:solidFill>
+                    <a:schemeClr val="tx1"/>
+                  </a:solidFill>
+                  <a:prstDash val="solid"/>
+                  <a:round/>
+                  <a:headEnd type="none" w="med" len="med"/>
+                  <a:tailEnd type="none" w="med" len="med"/>
+                </a:ln>
+                <a:effectLst/>
+              </p:spPr>
+            </p:cxnSp>
+            <p:cxnSp>
+              <p:nvCxnSpPr>
+                <p:cNvPr id="126" name="Straight Arrow Connector 125">
+                  <a:extLst>
+                    <a:ext uri="{FF2B5EF4-FFF2-40B4-BE49-F238E27FC236}">
+                      <a16:creationId xmlns:a16="http://schemas.microsoft.com/office/drawing/2014/main" id="{C377AD3A-ECCB-F447-A331-CEC94C27C3B3}"/>
+                    </a:ext>
+                  </a:extLst>
+                </p:cNvPr>
+                <p:cNvCxnSpPr>
+                  <a:cxnSpLocks/>
+                  <a:endCxn id="108" idx="2"/>
+                </p:cNvCxnSpPr>
+                <p:nvPr/>
+              </p:nvCxnSpPr>
+              <p:spPr bwMode="auto">
+                <a:xfrm>
+                  <a:off x="19798892" y="20686375"/>
+                  <a:ext cx="1591131" cy="1641862"/>
+                </a:xfrm>
+                <a:prstGeom prst="straightConnector1">
+                  <a:avLst/>
+                </a:prstGeom>
+                <a:solidFill>
+                  <a:schemeClr val="accent1"/>
+                </a:solidFill>
+                <a:ln w="57150" cap="flat" cmpd="sng" algn="ctr">
+                  <a:solidFill>
+                    <a:schemeClr val="tx1"/>
+                  </a:solidFill>
+                  <a:prstDash val="solid"/>
+                  <a:round/>
+                  <a:headEnd type="none" w="med" len="med"/>
+                  <a:tailEnd type="none" w="med" len="med"/>
+                </a:ln>
+                <a:effectLst/>
+              </p:spPr>
+            </p:cxnSp>
+            <p:cxnSp>
+              <p:nvCxnSpPr>
+                <p:cNvPr id="127" name="Straight Arrow Connector 126">
+                  <a:extLst>
+                    <a:ext uri="{FF2B5EF4-FFF2-40B4-BE49-F238E27FC236}">
+                      <a16:creationId xmlns:a16="http://schemas.microsoft.com/office/drawing/2014/main" id="{E3D3C2FB-9F1B-C14B-9534-6348C87AC531}"/>
+                    </a:ext>
+                  </a:extLst>
+                </p:cNvPr>
+                <p:cNvCxnSpPr>
+                  <a:cxnSpLocks/>
+                  <a:stCxn id="101" idx="6"/>
+                  <a:endCxn id="112" idx="2"/>
+                </p:cNvCxnSpPr>
+                <p:nvPr/>
+              </p:nvCxnSpPr>
+              <p:spPr bwMode="auto">
+                <a:xfrm flipV="1">
+                  <a:off x="19781520" y="20675427"/>
+                  <a:ext cx="1608503" cy="3254745"/>
+                </a:xfrm>
+                <a:prstGeom prst="straightConnector1">
+                  <a:avLst/>
+                </a:prstGeom>
+                <a:solidFill>
+                  <a:schemeClr val="accent1"/>
+                </a:solidFill>
+                <a:ln w="57150" cap="flat" cmpd="sng" algn="ctr">
+                  <a:solidFill>
+                    <a:schemeClr val="tx1"/>
+                  </a:solidFill>
+                  <a:prstDash val="solid"/>
+                  <a:round/>
+                  <a:headEnd type="none" w="med" len="med"/>
+                  <a:tailEnd type="none" w="med" len="med"/>
+                </a:ln>
+                <a:effectLst/>
+              </p:spPr>
+            </p:cxnSp>
+            <p:cxnSp>
+              <p:nvCxnSpPr>
+                <p:cNvPr id="128" name="Straight Arrow Connector 127">
+                  <a:extLst>
+                    <a:ext uri="{FF2B5EF4-FFF2-40B4-BE49-F238E27FC236}">
+                      <a16:creationId xmlns:a16="http://schemas.microsoft.com/office/drawing/2014/main" id="{B4534B69-D651-F144-9CBC-F7A7FDFBC085}"/>
+                    </a:ext>
+                  </a:extLst>
+                </p:cNvPr>
+                <p:cNvCxnSpPr>
+                  <a:cxnSpLocks/>
+                  <a:stCxn id="100" idx="5"/>
+                  <a:endCxn id="108" idx="2"/>
+                </p:cNvCxnSpPr>
+                <p:nvPr/>
+              </p:nvCxnSpPr>
+              <p:spPr bwMode="auto">
+                <a:xfrm>
+                  <a:off x="19647609" y="19295032"/>
+                  <a:ext cx="1742414" cy="3033205"/>
+                </a:xfrm>
+                <a:prstGeom prst="straightConnector1">
+                  <a:avLst/>
+                </a:prstGeom>
+                <a:solidFill>
+                  <a:schemeClr val="accent1"/>
+                </a:solidFill>
+                <a:ln w="57150" cap="flat" cmpd="sng" algn="ctr">
+                  <a:solidFill>
+                    <a:schemeClr val="tx1"/>
+                  </a:solidFill>
+                  <a:prstDash val="solid"/>
+                  <a:round/>
+                  <a:headEnd type="none" w="med" len="med"/>
+                  <a:tailEnd type="none" w="med" len="med"/>
+                </a:ln>
+                <a:effectLst/>
+              </p:spPr>
+            </p:cxnSp>
+            <p:cxnSp>
+              <p:nvCxnSpPr>
+                <p:cNvPr id="129" name="Straight Arrow Connector 128">
+                  <a:extLst>
+                    <a:ext uri="{FF2B5EF4-FFF2-40B4-BE49-F238E27FC236}">
+                      <a16:creationId xmlns:a16="http://schemas.microsoft.com/office/drawing/2014/main" id="{744C94FC-60D1-C54E-BB1E-410CD1EC8483}"/>
+                    </a:ext>
+                  </a:extLst>
+                </p:cNvPr>
+                <p:cNvCxnSpPr>
+                  <a:cxnSpLocks/>
+                  <a:stCxn id="94" idx="6"/>
+                  <a:endCxn id="108" idx="2"/>
+                </p:cNvCxnSpPr>
+                <p:nvPr/>
+              </p:nvCxnSpPr>
+              <p:spPr bwMode="auto">
+                <a:xfrm>
+                  <a:off x="19781520" y="22277363"/>
+                  <a:ext cx="1608503" cy="50874"/>
+                </a:xfrm>
+                <a:prstGeom prst="straightConnector1">
+                  <a:avLst/>
+                </a:prstGeom>
+                <a:solidFill>
+                  <a:schemeClr val="accent1"/>
+                </a:solidFill>
+                <a:ln w="57150" cap="flat" cmpd="sng" algn="ctr">
+                  <a:solidFill>
+                    <a:schemeClr val="tx1"/>
+                  </a:solidFill>
+                  <a:prstDash val="solid"/>
+                  <a:round/>
+                  <a:headEnd type="none" w="med" len="med"/>
+                  <a:tailEnd type="none" w="med" len="med"/>
+                </a:ln>
+                <a:effectLst/>
+              </p:spPr>
+            </p:cxnSp>
+            <p:cxnSp>
+              <p:nvCxnSpPr>
+                <p:cNvPr id="130" name="Straight Arrow Connector 129">
+                  <a:extLst>
+                    <a:ext uri="{FF2B5EF4-FFF2-40B4-BE49-F238E27FC236}">
+                      <a16:creationId xmlns:a16="http://schemas.microsoft.com/office/drawing/2014/main" id="{D50C84CC-D814-0041-A037-D7F0D2FDE7E9}"/>
+                    </a:ext>
+                  </a:extLst>
+                </p:cNvPr>
+                <p:cNvCxnSpPr>
+                  <a:cxnSpLocks/>
+                  <a:stCxn id="101" idx="6"/>
+                  <a:endCxn id="108" idx="2"/>
+                </p:cNvCxnSpPr>
+                <p:nvPr/>
+              </p:nvCxnSpPr>
+              <p:spPr bwMode="auto">
+                <a:xfrm flipV="1">
+                  <a:off x="19781520" y="22328237"/>
+                  <a:ext cx="1608503" cy="1601935"/>
+                </a:xfrm>
+                <a:prstGeom prst="straightConnector1">
+                  <a:avLst/>
+                </a:prstGeom>
+                <a:solidFill>
+                  <a:schemeClr val="accent1"/>
+                </a:solidFill>
+                <a:ln w="57150" cap="flat" cmpd="sng" algn="ctr">
+                  <a:solidFill>
+                    <a:schemeClr val="tx1"/>
+                  </a:solidFill>
+                  <a:prstDash val="solid"/>
+                  <a:round/>
+                  <a:headEnd type="none" w="med" len="med"/>
+                  <a:tailEnd type="none" w="med" len="med"/>
+                </a:ln>
+                <a:effectLst/>
+              </p:spPr>
+            </p:cxnSp>
+          </p:grpSp>
+          <p:grpSp>
+            <p:nvGrpSpPr>
+              <p:cNvPr id="131" name="Group 130">
+                <a:extLst>
+                  <a:ext uri="{FF2B5EF4-FFF2-40B4-BE49-F238E27FC236}">
+                    <a16:creationId xmlns:a16="http://schemas.microsoft.com/office/drawing/2014/main" id="{932DF53E-DC0A-964D-A5D8-7BBF35EF867F}"/>
+                  </a:ext>
+                </a:extLst>
+              </p:cNvPr>
+              <p:cNvGrpSpPr/>
+              <p:nvPr/>
+            </p:nvGrpSpPr>
+            <p:grpSpPr>
+              <a:xfrm flipH="1">
+                <a:off x="22571806" y="19488037"/>
+                <a:ext cx="1645920" cy="4635140"/>
+                <a:chOff x="10822283" y="19165594"/>
+                <a:chExt cx="1742414" cy="4635140"/>
+              </a:xfrm>
+            </p:grpSpPr>
+            <p:cxnSp>
+              <p:nvCxnSpPr>
+                <p:cNvPr id="132" name="Straight Arrow Connector 131">
+                  <a:extLst>
+                    <a:ext uri="{FF2B5EF4-FFF2-40B4-BE49-F238E27FC236}">
+                      <a16:creationId xmlns:a16="http://schemas.microsoft.com/office/drawing/2014/main" id="{91ACAE14-CE81-0840-93A9-902458F9F42F}"/>
+                    </a:ext>
+                  </a:extLst>
+                </p:cNvPr>
+                <p:cNvCxnSpPr>
+                  <a:cxnSpLocks/>
+                </p:cNvCxnSpPr>
+                <p:nvPr/>
+              </p:nvCxnSpPr>
+              <p:spPr bwMode="auto">
+                <a:xfrm>
+                  <a:off x="10822283" y="19165594"/>
+                  <a:ext cx="1742414" cy="1380395"/>
+                </a:xfrm>
+                <a:prstGeom prst="straightConnector1">
+                  <a:avLst/>
+                </a:prstGeom>
+                <a:solidFill>
+                  <a:schemeClr val="accent1"/>
+                </a:solidFill>
+                <a:ln w="57150" cap="flat" cmpd="sng" algn="ctr">
+                  <a:solidFill>
+                    <a:schemeClr val="tx1"/>
+                  </a:solidFill>
+                  <a:prstDash val="solid"/>
+                  <a:round/>
+                  <a:headEnd type="none" w="med" len="med"/>
+                  <a:tailEnd type="none" w="med" len="med"/>
+                </a:ln>
+                <a:effectLst/>
+              </p:spPr>
+            </p:cxnSp>
+            <p:cxnSp>
+              <p:nvCxnSpPr>
+                <p:cNvPr id="133" name="Straight Arrow Connector 132">
+                  <a:extLst>
+                    <a:ext uri="{FF2B5EF4-FFF2-40B4-BE49-F238E27FC236}">
+                      <a16:creationId xmlns:a16="http://schemas.microsoft.com/office/drawing/2014/main" id="{29A65826-10ED-EB44-A2FC-0237D6953268}"/>
+                    </a:ext>
+                  </a:extLst>
+                </p:cNvPr>
+                <p:cNvCxnSpPr>
+                  <a:cxnSpLocks/>
+                </p:cNvCxnSpPr>
+                <p:nvPr/>
+              </p:nvCxnSpPr>
+              <p:spPr bwMode="auto">
+                <a:xfrm>
+                  <a:off x="10973566" y="20545989"/>
+                  <a:ext cx="1591131" cy="0"/>
+                </a:xfrm>
+                <a:prstGeom prst="straightConnector1">
+                  <a:avLst/>
+                </a:prstGeom>
+                <a:solidFill>
+                  <a:schemeClr val="accent1"/>
+                </a:solidFill>
+                <a:ln w="57150" cap="flat" cmpd="sng" algn="ctr">
+                  <a:solidFill>
+                    <a:schemeClr val="tx1"/>
+                  </a:solidFill>
+                  <a:prstDash val="solid"/>
+                  <a:round/>
+                  <a:headEnd type="none" w="med" len="med"/>
+                  <a:tailEnd type="none" w="med" len="med"/>
+                </a:ln>
+                <a:effectLst/>
+              </p:spPr>
+            </p:cxnSp>
+            <p:cxnSp>
+              <p:nvCxnSpPr>
+                <p:cNvPr id="134" name="Straight Arrow Connector 133">
+                  <a:extLst>
+                    <a:ext uri="{FF2B5EF4-FFF2-40B4-BE49-F238E27FC236}">
+                      <a16:creationId xmlns:a16="http://schemas.microsoft.com/office/drawing/2014/main" id="{59EB4D32-5F20-EA4B-8E9A-C859242364EB}"/>
+                    </a:ext>
+                  </a:extLst>
+                </p:cNvPr>
+                <p:cNvCxnSpPr>
+                  <a:cxnSpLocks/>
+                </p:cNvCxnSpPr>
+                <p:nvPr/>
+              </p:nvCxnSpPr>
+              <p:spPr bwMode="auto">
+                <a:xfrm flipV="1">
+                  <a:off x="10973566" y="20545989"/>
+                  <a:ext cx="1591131" cy="1621436"/>
+                </a:xfrm>
+                <a:prstGeom prst="straightConnector1">
+                  <a:avLst/>
+                </a:prstGeom>
+                <a:solidFill>
+                  <a:schemeClr val="accent1"/>
+                </a:solidFill>
+                <a:ln w="57150" cap="flat" cmpd="sng" algn="ctr">
+                  <a:solidFill>
+                    <a:schemeClr val="tx1"/>
+                  </a:solidFill>
+                  <a:prstDash val="solid"/>
+                  <a:round/>
+                  <a:headEnd type="none" w="med" len="med"/>
+                  <a:tailEnd type="none" w="med" len="med"/>
+                </a:ln>
+                <a:effectLst/>
+              </p:spPr>
+            </p:cxnSp>
+            <p:cxnSp>
+              <p:nvCxnSpPr>
+                <p:cNvPr id="135" name="Straight Arrow Connector 134">
+                  <a:extLst>
+                    <a:ext uri="{FF2B5EF4-FFF2-40B4-BE49-F238E27FC236}">
+                      <a16:creationId xmlns:a16="http://schemas.microsoft.com/office/drawing/2014/main" id="{D0C03409-A2A9-CF4C-8712-46DAF7D23FEF}"/>
+                    </a:ext>
+                  </a:extLst>
+                </p:cNvPr>
+                <p:cNvCxnSpPr>
+                  <a:cxnSpLocks/>
+                </p:cNvCxnSpPr>
+                <p:nvPr/>
+              </p:nvCxnSpPr>
+              <p:spPr bwMode="auto">
+                <a:xfrm>
+                  <a:off x="10973566" y="20556937"/>
+                  <a:ext cx="1591131" cy="1641862"/>
+                </a:xfrm>
+                <a:prstGeom prst="straightConnector1">
+                  <a:avLst/>
+                </a:prstGeom>
+                <a:solidFill>
+                  <a:schemeClr val="accent1"/>
+                </a:solidFill>
+                <a:ln w="57150" cap="flat" cmpd="sng" algn="ctr">
+                  <a:solidFill>
+                    <a:schemeClr val="tx1"/>
+                  </a:solidFill>
+                  <a:prstDash val="solid"/>
+                  <a:round/>
+                  <a:headEnd type="none" w="med" len="med"/>
+                  <a:tailEnd type="none" w="med" len="med"/>
+                </a:ln>
+                <a:effectLst/>
+              </p:spPr>
+            </p:cxnSp>
+            <p:cxnSp>
+              <p:nvCxnSpPr>
+                <p:cNvPr id="136" name="Straight Arrow Connector 135">
+                  <a:extLst>
+                    <a:ext uri="{FF2B5EF4-FFF2-40B4-BE49-F238E27FC236}">
+                      <a16:creationId xmlns:a16="http://schemas.microsoft.com/office/drawing/2014/main" id="{BC7599E5-D7BB-D24E-912F-55FE8D04A88E}"/>
+                    </a:ext>
+                  </a:extLst>
+                </p:cNvPr>
+                <p:cNvCxnSpPr>
+                  <a:cxnSpLocks/>
+                </p:cNvCxnSpPr>
+                <p:nvPr/>
+              </p:nvCxnSpPr>
+              <p:spPr bwMode="auto">
+                <a:xfrm flipV="1">
+                  <a:off x="10956194" y="20545989"/>
+                  <a:ext cx="1608503" cy="3254745"/>
+                </a:xfrm>
+                <a:prstGeom prst="straightConnector1">
+                  <a:avLst/>
+                </a:prstGeom>
+                <a:solidFill>
+                  <a:schemeClr val="accent1"/>
+                </a:solidFill>
+                <a:ln w="57150" cap="flat" cmpd="sng" algn="ctr">
+                  <a:solidFill>
+                    <a:schemeClr val="tx1"/>
+                  </a:solidFill>
+                  <a:prstDash val="solid"/>
+                  <a:round/>
+                  <a:headEnd type="none" w="med" len="med"/>
+                  <a:tailEnd type="none" w="med" len="med"/>
+                </a:ln>
+                <a:effectLst/>
+              </p:spPr>
+            </p:cxnSp>
+            <p:cxnSp>
+              <p:nvCxnSpPr>
+                <p:cNvPr id="137" name="Straight Arrow Connector 136">
+                  <a:extLst>
+                    <a:ext uri="{FF2B5EF4-FFF2-40B4-BE49-F238E27FC236}">
+                      <a16:creationId xmlns:a16="http://schemas.microsoft.com/office/drawing/2014/main" id="{B184213E-CDCA-6345-932C-F4B426F9CE81}"/>
+                    </a:ext>
+                  </a:extLst>
+                </p:cNvPr>
+                <p:cNvCxnSpPr>
+                  <a:cxnSpLocks/>
+                </p:cNvCxnSpPr>
+                <p:nvPr/>
+              </p:nvCxnSpPr>
+              <p:spPr bwMode="auto">
+                <a:xfrm>
+                  <a:off x="10822283" y="19165594"/>
+                  <a:ext cx="1742414" cy="3033205"/>
+                </a:xfrm>
+                <a:prstGeom prst="straightConnector1">
+                  <a:avLst/>
+                </a:prstGeom>
+                <a:solidFill>
+                  <a:schemeClr val="accent1"/>
+                </a:solidFill>
+                <a:ln w="57150" cap="flat" cmpd="sng" algn="ctr">
+                  <a:solidFill>
+                    <a:schemeClr val="tx1"/>
+                  </a:solidFill>
+                  <a:prstDash val="solid"/>
+                  <a:round/>
+                  <a:headEnd type="none" w="med" len="med"/>
+                  <a:tailEnd type="none" w="med" len="med"/>
+                </a:ln>
+                <a:effectLst/>
+              </p:spPr>
+            </p:cxnSp>
+            <p:cxnSp>
+              <p:nvCxnSpPr>
+                <p:cNvPr id="138" name="Straight Arrow Connector 137">
+                  <a:extLst>
+                    <a:ext uri="{FF2B5EF4-FFF2-40B4-BE49-F238E27FC236}">
+                      <a16:creationId xmlns:a16="http://schemas.microsoft.com/office/drawing/2014/main" id="{0DCD2926-6982-854F-B524-BE435D42D452}"/>
+                    </a:ext>
+                  </a:extLst>
+                </p:cNvPr>
+                <p:cNvCxnSpPr>
+                  <a:cxnSpLocks/>
+                </p:cNvCxnSpPr>
+                <p:nvPr/>
+              </p:nvCxnSpPr>
+              <p:spPr bwMode="auto">
+                <a:xfrm>
+                  <a:off x="10956194" y="22147925"/>
+                  <a:ext cx="1608503" cy="50874"/>
+                </a:xfrm>
+                <a:prstGeom prst="straightConnector1">
+                  <a:avLst/>
+                </a:prstGeom>
+                <a:solidFill>
+                  <a:schemeClr val="accent1"/>
+                </a:solidFill>
+                <a:ln w="57150" cap="flat" cmpd="sng" algn="ctr">
+                  <a:solidFill>
+                    <a:schemeClr val="tx1"/>
+                  </a:solidFill>
+                  <a:prstDash val="solid"/>
+                  <a:round/>
+                  <a:headEnd type="none" w="med" len="med"/>
+                  <a:tailEnd type="none" w="med" len="med"/>
+                </a:ln>
+                <a:effectLst/>
+              </p:spPr>
+            </p:cxnSp>
+            <p:cxnSp>
+              <p:nvCxnSpPr>
+                <p:cNvPr id="139" name="Straight Arrow Connector 138">
+                  <a:extLst>
+                    <a:ext uri="{FF2B5EF4-FFF2-40B4-BE49-F238E27FC236}">
+                      <a16:creationId xmlns:a16="http://schemas.microsoft.com/office/drawing/2014/main" id="{3366C77B-E659-9D47-AED3-EA85CCCF48FF}"/>
+                    </a:ext>
+                  </a:extLst>
+                </p:cNvPr>
+                <p:cNvCxnSpPr>
+                  <a:cxnSpLocks/>
+                </p:cNvCxnSpPr>
+                <p:nvPr/>
+              </p:nvCxnSpPr>
+              <p:spPr bwMode="auto">
+                <a:xfrm flipV="1">
+                  <a:off x="10956194" y="22198799"/>
+                  <a:ext cx="1608503" cy="1601935"/>
+                </a:xfrm>
+                <a:prstGeom prst="straightConnector1">
+                  <a:avLst/>
+                </a:prstGeom>
+                <a:solidFill>
+                  <a:schemeClr val="accent1"/>
+                </a:solidFill>
+                <a:ln w="57150" cap="flat" cmpd="sng" algn="ctr">
+                  <a:solidFill>
+                    <a:schemeClr val="tx1"/>
+                  </a:solidFill>
+                  <a:prstDash val="solid"/>
+                  <a:round/>
+                  <a:headEnd type="none" w="med" len="med"/>
+                  <a:tailEnd type="none" w="med" len="med"/>
+                </a:ln>
+                <a:effectLst/>
+              </p:spPr>
+            </p:cxnSp>
+          </p:grpSp>
+        </p:grpSp>
+        <p:pic>
+          <p:nvPicPr>
+            <p:cNvPr id="10" name="Picture 9">
+              <a:extLst>
+                <a:ext uri="{FF2B5EF4-FFF2-40B4-BE49-F238E27FC236}">
+                  <a16:creationId xmlns:a16="http://schemas.microsoft.com/office/drawing/2014/main" id="{A54FF318-5D33-664E-89C1-6F561C0F3D39}"/>
+                </a:ext>
+              </a:extLst>
+            </p:cNvPr>
+            <p:cNvPicPr>
+              <a:picLocks noChangeAspect="1"/>
+            </p:cNvPicPr>
+            <p:nvPr/>
+          </p:nvPicPr>
+          <p:blipFill>
+            <a:blip r:embed="rId7"/>
+            <a:stretch>
+              <a:fillRect/>
+            </a:stretch>
+          </p:blipFill>
+          <p:spPr>
+            <a:xfrm>
+              <a:off x="23437173" y="22354742"/>
+              <a:ext cx="2546430" cy="1809306"/>
+            </a:xfrm>
+            <a:prstGeom prst="rect">
+              <a:avLst/>
+            </a:prstGeom>
+          </p:spPr>
+        </p:pic>
+        <p:sp>
+          <p:nvSpPr>
+            <p:cNvPr id="144" name="Rectangle 143">
+              <a:extLst>
+                <a:ext uri="{FF2B5EF4-FFF2-40B4-BE49-F238E27FC236}">
+                  <a16:creationId xmlns:a16="http://schemas.microsoft.com/office/drawing/2014/main" id="{686B73E6-B000-A042-AAF6-DE2CB7CE1E1B}"/>
+                </a:ext>
+              </a:extLst>
+            </p:cNvPr>
+            <p:cNvSpPr/>
+            <p:nvPr/>
+          </p:nvSpPr>
+          <p:spPr bwMode="auto">
+            <a:xfrm>
+              <a:off x="23406790" y="22347833"/>
+              <a:ext cx="2617569" cy="1792558"/>
+            </a:xfrm>
+            <a:prstGeom prst="rect">
+              <a:avLst/>
+            </a:prstGeom>
+            <a:noFill/>
+            <a:ln w="38100" cap="flat" cmpd="sng" algn="ctr">
+              <a:solidFill>
+                <a:schemeClr val="tx1"/>
+              </a:solidFill>
+              <a:prstDash val="solid"/>
+              <a:miter lim="800000"/>
+              <a:headEnd type="none" w="med" len="med"/>
+              <a:tailEnd type="none" w="med" len="med"/>
+            </a:ln>
+            <a:effectLst>
+              <a:outerShdw blurRad="50800" dist="38100" dir="2700000">
+                <a:srgbClr val="000000">
+                  <a:alpha val="43000"/>
+                </a:srgbClr>
+              </a:outerShdw>
+            </a:effectLst>
+          </p:spPr>
+          <p:txBody>
+            <a:bodyPr vert="horz" wrap="square" lIns="91440" tIns="45720" rIns="91440" bIns="45720" numCol="1" rtlCol="0" anchor="ctr" anchorCtr="0" compatLnSpc="1">
+              <a:prstTxWarp prst="textNoShape">
+                <a:avLst/>
+              </a:prstTxWarp>
+            </a:bodyPr>
+            <a:lstStyle/>
+            <a:p>
+              <a:pPr marL="0" marR="0" indent="0" algn="ctr" defTabSz="3762375" rtl="0" eaLnBrk="1" fontAlgn="base" latinLnBrk="0" hangingPunct="1">
+                <a:lnSpc>
+                  <a:spcPct val="100000"/>
+                </a:lnSpc>
+                <a:spcBef>
+                  <a:spcPct val="0"/>
+                </a:spcBef>
+                <a:spcAft>
+                  <a:spcPct val="0"/>
+                </a:spcAft>
+                <a:buClrTx/>
+                <a:buSzTx/>
+                <a:buFontTx/>
+                <a:buNone/>
+                <a:tabLst/>
+              </a:pPr>
+              <a:endParaRPr lang="en-US" dirty="0">
+                <a:latin typeface="Arial" pitchFamily="-110" charset="0"/>
+              </a:endParaRPr>
+            </a:p>
+          </p:txBody>
+        </p:sp>
+        <p:grpSp>
+          <p:nvGrpSpPr>
+            <p:cNvPr id="146" name="Group 145">
+              <a:extLst>
+                <a:ext uri="{FF2B5EF4-FFF2-40B4-BE49-F238E27FC236}">
+                  <a16:creationId xmlns:a16="http://schemas.microsoft.com/office/drawing/2014/main" id="{0F26BAA2-A43A-D44C-9E9B-E6FF5B2AED7F}"/>
+                </a:ext>
+              </a:extLst>
+            </p:cNvPr>
+            <p:cNvGrpSpPr/>
+            <p:nvPr/>
+          </p:nvGrpSpPr>
+          <p:grpSpPr>
+            <a:xfrm>
+              <a:off x="16472590" y="18160816"/>
+              <a:ext cx="2502089" cy="1641862"/>
+              <a:chOff x="334108" y="17379633"/>
+              <a:chExt cx="7823217" cy="7994967"/>
+            </a:xfrm>
+          </p:grpSpPr>
+          <p:pic>
+            <p:nvPicPr>
+              <p:cNvPr id="147" name="Picture 146">
+                <a:extLst>
+                  <a:ext uri="{FF2B5EF4-FFF2-40B4-BE49-F238E27FC236}">
+                    <a16:creationId xmlns:a16="http://schemas.microsoft.com/office/drawing/2014/main" id="{D43EECD7-972C-6A47-A535-50771CE9E844}"/>
+                  </a:ext>
+                </a:extLst>
+              </p:cNvPr>
+              <p:cNvPicPr>
+                <a:picLocks noChangeAspect="1"/>
+              </p:cNvPicPr>
+              <p:nvPr/>
+            </p:nvPicPr>
+            <p:blipFill>
+              <a:blip r:embed="rId5"/>
+              <a:stretch>
+                <a:fillRect/>
+              </a:stretch>
+            </p:blipFill>
+            <p:spPr>
+              <a:xfrm>
+                <a:off x="334108" y="19507200"/>
+                <a:ext cx="1342060" cy="3502512"/>
+              </a:xfrm>
+              <a:prstGeom prst="rect">
+                <a:avLst/>
+              </a:prstGeom>
+            </p:spPr>
+          </p:pic>
+          <p:pic>
+            <p:nvPicPr>
+              <p:cNvPr id="149" name="Picture 148">
+                <a:extLst>
+                  <a:ext uri="{FF2B5EF4-FFF2-40B4-BE49-F238E27FC236}">
+                    <a16:creationId xmlns:a16="http://schemas.microsoft.com/office/drawing/2014/main" id="{665ED391-01C9-1140-ADCD-16B058580531}"/>
+                  </a:ext>
+                </a:extLst>
+              </p:cNvPr>
+              <p:cNvPicPr>
+                <a:picLocks noChangeAspect="1"/>
+              </p:cNvPicPr>
+              <p:nvPr/>
+            </p:nvPicPr>
+            <p:blipFill rotWithShape="1">
+              <a:blip r:embed="rId5"/>
+              <a:srcRect t="16933" b="45178"/>
+              <a:stretch/>
+            </p:blipFill>
+            <p:spPr>
+              <a:xfrm>
+                <a:off x="2451259" y="17379633"/>
+                <a:ext cx="1342060" cy="1327066"/>
+              </a:xfrm>
+              <a:prstGeom prst="rect">
+                <a:avLst/>
+              </a:prstGeom>
+            </p:spPr>
+          </p:pic>
+          <p:pic>
+            <p:nvPicPr>
+              <p:cNvPr id="151" name="Picture 150">
+                <a:extLst>
+                  <a:ext uri="{FF2B5EF4-FFF2-40B4-BE49-F238E27FC236}">
+                    <a16:creationId xmlns:a16="http://schemas.microsoft.com/office/drawing/2014/main" id="{F0AEC92B-5996-A746-8B68-AFD16D5D8043}"/>
+                  </a:ext>
+                </a:extLst>
+              </p:cNvPr>
+              <p:cNvPicPr>
+                <a:picLocks noChangeAspect="1"/>
+              </p:cNvPicPr>
+              <p:nvPr/>
+            </p:nvPicPr>
+            <p:blipFill rotWithShape="1">
+              <a:blip r:embed="rId5"/>
+              <a:srcRect t="16933" b="45178"/>
+              <a:stretch/>
+            </p:blipFill>
+            <p:spPr>
+              <a:xfrm rot="16200000">
+                <a:off x="2451259" y="19604766"/>
+                <a:ext cx="1342060" cy="1327066"/>
+              </a:xfrm>
+              <a:prstGeom prst="rect">
+                <a:avLst/>
+              </a:prstGeom>
+            </p:spPr>
+          </p:pic>
+          <p:pic>
+            <p:nvPicPr>
+              <p:cNvPr id="152" name="Picture 151">
+                <a:extLst>
+                  <a:ext uri="{FF2B5EF4-FFF2-40B4-BE49-F238E27FC236}">
+                    <a16:creationId xmlns:a16="http://schemas.microsoft.com/office/drawing/2014/main" id="{F3464B9D-BA97-E441-B612-CD04855B2499}"/>
+                  </a:ext>
+                </a:extLst>
+              </p:cNvPr>
+              <p:cNvPicPr>
+                <a:picLocks noChangeAspect="1"/>
+              </p:cNvPicPr>
+              <p:nvPr/>
+            </p:nvPicPr>
+            <p:blipFill rotWithShape="1">
+              <a:blip r:embed="rId5"/>
+              <a:srcRect t="16933" b="45178"/>
+              <a:stretch/>
+            </p:blipFill>
+            <p:spPr>
+              <a:xfrm flipH="1">
+                <a:off x="2434578" y="21829899"/>
+                <a:ext cx="1375422" cy="1327066"/>
+              </a:xfrm>
+              <a:prstGeom prst="rect">
+                <a:avLst/>
+              </a:prstGeom>
+            </p:spPr>
+          </p:pic>
+          <p:pic>
+            <p:nvPicPr>
+              <p:cNvPr id="154" name="Picture 153">
+                <a:extLst>
+                  <a:ext uri="{FF2B5EF4-FFF2-40B4-BE49-F238E27FC236}">
+                    <a16:creationId xmlns:a16="http://schemas.microsoft.com/office/drawing/2014/main" id="{426CD974-6402-B74A-B9DB-19757A23318A}"/>
+                  </a:ext>
+                </a:extLst>
+              </p:cNvPr>
+              <p:cNvPicPr>
+                <a:picLocks noChangeAspect="1"/>
+              </p:cNvPicPr>
+              <p:nvPr/>
+            </p:nvPicPr>
+            <p:blipFill rotWithShape="1">
+              <a:blip r:embed="rId6">
+                <a:extLst>
+                  <a:ext uri="{BEBA8EAE-BF5A-486C-A8C5-ECC9F3942E4B}">
+                    <a14:imgProps xmlns:a14="http://schemas.microsoft.com/office/drawing/2010/main">
+                      <a14:imgLayer>
+                        <a14:imgEffect>
+                          <a14:sharpenSoften amount="50000"/>
+                        </a14:imgEffect>
+                        <a14:imgEffect>
+                          <a14:brightnessContrast bright="-40000" contrast="20000"/>
+                        </a14:imgEffect>
+                      </a14:imgLayer>
+                    </a14:imgProps>
+                  </a:ext>
+                </a:extLst>
+              </a:blip>
+              <a:srcRect t="16933" b="45178"/>
+              <a:stretch/>
+            </p:blipFill>
+            <p:spPr>
+              <a:xfrm>
+                <a:off x="2451259" y="24047534"/>
+                <a:ext cx="1342060" cy="1327066"/>
+              </a:xfrm>
+              <a:prstGeom prst="rect">
+                <a:avLst/>
+              </a:prstGeom>
+            </p:spPr>
+          </p:pic>
+          <p:grpSp>
+            <p:nvGrpSpPr>
+              <p:cNvPr id="155" name="Group 154">
+                <a:extLst>
+                  <a:ext uri="{FF2B5EF4-FFF2-40B4-BE49-F238E27FC236}">
+                    <a16:creationId xmlns:a16="http://schemas.microsoft.com/office/drawing/2014/main" id="{2FF1B882-7019-A149-9CD8-7E56A96F3B80}"/>
+                  </a:ext>
+                </a:extLst>
+              </p:cNvPr>
+              <p:cNvGrpSpPr/>
+              <p:nvPr/>
+            </p:nvGrpSpPr>
+            <p:grpSpPr>
+              <a:xfrm>
+                <a:off x="1651991" y="18262393"/>
+                <a:ext cx="710210" cy="6503201"/>
+                <a:chOff x="1651990" y="18262393"/>
+                <a:chExt cx="1296169" cy="6503201"/>
+              </a:xfrm>
+            </p:grpSpPr>
+            <p:cxnSp>
+              <p:nvCxnSpPr>
+                <p:cNvPr id="185" name="Straight Arrow Connector 184">
+                  <a:extLst>
+                    <a:ext uri="{FF2B5EF4-FFF2-40B4-BE49-F238E27FC236}">
+                      <a16:creationId xmlns:a16="http://schemas.microsoft.com/office/drawing/2014/main" id="{CDB0163F-0F91-6D45-B2D1-330C38689B42}"/>
+                    </a:ext>
+                  </a:extLst>
+                </p:cNvPr>
+                <p:cNvCxnSpPr>
+                  <a:cxnSpLocks/>
+                </p:cNvCxnSpPr>
+                <p:nvPr/>
+              </p:nvCxnSpPr>
+              <p:spPr bwMode="auto">
+                <a:xfrm flipV="1">
+                  <a:off x="1651990" y="20346589"/>
+                  <a:ext cx="1232288" cy="823966"/>
+                </a:xfrm>
+                <a:prstGeom prst="straightConnector1">
+                  <a:avLst/>
+                </a:prstGeom>
+                <a:solidFill>
+                  <a:schemeClr val="accent1"/>
+                </a:solidFill>
+                <a:ln w="57150" cap="flat" cmpd="sng" algn="ctr">
+                  <a:solidFill>
+                    <a:srgbClr val="FF0000"/>
+                  </a:solidFill>
+                  <a:prstDash val="solid"/>
+                  <a:round/>
+                  <a:headEnd type="none" w="med" len="med"/>
+                  <a:tailEnd type="arrow" w="med" len="med"/>
+                </a:ln>
+                <a:effectLst/>
+              </p:spPr>
+            </p:cxnSp>
+            <p:cxnSp>
+              <p:nvCxnSpPr>
+                <p:cNvPr id="187" name="Straight Arrow Connector 186">
+                  <a:extLst>
+                    <a:ext uri="{FF2B5EF4-FFF2-40B4-BE49-F238E27FC236}">
+                      <a16:creationId xmlns:a16="http://schemas.microsoft.com/office/drawing/2014/main" id="{AA3714F0-20EA-4A42-BAAD-D76ADF3A9AE2}"/>
+                    </a:ext>
+                  </a:extLst>
+                </p:cNvPr>
+                <p:cNvCxnSpPr>
+                  <a:cxnSpLocks/>
+                </p:cNvCxnSpPr>
+                <p:nvPr/>
+              </p:nvCxnSpPr>
+              <p:spPr bwMode="auto">
+                <a:xfrm flipV="1">
+                  <a:off x="1676168" y="18262393"/>
+                  <a:ext cx="1271991" cy="2908162"/>
+                </a:xfrm>
+                <a:prstGeom prst="straightConnector1">
+                  <a:avLst/>
+                </a:prstGeom>
+                <a:solidFill>
+                  <a:schemeClr val="accent1"/>
+                </a:solidFill>
+                <a:ln w="57150" cap="flat" cmpd="sng" algn="ctr">
+                  <a:solidFill>
+                    <a:srgbClr val="FF0000"/>
+                  </a:solidFill>
+                  <a:prstDash val="solid"/>
+                  <a:round/>
+                  <a:headEnd type="none" w="med" len="med"/>
+                  <a:tailEnd type="arrow" w="med" len="med"/>
+                </a:ln>
+                <a:effectLst/>
+              </p:spPr>
+            </p:cxnSp>
+            <p:cxnSp>
+              <p:nvCxnSpPr>
+                <p:cNvPr id="189" name="Straight Arrow Connector 188">
+                  <a:extLst>
+                    <a:ext uri="{FF2B5EF4-FFF2-40B4-BE49-F238E27FC236}">
+                      <a16:creationId xmlns:a16="http://schemas.microsoft.com/office/drawing/2014/main" id="{B8E59CF3-3A2C-9B4F-A013-AD07F2652049}"/>
+                    </a:ext>
+                  </a:extLst>
+                </p:cNvPr>
+                <p:cNvCxnSpPr>
+                  <a:cxnSpLocks/>
+                </p:cNvCxnSpPr>
+                <p:nvPr/>
+              </p:nvCxnSpPr>
+              <p:spPr bwMode="auto">
+                <a:xfrm>
+                  <a:off x="1651990" y="21160417"/>
+                  <a:ext cx="1091210" cy="1302978"/>
+                </a:xfrm>
+                <a:prstGeom prst="straightConnector1">
+                  <a:avLst/>
+                </a:prstGeom>
+                <a:solidFill>
+                  <a:schemeClr val="accent1"/>
+                </a:solidFill>
+                <a:ln w="57150" cap="flat" cmpd="sng" algn="ctr">
+                  <a:solidFill>
+                    <a:srgbClr val="FF0000"/>
+                  </a:solidFill>
+                  <a:prstDash val="solid"/>
+                  <a:round/>
+                  <a:headEnd type="none" w="med" len="med"/>
+                  <a:tailEnd type="arrow" w="med" len="med"/>
+                </a:ln>
+                <a:effectLst/>
+              </p:spPr>
+            </p:cxnSp>
+            <p:cxnSp>
+              <p:nvCxnSpPr>
+                <p:cNvPr id="191" name="Straight Arrow Connector 190">
+                  <a:extLst>
+                    <a:ext uri="{FF2B5EF4-FFF2-40B4-BE49-F238E27FC236}">
+                      <a16:creationId xmlns:a16="http://schemas.microsoft.com/office/drawing/2014/main" id="{5C7AB9A7-A5F1-0541-BF2E-DF9B514C2A69}"/>
+                    </a:ext>
+                  </a:extLst>
+                </p:cNvPr>
+                <p:cNvCxnSpPr>
+                  <a:cxnSpLocks/>
+                  <a:stCxn id="147" idx="3"/>
+                </p:cNvCxnSpPr>
+                <p:nvPr/>
+              </p:nvCxnSpPr>
+              <p:spPr bwMode="auto">
+                <a:xfrm>
+                  <a:off x="1676169" y="21258456"/>
+                  <a:ext cx="1067032" cy="3507138"/>
+                </a:xfrm>
+                <a:prstGeom prst="straightConnector1">
+                  <a:avLst/>
+                </a:prstGeom>
+                <a:solidFill>
+                  <a:schemeClr val="accent1"/>
+                </a:solidFill>
+                <a:ln w="57150" cap="flat" cmpd="sng" algn="ctr">
+                  <a:solidFill>
+                    <a:srgbClr val="FF0000"/>
+                  </a:solidFill>
+                  <a:prstDash val="solid"/>
+                  <a:round/>
+                  <a:headEnd type="none" w="med" len="med"/>
+                  <a:tailEnd type="arrow" w="med" len="med"/>
+                </a:ln>
+                <a:effectLst/>
+              </p:spPr>
+            </p:cxnSp>
+          </p:grpSp>
+          <p:cxnSp>
+            <p:nvCxnSpPr>
+              <p:cNvPr id="163" name="Straight Arrow Connector 162">
+                <a:extLst>
+                  <a:ext uri="{FF2B5EF4-FFF2-40B4-BE49-F238E27FC236}">
+                    <a16:creationId xmlns:a16="http://schemas.microsoft.com/office/drawing/2014/main" id="{0662BE07-6BB0-DC4A-9BA4-E5A8552336DA}"/>
+                  </a:ext>
+                </a:extLst>
+              </p:cNvPr>
+              <p:cNvCxnSpPr>
+                <a:cxnSpLocks/>
+              </p:cNvCxnSpPr>
+              <p:nvPr/>
+            </p:nvCxnSpPr>
+            <p:spPr bwMode="auto">
+              <a:xfrm flipV="1">
+                <a:off x="4550102" y="21490131"/>
+                <a:ext cx="2077150" cy="33638"/>
+              </a:xfrm>
+              <a:prstGeom prst="straightConnector1">
+                <a:avLst/>
+              </a:prstGeom>
+              <a:solidFill>
+                <a:schemeClr val="accent1"/>
+              </a:solidFill>
+              <a:ln w="57150" cap="flat" cmpd="sng" algn="ctr">
+                <a:solidFill>
+                  <a:srgbClr val="FF0000"/>
+                </a:solidFill>
+                <a:prstDash val="solid"/>
+                <a:round/>
+                <a:headEnd type="none" w="med" len="med"/>
+                <a:tailEnd type="arrow" w="med" len="med"/>
+              </a:ln>
+              <a:effectLst/>
+            </p:spPr>
+          </p:cxnSp>
+          <p:cxnSp>
+            <p:nvCxnSpPr>
+              <p:cNvPr id="165" name="Straight Arrow Connector 164">
+                <a:extLst>
+                  <a:ext uri="{FF2B5EF4-FFF2-40B4-BE49-F238E27FC236}">
+                    <a16:creationId xmlns:a16="http://schemas.microsoft.com/office/drawing/2014/main" id="{E852C649-AE35-6C4A-B0EB-341956421CFE}"/>
+                  </a:ext>
+                </a:extLst>
+              </p:cNvPr>
+              <p:cNvCxnSpPr>
+                <a:cxnSpLocks/>
+              </p:cNvCxnSpPr>
+              <p:nvPr/>
+            </p:nvCxnSpPr>
+            <p:spPr bwMode="auto">
+              <a:xfrm>
+                <a:off x="3901668" y="18323774"/>
+                <a:ext cx="648434" cy="3199995"/>
+              </a:xfrm>
+              <a:prstGeom prst="straightConnector1">
+                <a:avLst/>
+              </a:prstGeom>
+              <a:solidFill>
+                <a:schemeClr val="accent1"/>
+              </a:solidFill>
+              <a:ln w="57150" cap="flat" cmpd="sng" algn="ctr">
+                <a:solidFill>
+                  <a:srgbClr val="FF0000"/>
+                </a:solidFill>
+                <a:prstDash val="solid"/>
+                <a:round/>
+                <a:headEnd type="none" w="med" len="med"/>
+                <a:tailEnd type="none" w="med" len="med"/>
+              </a:ln>
+              <a:effectLst/>
+            </p:spPr>
+          </p:cxnSp>
+          <p:cxnSp>
+            <p:nvCxnSpPr>
+              <p:cNvPr id="169" name="Straight Arrow Connector 168">
+                <a:extLst>
+                  <a:ext uri="{FF2B5EF4-FFF2-40B4-BE49-F238E27FC236}">
+                    <a16:creationId xmlns:a16="http://schemas.microsoft.com/office/drawing/2014/main" id="{4023AB5B-2349-3645-81A4-08E4710DD541}"/>
+                  </a:ext>
+                </a:extLst>
+              </p:cNvPr>
+              <p:cNvCxnSpPr>
+                <a:cxnSpLocks/>
+              </p:cNvCxnSpPr>
+              <p:nvPr/>
+            </p:nvCxnSpPr>
+            <p:spPr bwMode="auto">
+              <a:xfrm>
+                <a:off x="3886200" y="20269200"/>
+                <a:ext cx="629441" cy="1300872"/>
+              </a:xfrm>
+              <a:prstGeom prst="straightConnector1">
+                <a:avLst/>
+              </a:prstGeom>
+              <a:solidFill>
+                <a:schemeClr val="accent1"/>
+              </a:solidFill>
+              <a:ln w="57150" cap="flat" cmpd="sng" algn="ctr">
+                <a:solidFill>
+                  <a:srgbClr val="FF0000"/>
+                </a:solidFill>
+                <a:prstDash val="solid"/>
+                <a:round/>
+                <a:headEnd type="none" w="med" len="med"/>
+                <a:tailEnd type="none" w="med" len="med"/>
+              </a:ln>
+              <a:effectLst/>
+            </p:spPr>
+          </p:cxnSp>
+          <p:cxnSp>
+            <p:nvCxnSpPr>
+              <p:cNvPr id="170" name="Straight Arrow Connector 169">
+                <a:extLst>
+                  <a:ext uri="{FF2B5EF4-FFF2-40B4-BE49-F238E27FC236}">
+                    <a16:creationId xmlns:a16="http://schemas.microsoft.com/office/drawing/2014/main" id="{6163EAB4-4E4D-4945-B2C8-BF10C28523D6}"/>
+                  </a:ext>
+                </a:extLst>
+              </p:cNvPr>
+              <p:cNvCxnSpPr>
+                <a:cxnSpLocks/>
+              </p:cNvCxnSpPr>
+              <p:nvPr/>
+            </p:nvCxnSpPr>
+            <p:spPr bwMode="auto">
+              <a:xfrm flipV="1">
+                <a:off x="3838066" y="21542424"/>
+                <a:ext cx="657734" cy="1012776"/>
+              </a:xfrm>
+              <a:prstGeom prst="straightConnector1">
+                <a:avLst/>
+              </a:prstGeom>
+              <a:solidFill>
+                <a:schemeClr val="accent1"/>
+              </a:solidFill>
+              <a:ln w="57150" cap="flat" cmpd="sng" algn="ctr">
+                <a:solidFill>
+                  <a:srgbClr val="FF0000"/>
+                </a:solidFill>
+                <a:prstDash val="solid"/>
+                <a:round/>
+                <a:headEnd type="none" w="med" len="med"/>
+                <a:tailEnd type="none" w="med" len="med"/>
+              </a:ln>
+              <a:effectLst/>
+            </p:spPr>
+          </p:cxnSp>
+          <p:cxnSp>
+            <p:nvCxnSpPr>
+              <p:cNvPr id="171" name="Straight Arrow Connector 170">
+                <a:extLst>
+                  <a:ext uri="{FF2B5EF4-FFF2-40B4-BE49-F238E27FC236}">
+                    <a16:creationId xmlns:a16="http://schemas.microsoft.com/office/drawing/2014/main" id="{4CD120A5-9A8C-F440-9CDF-99B75426D15B}"/>
+                  </a:ext>
+                </a:extLst>
+              </p:cNvPr>
+              <p:cNvCxnSpPr>
+                <a:cxnSpLocks/>
+                <a:stCxn id="154" idx="3"/>
+              </p:cNvCxnSpPr>
+              <p:nvPr/>
+            </p:nvCxnSpPr>
+            <p:spPr bwMode="auto">
+              <a:xfrm flipV="1">
+                <a:off x="3793319" y="21568059"/>
+                <a:ext cx="722322" cy="3143008"/>
+              </a:xfrm>
+              <a:prstGeom prst="straightConnector1">
+                <a:avLst/>
+              </a:prstGeom>
+              <a:solidFill>
+                <a:schemeClr val="accent1"/>
+              </a:solidFill>
+              <a:ln w="57150" cap="flat" cmpd="sng" algn="ctr">
+                <a:solidFill>
+                  <a:srgbClr val="FF0000"/>
+                </a:solidFill>
+                <a:prstDash val="solid"/>
+                <a:round/>
+                <a:headEnd type="none" w="med" len="med"/>
+                <a:tailEnd type="none" w="med" len="med"/>
+              </a:ln>
+              <a:effectLst/>
+            </p:spPr>
+          </p:cxnSp>
+          <p:pic>
+            <p:nvPicPr>
+              <p:cNvPr id="183" name="Picture 182">
+                <a:extLst>
+                  <a:ext uri="{FF2B5EF4-FFF2-40B4-BE49-F238E27FC236}">
+                    <a16:creationId xmlns:a16="http://schemas.microsoft.com/office/drawing/2014/main" id="{A5DABED0-47C7-6B40-B43F-8A1FCDE93F52}"/>
+                  </a:ext>
+                </a:extLst>
+              </p:cNvPr>
+              <p:cNvPicPr>
+                <a:picLocks noChangeAspect="1"/>
+              </p:cNvPicPr>
+              <p:nvPr/>
+            </p:nvPicPr>
+            <p:blipFill rotWithShape="1">
+              <a:blip r:embed="rId4"/>
+              <a:srcRect t="16577" b="13224"/>
+              <a:stretch/>
+            </p:blipFill>
+            <p:spPr>
+              <a:xfrm>
+                <a:off x="6631987" y="20768596"/>
+                <a:ext cx="1525338" cy="1525339"/>
+              </a:xfrm>
+              <a:prstGeom prst="rect">
+                <a:avLst/>
+              </a:prstGeom>
+            </p:spPr>
+          </p:pic>
+        </p:grpSp>
+        <p:sp>
+          <p:nvSpPr>
+            <p:cNvPr id="192" name="Rectangle 191">
+              <a:extLst>
+                <a:ext uri="{FF2B5EF4-FFF2-40B4-BE49-F238E27FC236}">
+                  <a16:creationId xmlns:a16="http://schemas.microsoft.com/office/drawing/2014/main" id="{72F41B5D-4798-6045-AE27-D35BEA47C27A}"/>
+                </a:ext>
+              </a:extLst>
+            </p:cNvPr>
+            <p:cNvSpPr/>
+            <p:nvPr/>
+          </p:nvSpPr>
+          <p:spPr bwMode="auto">
+            <a:xfrm>
+              <a:off x="16460251" y="18085216"/>
+              <a:ext cx="2617569" cy="1792558"/>
+            </a:xfrm>
+            <a:prstGeom prst="rect">
+              <a:avLst/>
+            </a:prstGeom>
+            <a:noFill/>
+            <a:ln w="38100" cap="flat" cmpd="sng" algn="ctr">
+              <a:solidFill>
+                <a:schemeClr val="tx1"/>
               </a:solidFill>
               <a:prstDash val="solid"/>
               <a:miter lim="800000"/>
@@ -7128,10 +9116,614 @@
         </p:sp>
         <p:sp>
           <p:nvSpPr>
-            <p:cNvPr id="99" name="Oval 98">
+            <p:cNvPr id="193" name="Google Shape;50;p6">
               <a:extLst>
                 <a:ext uri="{FF2B5EF4-FFF2-40B4-BE49-F238E27FC236}">
-                  <a16:creationId xmlns:a16="http://schemas.microsoft.com/office/drawing/2014/main" id="{121445BE-1B15-0C48-BEF7-E5467810A598}"/>
+                  <a16:creationId xmlns:a16="http://schemas.microsoft.com/office/drawing/2014/main" id="{52A62785-8A0B-5F46-A638-DA398812B1F0}"/>
+                </a:ext>
+              </a:extLst>
+            </p:cNvPr>
+            <p:cNvSpPr txBox="1"/>
+            <p:nvPr/>
+          </p:nvSpPr>
+          <p:spPr>
+            <a:xfrm>
+              <a:off x="15086869" y="19957245"/>
+              <a:ext cx="4549237" cy="828208"/>
+            </a:xfrm>
+            <a:prstGeom prst="rect">
+              <a:avLst/>
+            </a:prstGeom>
+            <a:noFill/>
+            <a:ln>
+              <a:noFill/>
+            </a:ln>
+          </p:spPr>
+          <p:txBody>
+            <a:bodyPr spcFirstLastPara="1" wrap="square" lIns="91425" tIns="91425" rIns="91425" bIns="91425" anchor="t" anchorCtr="0">
+              <a:noAutofit/>
+            </a:bodyPr>
+            <a:lstStyle/>
+            <a:p>
+              <a:pPr lvl="0" algn="ctr">
+                <a:spcBef>
+                  <a:spcPts val="0"/>
+                </a:spcBef>
+                <a:spcAft>
+                  <a:spcPts val="0"/>
+                </a:spcAft>
+              </a:pPr>
+              <a:r>
+                <a:rPr lang="en-US" sz="3400" b="1" dirty="0"/>
+                <a:t>Data augmentation</a:t>
+              </a:r>
+            </a:p>
+          </p:txBody>
+        </p:sp>
+        <p:sp>
+          <p:nvSpPr>
+            <p:cNvPr id="194" name="Google Shape;50;p6">
+              <a:extLst>
+                <a:ext uri="{FF2B5EF4-FFF2-40B4-BE49-F238E27FC236}">
+                  <a16:creationId xmlns:a16="http://schemas.microsoft.com/office/drawing/2014/main" id="{0CBE2400-3B81-6F4C-89CB-0872EE4EA3DE}"/>
+                </a:ext>
+              </a:extLst>
+            </p:cNvPr>
+            <p:cNvSpPr txBox="1"/>
+            <p:nvPr/>
+          </p:nvSpPr>
+          <p:spPr>
+            <a:xfrm>
+              <a:off x="15786790" y="17265450"/>
+              <a:ext cx="3937787" cy="690649"/>
+            </a:xfrm>
+            <a:prstGeom prst="rect">
+              <a:avLst/>
+            </a:prstGeom>
+            <a:noFill/>
+            <a:ln>
+              <a:noFill/>
+            </a:ln>
+          </p:spPr>
+          <p:txBody>
+            <a:bodyPr spcFirstLastPara="1" wrap="square" lIns="91425" tIns="91425" rIns="91425" bIns="91425" anchor="t" anchorCtr="0">
+              <a:noAutofit/>
+            </a:bodyPr>
+            <a:lstStyle/>
+            <a:p>
+              <a:pPr lvl="0" algn="ctr">
+                <a:spcBef>
+                  <a:spcPts val="0"/>
+                </a:spcBef>
+                <a:spcAft>
+                  <a:spcPts val="0"/>
+                </a:spcAft>
+              </a:pPr>
+              <a:r>
+                <a:rPr lang="en-US" sz="3200" i="1" dirty="0"/>
+                <a:t>Images with noise</a:t>
+              </a:r>
+            </a:p>
+          </p:txBody>
+        </p:sp>
+        <p:cxnSp>
+          <p:nvCxnSpPr>
+            <p:cNvPr id="22" name="Curved Connector 21">
+              <a:extLst>
+                <a:ext uri="{FF2B5EF4-FFF2-40B4-BE49-F238E27FC236}">
+                  <a16:creationId xmlns:a16="http://schemas.microsoft.com/office/drawing/2014/main" id="{221A3ECC-05FD-D347-BB02-330F9DF32E8B}"/>
+                </a:ext>
+              </a:extLst>
+            </p:cNvPr>
+            <p:cNvCxnSpPr>
+              <a:cxnSpLocks/>
+              <a:stCxn id="192" idx="3"/>
+              <a:endCxn id="8" idx="1"/>
+            </p:cNvCxnSpPr>
+            <p:nvPr/>
+          </p:nvCxnSpPr>
+          <p:spPr bwMode="auto">
+            <a:xfrm>
+              <a:off x="19077820" y="18981495"/>
+              <a:ext cx="823770" cy="1645920"/>
+            </a:xfrm>
+            <a:prstGeom prst="curvedConnector3">
+              <a:avLst/>
+            </a:prstGeom>
+            <a:solidFill>
+              <a:schemeClr val="accent1"/>
+            </a:solidFill>
+            <a:ln w="57150" cap="flat" cmpd="sng" algn="ctr">
+              <a:solidFill>
+                <a:srgbClr val="0070C0"/>
+              </a:solidFill>
+              <a:prstDash val="solid"/>
+              <a:round/>
+              <a:headEnd type="none" w="med" len="med"/>
+              <a:tailEnd type="arrow" w="med" len="med"/>
+            </a:ln>
+            <a:effectLst/>
+          </p:spPr>
+        </p:cxnSp>
+        <p:cxnSp>
+          <p:nvCxnSpPr>
+            <p:cNvPr id="195" name="Curved Connector 194">
+              <a:extLst>
+                <a:ext uri="{FF2B5EF4-FFF2-40B4-BE49-F238E27FC236}">
+                  <a16:creationId xmlns:a16="http://schemas.microsoft.com/office/drawing/2014/main" id="{730EE097-A947-5741-A89E-585BF1CC41C2}"/>
+                </a:ext>
+              </a:extLst>
+            </p:cNvPr>
+            <p:cNvCxnSpPr>
+              <a:cxnSpLocks/>
+            </p:cNvCxnSpPr>
+            <p:nvPr/>
+          </p:nvCxnSpPr>
+          <p:spPr bwMode="auto">
+            <a:xfrm>
+              <a:off x="22550837" y="21638542"/>
+              <a:ext cx="823770" cy="1645920"/>
+            </a:xfrm>
+            <a:prstGeom prst="curvedConnector3">
+              <a:avLst/>
+            </a:prstGeom>
+            <a:solidFill>
+              <a:schemeClr val="accent1"/>
+            </a:solidFill>
+            <a:ln w="57150" cap="flat" cmpd="sng" algn="ctr">
+              <a:solidFill>
+                <a:schemeClr val="tx1"/>
+              </a:solidFill>
+              <a:prstDash val="solid"/>
+              <a:round/>
+              <a:headEnd type="none" w="med" len="med"/>
+              <a:tailEnd type="arrow" w="med" len="med"/>
+            </a:ln>
+            <a:effectLst/>
+          </p:spPr>
+        </p:cxnSp>
+        <p:cxnSp>
+          <p:nvCxnSpPr>
+            <p:cNvPr id="196" name="Curved Connector 195">
+              <a:extLst>
+                <a:ext uri="{FF2B5EF4-FFF2-40B4-BE49-F238E27FC236}">
+                  <a16:creationId xmlns:a16="http://schemas.microsoft.com/office/drawing/2014/main" id="{90DA5EA2-B7E8-4B42-A990-7440893337B4}"/>
+                </a:ext>
+              </a:extLst>
+            </p:cNvPr>
+            <p:cNvCxnSpPr>
+              <a:cxnSpLocks/>
+              <a:stCxn id="8" idx="3"/>
+            </p:cNvCxnSpPr>
+            <p:nvPr/>
+          </p:nvCxnSpPr>
+          <p:spPr bwMode="auto">
+            <a:xfrm flipV="1">
+              <a:off x="22519159" y="18926985"/>
+              <a:ext cx="990180" cy="1645920"/>
+            </a:xfrm>
+            <a:prstGeom prst="curvedConnector3">
+              <a:avLst/>
+            </a:prstGeom>
+            <a:solidFill>
+              <a:schemeClr val="accent1"/>
+            </a:solidFill>
+            <a:ln w="57150" cap="flat" cmpd="sng" algn="ctr">
+              <a:solidFill>
+                <a:srgbClr val="0070C0"/>
+              </a:solidFill>
+              <a:prstDash val="solid"/>
+              <a:round/>
+              <a:headEnd type="none" w="med" len="med"/>
+              <a:tailEnd type="arrow" w="med" len="med"/>
+            </a:ln>
+            <a:effectLst/>
+          </p:spPr>
+        </p:cxnSp>
+        <p:sp>
+          <p:nvSpPr>
+            <p:cNvPr id="203" name="Google Shape;50;p6">
+              <a:extLst>
+                <a:ext uri="{FF2B5EF4-FFF2-40B4-BE49-F238E27FC236}">
+                  <a16:creationId xmlns:a16="http://schemas.microsoft.com/office/drawing/2014/main" id="{17A0C9B2-3FA9-EF4A-A1BE-5130B06D8F9E}"/>
+                </a:ext>
+              </a:extLst>
+            </p:cNvPr>
+            <p:cNvSpPr txBox="1"/>
+            <p:nvPr/>
+          </p:nvSpPr>
+          <p:spPr>
+            <a:xfrm>
+              <a:off x="22597551" y="17256993"/>
+              <a:ext cx="4529649" cy="690649"/>
+            </a:xfrm>
+            <a:prstGeom prst="rect">
+              <a:avLst/>
+            </a:prstGeom>
+            <a:noFill/>
+            <a:ln>
+              <a:noFill/>
+            </a:ln>
+          </p:spPr>
+          <p:txBody>
+            <a:bodyPr spcFirstLastPara="1" wrap="square" lIns="91425" tIns="91425" rIns="91425" bIns="91425" anchor="t" anchorCtr="0">
+              <a:noAutofit/>
+            </a:bodyPr>
+            <a:lstStyle/>
+            <a:p>
+              <a:pPr lvl="0" algn="ctr">
+                <a:spcBef>
+                  <a:spcPts val="0"/>
+                </a:spcBef>
+                <a:spcAft>
+                  <a:spcPts val="0"/>
+                </a:spcAft>
+              </a:pPr>
+              <a:r>
+                <a:rPr lang="en-US" sz="3200" i="1" dirty="0"/>
+                <a:t>Images without noise</a:t>
+              </a:r>
+            </a:p>
+          </p:txBody>
+        </p:sp>
+        <p:grpSp>
+          <p:nvGrpSpPr>
+            <p:cNvPr id="205" name="Group 204">
+              <a:extLst>
+                <a:ext uri="{FF2B5EF4-FFF2-40B4-BE49-F238E27FC236}">
+                  <a16:creationId xmlns:a16="http://schemas.microsoft.com/office/drawing/2014/main" id="{B103B722-B162-CF47-BFE1-AB7CC1251C02}"/>
+                </a:ext>
+              </a:extLst>
+            </p:cNvPr>
+            <p:cNvGrpSpPr/>
+            <p:nvPr/>
+          </p:nvGrpSpPr>
+          <p:grpSpPr>
+            <a:xfrm>
+              <a:off x="24115794" y="18195681"/>
+              <a:ext cx="1111690" cy="1641862"/>
+              <a:chOff x="334108" y="17379633"/>
+              <a:chExt cx="3475892" cy="7994967"/>
+            </a:xfrm>
+          </p:grpSpPr>
+          <p:pic>
+            <p:nvPicPr>
+              <p:cNvPr id="206" name="Picture 205">
+                <a:extLst>
+                  <a:ext uri="{FF2B5EF4-FFF2-40B4-BE49-F238E27FC236}">
+                    <a16:creationId xmlns:a16="http://schemas.microsoft.com/office/drawing/2014/main" id="{0B7D6E9C-9C9E-664D-A0ED-92F0303B93D7}"/>
+                  </a:ext>
+                </a:extLst>
+              </p:cNvPr>
+              <p:cNvPicPr>
+                <a:picLocks noChangeAspect="1"/>
+              </p:cNvPicPr>
+              <p:nvPr/>
+            </p:nvPicPr>
+            <p:blipFill>
+              <a:blip r:embed="rId5"/>
+              <a:stretch>
+                <a:fillRect/>
+              </a:stretch>
+            </p:blipFill>
+            <p:spPr>
+              <a:xfrm>
+                <a:off x="334108" y="19507200"/>
+                <a:ext cx="1342060" cy="3502512"/>
+              </a:xfrm>
+              <a:prstGeom prst="rect">
+                <a:avLst/>
+              </a:prstGeom>
+            </p:spPr>
+          </p:pic>
+          <p:pic>
+            <p:nvPicPr>
+              <p:cNvPr id="207" name="Picture 206">
+                <a:extLst>
+                  <a:ext uri="{FF2B5EF4-FFF2-40B4-BE49-F238E27FC236}">
+                    <a16:creationId xmlns:a16="http://schemas.microsoft.com/office/drawing/2014/main" id="{CC7B2163-7EC0-134C-99C6-BF33D06071C1}"/>
+                  </a:ext>
+                </a:extLst>
+              </p:cNvPr>
+              <p:cNvPicPr>
+                <a:picLocks noChangeAspect="1"/>
+              </p:cNvPicPr>
+              <p:nvPr/>
+            </p:nvPicPr>
+            <p:blipFill rotWithShape="1">
+              <a:blip r:embed="rId5"/>
+              <a:srcRect t="16933" b="45178"/>
+              <a:stretch/>
+            </p:blipFill>
+            <p:spPr>
+              <a:xfrm>
+                <a:off x="2451259" y="17379633"/>
+                <a:ext cx="1342060" cy="1327066"/>
+              </a:xfrm>
+              <a:prstGeom prst="rect">
+                <a:avLst/>
+              </a:prstGeom>
+            </p:spPr>
+          </p:pic>
+          <p:pic>
+            <p:nvPicPr>
+              <p:cNvPr id="208" name="Picture 207">
+                <a:extLst>
+                  <a:ext uri="{FF2B5EF4-FFF2-40B4-BE49-F238E27FC236}">
+                    <a16:creationId xmlns:a16="http://schemas.microsoft.com/office/drawing/2014/main" id="{C9B29518-BC69-3545-AD00-B46263BA569C}"/>
+                  </a:ext>
+                </a:extLst>
+              </p:cNvPr>
+              <p:cNvPicPr>
+                <a:picLocks noChangeAspect="1"/>
+              </p:cNvPicPr>
+              <p:nvPr/>
+            </p:nvPicPr>
+            <p:blipFill rotWithShape="1">
+              <a:blip r:embed="rId5"/>
+              <a:srcRect t="16933" b="45178"/>
+              <a:stretch/>
+            </p:blipFill>
+            <p:spPr>
+              <a:xfrm rot="16200000">
+                <a:off x="2451259" y="19604766"/>
+                <a:ext cx="1342060" cy="1327066"/>
+              </a:xfrm>
+              <a:prstGeom prst="rect">
+                <a:avLst/>
+              </a:prstGeom>
+            </p:spPr>
+          </p:pic>
+          <p:pic>
+            <p:nvPicPr>
+              <p:cNvPr id="211" name="Picture 210">
+                <a:extLst>
+                  <a:ext uri="{FF2B5EF4-FFF2-40B4-BE49-F238E27FC236}">
+                    <a16:creationId xmlns:a16="http://schemas.microsoft.com/office/drawing/2014/main" id="{869E1EAB-0D97-684D-9CB0-B1D12212F315}"/>
+                  </a:ext>
+                </a:extLst>
+              </p:cNvPr>
+              <p:cNvPicPr>
+                <a:picLocks noChangeAspect="1"/>
+              </p:cNvPicPr>
+              <p:nvPr/>
+            </p:nvPicPr>
+            <p:blipFill rotWithShape="1">
+              <a:blip r:embed="rId5"/>
+              <a:srcRect t="16933" b="45178"/>
+              <a:stretch/>
+            </p:blipFill>
+            <p:spPr>
+              <a:xfrm flipH="1">
+                <a:off x="2434578" y="21829899"/>
+                <a:ext cx="1375422" cy="1327066"/>
+              </a:xfrm>
+              <a:prstGeom prst="rect">
+                <a:avLst/>
+              </a:prstGeom>
+            </p:spPr>
+          </p:pic>
+          <p:pic>
+            <p:nvPicPr>
+              <p:cNvPr id="213" name="Picture 212">
+                <a:extLst>
+                  <a:ext uri="{FF2B5EF4-FFF2-40B4-BE49-F238E27FC236}">
+                    <a16:creationId xmlns:a16="http://schemas.microsoft.com/office/drawing/2014/main" id="{A9D0D947-013B-B14D-BEBC-1CE64C500899}"/>
+                  </a:ext>
+                </a:extLst>
+              </p:cNvPr>
+              <p:cNvPicPr>
+                <a:picLocks noChangeAspect="1"/>
+              </p:cNvPicPr>
+              <p:nvPr/>
+            </p:nvPicPr>
+            <p:blipFill rotWithShape="1">
+              <a:blip r:embed="rId6">
+                <a:extLst>
+                  <a:ext uri="{BEBA8EAE-BF5A-486C-A8C5-ECC9F3942E4B}">
+                    <a14:imgProps xmlns:a14="http://schemas.microsoft.com/office/drawing/2010/main">
+                      <a14:imgLayer>
+                        <a14:imgEffect>
+                          <a14:sharpenSoften amount="50000"/>
+                        </a14:imgEffect>
+                        <a14:imgEffect>
+                          <a14:brightnessContrast bright="-40000" contrast="20000"/>
+                        </a14:imgEffect>
+                      </a14:imgLayer>
+                    </a14:imgProps>
+                  </a:ext>
+                </a:extLst>
+              </a:blip>
+              <a:srcRect t="16933" b="45178"/>
+              <a:stretch/>
+            </p:blipFill>
+            <p:spPr>
+              <a:xfrm>
+                <a:off x="2451259" y="24047534"/>
+                <a:ext cx="1342060" cy="1327066"/>
+              </a:xfrm>
+              <a:prstGeom prst="rect">
+                <a:avLst/>
+              </a:prstGeom>
+            </p:spPr>
+          </p:pic>
+          <p:grpSp>
+            <p:nvGrpSpPr>
+              <p:cNvPr id="224" name="Group 223">
+                <a:extLst>
+                  <a:ext uri="{FF2B5EF4-FFF2-40B4-BE49-F238E27FC236}">
+                    <a16:creationId xmlns:a16="http://schemas.microsoft.com/office/drawing/2014/main" id="{9EED4796-A085-1E49-996C-E2A885ECF636}"/>
+                  </a:ext>
+                </a:extLst>
+              </p:cNvPr>
+              <p:cNvGrpSpPr/>
+              <p:nvPr/>
+            </p:nvGrpSpPr>
+            <p:grpSpPr>
+              <a:xfrm>
+                <a:off x="1651991" y="18262393"/>
+                <a:ext cx="710210" cy="6503201"/>
+                <a:chOff x="1651990" y="18262393"/>
+                <a:chExt cx="1296169" cy="6503201"/>
+              </a:xfrm>
+            </p:grpSpPr>
+            <p:cxnSp>
+              <p:nvCxnSpPr>
+                <p:cNvPr id="231" name="Straight Arrow Connector 230">
+                  <a:extLst>
+                    <a:ext uri="{FF2B5EF4-FFF2-40B4-BE49-F238E27FC236}">
+                      <a16:creationId xmlns:a16="http://schemas.microsoft.com/office/drawing/2014/main" id="{C24D40AB-CBB4-0C41-82DD-2E3DB7E638FD}"/>
+                    </a:ext>
+                  </a:extLst>
+                </p:cNvPr>
+                <p:cNvCxnSpPr>
+                  <a:cxnSpLocks/>
+                </p:cNvCxnSpPr>
+                <p:nvPr/>
+              </p:nvCxnSpPr>
+              <p:spPr bwMode="auto">
+                <a:xfrm flipV="1">
+                  <a:off x="1651990" y="20346589"/>
+                  <a:ext cx="1232288" cy="823966"/>
+                </a:xfrm>
+                <a:prstGeom prst="straightConnector1">
+                  <a:avLst/>
+                </a:prstGeom>
+                <a:solidFill>
+                  <a:schemeClr val="accent1"/>
+                </a:solidFill>
+                <a:ln w="57150" cap="flat" cmpd="sng" algn="ctr">
+                  <a:solidFill>
+                    <a:srgbClr val="FF0000"/>
+                  </a:solidFill>
+                  <a:prstDash val="solid"/>
+                  <a:round/>
+                  <a:headEnd type="none" w="med" len="med"/>
+                  <a:tailEnd type="arrow" w="med" len="med"/>
+                </a:ln>
+                <a:effectLst/>
+              </p:spPr>
+            </p:cxnSp>
+            <p:cxnSp>
+              <p:nvCxnSpPr>
+                <p:cNvPr id="232" name="Straight Arrow Connector 231">
+                  <a:extLst>
+                    <a:ext uri="{FF2B5EF4-FFF2-40B4-BE49-F238E27FC236}">
+                      <a16:creationId xmlns:a16="http://schemas.microsoft.com/office/drawing/2014/main" id="{6FF5D8C0-295C-2F4C-AA32-FF28489679C0}"/>
+                    </a:ext>
+                  </a:extLst>
+                </p:cNvPr>
+                <p:cNvCxnSpPr>
+                  <a:cxnSpLocks/>
+                </p:cNvCxnSpPr>
+                <p:nvPr/>
+              </p:nvCxnSpPr>
+              <p:spPr bwMode="auto">
+                <a:xfrm flipV="1">
+                  <a:off x="1676168" y="18262393"/>
+                  <a:ext cx="1271991" cy="2908162"/>
+                </a:xfrm>
+                <a:prstGeom prst="straightConnector1">
+                  <a:avLst/>
+                </a:prstGeom>
+                <a:solidFill>
+                  <a:schemeClr val="accent1"/>
+                </a:solidFill>
+                <a:ln w="57150" cap="flat" cmpd="sng" algn="ctr">
+                  <a:solidFill>
+                    <a:srgbClr val="FF0000"/>
+                  </a:solidFill>
+                  <a:prstDash val="solid"/>
+                  <a:round/>
+                  <a:headEnd type="none" w="med" len="med"/>
+                  <a:tailEnd type="arrow" w="med" len="med"/>
+                </a:ln>
+                <a:effectLst/>
+              </p:spPr>
+            </p:cxnSp>
+            <p:cxnSp>
+              <p:nvCxnSpPr>
+                <p:cNvPr id="233" name="Straight Arrow Connector 232">
+                  <a:extLst>
+                    <a:ext uri="{FF2B5EF4-FFF2-40B4-BE49-F238E27FC236}">
+                      <a16:creationId xmlns:a16="http://schemas.microsoft.com/office/drawing/2014/main" id="{09CE0708-F1FC-F545-A3FB-DA20429A2CAC}"/>
+                    </a:ext>
+                  </a:extLst>
+                </p:cNvPr>
+                <p:cNvCxnSpPr>
+                  <a:cxnSpLocks/>
+                </p:cNvCxnSpPr>
+                <p:nvPr/>
+              </p:nvCxnSpPr>
+              <p:spPr bwMode="auto">
+                <a:xfrm>
+                  <a:off x="1651990" y="21160417"/>
+                  <a:ext cx="1091210" cy="1302978"/>
+                </a:xfrm>
+                <a:prstGeom prst="straightConnector1">
+                  <a:avLst/>
+                </a:prstGeom>
+                <a:solidFill>
+                  <a:schemeClr val="accent1"/>
+                </a:solidFill>
+                <a:ln w="57150" cap="flat" cmpd="sng" algn="ctr">
+                  <a:solidFill>
+                    <a:srgbClr val="FF0000"/>
+                  </a:solidFill>
+                  <a:prstDash val="solid"/>
+                  <a:round/>
+                  <a:headEnd type="none" w="med" len="med"/>
+                  <a:tailEnd type="arrow" w="med" len="med"/>
+                </a:ln>
+                <a:effectLst/>
+              </p:spPr>
+            </p:cxnSp>
+            <p:cxnSp>
+              <p:nvCxnSpPr>
+                <p:cNvPr id="234" name="Straight Arrow Connector 233">
+                  <a:extLst>
+                    <a:ext uri="{FF2B5EF4-FFF2-40B4-BE49-F238E27FC236}">
+                      <a16:creationId xmlns:a16="http://schemas.microsoft.com/office/drawing/2014/main" id="{4AA71D28-BBB7-E24A-8251-C41B7E1F49BE}"/>
+                    </a:ext>
+                  </a:extLst>
+                </p:cNvPr>
+                <p:cNvCxnSpPr>
+                  <a:cxnSpLocks/>
+                  <a:stCxn id="206" idx="3"/>
+                </p:cNvCxnSpPr>
+                <p:nvPr/>
+              </p:nvCxnSpPr>
+              <p:spPr bwMode="auto">
+                <a:xfrm>
+                  <a:off x="1676169" y="21258456"/>
+                  <a:ext cx="1067032" cy="3507138"/>
+                </a:xfrm>
+                <a:prstGeom prst="straightConnector1">
+                  <a:avLst/>
+                </a:prstGeom>
+                <a:solidFill>
+                  <a:schemeClr val="accent1"/>
+                </a:solidFill>
+                <a:ln w="57150" cap="flat" cmpd="sng" algn="ctr">
+                  <a:solidFill>
+                    <a:srgbClr val="FF0000"/>
+                  </a:solidFill>
+                  <a:prstDash val="solid"/>
+                  <a:round/>
+                  <a:headEnd type="none" w="med" len="med"/>
+                  <a:tailEnd type="arrow" w="med" len="med"/>
+                </a:ln>
+                <a:effectLst/>
+              </p:spPr>
+            </p:cxnSp>
+          </p:grpSp>
+        </p:grpSp>
+        <p:sp>
+          <p:nvSpPr>
+            <p:cNvPr id="235" name="Rectangle 234">
+              <a:extLst>
+                <a:ext uri="{FF2B5EF4-FFF2-40B4-BE49-F238E27FC236}">
+                  <a16:creationId xmlns:a16="http://schemas.microsoft.com/office/drawing/2014/main" id="{D1A012AA-316C-E646-A8DA-1E9A22DDEDF2}"/>
                 </a:ext>
               </a:extLst>
             </p:cNvPr>
@@ -7140,18 +9732,16 @@
           </p:nvSpPr>
           <p:spPr bwMode="auto">
             <a:xfrm>
-              <a:off x="19019520" y="20319753"/>
-              <a:ext cx="914400" cy="914400"/>
+              <a:off x="23528948" y="18120081"/>
+              <a:ext cx="2617569" cy="1792558"/>
             </a:xfrm>
-            <a:prstGeom prst="ellipse">
+            <a:prstGeom prst="rect">
               <a:avLst/>
             </a:prstGeom>
-            <a:solidFill>
-              <a:srgbClr val="00B050"/>
-            </a:solidFill>
-            <a:ln w="76200" cap="flat" cmpd="sng" algn="ctr">
+            <a:noFill/>
+            <a:ln w="38100" cap="flat" cmpd="sng" algn="ctr">
               <a:solidFill>
-                <a:srgbClr val="00B050"/>
+                <a:schemeClr val="tx1"/>
               </a:solidFill>
               <a:prstDash val="solid"/>
               <a:miter lim="800000"/>
@@ -7198,10 +9788,204 @@
         </p:sp>
         <p:sp>
           <p:nvSpPr>
-            <p:cNvPr id="100" name="Oval 99">
+            <p:cNvPr id="238" name="Google Shape;50;p6">
               <a:extLst>
                 <a:ext uri="{FF2B5EF4-FFF2-40B4-BE49-F238E27FC236}">
-                  <a16:creationId xmlns:a16="http://schemas.microsoft.com/office/drawing/2014/main" id="{033ECC3C-C110-BF47-966E-02BD199699F4}"/>
+                  <a16:creationId xmlns:a16="http://schemas.microsoft.com/office/drawing/2014/main" id="{07AFAD25-E79B-FF49-902E-2D261E1ACACA}"/>
+                </a:ext>
+              </a:extLst>
+            </p:cNvPr>
+            <p:cNvSpPr txBox="1"/>
+            <p:nvPr/>
+          </p:nvSpPr>
+          <p:spPr>
+            <a:xfrm>
+              <a:off x="23619809" y="21541378"/>
+              <a:ext cx="2146908" cy="690649"/>
+            </a:xfrm>
+            <a:prstGeom prst="rect">
+              <a:avLst/>
+            </a:prstGeom>
+            <a:noFill/>
+            <a:ln>
+              <a:noFill/>
+            </a:ln>
+          </p:spPr>
+          <p:txBody>
+            <a:bodyPr spcFirstLastPara="1" wrap="square" lIns="91425" tIns="91425" rIns="91425" bIns="91425" anchor="t" anchorCtr="0">
+              <a:noAutofit/>
+            </a:bodyPr>
+            <a:lstStyle/>
+            <a:p>
+              <a:pPr lvl="0" algn="ctr">
+                <a:spcBef>
+                  <a:spcPts val="0"/>
+                </a:spcBef>
+                <a:spcAft>
+                  <a:spcPts val="0"/>
+                </a:spcAft>
+              </a:pPr>
+              <a:r>
+                <a:rPr lang="en-US" sz="3400" b="1" i="1" dirty="0"/>
+                <a:t>KNN</a:t>
+              </a:r>
+            </a:p>
+          </p:txBody>
+        </p:sp>
+        <p:cxnSp>
+          <p:nvCxnSpPr>
+            <p:cNvPr id="239" name="Straight Arrow Connector 238">
+              <a:extLst>
+                <a:ext uri="{FF2B5EF4-FFF2-40B4-BE49-F238E27FC236}">
+                  <a16:creationId xmlns:a16="http://schemas.microsoft.com/office/drawing/2014/main" id="{114D7081-482C-AE46-B5BD-E6C64F5B2277}"/>
+                </a:ext>
+              </a:extLst>
+            </p:cNvPr>
+            <p:cNvCxnSpPr>
+              <a:cxnSpLocks/>
+            </p:cNvCxnSpPr>
+            <p:nvPr/>
+          </p:nvCxnSpPr>
+          <p:spPr bwMode="auto">
+            <a:xfrm>
+              <a:off x="26069451" y="23318355"/>
+              <a:ext cx="546749" cy="0"/>
+            </a:xfrm>
+            <a:prstGeom prst="straightConnector1">
+              <a:avLst/>
+            </a:prstGeom>
+            <a:solidFill>
+              <a:schemeClr val="accent1"/>
+            </a:solidFill>
+            <a:ln w="57150" cap="flat" cmpd="sng" algn="ctr">
+              <a:solidFill>
+                <a:schemeClr val="tx1"/>
+              </a:solidFill>
+              <a:prstDash val="solid"/>
+              <a:round/>
+              <a:headEnd type="none" w="med" len="med"/>
+              <a:tailEnd type="arrow" w="med" len="med"/>
+            </a:ln>
+            <a:effectLst/>
+          </p:spPr>
+        </p:cxnSp>
+        <p:grpSp>
+          <p:nvGrpSpPr>
+            <p:cNvPr id="36" name="Group 35">
+              <a:extLst>
+                <a:ext uri="{FF2B5EF4-FFF2-40B4-BE49-F238E27FC236}">
+                  <a16:creationId xmlns:a16="http://schemas.microsoft.com/office/drawing/2014/main" id="{8534EE85-182A-1642-B290-46FB70BC76C4}"/>
+                </a:ext>
+              </a:extLst>
+            </p:cNvPr>
+            <p:cNvGrpSpPr/>
+            <p:nvPr/>
+          </p:nvGrpSpPr>
+          <p:grpSpPr>
+            <a:xfrm>
+              <a:off x="16547723" y="22676246"/>
+              <a:ext cx="2464272" cy="1223179"/>
+              <a:chOff x="17938611" y="22303628"/>
+              <a:chExt cx="3176755" cy="1271180"/>
+            </a:xfrm>
+          </p:grpSpPr>
+          <p:pic>
+            <p:nvPicPr>
+              <p:cNvPr id="236" name="Picture 235">
+                <a:extLst>
+                  <a:ext uri="{FF2B5EF4-FFF2-40B4-BE49-F238E27FC236}">
+                    <a16:creationId xmlns:a16="http://schemas.microsoft.com/office/drawing/2014/main" id="{5F225F40-8AC3-C74F-BCEB-8B0DEB58C30B}"/>
+                  </a:ext>
+                </a:extLst>
+              </p:cNvPr>
+              <p:cNvPicPr>
+                <a:picLocks noChangeAspect="1"/>
+              </p:cNvPicPr>
+              <p:nvPr/>
+            </p:nvPicPr>
+            <p:blipFill>
+              <a:blip r:embed="rId4"/>
+              <a:stretch>
+                <a:fillRect/>
+              </a:stretch>
+            </p:blipFill>
+            <p:spPr>
+              <a:xfrm>
+                <a:off x="17938611" y="22304415"/>
+                <a:ext cx="891799" cy="1270393"/>
+              </a:xfrm>
+              <a:prstGeom prst="rect">
+                <a:avLst/>
+              </a:prstGeom>
+            </p:spPr>
+          </p:pic>
+          <p:pic>
+            <p:nvPicPr>
+              <p:cNvPr id="30" name="Picture 29">
+                <a:extLst>
+                  <a:ext uri="{FF2B5EF4-FFF2-40B4-BE49-F238E27FC236}">
+                    <a16:creationId xmlns:a16="http://schemas.microsoft.com/office/drawing/2014/main" id="{34C623F9-C124-5F40-81D0-5273AC8948DE}"/>
+                  </a:ext>
+                </a:extLst>
+              </p:cNvPr>
+              <p:cNvPicPr>
+                <a:picLocks noChangeAspect="1"/>
+              </p:cNvPicPr>
+              <p:nvPr/>
+            </p:nvPicPr>
+            <p:blipFill>
+              <a:blip r:embed="rId8"/>
+              <a:stretch>
+                <a:fillRect/>
+              </a:stretch>
+            </p:blipFill>
+            <p:spPr>
+              <a:xfrm>
+                <a:off x="19086890" y="22306961"/>
+                <a:ext cx="884422" cy="1265299"/>
+              </a:xfrm>
+              <a:prstGeom prst="rect">
+                <a:avLst/>
+              </a:prstGeom>
+            </p:spPr>
+          </p:pic>
+          <p:pic>
+            <p:nvPicPr>
+              <p:cNvPr id="32" name="Picture 31">
+                <a:extLst>
+                  <a:ext uri="{FF2B5EF4-FFF2-40B4-BE49-F238E27FC236}">
+                    <a16:creationId xmlns:a16="http://schemas.microsoft.com/office/drawing/2014/main" id="{C33E620D-6DDE-3B4E-AF89-BCCF222BCAAC}"/>
+                  </a:ext>
+                </a:extLst>
+              </p:cNvPr>
+              <p:cNvPicPr>
+                <a:picLocks noChangeAspect="1"/>
+              </p:cNvPicPr>
+              <p:nvPr/>
+            </p:nvPicPr>
+            <p:blipFill>
+              <a:blip r:embed="rId9"/>
+              <a:stretch>
+                <a:fillRect/>
+              </a:stretch>
+            </p:blipFill>
+            <p:spPr>
+              <a:xfrm>
+                <a:off x="20266010" y="22303628"/>
+                <a:ext cx="849356" cy="1265707"/>
+              </a:xfrm>
+              <a:prstGeom prst="rect">
+                <a:avLst/>
+              </a:prstGeom>
+            </p:spPr>
+          </p:pic>
+        </p:grpSp>
+        <p:sp>
+          <p:nvSpPr>
+            <p:cNvPr id="241" name="Rectangle 240">
+              <a:extLst>
+                <a:ext uri="{FF2B5EF4-FFF2-40B4-BE49-F238E27FC236}">
+                  <a16:creationId xmlns:a16="http://schemas.microsoft.com/office/drawing/2014/main" id="{09FCDB36-64FD-E341-AC5B-D600EC3B976C}"/>
                 </a:ext>
               </a:extLst>
             </p:cNvPr>
@@ -7210,18 +9994,241 @@
           </p:nvSpPr>
           <p:spPr bwMode="auto">
             <a:xfrm>
-              <a:off x="19019520" y="18666943"/>
-              <a:ext cx="914400" cy="914400"/>
+              <a:off x="16472590" y="22385340"/>
+              <a:ext cx="2617569" cy="1792558"/>
             </a:xfrm>
-            <a:prstGeom prst="ellipse">
+            <a:prstGeom prst="rect">
               <a:avLst/>
             </a:prstGeom>
+            <a:noFill/>
+            <a:ln w="38100" cap="flat" cmpd="sng" algn="ctr">
+              <a:solidFill>
+                <a:schemeClr val="tx1"/>
+              </a:solidFill>
+              <a:prstDash val="solid"/>
+              <a:miter lim="800000"/>
+              <a:headEnd type="none" w="med" len="med"/>
+              <a:tailEnd type="none" w="med" len="med"/>
+            </a:ln>
+            <a:effectLst>
+              <a:outerShdw blurRad="50800" dist="38100" dir="2700000">
+                <a:srgbClr val="000000">
+                  <a:alpha val="43000"/>
+                </a:srgbClr>
+              </a:outerShdw>
+            </a:effectLst>
+          </p:spPr>
+          <p:txBody>
+            <a:bodyPr vert="horz" wrap="square" lIns="91440" tIns="45720" rIns="91440" bIns="45720" numCol="1" rtlCol="0" anchor="ctr" anchorCtr="0" compatLnSpc="1">
+              <a:prstTxWarp prst="textNoShape">
+                <a:avLst/>
+              </a:prstTxWarp>
+            </a:bodyPr>
+            <a:lstStyle/>
+            <a:p>
+              <a:pPr marL="0" marR="0" indent="0" algn="ctr" defTabSz="3762375" rtl="0" eaLnBrk="1" fontAlgn="base" latinLnBrk="0" hangingPunct="1">
+                <a:lnSpc>
+                  <a:spcPct val="100000"/>
+                </a:lnSpc>
+                <a:spcBef>
+                  <a:spcPct val="0"/>
+                </a:spcBef>
+                <a:spcAft>
+                  <a:spcPct val="0"/>
+                </a:spcAft>
+                <a:buClrTx/>
+                <a:buSzTx/>
+                <a:buFontTx/>
+                <a:buNone/>
+                <a:tabLst/>
+              </a:pPr>
+              <a:endParaRPr lang="en-US" dirty="0">
+                <a:latin typeface="Arial" pitchFamily="-110" charset="0"/>
+              </a:endParaRPr>
+            </a:p>
+          </p:txBody>
+        </p:sp>
+        <p:cxnSp>
+          <p:nvCxnSpPr>
+            <p:cNvPr id="242" name="Curved Connector 241">
+              <a:extLst>
+                <a:ext uri="{FF2B5EF4-FFF2-40B4-BE49-F238E27FC236}">
+                  <a16:creationId xmlns:a16="http://schemas.microsoft.com/office/drawing/2014/main" id="{4DC6FD37-56E6-554B-B7BC-362EDD74E823}"/>
+                </a:ext>
+              </a:extLst>
+            </p:cNvPr>
+            <p:cNvCxnSpPr>
+              <a:cxnSpLocks/>
+            </p:cNvCxnSpPr>
+            <p:nvPr/>
+          </p:nvCxnSpPr>
+          <p:spPr bwMode="auto">
+            <a:xfrm flipV="1">
+              <a:off x="19090159" y="21562342"/>
+              <a:ext cx="811431" cy="1645920"/>
+            </a:xfrm>
+            <a:prstGeom prst="curvedConnector3">
+              <a:avLst>
+                <a:gd name="adj1" fmla="val 50000"/>
+              </a:avLst>
+            </a:prstGeom>
             <a:solidFill>
-              <a:srgbClr val="00B050"/>
+              <a:schemeClr val="accent1"/>
             </a:solidFill>
-            <a:ln w="76200" cap="flat" cmpd="sng" algn="ctr">
+            <a:ln w="57150" cap="flat" cmpd="sng" algn="ctr">
               <a:solidFill>
-                <a:srgbClr val="00B050"/>
+                <a:schemeClr val="tx1"/>
+              </a:solidFill>
+              <a:prstDash val="solid"/>
+              <a:round/>
+              <a:headEnd type="none" w="med" len="med"/>
+              <a:tailEnd type="arrow" w="med" len="med"/>
+            </a:ln>
+            <a:effectLst/>
+          </p:spPr>
+        </p:cxnSp>
+        <p:grpSp>
+          <p:nvGrpSpPr>
+            <p:cNvPr id="39" name="Group 38">
+              <a:extLst>
+                <a:ext uri="{FF2B5EF4-FFF2-40B4-BE49-F238E27FC236}">
+                  <a16:creationId xmlns:a16="http://schemas.microsoft.com/office/drawing/2014/main" id="{A1BAAF46-02E9-D746-840B-FA03ADC4DD28}"/>
+                </a:ext>
+              </a:extLst>
+            </p:cNvPr>
+            <p:cNvGrpSpPr/>
+            <p:nvPr/>
+          </p:nvGrpSpPr>
+          <p:grpSpPr>
+            <a:xfrm>
+              <a:off x="26920455" y="22790049"/>
+              <a:ext cx="1554090" cy="1009433"/>
+              <a:chOff x="609600" y="6858000"/>
+              <a:chExt cx="8305800" cy="5835500"/>
+            </a:xfrm>
+          </p:grpSpPr>
+          <p:pic>
+            <p:nvPicPr>
+              <p:cNvPr id="243" name="Picture 242">
+                <a:extLst>
+                  <a:ext uri="{FF2B5EF4-FFF2-40B4-BE49-F238E27FC236}">
+                    <a16:creationId xmlns:a16="http://schemas.microsoft.com/office/drawing/2014/main" id="{41F4853C-B945-9549-8FE2-124B29631D42}"/>
+                  </a:ext>
+                </a:extLst>
+              </p:cNvPr>
+              <p:cNvPicPr>
+                <a:picLocks noChangeAspect="1"/>
+              </p:cNvPicPr>
+              <p:nvPr/>
+            </p:nvPicPr>
+            <p:blipFill>
+              <a:blip r:embed="rId4"/>
+              <a:stretch>
+                <a:fillRect/>
+              </a:stretch>
+            </p:blipFill>
+            <p:spPr>
+              <a:xfrm>
+                <a:off x="609600" y="7010400"/>
+                <a:ext cx="3959196" cy="5639987"/>
+              </a:xfrm>
+              <a:prstGeom prst="rect">
+                <a:avLst/>
+              </a:prstGeom>
+            </p:spPr>
+          </p:pic>
+          <p:pic>
+            <p:nvPicPr>
+              <p:cNvPr id="244" name="Picture 243">
+                <a:extLst>
+                  <a:ext uri="{FF2B5EF4-FFF2-40B4-BE49-F238E27FC236}">
+                    <a16:creationId xmlns:a16="http://schemas.microsoft.com/office/drawing/2014/main" id="{28FF817B-B8B7-7043-989F-CB8E4CB2E72E}"/>
+                  </a:ext>
+                </a:extLst>
+              </p:cNvPr>
+              <p:cNvPicPr>
+                <a:picLocks noChangeAspect="1"/>
+              </p:cNvPicPr>
+              <p:nvPr/>
+            </p:nvPicPr>
+            <p:blipFill>
+              <a:blip r:embed="rId5"/>
+              <a:stretch>
+                <a:fillRect/>
+              </a:stretch>
+            </p:blipFill>
+            <p:spPr>
+              <a:xfrm>
+                <a:off x="6679407" y="6858000"/>
+                <a:ext cx="2235993" cy="5835500"/>
+              </a:xfrm>
+              <a:prstGeom prst="rect">
+                <a:avLst/>
+              </a:prstGeom>
+            </p:spPr>
+          </p:pic>
+          <p:cxnSp>
+            <p:nvCxnSpPr>
+              <p:cNvPr id="245" name="Straight Arrow Connector 244">
+                <a:extLst>
+                  <a:ext uri="{FF2B5EF4-FFF2-40B4-BE49-F238E27FC236}">
+                    <a16:creationId xmlns:a16="http://schemas.microsoft.com/office/drawing/2014/main" id="{FF206092-C2D7-0B4C-9750-CE2169586DEC}"/>
+                  </a:ext>
+                </a:extLst>
+              </p:cNvPr>
+              <p:cNvCxnSpPr>
+                <a:cxnSpLocks/>
+              </p:cNvCxnSpPr>
+              <p:nvPr/>
+            </p:nvCxnSpPr>
+            <p:spPr bwMode="auto">
+              <a:xfrm flipV="1">
+                <a:off x="4568796" y="9753600"/>
+                <a:ext cx="2194560" cy="0"/>
+              </a:xfrm>
+              <a:prstGeom prst="straightConnector1">
+                <a:avLst/>
+              </a:prstGeom>
+              <a:solidFill>
+                <a:schemeClr val="accent1"/>
+              </a:solidFill>
+              <a:ln w="57150" cap="flat" cmpd="sng" algn="ctr">
+                <a:solidFill>
+                  <a:schemeClr val="tx1"/>
+                </a:solidFill>
+                <a:prstDash val="solid"/>
+                <a:round/>
+                <a:headEnd type="none" w="med" len="med"/>
+                <a:tailEnd type="arrow" w="med" len="med"/>
+              </a:ln>
+              <a:effectLst/>
+            </p:spPr>
+          </p:cxnSp>
+        </p:grpSp>
+        <p:sp>
+          <p:nvSpPr>
+            <p:cNvPr id="246" name="Rectangle 245">
+              <a:extLst>
+                <a:ext uri="{FF2B5EF4-FFF2-40B4-BE49-F238E27FC236}">
+                  <a16:creationId xmlns:a16="http://schemas.microsoft.com/office/drawing/2014/main" id="{8CA6D0D1-4F66-8249-A338-2CE0A7454983}"/>
+                </a:ext>
+              </a:extLst>
+            </p:cNvPr>
+            <p:cNvSpPr/>
+            <p:nvPr/>
+          </p:nvSpPr>
+          <p:spPr bwMode="auto">
+            <a:xfrm>
+              <a:off x="26643231" y="22371490"/>
+              <a:ext cx="2160369" cy="1792558"/>
+            </a:xfrm>
+            <a:prstGeom prst="rect">
+              <a:avLst/>
+            </a:prstGeom>
+            <a:noFill/>
+            <a:ln w="38100" cap="flat" cmpd="sng" algn="ctr">
+              <a:solidFill>
+                <a:schemeClr val="tx1"/>
               </a:solidFill>
               <a:prstDash val="solid"/>
               <a:miter lim="800000"/>
@@ -7268,3279 +10275,250 @@
         </p:sp>
         <p:sp>
           <p:nvSpPr>
-            <p:cNvPr id="101" name="Oval 100">
+            <p:cNvPr id="247" name="Google Shape;50;p6">
               <a:extLst>
                 <a:ext uri="{FF2B5EF4-FFF2-40B4-BE49-F238E27FC236}">
-                  <a16:creationId xmlns:a16="http://schemas.microsoft.com/office/drawing/2014/main" id="{B7EA7E57-459C-1047-903C-7353C6891ED2}"/>
+                  <a16:creationId xmlns:a16="http://schemas.microsoft.com/office/drawing/2014/main" id="{D500EBB9-B00E-5C4F-8593-E7412FB92FB8}"/>
+                </a:ext>
+              </a:extLst>
+            </p:cNvPr>
+            <p:cNvSpPr txBox="1"/>
+            <p:nvPr/>
+          </p:nvSpPr>
+          <p:spPr>
+            <a:xfrm>
+              <a:off x="19206398" y="19284366"/>
+              <a:ext cx="4063494" cy="828208"/>
+            </a:xfrm>
+            <a:prstGeom prst="rect">
+              <a:avLst/>
+            </a:prstGeom>
+            <a:noFill/>
+            <a:ln>
+              <a:noFill/>
+            </a:ln>
+          </p:spPr>
+          <p:txBody>
+            <a:bodyPr spcFirstLastPara="1" wrap="square" lIns="91425" tIns="91425" rIns="91425" bIns="91425" anchor="t" anchorCtr="0">
+              <a:noAutofit/>
+            </a:bodyPr>
+            <a:lstStyle/>
+            <a:p>
+              <a:pPr lvl="0" algn="ctr">
+                <a:spcBef>
+                  <a:spcPts val="0"/>
+                </a:spcBef>
+                <a:spcAft>
+                  <a:spcPts val="0"/>
+                </a:spcAft>
+              </a:pPr>
+              <a:r>
+                <a:rPr lang="en-US" sz="3400" b="1" dirty="0"/>
+                <a:t>Autoencoder</a:t>
+              </a:r>
+            </a:p>
+          </p:txBody>
+        </p:sp>
+        <p:sp>
+          <p:nvSpPr>
+            <p:cNvPr id="248" name="Google Shape;50;p6">
+              <a:extLst>
+                <a:ext uri="{FF2B5EF4-FFF2-40B4-BE49-F238E27FC236}">
+                  <a16:creationId xmlns:a16="http://schemas.microsoft.com/office/drawing/2014/main" id="{931F84FD-0942-3E4E-AECA-4F9A4588DD50}"/>
+                </a:ext>
+              </a:extLst>
+            </p:cNvPr>
+            <p:cNvSpPr txBox="1"/>
+            <p:nvPr/>
+          </p:nvSpPr>
+          <p:spPr>
+            <a:xfrm>
+              <a:off x="25864643" y="20094616"/>
+              <a:ext cx="3937787" cy="690649"/>
+            </a:xfrm>
+            <a:prstGeom prst="rect">
+              <a:avLst/>
+            </a:prstGeom>
+            <a:noFill/>
+            <a:ln>
+              <a:noFill/>
+            </a:ln>
+          </p:spPr>
+          <p:txBody>
+            <a:bodyPr spcFirstLastPara="1" wrap="square" lIns="91425" tIns="91425" rIns="91425" bIns="91425" anchor="t" anchorCtr="0">
+              <a:noAutofit/>
+            </a:bodyPr>
+            <a:lstStyle/>
+            <a:p>
+              <a:pPr lvl="0" algn="ctr">
+                <a:spcBef>
+                  <a:spcPts val="0"/>
+                </a:spcBef>
+                <a:spcAft>
+                  <a:spcPts val="0"/>
+                </a:spcAft>
+              </a:pPr>
+              <a:r>
+                <a:rPr lang="en-US" sz="3400" dirty="0">
+                  <a:solidFill>
+                    <a:srgbClr val="0070C0"/>
+                  </a:solidFill>
+                </a:rPr>
+                <a:t>Training</a:t>
+              </a:r>
+            </a:p>
+          </p:txBody>
+        </p:sp>
+        <p:sp>
+          <p:nvSpPr>
+            <p:cNvPr id="249" name="Google Shape;50;p6">
+              <a:extLst>
+                <a:ext uri="{FF2B5EF4-FFF2-40B4-BE49-F238E27FC236}">
+                  <a16:creationId xmlns:a16="http://schemas.microsoft.com/office/drawing/2014/main" id="{E2CADA4B-D28D-6149-8F17-4488DDAB1A8F}"/>
+                </a:ext>
+              </a:extLst>
+            </p:cNvPr>
+            <p:cNvSpPr txBox="1"/>
+            <p:nvPr/>
+          </p:nvSpPr>
+          <p:spPr>
+            <a:xfrm>
+              <a:off x="25864644" y="21109480"/>
+              <a:ext cx="3937787" cy="690649"/>
+            </a:xfrm>
+            <a:prstGeom prst="rect">
+              <a:avLst/>
+            </a:prstGeom>
+            <a:noFill/>
+            <a:ln>
+              <a:noFill/>
+            </a:ln>
+          </p:spPr>
+          <p:txBody>
+            <a:bodyPr spcFirstLastPara="1" wrap="square" lIns="91425" tIns="91425" rIns="91425" bIns="91425" anchor="t" anchorCtr="0">
+              <a:noAutofit/>
+            </a:bodyPr>
+            <a:lstStyle/>
+            <a:p>
+              <a:pPr lvl="0" algn="ctr">
+                <a:spcBef>
+                  <a:spcPts val="0"/>
+                </a:spcBef>
+                <a:spcAft>
+                  <a:spcPts val="0"/>
+                </a:spcAft>
+              </a:pPr>
+              <a:r>
+                <a:rPr lang="en-US" sz="3400" dirty="0"/>
+                <a:t>Testing</a:t>
+              </a:r>
+            </a:p>
+          </p:txBody>
+        </p:sp>
+        <p:sp>
+          <p:nvSpPr>
+            <p:cNvPr id="250" name="Google Shape;50;p6">
+              <a:extLst>
+                <a:ext uri="{FF2B5EF4-FFF2-40B4-BE49-F238E27FC236}">
+                  <a16:creationId xmlns:a16="http://schemas.microsoft.com/office/drawing/2014/main" id="{FFFE00FB-C80C-1445-89F3-6FFC6500B41D}"/>
+                </a:ext>
+              </a:extLst>
+            </p:cNvPr>
+            <p:cNvSpPr txBox="1"/>
+            <p:nvPr/>
+          </p:nvSpPr>
+          <p:spPr>
+            <a:xfrm>
+              <a:off x="25219752" y="24346025"/>
+              <a:ext cx="3946573" cy="1180975"/>
+            </a:xfrm>
+            <a:prstGeom prst="rect">
+              <a:avLst/>
+            </a:prstGeom>
+            <a:noFill/>
+            <a:ln>
+              <a:noFill/>
+            </a:ln>
+          </p:spPr>
+          <p:txBody>
+            <a:bodyPr spcFirstLastPara="1" wrap="square" lIns="91425" tIns="91425" rIns="91425" bIns="91425" anchor="t" anchorCtr="0">
+              <a:noAutofit/>
+            </a:bodyPr>
+            <a:lstStyle/>
+            <a:p>
+              <a:pPr lvl="0" algn="ctr">
+                <a:spcBef>
+                  <a:spcPts val="0"/>
+                </a:spcBef>
+                <a:spcAft>
+                  <a:spcPts val="0"/>
+                </a:spcAft>
+              </a:pPr>
+              <a:r>
+                <a:rPr lang="en-US" sz="3200" dirty="0"/>
+                <a:t>Identified footwear impressions</a:t>
+              </a:r>
+              <a:endParaRPr lang="en-US" sz="3200" i="1" dirty="0"/>
+            </a:p>
+          </p:txBody>
+        </p:sp>
+        <p:sp>
+          <p:nvSpPr>
+            <p:cNvPr id="42" name="Rectangle 41">
+              <a:extLst>
+                <a:ext uri="{FF2B5EF4-FFF2-40B4-BE49-F238E27FC236}">
+                  <a16:creationId xmlns:a16="http://schemas.microsoft.com/office/drawing/2014/main" id="{7C0F0351-4ABC-DE4A-A1E2-6966060871A8}"/>
                 </a:ext>
               </a:extLst>
             </p:cNvPr>
             <p:cNvSpPr/>
             <p:nvPr/>
           </p:nvSpPr>
-          <p:spPr bwMode="auto">
-            <a:xfrm>
-              <a:off x="19019520" y="23625372"/>
-              <a:ext cx="914400" cy="914400"/>
-            </a:xfrm>
-            <a:prstGeom prst="ellipse">
-              <a:avLst/>
-            </a:prstGeom>
-            <a:solidFill>
-              <a:srgbClr val="00B050"/>
-            </a:solidFill>
-            <a:ln w="76200" cap="flat" cmpd="sng" algn="ctr">
-              <a:solidFill>
-                <a:srgbClr val="00B050"/>
-              </a:solidFill>
-              <a:prstDash val="solid"/>
-              <a:miter lim="800000"/>
-              <a:headEnd type="none" w="med" len="med"/>
-              <a:tailEnd type="none" w="med" len="med"/>
-            </a:ln>
-            <a:effectLst>
-              <a:outerShdw blurRad="50800" dist="38100" dir="2700000">
-                <a:srgbClr val="000000">
-                  <a:alpha val="43000"/>
-                </a:srgbClr>
-              </a:outerShdw>
-            </a:effectLst>
-          </p:spPr>
-          <p:txBody>
-            <a:bodyPr vert="horz" wrap="square" lIns="91440" tIns="45720" rIns="91440" bIns="45720" numCol="1" rtlCol="0" anchor="ctr" anchorCtr="0" compatLnSpc="1">
-              <a:prstTxWarp prst="textNoShape">
-                <a:avLst/>
-              </a:prstTxWarp>
-            </a:bodyPr>
-            <a:lstStyle/>
-            <a:p>
-              <a:pPr marL="0" marR="0" indent="0" algn="ctr" defTabSz="3762375" rtl="0" eaLnBrk="1" fontAlgn="base" latinLnBrk="0" hangingPunct="1">
-                <a:lnSpc>
-                  <a:spcPct val="100000"/>
-                </a:lnSpc>
-                <a:spcBef>
-                  <a:spcPct val="0"/>
-                </a:spcBef>
-                <a:spcAft>
-                  <a:spcPct val="0"/>
-                </a:spcAft>
-                <a:buClrTx/>
-                <a:buSzTx/>
-                <a:buFontTx/>
-                <a:buNone/>
-                <a:tabLst/>
-              </a:pPr>
-              <a:endParaRPr lang="en-US" dirty="0">
-                <a:latin typeface="Arial" pitchFamily="-110" charset="0"/>
-              </a:endParaRPr>
-            </a:p>
-          </p:txBody>
-        </p:sp>
-        <p:sp>
-          <p:nvSpPr>
-            <p:cNvPr id="102" name="Oval 101">
-              <a:extLst>
-                <a:ext uri="{FF2B5EF4-FFF2-40B4-BE49-F238E27FC236}">
-                  <a16:creationId xmlns:a16="http://schemas.microsoft.com/office/drawing/2014/main" id="{C1B1DF3F-EE21-5740-AF86-FC481797D40C}"/>
-                </a:ext>
-              </a:extLst>
-            </p:cNvPr>
-            <p:cNvSpPr/>
-            <p:nvPr/>
-          </p:nvSpPr>
-          <p:spPr bwMode="auto">
-            <a:xfrm>
-              <a:off x="24065326" y="21992063"/>
-              <a:ext cx="914400" cy="914400"/>
-            </a:xfrm>
-            <a:prstGeom prst="ellipse">
-              <a:avLst/>
-            </a:prstGeom>
-            <a:solidFill>
-              <a:srgbClr val="0070C0"/>
-            </a:solidFill>
-            <a:ln w="76200" cap="flat" cmpd="sng" algn="ctr">
-              <a:solidFill>
-                <a:srgbClr val="0070C0"/>
-              </a:solidFill>
-              <a:prstDash val="solid"/>
-              <a:miter lim="800000"/>
-              <a:headEnd type="none" w="med" len="med"/>
-              <a:tailEnd type="none" w="med" len="med"/>
-            </a:ln>
-            <a:effectLst>
-              <a:outerShdw blurRad="50800" dist="38100" dir="2700000">
-                <a:srgbClr val="000000">
-                  <a:alpha val="43000"/>
-                </a:srgbClr>
-              </a:outerShdw>
-            </a:effectLst>
-          </p:spPr>
-          <p:txBody>
-            <a:bodyPr vert="horz" wrap="square" lIns="91440" tIns="45720" rIns="91440" bIns="45720" numCol="1" rtlCol="0" anchor="ctr" anchorCtr="0" compatLnSpc="1">
-              <a:prstTxWarp prst="textNoShape">
-                <a:avLst/>
-              </a:prstTxWarp>
-            </a:bodyPr>
-            <a:lstStyle/>
-            <a:p>
-              <a:pPr marL="0" marR="0" indent="0" algn="ctr" defTabSz="3762375" rtl="0" eaLnBrk="1" fontAlgn="base" latinLnBrk="0" hangingPunct="1">
-                <a:lnSpc>
-                  <a:spcPct val="100000"/>
-                </a:lnSpc>
-                <a:spcBef>
-                  <a:spcPct val="0"/>
-                </a:spcBef>
-                <a:spcAft>
-                  <a:spcPct val="0"/>
-                </a:spcAft>
-                <a:buClrTx/>
-                <a:buSzTx/>
-                <a:buFontTx/>
-                <a:buNone/>
-                <a:tabLst/>
-              </a:pPr>
-              <a:endParaRPr lang="en-US" dirty="0">
-                <a:latin typeface="Arial" pitchFamily="-110" charset="0"/>
-              </a:endParaRPr>
-            </a:p>
-          </p:txBody>
-        </p:sp>
-        <p:sp>
-          <p:nvSpPr>
-            <p:cNvPr id="103" name="Oval 102">
-              <a:extLst>
-                <a:ext uri="{FF2B5EF4-FFF2-40B4-BE49-F238E27FC236}">
-                  <a16:creationId xmlns:a16="http://schemas.microsoft.com/office/drawing/2014/main" id="{F5CBD91F-B1A3-B047-B4AE-2D78241752B6}"/>
-                </a:ext>
-              </a:extLst>
-            </p:cNvPr>
-            <p:cNvSpPr/>
-            <p:nvPr/>
-          </p:nvSpPr>
-          <p:spPr bwMode="auto">
-            <a:xfrm>
-              <a:off x="24065326" y="20339253"/>
-              <a:ext cx="914400" cy="914400"/>
-            </a:xfrm>
-            <a:prstGeom prst="ellipse">
-              <a:avLst/>
-            </a:prstGeom>
-            <a:solidFill>
-              <a:srgbClr val="0070C0"/>
-            </a:solidFill>
-            <a:ln w="76200" cap="flat" cmpd="sng" algn="ctr">
-              <a:solidFill>
-                <a:srgbClr val="0070C0"/>
-              </a:solidFill>
-              <a:prstDash val="solid"/>
-              <a:miter lim="800000"/>
-              <a:headEnd type="none" w="med" len="med"/>
-              <a:tailEnd type="none" w="med" len="med"/>
-            </a:ln>
-            <a:effectLst>
-              <a:outerShdw blurRad="50800" dist="38100" dir="2700000">
-                <a:srgbClr val="000000">
-                  <a:alpha val="43000"/>
-                </a:srgbClr>
-              </a:outerShdw>
-            </a:effectLst>
-          </p:spPr>
-          <p:txBody>
-            <a:bodyPr vert="horz" wrap="square" lIns="91440" tIns="45720" rIns="91440" bIns="45720" numCol="1" rtlCol="0" anchor="ctr" anchorCtr="0" compatLnSpc="1">
-              <a:prstTxWarp prst="textNoShape">
-                <a:avLst/>
-              </a:prstTxWarp>
-            </a:bodyPr>
-            <a:lstStyle/>
-            <a:p>
-              <a:pPr marL="0" marR="0" indent="0" algn="ctr" defTabSz="3762375" rtl="0" eaLnBrk="1" fontAlgn="base" latinLnBrk="0" hangingPunct="1">
-                <a:lnSpc>
-                  <a:spcPct val="100000"/>
-                </a:lnSpc>
-                <a:spcBef>
-                  <a:spcPct val="0"/>
-                </a:spcBef>
-                <a:spcAft>
-                  <a:spcPct val="0"/>
-                </a:spcAft>
-                <a:buClrTx/>
-                <a:buSzTx/>
-                <a:buFontTx/>
-                <a:buNone/>
-                <a:tabLst/>
-              </a:pPr>
-              <a:endParaRPr lang="en-US" dirty="0">
-                <a:latin typeface="Arial" pitchFamily="-110" charset="0"/>
-              </a:endParaRPr>
-            </a:p>
-          </p:txBody>
-        </p:sp>
-        <p:sp>
-          <p:nvSpPr>
-            <p:cNvPr id="106" name="Oval 105">
-              <a:extLst>
-                <a:ext uri="{FF2B5EF4-FFF2-40B4-BE49-F238E27FC236}">
-                  <a16:creationId xmlns:a16="http://schemas.microsoft.com/office/drawing/2014/main" id="{D3B5C395-6D73-A141-A4CD-A12E63A3BF1E}"/>
-                </a:ext>
-              </a:extLst>
-            </p:cNvPr>
-            <p:cNvSpPr/>
-            <p:nvPr/>
-          </p:nvSpPr>
-          <p:spPr bwMode="auto">
-            <a:xfrm>
-              <a:off x="24065326" y="18686443"/>
-              <a:ext cx="914400" cy="914400"/>
-            </a:xfrm>
-            <a:prstGeom prst="ellipse">
-              <a:avLst/>
-            </a:prstGeom>
-            <a:solidFill>
-              <a:srgbClr val="0070C0"/>
-            </a:solidFill>
-            <a:ln w="76200" cap="flat" cmpd="sng" algn="ctr">
-              <a:solidFill>
-                <a:srgbClr val="0070C0"/>
-              </a:solidFill>
-              <a:prstDash val="solid"/>
-              <a:miter lim="800000"/>
-              <a:headEnd type="none" w="med" len="med"/>
-              <a:tailEnd type="none" w="med" len="med"/>
-            </a:ln>
-            <a:effectLst>
-              <a:outerShdw blurRad="50800" dist="38100" dir="2700000">
-                <a:srgbClr val="000000">
-                  <a:alpha val="43000"/>
-                </a:srgbClr>
-              </a:outerShdw>
-            </a:effectLst>
-          </p:spPr>
-          <p:txBody>
-            <a:bodyPr vert="horz" wrap="square" lIns="91440" tIns="45720" rIns="91440" bIns="45720" numCol="1" rtlCol="0" anchor="ctr" anchorCtr="0" compatLnSpc="1">
-              <a:prstTxWarp prst="textNoShape">
-                <a:avLst/>
-              </a:prstTxWarp>
-            </a:bodyPr>
-            <a:lstStyle/>
-            <a:p>
-              <a:pPr marL="0" marR="0" indent="0" algn="ctr" defTabSz="3762375" rtl="0" eaLnBrk="1" fontAlgn="base" latinLnBrk="0" hangingPunct="1">
-                <a:lnSpc>
-                  <a:spcPct val="100000"/>
-                </a:lnSpc>
-                <a:spcBef>
-                  <a:spcPct val="0"/>
-                </a:spcBef>
-                <a:spcAft>
-                  <a:spcPct val="0"/>
-                </a:spcAft>
-                <a:buClrTx/>
-                <a:buSzTx/>
-                <a:buFontTx/>
-                <a:buNone/>
-                <a:tabLst/>
-              </a:pPr>
-              <a:endParaRPr lang="en-US" dirty="0">
-                <a:latin typeface="Arial" pitchFamily="-110" charset="0"/>
-              </a:endParaRPr>
-            </a:p>
-          </p:txBody>
-        </p:sp>
-        <p:sp>
-          <p:nvSpPr>
-            <p:cNvPr id="107" name="Oval 106">
-              <a:extLst>
-                <a:ext uri="{FF2B5EF4-FFF2-40B4-BE49-F238E27FC236}">
-                  <a16:creationId xmlns:a16="http://schemas.microsoft.com/office/drawing/2014/main" id="{3DB57EB1-F0B4-A24B-B5F5-E8B011DFD698}"/>
-                </a:ext>
-              </a:extLst>
-            </p:cNvPr>
-            <p:cNvSpPr/>
-            <p:nvPr/>
-          </p:nvSpPr>
-          <p:spPr bwMode="auto">
-            <a:xfrm>
-              <a:off x="24065326" y="23644872"/>
-              <a:ext cx="914400" cy="914400"/>
-            </a:xfrm>
-            <a:prstGeom prst="ellipse">
-              <a:avLst/>
-            </a:prstGeom>
-            <a:solidFill>
-              <a:srgbClr val="0070C0"/>
-            </a:solidFill>
-            <a:ln w="76200" cap="flat" cmpd="sng" algn="ctr">
-              <a:solidFill>
-                <a:srgbClr val="0070C0"/>
-              </a:solidFill>
-              <a:prstDash val="solid"/>
-              <a:miter lim="800000"/>
-              <a:headEnd type="none" w="med" len="med"/>
-              <a:tailEnd type="none" w="med" len="med"/>
-            </a:ln>
-            <a:effectLst>
-              <a:outerShdw blurRad="50800" dist="38100" dir="2700000">
-                <a:srgbClr val="000000">
-                  <a:alpha val="43000"/>
-                </a:srgbClr>
-              </a:outerShdw>
-            </a:effectLst>
-          </p:spPr>
-          <p:txBody>
-            <a:bodyPr vert="horz" wrap="square" lIns="91440" tIns="45720" rIns="91440" bIns="45720" numCol="1" rtlCol="0" anchor="ctr" anchorCtr="0" compatLnSpc="1">
-              <a:prstTxWarp prst="textNoShape">
-                <a:avLst/>
-              </a:prstTxWarp>
-            </a:bodyPr>
-            <a:lstStyle/>
-            <a:p>
-              <a:pPr marL="0" marR="0" indent="0" algn="ctr" defTabSz="3762375" rtl="0" eaLnBrk="1" fontAlgn="base" latinLnBrk="0" hangingPunct="1">
-                <a:lnSpc>
-                  <a:spcPct val="100000"/>
-                </a:lnSpc>
-                <a:spcBef>
-                  <a:spcPct val="0"/>
-                </a:spcBef>
-                <a:spcAft>
-                  <a:spcPct val="0"/>
-                </a:spcAft>
-                <a:buClrTx/>
-                <a:buSzTx/>
-                <a:buFontTx/>
-                <a:buNone/>
-                <a:tabLst/>
-              </a:pPr>
-              <a:endParaRPr lang="en-US" dirty="0">
-                <a:latin typeface="Arial" pitchFamily="-110" charset="0"/>
-              </a:endParaRPr>
-            </a:p>
-          </p:txBody>
-        </p:sp>
-        <p:sp>
-          <p:nvSpPr>
-            <p:cNvPr id="108" name="Oval 107">
-              <a:extLst>
-                <a:ext uri="{FF2B5EF4-FFF2-40B4-BE49-F238E27FC236}">
-                  <a16:creationId xmlns:a16="http://schemas.microsoft.com/office/drawing/2014/main" id="{437395A8-64FA-114D-9190-B61438DAD4D1}"/>
-                </a:ext>
-              </a:extLst>
-            </p:cNvPr>
-            <p:cNvSpPr/>
-            <p:nvPr/>
-          </p:nvSpPr>
-          <p:spPr bwMode="auto">
-            <a:xfrm>
-              <a:off x="21542423" y="22023437"/>
-              <a:ext cx="914400" cy="914400"/>
-            </a:xfrm>
-            <a:prstGeom prst="ellipse">
-              <a:avLst/>
-            </a:prstGeom>
-            <a:solidFill>
-              <a:srgbClr val="FFC000"/>
-            </a:solidFill>
-            <a:ln w="76200" cap="flat" cmpd="sng" algn="ctr">
-              <a:solidFill>
-                <a:srgbClr val="FFC000"/>
-              </a:solidFill>
-              <a:prstDash val="solid"/>
-              <a:miter lim="800000"/>
-              <a:headEnd type="none" w="med" len="med"/>
-              <a:tailEnd type="none" w="med" len="med"/>
-            </a:ln>
-            <a:effectLst>
-              <a:outerShdw blurRad="50800" dist="38100" dir="2700000">
-                <a:srgbClr val="000000">
-                  <a:alpha val="43000"/>
-                </a:srgbClr>
-              </a:outerShdw>
-            </a:effectLst>
-          </p:spPr>
-          <p:txBody>
-            <a:bodyPr vert="horz" wrap="square" lIns="91440" tIns="45720" rIns="91440" bIns="45720" numCol="1" rtlCol="0" anchor="ctr" anchorCtr="0" compatLnSpc="1">
-              <a:prstTxWarp prst="textNoShape">
-                <a:avLst/>
-              </a:prstTxWarp>
-            </a:bodyPr>
-            <a:lstStyle/>
-            <a:p>
-              <a:pPr marL="0" marR="0" indent="0" algn="ctr" defTabSz="3762375" rtl="0" eaLnBrk="1" fontAlgn="base" latinLnBrk="0" hangingPunct="1">
-                <a:lnSpc>
-                  <a:spcPct val="100000"/>
-                </a:lnSpc>
-                <a:spcBef>
-                  <a:spcPct val="0"/>
-                </a:spcBef>
-                <a:spcAft>
-                  <a:spcPct val="0"/>
-                </a:spcAft>
-                <a:buClrTx/>
-                <a:buSzTx/>
-                <a:buFontTx/>
-                <a:buNone/>
-                <a:tabLst/>
-              </a:pPr>
-              <a:endParaRPr lang="en-US" dirty="0">
-                <a:latin typeface="Arial" pitchFamily="-110" charset="0"/>
-              </a:endParaRPr>
-            </a:p>
-          </p:txBody>
-        </p:sp>
-        <p:sp>
-          <p:nvSpPr>
-            <p:cNvPr id="112" name="Oval 111">
-              <a:extLst>
-                <a:ext uri="{FF2B5EF4-FFF2-40B4-BE49-F238E27FC236}">
-                  <a16:creationId xmlns:a16="http://schemas.microsoft.com/office/drawing/2014/main" id="{B7D24CAB-F420-8449-B024-AAECB6C9921B}"/>
-                </a:ext>
-              </a:extLst>
-            </p:cNvPr>
-            <p:cNvSpPr/>
-            <p:nvPr/>
-          </p:nvSpPr>
-          <p:spPr bwMode="auto">
-            <a:xfrm>
-              <a:off x="21542423" y="20370627"/>
-              <a:ext cx="914400" cy="914400"/>
-            </a:xfrm>
-            <a:prstGeom prst="ellipse">
-              <a:avLst/>
-            </a:prstGeom>
-            <a:solidFill>
-              <a:srgbClr val="FFC000"/>
-            </a:solidFill>
-            <a:ln w="76200" cap="flat" cmpd="sng" algn="ctr">
-              <a:solidFill>
-                <a:srgbClr val="FFC000"/>
-              </a:solidFill>
-              <a:prstDash val="solid"/>
-              <a:miter lim="800000"/>
-              <a:headEnd type="none" w="med" len="med"/>
-              <a:tailEnd type="none" w="med" len="med"/>
-            </a:ln>
-            <a:effectLst>
-              <a:outerShdw blurRad="50800" dist="38100" dir="2700000">
-                <a:srgbClr val="000000">
-                  <a:alpha val="43000"/>
-                </a:srgbClr>
-              </a:outerShdw>
-            </a:effectLst>
-          </p:spPr>
-          <p:txBody>
-            <a:bodyPr vert="horz" wrap="square" lIns="91440" tIns="45720" rIns="91440" bIns="45720" numCol="1" rtlCol="0" anchor="ctr" anchorCtr="0" compatLnSpc="1">
-              <a:prstTxWarp prst="textNoShape">
-                <a:avLst/>
-              </a:prstTxWarp>
-            </a:bodyPr>
-            <a:lstStyle/>
-            <a:p>
-              <a:pPr marL="0" marR="0" indent="0" algn="ctr" defTabSz="3762375" rtl="0" eaLnBrk="1" fontAlgn="base" latinLnBrk="0" hangingPunct="1">
-                <a:lnSpc>
-                  <a:spcPct val="100000"/>
-                </a:lnSpc>
-                <a:spcBef>
-                  <a:spcPct val="0"/>
-                </a:spcBef>
-                <a:spcAft>
-                  <a:spcPct val="0"/>
-                </a:spcAft>
-                <a:buClrTx/>
-                <a:buSzTx/>
-                <a:buFontTx/>
-                <a:buNone/>
-                <a:tabLst/>
-              </a:pPr>
-              <a:endParaRPr lang="en-US" dirty="0">
-                <a:latin typeface="Arial" pitchFamily="-110" charset="0"/>
-              </a:endParaRPr>
-            </a:p>
-          </p:txBody>
-        </p:sp>
-        <p:grpSp>
-          <p:nvGrpSpPr>
-            <p:cNvPr id="122" name="Group 121">
-              <a:extLst>
-                <a:ext uri="{FF2B5EF4-FFF2-40B4-BE49-F238E27FC236}">
-                  <a16:creationId xmlns:a16="http://schemas.microsoft.com/office/drawing/2014/main" id="{F0285AA5-ACA5-5A41-8142-779BCA040726}"/>
-                </a:ext>
-              </a:extLst>
-            </p:cNvPr>
-            <p:cNvGrpSpPr/>
-            <p:nvPr/>
-          </p:nvGrpSpPr>
-          <p:grpSpPr>
-            <a:xfrm>
-              <a:off x="19800009" y="19447432"/>
-              <a:ext cx="1742414" cy="4635140"/>
-              <a:chOff x="19647609" y="19295032"/>
-              <a:chExt cx="1742414" cy="4635140"/>
-            </a:xfrm>
-          </p:grpSpPr>
-          <p:cxnSp>
-            <p:nvCxnSpPr>
-              <p:cNvPr id="123" name="Straight Arrow Connector 122">
-                <a:extLst>
-                  <a:ext uri="{FF2B5EF4-FFF2-40B4-BE49-F238E27FC236}">
-                    <a16:creationId xmlns:a16="http://schemas.microsoft.com/office/drawing/2014/main" id="{D0B8FA29-5114-984F-8D4F-CE2198DCE4F1}"/>
-                  </a:ext>
-                </a:extLst>
-              </p:cNvPr>
-              <p:cNvCxnSpPr>
-                <a:cxnSpLocks/>
-                <a:stCxn id="100" idx="5"/>
-                <a:endCxn id="112" idx="2"/>
-              </p:cNvCxnSpPr>
-              <p:nvPr/>
-            </p:nvCxnSpPr>
-            <p:spPr bwMode="auto">
-              <a:xfrm>
-                <a:off x="19647609" y="19295032"/>
-                <a:ext cx="1742414" cy="1380395"/>
-              </a:xfrm>
-              <a:prstGeom prst="straightConnector1">
-                <a:avLst/>
-              </a:prstGeom>
-              <a:solidFill>
-                <a:schemeClr val="accent1"/>
-              </a:solidFill>
-              <a:ln w="57150" cap="flat" cmpd="sng" algn="ctr">
-                <a:solidFill>
-                  <a:schemeClr val="tx1"/>
-                </a:solidFill>
-                <a:prstDash val="solid"/>
-                <a:round/>
-                <a:headEnd type="none" w="med" len="med"/>
-                <a:tailEnd type="none" w="med" len="med"/>
-              </a:ln>
-              <a:effectLst/>
-            </p:spPr>
-          </p:cxnSp>
-          <p:cxnSp>
-            <p:nvCxnSpPr>
-              <p:cNvPr id="124" name="Straight Arrow Connector 123">
-                <a:extLst>
-                  <a:ext uri="{FF2B5EF4-FFF2-40B4-BE49-F238E27FC236}">
-                    <a16:creationId xmlns:a16="http://schemas.microsoft.com/office/drawing/2014/main" id="{104A0CCF-D5D3-5544-9C7D-3A740DF8176A}"/>
-                  </a:ext>
-                </a:extLst>
-              </p:cNvPr>
-              <p:cNvCxnSpPr>
-                <a:cxnSpLocks/>
-                <a:endCxn id="112" idx="2"/>
-              </p:cNvCxnSpPr>
-              <p:nvPr/>
-            </p:nvCxnSpPr>
-            <p:spPr bwMode="auto">
-              <a:xfrm>
-                <a:off x="19798892" y="20675427"/>
-                <a:ext cx="1591131" cy="0"/>
-              </a:xfrm>
-              <a:prstGeom prst="straightConnector1">
-                <a:avLst/>
-              </a:prstGeom>
-              <a:solidFill>
-                <a:schemeClr val="accent1"/>
-              </a:solidFill>
-              <a:ln w="57150" cap="flat" cmpd="sng" algn="ctr">
-                <a:solidFill>
-                  <a:schemeClr val="tx1"/>
-                </a:solidFill>
-                <a:prstDash val="solid"/>
-                <a:round/>
-                <a:headEnd type="none" w="med" len="med"/>
-                <a:tailEnd type="none" w="med" len="med"/>
-              </a:ln>
-              <a:effectLst/>
-            </p:spPr>
-          </p:cxnSp>
-          <p:cxnSp>
-            <p:nvCxnSpPr>
-              <p:cNvPr id="125" name="Straight Arrow Connector 124">
-                <a:extLst>
-                  <a:ext uri="{FF2B5EF4-FFF2-40B4-BE49-F238E27FC236}">
-                    <a16:creationId xmlns:a16="http://schemas.microsoft.com/office/drawing/2014/main" id="{9C78D093-0999-254B-A440-58D55D5168F4}"/>
-                  </a:ext>
-                </a:extLst>
-              </p:cNvPr>
-              <p:cNvCxnSpPr>
-                <a:cxnSpLocks/>
-                <a:endCxn id="112" idx="2"/>
-              </p:cNvCxnSpPr>
-              <p:nvPr/>
-            </p:nvCxnSpPr>
-            <p:spPr bwMode="auto">
-              <a:xfrm flipV="1">
-                <a:off x="19798892" y="20675427"/>
-                <a:ext cx="1591131" cy="1621436"/>
-              </a:xfrm>
-              <a:prstGeom prst="straightConnector1">
-                <a:avLst/>
-              </a:prstGeom>
-              <a:solidFill>
-                <a:schemeClr val="accent1"/>
-              </a:solidFill>
-              <a:ln w="57150" cap="flat" cmpd="sng" algn="ctr">
-                <a:solidFill>
-                  <a:schemeClr val="tx1"/>
-                </a:solidFill>
-                <a:prstDash val="solid"/>
-                <a:round/>
-                <a:headEnd type="none" w="med" len="med"/>
-                <a:tailEnd type="none" w="med" len="med"/>
-              </a:ln>
-              <a:effectLst/>
-            </p:spPr>
-          </p:cxnSp>
-          <p:cxnSp>
-            <p:nvCxnSpPr>
-              <p:cNvPr id="126" name="Straight Arrow Connector 125">
-                <a:extLst>
-                  <a:ext uri="{FF2B5EF4-FFF2-40B4-BE49-F238E27FC236}">
-                    <a16:creationId xmlns:a16="http://schemas.microsoft.com/office/drawing/2014/main" id="{C377AD3A-ECCB-F447-A331-CEC94C27C3B3}"/>
-                  </a:ext>
-                </a:extLst>
-              </p:cNvPr>
-              <p:cNvCxnSpPr>
-                <a:cxnSpLocks/>
-                <a:endCxn id="108" idx="2"/>
-              </p:cNvCxnSpPr>
-              <p:nvPr/>
-            </p:nvCxnSpPr>
-            <p:spPr bwMode="auto">
-              <a:xfrm>
-                <a:off x="19798892" y="20686375"/>
-                <a:ext cx="1591131" cy="1641862"/>
-              </a:xfrm>
-              <a:prstGeom prst="straightConnector1">
-                <a:avLst/>
-              </a:prstGeom>
-              <a:solidFill>
-                <a:schemeClr val="accent1"/>
-              </a:solidFill>
-              <a:ln w="57150" cap="flat" cmpd="sng" algn="ctr">
-                <a:solidFill>
-                  <a:schemeClr val="tx1"/>
-                </a:solidFill>
-                <a:prstDash val="solid"/>
-                <a:round/>
-                <a:headEnd type="none" w="med" len="med"/>
-                <a:tailEnd type="none" w="med" len="med"/>
-              </a:ln>
-              <a:effectLst/>
-            </p:spPr>
-          </p:cxnSp>
-          <p:cxnSp>
-            <p:nvCxnSpPr>
-              <p:cNvPr id="127" name="Straight Arrow Connector 126">
-                <a:extLst>
-                  <a:ext uri="{FF2B5EF4-FFF2-40B4-BE49-F238E27FC236}">
-                    <a16:creationId xmlns:a16="http://schemas.microsoft.com/office/drawing/2014/main" id="{E3D3C2FB-9F1B-C14B-9534-6348C87AC531}"/>
-                  </a:ext>
-                </a:extLst>
-              </p:cNvPr>
-              <p:cNvCxnSpPr>
-                <a:cxnSpLocks/>
-                <a:stCxn id="101" idx="6"/>
-                <a:endCxn id="112" idx="2"/>
-              </p:cNvCxnSpPr>
-              <p:nvPr/>
-            </p:nvCxnSpPr>
-            <p:spPr bwMode="auto">
-              <a:xfrm flipV="1">
-                <a:off x="19781520" y="20675427"/>
-                <a:ext cx="1608503" cy="3254745"/>
-              </a:xfrm>
-              <a:prstGeom prst="straightConnector1">
-                <a:avLst/>
-              </a:prstGeom>
-              <a:solidFill>
-                <a:schemeClr val="accent1"/>
-              </a:solidFill>
-              <a:ln w="57150" cap="flat" cmpd="sng" algn="ctr">
-                <a:solidFill>
-                  <a:schemeClr val="tx1"/>
-                </a:solidFill>
-                <a:prstDash val="solid"/>
-                <a:round/>
-                <a:headEnd type="none" w="med" len="med"/>
-                <a:tailEnd type="none" w="med" len="med"/>
-              </a:ln>
-              <a:effectLst/>
-            </p:spPr>
-          </p:cxnSp>
-          <p:cxnSp>
-            <p:nvCxnSpPr>
-              <p:cNvPr id="128" name="Straight Arrow Connector 127">
-                <a:extLst>
-                  <a:ext uri="{FF2B5EF4-FFF2-40B4-BE49-F238E27FC236}">
-                    <a16:creationId xmlns:a16="http://schemas.microsoft.com/office/drawing/2014/main" id="{B4534B69-D651-F144-9CBC-F7A7FDFBC085}"/>
-                  </a:ext>
-                </a:extLst>
-              </p:cNvPr>
-              <p:cNvCxnSpPr>
-                <a:cxnSpLocks/>
-                <a:stCxn id="100" idx="5"/>
-                <a:endCxn id="108" idx="2"/>
-              </p:cNvCxnSpPr>
-              <p:nvPr/>
-            </p:nvCxnSpPr>
-            <p:spPr bwMode="auto">
-              <a:xfrm>
-                <a:off x="19647609" y="19295032"/>
-                <a:ext cx="1742414" cy="3033205"/>
-              </a:xfrm>
-              <a:prstGeom prst="straightConnector1">
-                <a:avLst/>
-              </a:prstGeom>
-              <a:solidFill>
-                <a:schemeClr val="accent1"/>
-              </a:solidFill>
-              <a:ln w="57150" cap="flat" cmpd="sng" algn="ctr">
-                <a:solidFill>
-                  <a:schemeClr val="tx1"/>
-                </a:solidFill>
-                <a:prstDash val="solid"/>
-                <a:round/>
-                <a:headEnd type="none" w="med" len="med"/>
-                <a:tailEnd type="none" w="med" len="med"/>
-              </a:ln>
-              <a:effectLst/>
-            </p:spPr>
-          </p:cxnSp>
-          <p:cxnSp>
-            <p:nvCxnSpPr>
-              <p:cNvPr id="129" name="Straight Arrow Connector 128">
-                <a:extLst>
-                  <a:ext uri="{FF2B5EF4-FFF2-40B4-BE49-F238E27FC236}">
-                    <a16:creationId xmlns:a16="http://schemas.microsoft.com/office/drawing/2014/main" id="{744C94FC-60D1-C54E-BB1E-410CD1EC8483}"/>
-                  </a:ext>
-                </a:extLst>
-              </p:cNvPr>
-              <p:cNvCxnSpPr>
-                <a:cxnSpLocks/>
-                <a:stCxn id="94" idx="6"/>
-                <a:endCxn id="108" idx="2"/>
-              </p:cNvCxnSpPr>
-              <p:nvPr/>
-            </p:nvCxnSpPr>
-            <p:spPr bwMode="auto">
-              <a:xfrm>
-                <a:off x="19781520" y="22277363"/>
-                <a:ext cx="1608503" cy="50874"/>
-              </a:xfrm>
-              <a:prstGeom prst="straightConnector1">
-                <a:avLst/>
-              </a:prstGeom>
-              <a:solidFill>
-                <a:schemeClr val="accent1"/>
-              </a:solidFill>
-              <a:ln w="57150" cap="flat" cmpd="sng" algn="ctr">
-                <a:solidFill>
-                  <a:schemeClr val="tx1"/>
-                </a:solidFill>
-                <a:prstDash val="solid"/>
-                <a:round/>
-                <a:headEnd type="none" w="med" len="med"/>
-                <a:tailEnd type="none" w="med" len="med"/>
-              </a:ln>
-              <a:effectLst/>
-            </p:spPr>
-          </p:cxnSp>
-          <p:cxnSp>
-            <p:nvCxnSpPr>
-              <p:cNvPr id="130" name="Straight Arrow Connector 129">
-                <a:extLst>
-                  <a:ext uri="{FF2B5EF4-FFF2-40B4-BE49-F238E27FC236}">
-                    <a16:creationId xmlns:a16="http://schemas.microsoft.com/office/drawing/2014/main" id="{D50C84CC-D814-0041-A037-D7F0D2FDE7E9}"/>
-                  </a:ext>
-                </a:extLst>
-              </p:cNvPr>
-              <p:cNvCxnSpPr>
-                <a:cxnSpLocks/>
-                <a:stCxn id="101" idx="6"/>
-                <a:endCxn id="108" idx="2"/>
-              </p:cNvCxnSpPr>
-              <p:nvPr/>
-            </p:nvCxnSpPr>
-            <p:spPr bwMode="auto">
-              <a:xfrm flipV="1">
-                <a:off x="19781520" y="22328237"/>
-                <a:ext cx="1608503" cy="1601935"/>
-              </a:xfrm>
-              <a:prstGeom prst="straightConnector1">
-                <a:avLst/>
-              </a:prstGeom>
-              <a:solidFill>
-                <a:schemeClr val="accent1"/>
-              </a:solidFill>
-              <a:ln w="57150" cap="flat" cmpd="sng" algn="ctr">
-                <a:solidFill>
-                  <a:schemeClr val="tx1"/>
-                </a:solidFill>
-                <a:prstDash val="solid"/>
-                <a:round/>
-                <a:headEnd type="none" w="med" len="med"/>
-                <a:tailEnd type="none" w="med" len="med"/>
-              </a:ln>
-              <a:effectLst/>
-            </p:spPr>
-          </p:cxnSp>
-        </p:grpSp>
-        <p:grpSp>
-          <p:nvGrpSpPr>
-            <p:cNvPr id="131" name="Group 130">
-              <a:extLst>
-                <a:ext uri="{FF2B5EF4-FFF2-40B4-BE49-F238E27FC236}">
-                  <a16:creationId xmlns:a16="http://schemas.microsoft.com/office/drawing/2014/main" id="{932DF53E-DC0A-964D-A5D8-7BBF35EF867F}"/>
-                </a:ext>
-              </a:extLst>
-            </p:cNvPr>
-            <p:cNvGrpSpPr/>
-            <p:nvPr/>
-          </p:nvGrpSpPr>
-          <p:grpSpPr>
-            <a:xfrm flipH="1">
-              <a:off x="22571806" y="19488037"/>
-              <a:ext cx="1645920" cy="4635140"/>
-              <a:chOff x="10822283" y="19165594"/>
-              <a:chExt cx="1742414" cy="4635140"/>
-            </a:xfrm>
-          </p:grpSpPr>
-          <p:cxnSp>
-            <p:nvCxnSpPr>
-              <p:cNvPr id="132" name="Straight Arrow Connector 131">
-                <a:extLst>
-                  <a:ext uri="{FF2B5EF4-FFF2-40B4-BE49-F238E27FC236}">
-                    <a16:creationId xmlns:a16="http://schemas.microsoft.com/office/drawing/2014/main" id="{91ACAE14-CE81-0840-93A9-902458F9F42F}"/>
-                  </a:ext>
-                </a:extLst>
-              </p:cNvPr>
-              <p:cNvCxnSpPr>
-                <a:cxnSpLocks/>
-              </p:cNvCxnSpPr>
-              <p:nvPr/>
-            </p:nvCxnSpPr>
-            <p:spPr bwMode="auto">
-              <a:xfrm>
-                <a:off x="10822283" y="19165594"/>
-                <a:ext cx="1742414" cy="1380395"/>
-              </a:xfrm>
-              <a:prstGeom prst="straightConnector1">
-                <a:avLst/>
-              </a:prstGeom>
-              <a:solidFill>
-                <a:schemeClr val="accent1"/>
-              </a:solidFill>
-              <a:ln w="57150" cap="flat" cmpd="sng" algn="ctr">
-                <a:solidFill>
-                  <a:schemeClr val="tx1"/>
-                </a:solidFill>
-                <a:prstDash val="solid"/>
-                <a:round/>
-                <a:headEnd type="none" w="med" len="med"/>
-                <a:tailEnd type="none" w="med" len="med"/>
-              </a:ln>
-              <a:effectLst/>
-            </p:spPr>
-          </p:cxnSp>
-          <p:cxnSp>
-            <p:nvCxnSpPr>
-              <p:cNvPr id="133" name="Straight Arrow Connector 132">
-                <a:extLst>
-                  <a:ext uri="{FF2B5EF4-FFF2-40B4-BE49-F238E27FC236}">
-                    <a16:creationId xmlns:a16="http://schemas.microsoft.com/office/drawing/2014/main" id="{29A65826-10ED-EB44-A2FC-0237D6953268}"/>
-                  </a:ext>
-                </a:extLst>
-              </p:cNvPr>
-              <p:cNvCxnSpPr>
-                <a:cxnSpLocks/>
-              </p:cNvCxnSpPr>
-              <p:nvPr/>
-            </p:nvCxnSpPr>
-            <p:spPr bwMode="auto">
-              <a:xfrm>
-                <a:off x="10973566" y="20545989"/>
-                <a:ext cx="1591131" cy="0"/>
-              </a:xfrm>
-              <a:prstGeom prst="straightConnector1">
-                <a:avLst/>
-              </a:prstGeom>
-              <a:solidFill>
-                <a:schemeClr val="accent1"/>
-              </a:solidFill>
-              <a:ln w="57150" cap="flat" cmpd="sng" algn="ctr">
-                <a:solidFill>
-                  <a:schemeClr val="tx1"/>
-                </a:solidFill>
-                <a:prstDash val="solid"/>
-                <a:round/>
-                <a:headEnd type="none" w="med" len="med"/>
-                <a:tailEnd type="none" w="med" len="med"/>
-              </a:ln>
-              <a:effectLst/>
-            </p:spPr>
-          </p:cxnSp>
-          <p:cxnSp>
-            <p:nvCxnSpPr>
-              <p:cNvPr id="134" name="Straight Arrow Connector 133">
-                <a:extLst>
-                  <a:ext uri="{FF2B5EF4-FFF2-40B4-BE49-F238E27FC236}">
-                    <a16:creationId xmlns:a16="http://schemas.microsoft.com/office/drawing/2014/main" id="{59EB4D32-5F20-EA4B-8E9A-C859242364EB}"/>
-                  </a:ext>
-                </a:extLst>
-              </p:cNvPr>
-              <p:cNvCxnSpPr>
-                <a:cxnSpLocks/>
-              </p:cNvCxnSpPr>
-              <p:nvPr/>
-            </p:nvCxnSpPr>
-            <p:spPr bwMode="auto">
-              <a:xfrm flipV="1">
-                <a:off x="10973566" y="20545989"/>
-                <a:ext cx="1591131" cy="1621436"/>
-              </a:xfrm>
-              <a:prstGeom prst="straightConnector1">
-                <a:avLst/>
-              </a:prstGeom>
-              <a:solidFill>
-                <a:schemeClr val="accent1"/>
-              </a:solidFill>
-              <a:ln w="57150" cap="flat" cmpd="sng" algn="ctr">
-                <a:solidFill>
-                  <a:schemeClr val="tx1"/>
-                </a:solidFill>
-                <a:prstDash val="solid"/>
-                <a:round/>
-                <a:headEnd type="none" w="med" len="med"/>
-                <a:tailEnd type="none" w="med" len="med"/>
-              </a:ln>
-              <a:effectLst/>
-            </p:spPr>
-          </p:cxnSp>
-          <p:cxnSp>
-            <p:nvCxnSpPr>
-              <p:cNvPr id="135" name="Straight Arrow Connector 134">
-                <a:extLst>
-                  <a:ext uri="{FF2B5EF4-FFF2-40B4-BE49-F238E27FC236}">
-                    <a16:creationId xmlns:a16="http://schemas.microsoft.com/office/drawing/2014/main" id="{D0C03409-A2A9-CF4C-8712-46DAF7D23FEF}"/>
-                  </a:ext>
-                </a:extLst>
-              </p:cNvPr>
-              <p:cNvCxnSpPr>
-                <a:cxnSpLocks/>
-              </p:cNvCxnSpPr>
-              <p:nvPr/>
-            </p:nvCxnSpPr>
-            <p:spPr bwMode="auto">
-              <a:xfrm>
-                <a:off x="10973566" y="20556937"/>
-                <a:ext cx="1591131" cy="1641862"/>
-              </a:xfrm>
-              <a:prstGeom prst="straightConnector1">
-                <a:avLst/>
-              </a:prstGeom>
-              <a:solidFill>
-                <a:schemeClr val="accent1"/>
-              </a:solidFill>
-              <a:ln w="57150" cap="flat" cmpd="sng" algn="ctr">
-                <a:solidFill>
-                  <a:schemeClr val="tx1"/>
-                </a:solidFill>
-                <a:prstDash val="solid"/>
-                <a:round/>
-                <a:headEnd type="none" w="med" len="med"/>
-                <a:tailEnd type="none" w="med" len="med"/>
-              </a:ln>
-              <a:effectLst/>
-            </p:spPr>
-          </p:cxnSp>
-          <p:cxnSp>
-            <p:nvCxnSpPr>
-              <p:cNvPr id="136" name="Straight Arrow Connector 135">
-                <a:extLst>
-                  <a:ext uri="{FF2B5EF4-FFF2-40B4-BE49-F238E27FC236}">
-                    <a16:creationId xmlns:a16="http://schemas.microsoft.com/office/drawing/2014/main" id="{BC7599E5-D7BB-D24E-912F-55FE8D04A88E}"/>
-                  </a:ext>
-                </a:extLst>
-              </p:cNvPr>
-              <p:cNvCxnSpPr>
-                <a:cxnSpLocks/>
-              </p:cNvCxnSpPr>
-              <p:nvPr/>
-            </p:nvCxnSpPr>
-            <p:spPr bwMode="auto">
-              <a:xfrm flipV="1">
-                <a:off x="10956194" y="20545989"/>
-                <a:ext cx="1608503" cy="3254745"/>
-              </a:xfrm>
-              <a:prstGeom prst="straightConnector1">
-                <a:avLst/>
-              </a:prstGeom>
-              <a:solidFill>
-                <a:schemeClr val="accent1"/>
-              </a:solidFill>
-              <a:ln w="57150" cap="flat" cmpd="sng" algn="ctr">
-                <a:solidFill>
-                  <a:schemeClr val="tx1"/>
-                </a:solidFill>
-                <a:prstDash val="solid"/>
-                <a:round/>
-                <a:headEnd type="none" w="med" len="med"/>
-                <a:tailEnd type="none" w="med" len="med"/>
-              </a:ln>
-              <a:effectLst/>
-            </p:spPr>
-          </p:cxnSp>
-          <p:cxnSp>
-            <p:nvCxnSpPr>
-              <p:cNvPr id="137" name="Straight Arrow Connector 136">
-                <a:extLst>
-                  <a:ext uri="{FF2B5EF4-FFF2-40B4-BE49-F238E27FC236}">
-                    <a16:creationId xmlns:a16="http://schemas.microsoft.com/office/drawing/2014/main" id="{B184213E-CDCA-6345-932C-F4B426F9CE81}"/>
-                  </a:ext>
-                </a:extLst>
-              </p:cNvPr>
-              <p:cNvCxnSpPr>
-                <a:cxnSpLocks/>
-              </p:cNvCxnSpPr>
-              <p:nvPr/>
-            </p:nvCxnSpPr>
-            <p:spPr bwMode="auto">
-              <a:xfrm>
-                <a:off x="10822283" y="19165594"/>
-                <a:ext cx="1742414" cy="3033205"/>
-              </a:xfrm>
-              <a:prstGeom prst="straightConnector1">
-                <a:avLst/>
-              </a:prstGeom>
-              <a:solidFill>
-                <a:schemeClr val="accent1"/>
-              </a:solidFill>
-              <a:ln w="57150" cap="flat" cmpd="sng" algn="ctr">
-                <a:solidFill>
-                  <a:schemeClr val="tx1"/>
-                </a:solidFill>
-                <a:prstDash val="solid"/>
-                <a:round/>
-                <a:headEnd type="none" w="med" len="med"/>
-                <a:tailEnd type="none" w="med" len="med"/>
-              </a:ln>
-              <a:effectLst/>
-            </p:spPr>
-          </p:cxnSp>
-          <p:cxnSp>
-            <p:nvCxnSpPr>
-              <p:cNvPr id="138" name="Straight Arrow Connector 137">
-                <a:extLst>
-                  <a:ext uri="{FF2B5EF4-FFF2-40B4-BE49-F238E27FC236}">
-                    <a16:creationId xmlns:a16="http://schemas.microsoft.com/office/drawing/2014/main" id="{0DCD2926-6982-854F-B524-BE435D42D452}"/>
-                  </a:ext>
-                </a:extLst>
-              </p:cNvPr>
-              <p:cNvCxnSpPr>
-                <a:cxnSpLocks/>
-              </p:cNvCxnSpPr>
-              <p:nvPr/>
-            </p:nvCxnSpPr>
-            <p:spPr bwMode="auto">
-              <a:xfrm>
-                <a:off x="10956194" y="22147925"/>
-                <a:ext cx="1608503" cy="50874"/>
-              </a:xfrm>
-              <a:prstGeom prst="straightConnector1">
-                <a:avLst/>
-              </a:prstGeom>
-              <a:solidFill>
-                <a:schemeClr val="accent1"/>
-              </a:solidFill>
-              <a:ln w="57150" cap="flat" cmpd="sng" algn="ctr">
-                <a:solidFill>
-                  <a:schemeClr val="tx1"/>
-                </a:solidFill>
-                <a:prstDash val="solid"/>
-                <a:round/>
-                <a:headEnd type="none" w="med" len="med"/>
-                <a:tailEnd type="none" w="med" len="med"/>
-              </a:ln>
-              <a:effectLst/>
-            </p:spPr>
-          </p:cxnSp>
-          <p:cxnSp>
-            <p:nvCxnSpPr>
-              <p:cNvPr id="139" name="Straight Arrow Connector 138">
-                <a:extLst>
-                  <a:ext uri="{FF2B5EF4-FFF2-40B4-BE49-F238E27FC236}">
-                    <a16:creationId xmlns:a16="http://schemas.microsoft.com/office/drawing/2014/main" id="{3366C77B-E659-9D47-AED3-EA85CCCF48FF}"/>
-                  </a:ext>
-                </a:extLst>
-              </p:cNvPr>
-              <p:cNvCxnSpPr>
-                <a:cxnSpLocks/>
-              </p:cNvCxnSpPr>
-              <p:nvPr/>
-            </p:nvCxnSpPr>
-            <p:spPr bwMode="auto">
-              <a:xfrm flipV="1">
-                <a:off x="10956194" y="22198799"/>
-                <a:ext cx="1608503" cy="1601935"/>
-              </a:xfrm>
-              <a:prstGeom prst="straightConnector1">
-                <a:avLst/>
-              </a:prstGeom>
-              <a:solidFill>
-                <a:schemeClr val="accent1"/>
-              </a:solidFill>
-              <a:ln w="57150" cap="flat" cmpd="sng" algn="ctr">
-                <a:solidFill>
-                  <a:schemeClr val="tx1"/>
-                </a:solidFill>
-                <a:prstDash val="solid"/>
-                <a:round/>
-                <a:headEnd type="none" w="med" len="med"/>
-                <a:tailEnd type="none" w="med" len="med"/>
-              </a:ln>
-              <a:effectLst/>
-            </p:spPr>
-          </p:cxnSp>
-        </p:grpSp>
-      </p:grpSp>
-      <p:pic>
-        <p:nvPicPr>
-          <p:cNvPr id="10" name="Picture 9">
-            <a:extLst>
-              <a:ext uri="{FF2B5EF4-FFF2-40B4-BE49-F238E27FC236}">
-                <a16:creationId xmlns:a16="http://schemas.microsoft.com/office/drawing/2014/main" id="{A54FF318-5D33-664E-89C1-6F561C0F3D39}"/>
-              </a:ext>
-            </a:extLst>
-          </p:cNvPr>
-          <p:cNvPicPr>
-            <a:picLocks noChangeAspect="1"/>
-          </p:cNvPicPr>
-          <p:nvPr/>
-        </p:nvPicPr>
-        <p:blipFill>
-          <a:blip r:embed="rId7"/>
-          <a:stretch>
-            <a:fillRect/>
-          </a:stretch>
-        </p:blipFill>
-        <p:spPr>
-          <a:xfrm>
-            <a:off x="23437173" y="22354742"/>
-            <a:ext cx="2546430" cy="1809306"/>
-          </a:xfrm>
-          <a:prstGeom prst="rect">
-            <a:avLst/>
-          </a:prstGeom>
-        </p:spPr>
-      </p:pic>
-      <p:sp>
-        <p:nvSpPr>
-          <p:cNvPr id="144" name="Rectangle 143">
-            <a:extLst>
-              <a:ext uri="{FF2B5EF4-FFF2-40B4-BE49-F238E27FC236}">
-                <a16:creationId xmlns:a16="http://schemas.microsoft.com/office/drawing/2014/main" id="{686B73E6-B000-A042-AAF6-DE2CB7CE1E1B}"/>
-              </a:ext>
-            </a:extLst>
-          </p:cNvPr>
-          <p:cNvSpPr/>
-          <p:nvPr/>
-        </p:nvSpPr>
-        <p:spPr bwMode="auto">
-          <a:xfrm>
-            <a:off x="23406790" y="22347833"/>
-            <a:ext cx="2617569" cy="1792558"/>
-          </a:xfrm>
-          <a:prstGeom prst="rect">
-            <a:avLst/>
-          </a:prstGeom>
-          <a:noFill/>
-          <a:ln w="38100" cap="flat" cmpd="sng" algn="ctr">
-            <a:solidFill>
-              <a:schemeClr val="tx1"/>
-            </a:solidFill>
-            <a:prstDash val="solid"/>
-            <a:miter lim="800000"/>
-            <a:headEnd type="none" w="med" len="med"/>
-            <a:tailEnd type="none" w="med" len="med"/>
-          </a:ln>
-          <a:effectLst>
-            <a:outerShdw blurRad="50800" dist="38100" dir="2700000">
-              <a:srgbClr val="000000">
-                <a:alpha val="43000"/>
-              </a:srgbClr>
-            </a:outerShdw>
-          </a:effectLst>
-        </p:spPr>
-        <p:txBody>
-          <a:bodyPr vert="horz" wrap="square" lIns="91440" tIns="45720" rIns="91440" bIns="45720" numCol="1" rtlCol="0" anchor="ctr" anchorCtr="0" compatLnSpc="1">
-            <a:prstTxWarp prst="textNoShape">
-              <a:avLst/>
-            </a:prstTxWarp>
-          </a:bodyPr>
-          <a:lstStyle/>
-          <a:p>
-            <a:pPr marL="0" marR="0" indent="0" algn="ctr" defTabSz="3762375" rtl="0" eaLnBrk="1" fontAlgn="base" latinLnBrk="0" hangingPunct="1">
-              <a:lnSpc>
-                <a:spcPct val="100000"/>
-              </a:lnSpc>
-              <a:spcBef>
-                <a:spcPct val="0"/>
-              </a:spcBef>
-              <a:spcAft>
-                <a:spcPct val="0"/>
-              </a:spcAft>
-              <a:buClrTx/>
-              <a:buSzTx/>
-              <a:buFontTx/>
-              <a:buNone/>
-              <a:tabLst/>
-            </a:pPr>
-            <a:endParaRPr lang="en-US" dirty="0">
-              <a:latin typeface="Arial" pitchFamily="-110" charset="0"/>
-            </a:endParaRPr>
-          </a:p>
-        </p:txBody>
-      </p:sp>
-      <p:grpSp>
-        <p:nvGrpSpPr>
-          <p:cNvPr id="146" name="Group 145">
-            <a:extLst>
-              <a:ext uri="{FF2B5EF4-FFF2-40B4-BE49-F238E27FC236}">
-                <a16:creationId xmlns:a16="http://schemas.microsoft.com/office/drawing/2014/main" id="{0F26BAA2-A43A-D44C-9E9B-E6FF5B2AED7F}"/>
-              </a:ext>
-            </a:extLst>
-          </p:cNvPr>
-          <p:cNvGrpSpPr/>
-          <p:nvPr/>
-        </p:nvGrpSpPr>
-        <p:grpSpPr>
-          <a:xfrm>
-            <a:off x="16472590" y="18160816"/>
-            <a:ext cx="2502089" cy="1641862"/>
-            <a:chOff x="334108" y="17379633"/>
-            <a:chExt cx="7823217" cy="7994967"/>
-          </a:xfrm>
-        </p:grpSpPr>
-        <p:pic>
-          <p:nvPicPr>
-            <p:cNvPr id="147" name="Picture 146">
-              <a:extLst>
-                <a:ext uri="{FF2B5EF4-FFF2-40B4-BE49-F238E27FC236}">
-                  <a16:creationId xmlns:a16="http://schemas.microsoft.com/office/drawing/2014/main" id="{D43EECD7-972C-6A47-A535-50771CE9E844}"/>
-                </a:ext>
-              </a:extLst>
-            </p:cNvPr>
-            <p:cNvPicPr>
-              <a:picLocks noChangeAspect="1"/>
-            </p:cNvPicPr>
-            <p:nvPr/>
-          </p:nvPicPr>
-          <p:blipFill>
-            <a:blip r:embed="rId5"/>
-            <a:stretch>
-              <a:fillRect/>
-            </a:stretch>
-          </p:blipFill>
           <p:spPr>
             <a:xfrm>
-              <a:off x="334108" y="19507200"/>
-              <a:ext cx="1342060" cy="3502512"/>
+              <a:off x="15638638" y="24312163"/>
+              <a:ext cx="4425651" cy="1077218"/>
             </a:xfrm>
             <a:prstGeom prst="rect">
               <a:avLst/>
             </a:prstGeom>
           </p:spPr>
-        </p:pic>
-        <p:pic>
-          <p:nvPicPr>
-            <p:cNvPr id="149" name="Picture 148">
-              <a:extLst>
-                <a:ext uri="{FF2B5EF4-FFF2-40B4-BE49-F238E27FC236}">
-                  <a16:creationId xmlns:a16="http://schemas.microsoft.com/office/drawing/2014/main" id="{665ED391-01C9-1140-ADCD-16B058580531}"/>
-                </a:ext>
-              </a:extLst>
-            </p:cNvPr>
-            <p:cNvPicPr>
-              <a:picLocks noChangeAspect="1"/>
-            </p:cNvPicPr>
-            <p:nvPr/>
-          </p:nvPicPr>
-          <p:blipFill rotWithShape="1">
-            <a:blip r:embed="rId5"/>
-            <a:srcRect t="16933" b="45178"/>
-            <a:stretch/>
-          </p:blipFill>
-          <p:spPr>
-            <a:xfrm>
-              <a:off x="2451259" y="17379633"/>
-              <a:ext cx="1342060" cy="1327066"/>
-            </a:xfrm>
-            <a:prstGeom prst="rect">
-              <a:avLst/>
-            </a:prstGeom>
-          </p:spPr>
-        </p:pic>
-        <p:pic>
-          <p:nvPicPr>
-            <p:cNvPr id="151" name="Picture 150">
-              <a:extLst>
-                <a:ext uri="{FF2B5EF4-FFF2-40B4-BE49-F238E27FC236}">
-                  <a16:creationId xmlns:a16="http://schemas.microsoft.com/office/drawing/2014/main" id="{F0AEC92B-5996-A746-8B68-AFD16D5D8043}"/>
-                </a:ext>
-              </a:extLst>
-            </p:cNvPr>
-            <p:cNvPicPr>
-              <a:picLocks noChangeAspect="1"/>
-            </p:cNvPicPr>
-            <p:nvPr/>
-          </p:nvPicPr>
-          <p:blipFill rotWithShape="1">
-            <a:blip r:embed="rId5"/>
-            <a:srcRect t="16933" b="45178"/>
-            <a:stretch/>
-          </p:blipFill>
-          <p:spPr>
-            <a:xfrm rot="16200000">
-              <a:off x="2451259" y="19604766"/>
-              <a:ext cx="1342060" cy="1327066"/>
-            </a:xfrm>
-            <a:prstGeom prst="rect">
-              <a:avLst/>
-            </a:prstGeom>
-          </p:spPr>
-        </p:pic>
-        <p:pic>
-          <p:nvPicPr>
-            <p:cNvPr id="152" name="Picture 151">
-              <a:extLst>
-                <a:ext uri="{FF2B5EF4-FFF2-40B4-BE49-F238E27FC236}">
-                  <a16:creationId xmlns:a16="http://schemas.microsoft.com/office/drawing/2014/main" id="{F3464B9D-BA97-E441-B612-CD04855B2499}"/>
-                </a:ext>
-              </a:extLst>
-            </p:cNvPr>
-            <p:cNvPicPr>
-              <a:picLocks noChangeAspect="1"/>
-            </p:cNvPicPr>
-            <p:nvPr/>
-          </p:nvPicPr>
-          <p:blipFill rotWithShape="1">
-            <a:blip r:embed="rId5"/>
-            <a:srcRect t="16933" b="45178"/>
-            <a:stretch/>
-          </p:blipFill>
-          <p:spPr>
-            <a:xfrm flipH="1">
-              <a:off x="2434578" y="21829899"/>
-              <a:ext cx="1375422" cy="1327066"/>
-            </a:xfrm>
-            <a:prstGeom prst="rect">
-              <a:avLst/>
-            </a:prstGeom>
-          </p:spPr>
-        </p:pic>
-        <p:pic>
-          <p:nvPicPr>
-            <p:cNvPr id="154" name="Picture 153">
-              <a:extLst>
-                <a:ext uri="{FF2B5EF4-FFF2-40B4-BE49-F238E27FC236}">
-                  <a16:creationId xmlns:a16="http://schemas.microsoft.com/office/drawing/2014/main" id="{426CD974-6402-B74A-B9DB-19757A23318A}"/>
-                </a:ext>
-              </a:extLst>
-            </p:cNvPr>
-            <p:cNvPicPr>
-              <a:picLocks noChangeAspect="1"/>
-            </p:cNvPicPr>
-            <p:nvPr/>
-          </p:nvPicPr>
-          <p:blipFill rotWithShape="1">
-            <a:blip r:embed="rId6">
-              <a:extLst>
-                <a:ext uri="{BEBA8EAE-BF5A-486C-A8C5-ECC9F3942E4B}">
-                  <a14:imgProps xmlns:a14="http://schemas.microsoft.com/office/drawing/2010/main">
-                    <a14:imgLayer>
-                      <a14:imgEffect>
-                        <a14:sharpenSoften amount="50000"/>
-                      </a14:imgEffect>
-                      <a14:imgEffect>
-                        <a14:brightnessContrast bright="-40000" contrast="20000"/>
-                      </a14:imgEffect>
-                    </a14:imgLayer>
-                  </a14:imgProps>
-                </a:ext>
-              </a:extLst>
-            </a:blip>
-            <a:srcRect t="16933" b="45178"/>
-            <a:stretch/>
-          </p:blipFill>
-          <p:spPr>
-            <a:xfrm>
-              <a:off x="2451259" y="24047534"/>
-              <a:ext cx="1342060" cy="1327066"/>
-            </a:xfrm>
-            <a:prstGeom prst="rect">
-              <a:avLst/>
-            </a:prstGeom>
-          </p:spPr>
-        </p:pic>
-        <p:grpSp>
-          <p:nvGrpSpPr>
-            <p:cNvPr id="155" name="Group 154">
-              <a:extLst>
-                <a:ext uri="{FF2B5EF4-FFF2-40B4-BE49-F238E27FC236}">
-                  <a16:creationId xmlns:a16="http://schemas.microsoft.com/office/drawing/2014/main" id="{2FF1B882-7019-A149-9CD8-7E56A96F3B80}"/>
-                </a:ext>
-              </a:extLst>
-            </p:cNvPr>
-            <p:cNvGrpSpPr/>
-            <p:nvPr/>
-          </p:nvGrpSpPr>
-          <p:grpSpPr>
-            <a:xfrm>
-              <a:off x="1651991" y="18262393"/>
-              <a:ext cx="710210" cy="6503201"/>
-              <a:chOff x="1651990" y="18262393"/>
-              <a:chExt cx="1296169" cy="6503201"/>
-            </a:xfrm>
-          </p:grpSpPr>
-          <p:cxnSp>
-            <p:nvCxnSpPr>
-              <p:cNvPr id="185" name="Straight Arrow Connector 184">
-                <a:extLst>
-                  <a:ext uri="{FF2B5EF4-FFF2-40B4-BE49-F238E27FC236}">
-                    <a16:creationId xmlns:a16="http://schemas.microsoft.com/office/drawing/2014/main" id="{CDB0163F-0F91-6D45-B2D1-330C38689B42}"/>
-                  </a:ext>
-                </a:extLst>
-              </p:cNvPr>
-              <p:cNvCxnSpPr>
-                <a:cxnSpLocks/>
-              </p:cNvCxnSpPr>
-              <p:nvPr/>
-            </p:nvCxnSpPr>
-            <p:spPr bwMode="auto">
-              <a:xfrm flipV="1">
-                <a:off x="1651990" y="20346589"/>
-                <a:ext cx="1232288" cy="823966"/>
-              </a:xfrm>
-              <a:prstGeom prst="straightConnector1">
-                <a:avLst/>
-              </a:prstGeom>
-              <a:solidFill>
-                <a:schemeClr val="accent1"/>
-              </a:solidFill>
-              <a:ln w="57150" cap="flat" cmpd="sng" algn="ctr">
-                <a:solidFill>
-                  <a:srgbClr val="FF0000"/>
-                </a:solidFill>
-                <a:prstDash val="solid"/>
-                <a:round/>
-                <a:headEnd type="none" w="med" len="med"/>
-                <a:tailEnd type="arrow" w="med" len="med"/>
-              </a:ln>
-              <a:effectLst/>
-            </p:spPr>
-          </p:cxnSp>
-          <p:cxnSp>
-            <p:nvCxnSpPr>
-              <p:cNvPr id="187" name="Straight Arrow Connector 186">
-                <a:extLst>
-                  <a:ext uri="{FF2B5EF4-FFF2-40B4-BE49-F238E27FC236}">
-                    <a16:creationId xmlns:a16="http://schemas.microsoft.com/office/drawing/2014/main" id="{AA3714F0-20EA-4A42-BAAD-D76ADF3A9AE2}"/>
-                  </a:ext>
-                </a:extLst>
-              </p:cNvPr>
-              <p:cNvCxnSpPr>
-                <a:cxnSpLocks/>
-              </p:cNvCxnSpPr>
-              <p:nvPr/>
-            </p:nvCxnSpPr>
-            <p:spPr bwMode="auto">
-              <a:xfrm flipV="1">
-                <a:off x="1676168" y="18262393"/>
-                <a:ext cx="1271991" cy="2908162"/>
-              </a:xfrm>
-              <a:prstGeom prst="straightConnector1">
-                <a:avLst/>
-              </a:prstGeom>
-              <a:solidFill>
-                <a:schemeClr val="accent1"/>
-              </a:solidFill>
-              <a:ln w="57150" cap="flat" cmpd="sng" algn="ctr">
-                <a:solidFill>
-                  <a:srgbClr val="FF0000"/>
-                </a:solidFill>
-                <a:prstDash val="solid"/>
-                <a:round/>
-                <a:headEnd type="none" w="med" len="med"/>
-                <a:tailEnd type="arrow" w="med" len="med"/>
-              </a:ln>
-              <a:effectLst/>
-            </p:spPr>
-          </p:cxnSp>
-          <p:cxnSp>
-            <p:nvCxnSpPr>
-              <p:cNvPr id="189" name="Straight Arrow Connector 188">
-                <a:extLst>
-                  <a:ext uri="{FF2B5EF4-FFF2-40B4-BE49-F238E27FC236}">
-                    <a16:creationId xmlns:a16="http://schemas.microsoft.com/office/drawing/2014/main" id="{B8E59CF3-3A2C-9B4F-A013-AD07F2652049}"/>
-                  </a:ext>
-                </a:extLst>
-              </p:cNvPr>
-              <p:cNvCxnSpPr>
-                <a:cxnSpLocks/>
-              </p:cNvCxnSpPr>
-              <p:nvPr/>
-            </p:nvCxnSpPr>
-            <p:spPr bwMode="auto">
-              <a:xfrm>
-                <a:off x="1651990" y="21160417"/>
-                <a:ext cx="1091210" cy="1302978"/>
-              </a:xfrm>
-              <a:prstGeom prst="straightConnector1">
-                <a:avLst/>
-              </a:prstGeom>
-              <a:solidFill>
-                <a:schemeClr val="accent1"/>
-              </a:solidFill>
-              <a:ln w="57150" cap="flat" cmpd="sng" algn="ctr">
-                <a:solidFill>
-                  <a:srgbClr val="FF0000"/>
-                </a:solidFill>
-                <a:prstDash val="solid"/>
-                <a:round/>
-                <a:headEnd type="none" w="med" len="med"/>
-                <a:tailEnd type="arrow" w="med" len="med"/>
-              </a:ln>
-              <a:effectLst/>
-            </p:spPr>
-          </p:cxnSp>
-          <p:cxnSp>
-            <p:nvCxnSpPr>
-              <p:cNvPr id="191" name="Straight Arrow Connector 190">
-                <a:extLst>
-                  <a:ext uri="{FF2B5EF4-FFF2-40B4-BE49-F238E27FC236}">
-                    <a16:creationId xmlns:a16="http://schemas.microsoft.com/office/drawing/2014/main" id="{5C7AB9A7-A5F1-0541-BF2E-DF9B514C2A69}"/>
-                  </a:ext>
-                </a:extLst>
-              </p:cNvPr>
-              <p:cNvCxnSpPr>
-                <a:cxnSpLocks/>
-                <a:stCxn id="147" idx="3"/>
-              </p:cNvCxnSpPr>
-              <p:nvPr/>
-            </p:nvCxnSpPr>
-            <p:spPr bwMode="auto">
-              <a:xfrm>
-                <a:off x="1676169" y="21258456"/>
-                <a:ext cx="1067032" cy="3507138"/>
-              </a:xfrm>
-              <a:prstGeom prst="straightConnector1">
-                <a:avLst/>
-              </a:prstGeom>
-              <a:solidFill>
-                <a:schemeClr val="accent1"/>
-              </a:solidFill>
-              <a:ln w="57150" cap="flat" cmpd="sng" algn="ctr">
-                <a:solidFill>
-                  <a:srgbClr val="FF0000"/>
-                </a:solidFill>
-                <a:prstDash val="solid"/>
-                <a:round/>
-                <a:headEnd type="none" w="med" len="med"/>
-                <a:tailEnd type="arrow" w="med" len="med"/>
-              </a:ln>
-              <a:effectLst/>
-            </p:spPr>
-          </p:cxnSp>
-        </p:grpSp>
-        <p:cxnSp>
-          <p:nvCxnSpPr>
-            <p:cNvPr id="163" name="Straight Arrow Connector 162">
-              <a:extLst>
-                <a:ext uri="{FF2B5EF4-FFF2-40B4-BE49-F238E27FC236}">
-                  <a16:creationId xmlns:a16="http://schemas.microsoft.com/office/drawing/2014/main" id="{0662BE07-6BB0-DC4A-9BA4-E5A8552336DA}"/>
-                </a:ext>
-              </a:extLst>
-            </p:cNvPr>
-            <p:cNvCxnSpPr>
-              <a:cxnSpLocks/>
-            </p:cNvCxnSpPr>
-            <p:nvPr/>
-          </p:nvCxnSpPr>
-          <p:spPr bwMode="auto">
-            <a:xfrm flipV="1">
-              <a:off x="4550102" y="21490131"/>
-              <a:ext cx="2077150" cy="33638"/>
-            </a:xfrm>
-            <a:prstGeom prst="straightConnector1">
-              <a:avLst/>
-            </a:prstGeom>
-            <a:solidFill>
-              <a:schemeClr val="accent1"/>
-            </a:solidFill>
-            <a:ln w="57150" cap="flat" cmpd="sng" algn="ctr">
-              <a:solidFill>
-                <a:srgbClr val="FF0000"/>
-              </a:solidFill>
-              <a:prstDash val="solid"/>
-              <a:round/>
-              <a:headEnd type="none" w="med" len="med"/>
-              <a:tailEnd type="arrow" w="med" len="med"/>
-            </a:ln>
-            <a:effectLst/>
-          </p:spPr>
-        </p:cxnSp>
-        <p:cxnSp>
-          <p:nvCxnSpPr>
-            <p:cNvPr id="165" name="Straight Arrow Connector 164">
-              <a:extLst>
-                <a:ext uri="{FF2B5EF4-FFF2-40B4-BE49-F238E27FC236}">
-                  <a16:creationId xmlns:a16="http://schemas.microsoft.com/office/drawing/2014/main" id="{E852C649-AE35-6C4A-B0EB-341956421CFE}"/>
-                </a:ext>
-              </a:extLst>
-            </p:cNvPr>
-            <p:cNvCxnSpPr>
-              <a:cxnSpLocks/>
-            </p:cNvCxnSpPr>
-            <p:nvPr/>
-          </p:nvCxnSpPr>
-          <p:spPr bwMode="auto">
-            <a:xfrm>
-              <a:off x="3901668" y="18323774"/>
-              <a:ext cx="648434" cy="3199995"/>
-            </a:xfrm>
-            <a:prstGeom prst="straightConnector1">
-              <a:avLst/>
-            </a:prstGeom>
-            <a:solidFill>
-              <a:schemeClr val="accent1"/>
-            </a:solidFill>
-            <a:ln w="57150" cap="flat" cmpd="sng" algn="ctr">
-              <a:solidFill>
-                <a:srgbClr val="FF0000"/>
-              </a:solidFill>
-              <a:prstDash val="solid"/>
-              <a:round/>
-              <a:headEnd type="none" w="med" len="med"/>
-              <a:tailEnd type="none" w="med" len="med"/>
-            </a:ln>
-            <a:effectLst/>
-          </p:spPr>
-        </p:cxnSp>
-        <p:cxnSp>
-          <p:nvCxnSpPr>
-            <p:cNvPr id="169" name="Straight Arrow Connector 168">
-              <a:extLst>
-                <a:ext uri="{FF2B5EF4-FFF2-40B4-BE49-F238E27FC236}">
-                  <a16:creationId xmlns:a16="http://schemas.microsoft.com/office/drawing/2014/main" id="{4023AB5B-2349-3645-81A4-08E4710DD541}"/>
-                </a:ext>
-              </a:extLst>
-            </p:cNvPr>
-            <p:cNvCxnSpPr>
-              <a:cxnSpLocks/>
-            </p:cNvCxnSpPr>
-            <p:nvPr/>
-          </p:nvCxnSpPr>
-          <p:spPr bwMode="auto">
-            <a:xfrm>
-              <a:off x="3886200" y="20269200"/>
-              <a:ext cx="629441" cy="1300872"/>
-            </a:xfrm>
-            <a:prstGeom prst="straightConnector1">
-              <a:avLst/>
-            </a:prstGeom>
-            <a:solidFill>
-              <a:schemeClr val="accent1"/>
-            </a:solidFill>
-            <a:ln w="57150" cap="flat" cmpd="sng" algn="ctr">
-              <a:solidFill>
-                <a:srgbClr val="FF0000"/>
-              </a:solidFill>
-              <a:prstDash val="solid"/>
-              <a:round/>
-              <a:headEnd type="none" w="med" len="med"/>
-              <a:tailEnd type="none" w="med" len="med"/>
-            </a:ln>
-            <a:effectLst/>
-          </p:spPr>
-        </p:cxnSp>
-        <p:cxnSp>
-          <p:nvCxnSpPr>
-            <p:cNvPr id="170" name="Straight Arrow Connector 169">
-              <a:extLst>
-                <a:ext uri="{FF2B5EF4-FFF2-40B4-BE49-F238E27FC236}">
-                  <a16:creationId xmlns:a16="http://schemas.microsoft.com/office/drawing/2014/main" id="{6163EAB4-4E4D-4945-B2C8-BF10C28523D6}"/>
-                </a:ext>
-              </a:extLst>
-            </p:cNvPr>
-            <p:cNvCxnSpPr>
-              <a:cxnSpLocks/>
-            </p:cNvCxnSpPr>
-            <p:nvPr/>
-          </p:nvCxnSpPr>
-          <p:spPr bwMode="auto">
-            <a:xfrm flipV="1">
-              <a:off x="3838066" y="21542424"/>
-              <a:ext cx="657734" cy="1012776"/>
-            </a:xfrm>
-            <a:prstGeom prst="straightConnector1">
-              <a:avLst/>
-            </a:prstGeom>
-            <a:solidFill>
-              <a:schemeClr val="accent1"/>
-            </a:solidFill>
-            <a:ln w="57150" cap="flat" cmpd="sng" algn="ctr">
-              <a:solidFill>
-                <a:srgbClr val="FF0000"/>
-              </a:solidFill>
-              <a:prstDash val="solid"/>
-              <a:round/>
-              <a:headEnd type="none" w="med" len="med"/>
-              <a:tailEnd type="none" w="med" len="med"/>
-            </a:ln>
-            <a:effectLst/>
-          </p:spPr>
-        </p:cxnSp>
-        <p:cxnSp>
-          <p:nvCxnSpPr>
-            <p:cNvPr id="171" name="Straight Arrow Connector 170">
-              <a:extLst>
-                <a:ext uri="{FF2B5EF4-FFF2-40B4-BE49-F238E27FC236}">
-                  <a16:creationId xmlns:a16="http://schemas.microsoft.com/office/drawing/2014/main" id="{4CD120A5-9A8C-F440-9CDF-99B75426D15B}"/>
-                </a:ext>
-              </a:extLst>
-            </p:cNvPr>
-            <p:cNvCxnSpPr>
-              <a:cxnSpLocks/>
-              <a:stCxn id="154" idx="3"/>
-            </p:cNvCxnSpPr>
-            <p:nvPr/>
-          </p:nvCxnSpPr>
-          <p:spPr bwMode="auto">
-            <a:xfrm flipV="1">
-              <a:off x="3793319" y="21568059"/>
-              <a:ext cx="722322" cy="3143008"/>
-            </a:xfrm>
-            <a:prstGeom prst="straightConnector1">
-              <a:avLst/>
-            </a:prstGeom>
-            <a:solidFill>
-              <a:schemeClr val="accent1"/>
-            </a:solidFill>
-            <a:ln w="57150" cap="flat" cmpd="sng" algn="ctr">
-              <a:solidFill>
-                <a:srgbClr val="FF0000"/>
-              </a:solidFill>
-              <a:prstDash val="solid"/>
-              <a:round/>
-              <a:headEnd type="none" w="med" len="med"/>
-              <a:tailEnd type="none" w="med" len="med"/>
-            </a:ln>
-            <a:effectLst/>
-          </p:spPr>
-        </p:cxnSp>
-        <p:pic>
-          <p:nvPicPr>
-            <p:cNvPr id="183" name="Picture 182">
-              <a:extLst>
-                <a:ext uri="{FF2B5EF4-FFF2-40B4-BE49-F238E27FC236}">
-                  <a16:creationId xmlns:a16="http://schemas.microsoft.com/office/drawing/2014/main" id="{A5DABED0-47C7-6B40-B43F-8A1FCDE93F52}"/>
-                </a:ext>
-              </a:extLst>
-            </p:cNvPr>
-            <p:cNvPicPr>
-              <a:picLocks noChangeAspect="1"/>
-            </p:cNvPicPr>
-            <p:nvPr/>
-          </p:nvPicPr>
-          <p:blipFill rotWithShape="1">
-            <a:blip r:embed="rId4"/>
-            <a:srcRect t="16577" b="13224"/>
-            <a:stretch/>
-          </p:blipFill>
-          <p:spPr>
-            <a:xfrm>
-              <a:off x="6631987" y="20768596"/>
-              <a:ext cx="1525338" cy="1525339"/>
-            </a:xfrm>
-            <a:prstGeom prst="rect">
-              <a:avLst/>
-            </a:prstGeom>
-          </p:spPr>
-        </p:pic>
+          <p:txBody>
+            <a:bodyPr wrap="square">
+              <a:spAutoFit/>
+            </a:bodyPr>
+            <a:lstStyle/>
+            <a:p>
+              <a:pPr lvl="0" algn="ctr">
+                <a:spcBef>
+                  <a:spcPts val="0"/>
+                </a:spcBef>
+                <a:spcAft>
+                  <a:spcPts val="0"/>
+                </a:spcAft>
+              </a:pPr>
+              <a:r>
+                <a:rPr lang="en-US" sz="3200" dirty="0"/>
+                <a:t>Footwear impressions </a:t>
+              </a:r>
+            </a:p>
+            <a:p>
+              <a:pPr lvl="0" algn="ctr">
+                <a:spcBef>
+                  <a:spcPts val="0"/>
+                </a:spcBef>
+                <a:spcAft>
+                  <a:spcPts val="0"/>
+                </a:spcAft>
+              </a:pPr>
+              <a:r>
+                <a:rPr lang="en-US" sz="3200" dirty="0"/>
+                <a:t>at the crime scene</a:t>
+              </a:r>
+            </a:p>
+          </p:txBody>
+        </p:sp>
       </p:grpSp>
-      <p:sp>
-        <p:nvSpPr>
-          <p:cNvPr id="192" name="Rectangle 191">
-            <a:extLst>
-              <a:ext uri="{FF2B5EF4-FFF2-40B4-BE49-F238E27FC236}">
-                <a16:creationId xmlns:a16="http://schemas.microsoft.com/office/drawing/2014/main" id="{72F41B5D-4798-6045-AE27-D35BEA47C27A}"/>
-              </a:ext>
-            </a:extLst>
-          </p:cNvPr>
-          <p:cNvSpPr/>
-          <p:nvPr/>
-        </p:nvSpPr>
-        <p:spPr bwMode="auto">
-          <a:xfrm>
-            <a:off x="16460251" y="18085216"/>
-            <a:ext cx="2617569" cy="1792558"/>
-          </a:xfrm>
-          <a:prstGeom prst="rect">
-            <a:avLst/>
-          </a:prstGeom>
-          <a:noFill/>
-          <a:ln w="38100" cap="flat" cmpd="sng" algn="ctr">
-            <a:solidFill>
-              <a:schemeClr val="tx1"/>
-            </a:solidFill>
-            <a:prstDash val="solid"/>
-            <a:miter lim="800000"/>
-            <a:headEnd type="none" w="med" len="med"/>
-            <a:tailEnd type="none" w="med" len="med"/>
-          </a:ln>
-          <a:effectLst>
-            <a:outerShdw blurRad="50800" dist="38100" dir="2700000">
-              <a:srgbClr val="000000">
-                <a:alpha val="43000"/>
-              </a:srgbClr>
-            </a:outerShdw>
-          </a:effectLst>
-        </p:spPr>
-        <p:txBody>
-          <a:bodyPr vert="horz" wrap="square" lIns="91440" tIns="45720" rIns="91440" bIns="45720" numCol="1" rtlCol="0" anchor="ctr" anchorCtr="0" compatLnSpc="1">
-            <a:prstTxWarp prst="textNoShape">
-              <a:avLst/>
-            </a:prstTxWarp>
-          </a:bodyPr>
-          <a:lstStyle/>
-          <a:p>
-            <a:pPr marL="0" marR="0" indent="0" algn="ctr" defTabSz="3762375" rtl="0" eaLnBrk="1" fontAlgn="base" latinLnBrk="0" hangingPunct="1">
-              <a:lnSpc>
-                <a:spcPct val="100000"/>
-              </a:lnSpc>
-              <a:spcBef>
-                <a:spcPct val="0"/>
-              </a:spcBef>
-              <a:spcAft>
-                <a:spcPct val="0"/>
-              </a:spcAft>
-              <a:buClrTx/>
-              <a:buSzTx/>
-              <a:buFontTx/>
-              <a:buNone/>
-              <a:tabLst/>
-            </a:pPr>
-            <a:endParaRPr lang="en-US" dirty="0">
-              <a:latin typeface="Arial" pitchFamily="-110" charset="0"/>
-            </a:endParaRPr>
-          </a:p>
-        </p:txBody>
-      </p:sp>
-      <p:sp>
-        <p:nvSpPr>
-          <p:cNvPr id="193" name="Google Shape;50;p6">
-            <a:extLst>
-              <a:ext uri="{FF2B5EF4-FFF2-40B4-BE49-F238E27FC236}">
-                <a16:creationId xmlns:a16="http://schemas.microsoft.com/office/drawing/2014/main" id="{52A62785-8A0B-5F46-A638-DA398812B1F0}"/>
-              </a:ext>
-            </a:extLst>
-          </p:cNvPr>
-          <p:cNvSpPr txBox="1"/>
-          <p:nvPr/>
-        </p:nvSpPr>
-        <p:spPr>
-          <a:xfrm>
-            <a:off x="15240000" y="19957245"/>
-            <a:ext cx="4306524" cy="828208"/>
-          </a:xfrm>
-          <a:prstGeom prst="rect">
-            <a:avLst/>
-          </a:prstGeom>
-          <a:noFill/>
-          <a:ln>
-            <a:noFill/>
-          </a:ln>
-        </p:spPr>
-        <p:txBody>
-          <a:bodyPr spcFirstLastPara="1" wrap="square" lIns="91425" tIns="91425" rIns="91425" bIns="91425" anchor="t" anchorCtr="0">
-            <a:noAutofit/>
-          </a:bodyPr>
-          <a:lstStyle/>
-          <a:p>
-            <a:pPr lvl="0" algn="ctr">
-              <a:spcBef>
-                <a:spcPts val="0"/>
-              </a:spcBef>
-              <a:spcAft>
-                <a:spcPts val="0"/>
-              </a:spcAft>
-            </a:pPr>
-            <a:r>
-              <a:rPr lang="en-US" sz="3400" b="1" dirty="0"/>
-              <a:t>Data augmentation</a:t>
-            </a:r>
-          </a:p>
-        </p:txBody>
-      </p:sp>
-      <p:sp>
-        <p:nvSpPr>
-          <p:cNvPr id="194" name="Google Shape;50;p6">
-            <a:extLst>
-              <a:ext uri="{FF2B5EF4-FFF2-40B4-BE49-F238E27FC236}">
-                <a16:creationId xmlns:a16="http://schemas.microsoft.com/office/drawing/2014/main" id="{0CBE2400-3B81-6F4C-89CB-0872EE4EA3DE}"/>
-              </a:ext>
-            </a:extLst>
-          </p:cNvPr>
-          <p:cNvSpPr txBox="1"/>
-          <p:nvPr/>
-        </p:nvSpPr>
-        <p:spPr>
-          <a:xfrm>
-            <a:off x="15786790" y="17265450"/>
-            <a:ext cx="3937787" cy="690649"/>
-          </a:xfrm>
-          <a:prstGeom prst="rect">
-            <a:avLst/>
-          </a:prstGeom>
-          <a:noFill/>
-          <a:ln>
-            <a:noFill/>
-          </a:ln>
-        </p:spPr>
-        <p:txBody>
-          <a:bodyPr spcFirstLastPara="1" wrap="square" lIns="91425" tIns="91425" rIns="91425" bIns="91425" anchor="t" anchorCtr="0">
-            <a:noAutofit/>
-          </a:bodyPr>
-          <a:lstStyle/>
-          <a:p>
-            <a:pPr lvl="0" algn="ctr">
-              <a:spcBef>
-                <a:spcPts val="0"/>
-              </a:spcBef>
-              <a:spcAft>
-                <a:spcPts val="0"/>
-              </a:spcAft>
-            </a:pPr>
-            <a:r>
-              <a:rPr lang="en-US" sz="3200" i="1" dirty="0"/>
-              <a:t>Images with noise</a:t>
-            </a:r>
-          </a:p>
-        </p:txBody>
-      </p:sp>
-      <p:cxnSp>
-        <p:nvCxnSpPr>
-          <p:cNvPr id="22" name="Curved Connector 21">
-            <a:extLst>
-              <a:ext uri="{FF2B5EF4-FFF2-40B4-BE49-F238E27FC236}">
-                <a16:creationId xmlns:a16="http://schemas.microsoft.com/office/drawing/2014/main" id="{221A3ECC-05FD-D347-BB02-330F9DF32E8B}"/>
-              </a:ext>
-            </a:extLst>
-          </p:cNvPr>
-          <p:cNvCxnSpPr>
-            <a:cxnSpLocks/>
-            <a:stCxn id="192" idx="3"/>
-            <a:endCxn id="8" idx="1"/>
-          </p:cNvCxnSpPr>
-          <p:nvPr/>
-        </p:nvCxnSpPr>
-        <p:spPr bwMode="auto">
-          <a:xfrm>
-            <a:off x="19077820" y="18981495"/>
-            <a:ext cx="823770" cy="1645920"/>
-          </a:xfrm>
-          <a:prstGeom prst="curvedConnector3">
-            <a:avLst/>
-          </a:prstGeom>
-          <a:solidFill>
-            <a:schemeClr val="accent1"/>
-          </a:solidFill>
-          <a:ln w="57150" cap="flat" cmpd="sng" algn="ctr">
-            <a:solidFill>
-              <a:srgbClr val="0070C0"/>
-            </a:solidFill>
-            <a:prstDash val="solid"/>
-            <a:round/>
-            <a:headEnd type="none" w="med" len="med"/>
-            <a:tailEnd type="arrow" w="med" len="med"/>
-          </a:ln>
-          <a:effectLst/>
-        </p:spPr>
-      </p:cxnSp>
-      <p:cxnSp>
-        <p:nvCxnSpPr>
-          <p:cNvPr id="195" name="Curved Connector 194">
-            <a:extLst>
-              <a:ext uri="{FF2B5EF4-FFF2-40B4-BE49-F238E27FC236}">
-                <a16:creationId xmlns:a16="http://schemas.microsoft.com/office/drawing/2014/main" id="{730EE097-A947-5741-A89E-585BF1CC41C2}"/>
-              </a:ext>
-            </a:extLst>
-          </p:cNvPr>
-          <p:cNvCxnSpPr>
-            <a:cxnSpLocks/>
-          </p:cNvCxnSpPr>
-          <p:nvPr/>
-        </p:nvCxnSpPr>
-        <p:spPr bwMode="auto">
-          <a:xfrm>
-            <a:off x="22550837" y="21638542"/>
-            <a:ext cx="823770" cy="1645920"/>
-          </a:xfrm>
-          <a:prstGeom prst="curvedConnector3">
-            <a:avLst/>
-          </a:prstGeom>
-          <a:solidFill>
-            <a:schemeClr val="accent1"/>
-          </a:solidFill>
-          <a:ln w="57150" cap="flat" cmpd="sng" algn="ctr">
-            <a:solidFill>
-              <a:schemeClr val="tx1"/>
-            </a:solidFill>
-            <a:prstDash val="solid"/>
-            <a:round/>
-            <a:headEnd type="none" w="med" len="med"/>
-            <a:tailEnd type="arrow" w="med" len="med"/>
-          </a:ln>
-          <a:effectLst/>
-        </p:spPr>
-      </p:cxnSp>
-      <p:cxnSp>
-        <p:nvCxnSpPr>
-          <p:cNvPr id="196" name="Curved Connector 195">
-            <a:extLst>
-              <a:ext uri="{FF2B5EF4-FFF2-40B4-BE49-F238E27FC236}">
-                <a16:creationId xmlns:a16="http://schemas.microsoft.com/office/drawing/2014/main" id="{90DA5EA2-B7E8-4B42-A990-7440893337B4}"/>
-              </a:ext>
-            </a:extLst>
-          </p:cNvPr>
-          <p:cNvCxnSpPr>
-            <a:cxnSpLocks/>
-            <a:stCxn id="8" idx="3"/>
-          </p:cNvCxnSpPr>
-          <p:nvPr/>
-        </p:nvCxnSpPr>
-        <p:spPr bwMode="auto">
-          <a:xfrm flipV="1">
-            <a:off x="22519159" y="18926985"/>
-            <a:ext cx="990180" cy="1645920"/>
-          </a:xfrm>
-          <a:prstGeom prst="curvedConnector3">
-            <a:avLst/>
-          </a:prstGeom>
-          <a:solidFill>
-            <a:schemeClr val="accent1"/>
-          </a:solidFill>
-          <a:ln w="57150" cap="flat" cmpd="sng" algn="ctr">
-            <a:solidFill>
-              <a:srgbClr val="0070C0"/>
-            </a:solidFill>
-            <a:prstDash val="solid"/>
-            <a:round/>
-            <a:headEnd type="none" w="med" len="med"/>
-            <a:tailEnd type="arrow" w="med" len="med"/>
-          </a:ln>
-          <a:effectLst/>
-        </p:spPr>
-      </p:cxnSp>
-      <p:sp>
-        <p:nvSpPr>
-          <p:cNvPr id="203" name="Google Shape;50;p6">
-            <a:extLst>
-              <a:ext uri="{FF2B5EF4-FFF2-40B4-BE49-F238E27FC236}">
-                <a16:creationId xmlns:a16="http://schemas.microsoft.com/office/drawing/2014/main" id="{17A0C9B2-3FA9-EF4A-A1BE-5130B06D8F9E}"/>
-              </a:ext>
-            </a:extLst>
-          </p:cNvPr>
-          <p:cNvSpPr txBox="1"/>
-          <p:nvPr/>
-        </p:nvSpPr>
-        <p:spPr>
-          <a:xfrm>
-            <a:off x="22597551" y="17256993"/>
-            <a:ext cx="4529649" cy="690649"/>
-          </a:xfrm>
-          <a:prstGeom prst="rect">
-            <a:avLst/>
-          </a:prstGeom>
-          <a:noFill/>
-          <a:ln>
-            <a:noFill/>
-          </a:ln>
-        </p:spPr>
-        <p:txBody>
-          <a:bodyPr spcFirstLastPara="1" wrap="square" lIns="91425" tIns="91425" rIns="91425" bIns="91425" anchor="t" anchorCtr="0">
-            <a:noAutofit/>
-          </a:bodyPr>
-          <a:lstStyle/>
-          <a:p>
-            <a:pPr lvl="0" algn="ctr">
-              <a:spcBef>
-                <a:spcPts val="0"/>
-              </a:spcBef>
-              <a:spcAft>
-                <a:spcPts val="0"/>
-              </a:spcAft>
-            </a:pPr>
-            <a:r>
-              <a:rPr lang="en-US" sz="3200" i="1" dirty="0"/>
-              <a:t>Images without noise</a:t>
-            </a:r>
-          </a:p>
-        </p:txBody>
-      </p:sp>
-      <p:grpSp>
-        <p:nvGrpSpPr>
-          <p:cNvPr id="205" name="Group 204">
-            <a:extLst>
-              <a:ext uri="{FF2B5EF4-FFF2-40B4-BE49-F238E27FC236}">
-                <a16:creationId xmlns:a16="http://schemas.microsoft.com/office/drawing/2014/main" id="{B103B722-B162-CF47-BFE1-AB7CC1251C02}"/>
-              </a:ext>
-            </a:extLst>
-          </p:cNvPr>
-          <p:cNvGrpSpPr/>
-          <p:nvPr/>
-        </p:nvGrpSpPr>
-        <p:grpSpPr>
-          <a:xfrm>
-            <a:off x="24115794" y="18195681"/>
-            <a:ext cx="1111690" cy="1641862"/>
-            <a:chOff x="334108" y="17379633"/>
-            <a:chExt cx="3475892" cy="7994967"/>
-          </a:xfrm>
-        </p:grpSpPr>
-        <p:pic>
-          <p:nvPicPr>
-            <p:cNvPr id="206" name="Picture 205">
-              <a:extLst>
-                <a:ext uri="{FF2B5EF4-FFF2-40B4-BE49-F238E27FC236}">
-                  <a16:creationId xmlns:a16="http://schemas.microsoft.com/office/drawing/2014/main" id="{0B7D6E9C-9C9E-664D-A0ED-92F0303B93D7}"/>
-                </a:ext>
-              </a:extLst>
-            </p:cNvPr>
-            <p:cNvPicPr>
-              <a:picLocks noChangeAspect="1"/>
-            </p:cNvPicPr>
-            <p:nvPr/>
-          </p:nvPicPr>
-          <p:blipFill>
-            <a:blip r:embed="rId5"/>
-            <a:stretch>
-              <a:fillRect/>
-            </a:stretch>
-          </p:blipFill>
-          <p:spPr>
-            <a:xfrm>
-              <a:off x="334108" y="19507200"/>
-              <a:ext cx="1342060" cy="3502512"/>
-            </a:xfrm>
-            <a:prstGeom prst="rect">
-              <a:avLst/>
-            </a:prstGeom>
-          </p:spPr>
-        </p:pic>
-        <p:pic>
-          <p:nvPicPr>
-            <p:cNvPr id="207" name="Picture 206">
-              <a:extLst>
-                <a:ext uri="{FF2B5EF4-FFF2-40B4-BE49-F238E27FC236}">
-                  <a16:creationId xmlns:a16="http://schemas.microsoft.com/office/drawing/2014/main" id="{CC7B2163-7EC0-134C-99C6-BF33D06071C1}"/>
-                </a:ext>
-              </a:extLst>
-            </p:cNvPr>
-            <p:cNvPicPr>
-              <a:picLocks noChangeAspect="1"/>
-            </p:cNvPicPr>
-            <p:nvPr/>
-          </p:nvPicPr>
-          <p:blipFill rotWithShape="1">
-            <a:blip r:embed="rId5"/>
-            <a:srcRect t="16933" b="45178"/>
-            <a:stretch/>
-          </p:blipFill>
-          <p:spPr>
-            <a:xfrm>
-              <a:off x="2451259" y="17379633"/>
-              <a:ext cx="1342060" cy="1327066"/>
-            </a:xfrm>
-            <a:prstGeom prst="rect">
-              <a:avLst/>
-            </a:prstGeom>
-          </p:spPr>
-        </p:pic>
-        <p:pic>
-          <p:nvPicPr>
-            <p:cNvPr id="208" name="Picture 207">
-              <a:extLst>
-                <a:ext uri="{FF2B5EF4-FFF2-40B4-BE49-F238E27FC236}">
-                  <a16:creationId xmlns:a16="http://schemas.microsoft.com/office/drawing/2014/main" id="{C9B29518-BC69-3545-AD00-B46263BA569C}"/>
-                </a:ext>
-              </a:extLst>
-            </p:cNvPr>
-            <p:cNvPicPr>
-              <a:picLocks noChangeAspect="1"/>
-            </p:cNvPicPr>
-            <p:nvPr/>
-          </p:nvPicPr>
-          <p:blipFill rotWithShape="1">
-            <a:blip r:embed="rId5"/>
-            <a:srcRect t="16933" b="45178"/>
-            <a:stretch/>
-          </p:blipFill>
-          <p:spPr>
-            <a:xfrm rot="16200000">
-              <a:off x="2451259" y="19604766"/>
-              <a:ext cx="1342060" cy="1327066"/>
-            </a:xfrm>
-            <a:prstGeom prst="rect">
-              <a:avLst/>
-            </a:prstGeom>
-          </p:spPr>
-        </p:pic>
-        <p:pic>
-          <p:nvPicPr>
-            <p:cNvPr id="211" name="Picture 210">
-              <a:extLst>
-                <a:ext uri="{FF2B5EF4-FFF2-40B4-BE49-F238E27FC236}">
-                  <a16:creationId xmlns:a16="http://schemas.microsoft.com/office/drawing/2014/main" id="{869E1EAB-0D97-684D-9CB0-B1D12212F315}"/>
-                </a:ext>
-              </a:extLst>
-            </p:cNvPr>
-            <p:cNvPicPr>
-              <a:picLocks noChangeAspect="1"/>
-            </p:cNvPicPr>
-            <p:nvPr/>
-          </p:nvPicPr>
-          <p:blipFill rotWithShape="1">
-            <a:blip r:embed="rId5"/>
-            <a:srcRect t="16933" b="45178"/>
-            <a:stretch/>
-          </p:blipFill>
-          <p:spPr>
-            <a:xfrm flipH="1">
-              <a:off x="2434578" y="21829899"/>
-              <a:ext cx="1375422" cy="1327066"/>
-            </a:xfrm>
-            <a:prstGeom prst="rect">
-              <a:avLst/>
-            </a:prstGeom>
-          </p:spPr>
-        </p:pic>
-        <p:pic>
-          <p:nvPicPr>
-            <p:cNvPr id="213" name="Picture 212">
-              <a:extLst>
-                <a:ext uri="{FF2B5EF4-FFF2-40B4-BE49-F238E27FC236}">
-                  <a16:creationId xmlns:a16="http://schemas.microsoft.com/office/drawing/2014/main" id="{A9D0D947-013B-B14D-BEBC-1CE64C500899}"/>
-                </a:ext>
-              </a:extLst>
-            </p:cNvPr>
-            <p:cNvPicPr>
-              <a:picLocks noChangeAspect="1"/>
-            </p:cNvPicPr>
-            <p:nvPr/>
-          </p:nvPicPr>
-          <p:blipFill rotWithShape="1">
-            <a:blip r:embed="rId6">
-              <a:extLst>
-                <a:ext uri="{BEBA8EAE-BF5A-486C-A8C5-ECC9F3942E4B}">
-                  <a14:imgProps xmlns:a14="http://schemas.microsoft.com/office/drawing/2010/main">
-                    <a14:imgLayer>
-                      <a14:imgEffect>
-                        <a14:sharpenSoften amount="50000"/>
-                      </a14:imgEffect>
-                      <a14:imgEffect>
-                        <a14:brightnessContrast bright="-40000" contrast="20000"/>
-                      </a14:imgEffect>
-                    </a14:imgLayer>
-                  </a14:imgProps>
-                </a:ext>
-              </a:extLst>
-            </a:blip>
-            <a:srcRect t="16933" b="45178"/>
-            <a:stretch/>
-          </p:blipFill>
-          <p:spPr>
-            <a:xfrm>
-              <a:off x="2451259" y="24047534"/>
-              <a:ext cx="1342060" cy="1327066"/>
-            </a:xfrm>
-            <a:prstGeom prst="rect">
-              <a:avLst/>
-            </a:prstGeom>
-          </p:spPr>
-        </p:pic>
-        <p:grpSp>
-          <p:nvGrpSpPr>
-            <p:cNvPr id="224" name="Group 223">
-              <a:extLst>
-                <a:ext uri="{FF2B5EF4-FFF2-40B4-BE49-F238E27FC236}">
-                  <a16:creationId xmlns:a16="http://schemas.microsoft.com/office/drawing/2014/main" id="{9EED4796-A085-1E49-996C-E2A885ECF636}"/>
-                </a:ext>
-              </a:extLst>
-            </p:cNvPr>
-            <p:cNvGrpSpPr/>
-            <p:nvPr/>
-          </p:nvGrpSpPr>
-          <p:grpSpPr>
-            <a:xfrm>
-              <a:off x="1651991" y="18262393"/>
-              <a:ext cx="710210" cy="6503201"/>
-              <a:chOff x="1651990" y="18262393"/>
-              <a:chExt cx="1296169" cy="6503201"/>
-            </a:xfrm>
-          </p:grpSpPr>
-          <p:cxnSp>
-            <p:nvCxnSpPr>
-              <p:cNvPr id="231" name="Straight Arrow Connector 230">
-                <a:extLst>
-                  <a:ext uri="{FF2B5EF4-FFF2-40B4-BE49-F238E27FC236}">
-                    <a16:creationId xmlns:a16="http://schemas.microsoft.com/office/drawing/2014/main" id="{C24D40AB-CBB4-0C41-82DD-2E3DB7E638FD}"/>
-                  </a:ext>
-                </a:extLst>
-              </p:cNvPr>
-              <p:cNvCxnSpPr>
-                <a:cxnSpLocks/>
-              </p:cNvCxnSpPr>
-              <p:nvPr/>
-            </p:nvCxnSpPr>
-            <p:spPr bwMode="auto">
-              <a:xfrm flipV="1">
-                <a:off x="1651990" y="20346589"/>
-                <a:ext cx="1232288" cy="823966"/>
-              </a:xfrm>
-              <a:prstGeom prst="straightConnector1">
-                <a:avLst/>
-              </a:prstGeom>
-              <a:solidFill>
-                <a:schemeClr val="accent1"/>
-              </a:solidFill>
-              <a:ln w="57150" cap="flat" cmpd="sng" algn="ctr">
-                <a:solidFill>
-                  <a:srgbClr val="FF0000"/>
-                </a:solidFill>
-                <a:prstDash val="solid"/>
-                <a:round/>
-                <a:headEnd type="none" w="med" len="med"/>
-                <a:tailEnd type="arrow" w="med" len="med"/>
-              </a:ln>
-              <a:effectLst/>
-            </p:spPr>
-          </p:cxnSp>
-          <p:cxnSp>
-            <p:nvCxnSpPr>
-              <p:cNvPr id="232" name="Straight Arrow Connector 231">
-                <a:extLst>
-                  <a:ext uri="{FF2B5EF4-FFF2-40B4-BE49-F238E27FC236}">
-                    <a16:creationId xmlns:a16="http://schemas.microsoft.com/office/drawing/2014/main" id="{6FF5D8C0-295C-2F4C-AA32-FF28489679C0}"/>
-                  </a:ext>
-                </a:extLst>
-              </p:cNvPr>
-              <p:cNvCxnSpPr>
-                <a:cxnSpLocks/>
-              </p:cNvCxnSpPr>
-              <p:nvPr/>
-            </p:nvCxnSpPr>
-            <p:spPr bwMode="auto">
-              <a:xfrm flipV="1">
-                <a:off x="1676168" y="18262393"/>
-                <a:ext cx="1271991" cy="2908162"/>
-              </a:xfrm>
-              <a:prstGeom prst="straightConnector1">
-                <a:avLst/>
-              </a:prstGeom>
-              <a:solidFill>
-                <a:schemeClr val="accent1"/>
-              </a:solidFill>
-              <a:ln w="57150" cap="flat" cmpd="sng" algn="ctr">
-                <a:solidFill>
-                  <a:srgbClr val="FF0000"/>
-                </a:solidFill>
-                <a:prstDash val="solid"/>
-                <a:round/>
-                <a:headEnd type="none" w="med" len="med"/>
-                <a:tailEnd type="arrow" w="med" len="med"/>
-              </a:ln>
-              <a:effectLst/>
-            </p:spPr>
-          </p:cxnSp>
-          <p:cxnSp>
-            <p:nvCxnSpPr>
-              <p:cNvPr id="233" name="Straight Arrow Connector 232">
-                <a:extLst>
-                  <a:ext uri="{FF2B5EF4-FFF2-40B4-BE49-F238E27FC236}">
-                    <a16:creationId xmlns:a16="http://schemas.microsoft.com/office/drawing/2014/main" id="{09CE0708-F1FC-F545-A3FB-DA20429A2CAC}"/>
-                  </a:ext>
-                </a:extLst>
-              </p:cNvPr>
-              <p:cNvCxnSpPr>
-                <a:cxnSpLocks/>
-              </p:cNvCxnSpPr>
-              <p:nvPr/>
-            </p:nvCxnSpPr>
-            <p:spPr bwMode="auto">
-              <a:xfrm>
-                <a:off x="1651990" y="21160417"/>
-                <a:ext cx="1091210" cy="1302978"/>
-              </a:xfrm>
-              <a:prstGeom prst="straightConnector1">
-                <a:avLst/>
-              </a:prstGeom>
-              <a:solidFill>
-                <a:schemeClr val="accent1"/>
-              </a:solidFill>
-              <a:ln w="57150" cap="flat" cmpd="sng" algn="ctr">
-                <a:solidFill>
-                  <a:srgbClr val="FF0000"/>
-                </a:solidFill>
-                <a:prstDash val="solid"/>
-                <a:round/>
-                <a:headEnd type="none" w="med" len="med"/>
-                <a:tailEnd type="arrow" w="med" len="med"/>
-              </a:ln>
-              <a:effectLst/>
-            </p:spPr>
-          </p:cxnSp>
-          <p:cxnSp>
-            <p:nvCxnSpPr>
-              <p:cNvPr id="234" name="Straight Arrow Connector 233">
-                <a:extLst>
-                  <a:ext uri="{FF2B5EF4-FFF2-40B4-BE49-F238E27FC236}">
-                    <a16:creationId xmlns:a16="http://schemas.microsoft.com/office/drawing/2014/main" id="{4AA71D28-BBB7-E24A-8251-C41B7E1F49BE}"/>
-                  </a:ext>
-                </a:extLst>
-              </p:cNvPr>
-              <p:cNvCxnSpPr>
-                <a:cxnSpLocks/>
-                <a:stCxn id="206" idx="3"/>
-              </p:cNvCxnSpPr>
-              <p:nvPr/>
-            </p:nvCxnSpPr>
-            <p:spPr bwMode="auto">
-              <a:xfrm>
-                <a:off x="1676169" y="21258456"/>
-                <a:ext cx="1067032" cy="3507138"/>
-              </a:xfrm>
-              <a:prstGeom prst="straightConnector1">
-                <a:avLst/>
-              </a:prstGeom>
-              <a:solidFill>
-                <a:schemeClr val="accent1"/>
-              </a:solidFill>
-              <a:ln w="57150" cap="flat" cmpd="sng" algn="ctr">
-                <a:solidFill>
-                  <a:srgbClr val="FF0000"/>
-                </a:solidFill>
-                <a:prstDash val="solid"/>
-                <a:round/>
-                <a:headEnd type="none" w="med" len="med"/>
-                <a:tailEnd type="arrow" w="med" len="med"/>
-              </a:ln>
-              <a:effectLst/>
-            </p:spPr>
-          </p:cxnSp>
-        </p:grpSp>
-      </p:grpSp>
-      <p:sp>
-        <p:nvSpPr>
-          <p:cNvPr id="235" name="Rectangle 234">
-            <a:extLst>
-              <a:ext uri="{FF2B5EF4-FFF2-40B4-BE49-F238E27FC236}">
-                <a16:creationId xmlns:a16="http://schemas.microsoft.com/office/drawing/2014/main" id="{D1A012AA-316C-E646-A8DA-1E9A22DDEDF2}"/>
-              </a:ext>
-            </a:extLst>
-          </p:cNvPr>
-          <p:cNvSpPr/>
-          <p:nvPr/>
-        </p:nvSpPr>
-        <p:spPr bwMode="auto">
-          <a:xfrm>
-            <a:off x="23528948" y="18120081"/>
-            <a:ext cx="2617569" cy="1792558"/>
-          </a:xfrm>
-          <a:prstGeom prst="rect">
-            <a:avLst/>
-          </a:prstGeom>
-          <a:noFill/>
-          <a:ln w="38100" cap="flat" cmpd="sng" algn="ctr">
-            <a:solidFill>
-              <a:schemeClr val="tx1"/>
-            </a:solidFill>
-            <a:prstDash val="solid"/>
-            <a:miter lim="800000"/>
-            <a:headEnd type="none" w="med" len="med"/>
-            <a:tailEnd type="none" w="med" len="med"/>
-          </a:ln>
-          <a:effectLst>
-            <a:outerShdw blurRad="50800" dist="38100" dir="2700000">
-              <a:srgbClr val="000000">
-                <a:alpha val="43000"/>
-              </a:srgbClr>
-            </a:outerShdw>
-          </a:effectLst>
-        </p:spPr>
-        <p:txBody>
-          <a:bodyPr vert="horz" wrap="square" lIns="91440" tIns="45720" rIns="91440" bIns="45720" numCol="1" rtlCol="0" anchor="ctr" anchorCtr="0" compatLnSpc="1">
-            <a:prstTxWarp prst="textNoShape">
-              <a:avLst/>
-            </a:prstTxWarp>
-          </a:bodyPr>
-          <a:lstStyle/>
-          <a:p>
-            <a:pPr marL="0" marR="0" indent="0" algn="ctr" defTabSz="3762375" rtl="0" eaLnBrk="1" fontAlgn="base" latinLnBrk="0" hangingPunct="1">
-              <a:lnSpc>
-                <a:spcPct val="100000"/>
-              </a:lnSpc>
-              <a:spcBef>
-                <a:spcPct val="0"/>
-              </a:spcBef>
-              <a:spcAft>
-                <a:spcPct val="0"/>
-              </a:spcAft>
-              <a:buClrTx/>
-              <a:buSzTx/>
-              <a:buFontTx/>
-              <a:buNone/>
-              <a:tabLst/>
-            </a:pPr>
-            <a:endParaRPr lang="en-US" dirty="0">
-              <a:latin typeface="Arial" pitchFamily="-110" charset="0"/>
-            </a:endParaRPr>
-          </a:p>
-        </p:txBody>
-      </p:sp>
-      <p:sp>
-        <p:nvSpPr>
-          <p:cNvPr id="238" name="Google Shape;50;p6">
-            <a:extLst>
-              <a:ext uri="{FF2B5EF4-FFF2-40B4-BE49-F238E27FC236}">
-                <a16:creationId xmlns:a16="http://schemas.microsoft.com/office/drawing/2014/main" id="{07AFAD25-E79B-FF49-902E-2D261E1ACACA}"/>
-              </a:ext>
-            </a:extLst>
-          </p:cNvPr>
-          <p:cNvSpPr txBox="1"/>
-          <p:nvPr/>
-        </p:nvSpPr>
-        <p:spPr>
-          <a:xfrm>
-            <a:off x="23619809" y="21541378"/>
-            <a:ext cx="2146908" cy="690649"/>
-          </a:xfrm>
-          <a:prstGeom prst="rect">
-            <a:avLst/>
-          </a:prstGeom>
-          <a:noFill/>
-          <a:ln>
-            <a:noFill/>
-          </a:ln>
-        </p:spPr>
-        <p:txBody>
-          <a:bodyPr spcFirstLastPara="1" wrap="square" lIns="91425" tIns="91425" rIns="91425" bIns="91425" anchor="t" anchorCtr="0">
-            <a:noAutofit/>
-          </a:bodyPr>
-          <a:lstStyle/>
-          <a:p>
-            <a:pPr lvl="0" algn="ctr">
-              <a:spcBef>
-                <a:spcPts val="0"/>
-              </a:spcBef>
-              <a:spcAft>
-                <a:spcPts val="0"/>
-              </a:spcAft>
-            </a:pPr>
-            <a:r>
-              <a:rPr lang="en-US" sz="3400" b="1" i="1" dirty="0"/>
-              <a:t>KNN</a:t>
-            </a:r>
-          </a:p>
-        </p:txBody>
-      </p:sp>
-      <p:cxnSp>
-        <p:nvCxnSpPr>
-          <p:cNvPr id="239" name="Straight Arrow Connector 238">
-            <a:extLst>
-              <a:ext uri="{FF2B5EF4-FFF2-40B4-BE49-F238E27FC236}">
-                <a16:creationId xmlns:a16="http://schemas.microsoft.com/office/drawing/2014/main" id="{114D7081-482C-AE46-B5BD-E6C64F5B2277}"/>
-              </a:ext>
-            </a:extLst>
-          </p:cNvPr>
-          <p:cNvCxnSpPr>
-            <a:cxnSpLocks/>
-          </p:cNvCxnSpPr>
-          <p:nvPr/>
-        </p:nvCxnSpPr>
-        <p:spPr bwMode="auto">
-          <a:xfrm>
-            <a:off x="26069451" y="23318355"/>
-            <a:ext cx="546749" cy="0"/>
-          </a:xfrm>
-          <a:prstGeom prst="straightConnector1">
-            <a:avLst/>
-          </a:prstGeom>
-          <a:solidFill>
-            <a:schemeClr val="accent1"/>
-          </a:solidFill>
-          <a:ln w="57150" cap="flat" cmpd="sng" algn="ctr">
-            <a:solidFill>
-              <a:schemeClr val="tx1"/>
-            </a:solidFill>
-            <a:prstDash val="solid"/>
-            <a:round/>
-            <a:headEnd type="none" w="med" len="med"/>
-            <a:tailEnd type="arrow" w="med" len="med"/>
-          </a:ln>
-          <a:effectLst/>
-        </p:spPr>
-      </p:cxnSp>
-      <p:grpSp>
-        <p:nvGrpSpPr>
-          <p:cNvPr id="36" name="Group 35">
-            <a:extLst>
-              <a:ext uri="{FF2B5EF4-FFF2-40B4-BE49-F238E27FC236}">
-                <a16:creationId xmlns:a16="http://schemas.microsoft.com/office/drawing/2014/main" id="{8534EE85-182A-1642-B290-46FB70BC76C4}"/>
-              </a:ext>
-            </a:extLst>
-          </p:cNvPr>
-          <p:cNvGrpSpPr/>
-          <p:nvPr/>
-        </p:nvGrpSpPr>
-        <p:grpSpPr>
-          <a:xfrm>
-            <a:off x="16547723" y="22676246"/>
-            <a:ext cx="2464272" cy="1223179"/>
-            <a:chOff x="17938611" y="22303628"/>
-            <a:chExt cx="3176755" cy="1271180"/>
-          </a:xfrm>
-        </p:grpSpPr>
-        <p:pic>
-          <p:nvPicPr>
-            <p:cNvPr id="236" name="Picture 235">
-              <a:extLst>
-                <a:ext uri="{FF2B5EF4-FFF2-40B4-BE49-F238E27FC236}">
-                  <a16:creationId xmlns:a16="http://schemas.microsoft.com/office/drawing/2014/main" id="{5F225F40-8AC3-C74F-BCEB-8B0DEB58C30B}"/>
-                </a:ext>
-              </a:extLst>
-            </p:cNvPr>
-            <p:cNvPicPr>
-              <a:picLocks noChangeAspect="1"/>
-            </p:cNvPicPr>
-            <p:nvPr/>
-          </p:nvPicPr>
-          <p:blipFill>
-            <a:blip r:embed="rId4"/>
-            <a:stretch>
-              <a:fillRect/>
-            </a:stretch>
-          </p:blipFill>
-          <p:spPr>
-            <a:xfrm>
-              <a:off x="17938611" y="22304415"/>
-              <a:ext cx="891799" cy="1270393"/>
-            </a:xfrm>
-            <a:prstGeom prst="rect">
-              <a:avLst/>
-            </a:prstGeom>
-          </p:spPr>
-        </p:pic>
-        <p:pic>
-          <p:nvPicPr>
-            <p:cNvPr id="30" name="Picture 29">
-              <a:extLst>
-                <a:ext uri="{FF2B5EF4-FFF2-40B4-BE49-F238E27FC236}">
-                  <a16:creationId xmlns:a16="http://schemas.microsoft.com/office/drawing/2014/main" id="{34C623F9-C124-5F40-81D0-5273AC8948DE}"/>
-                </a:ext>
-              </a:extLst>
-            </p:cNvPr>
-            <p:cNvPicPr>
-              <a:picLocks noChangeAspect="1"/>
-            </p:cNvPicPr>
-            <p:nvPr/>
-          </p:nvPicPr>
-          <p:blipFill>
-            <a:blip r:embed="rId8"/>
-            <a:stretch>
-              <a:fillRect/>
-            </a:stretch>
-          </p:blipFill>
-          <p:spPr>
-            <a:xfrm>
-              <a:off x="19086890" y="22306961"/>
-              <a:ext cx="884422" cy="1265299"/>
-            </a:xfrm>
-            <a:prstGeom prst="rect">
-              <a:avLst/>
-            </a:prstGeom>
-          </p:spPr>
-        </p:pic>
-        <p:pic>
-          <p:nvPicPr>
-            <p:cNvPr id="32" name="Picture 31">
-              <a:extLst>
-                <a:ext uri="{FF2B5EF4-FFF2-40B4-BE49-F238E27FC236}">
-                  <a16:creationId xmlns:a16="http://schemas.microsoft.com/office/drawing/2014/main" id="{C33E620D-6DDE-3B4E-AF89-BCCF222BCAAC}"/>
-                </a:ext>
-              </a:extLst>
-            </p:cNvPr>
-            <p:cNvPicPr>
-              <a:picLocks noChangeAspect="1"/>
-            </p:cNvPicPr>
-            <p:nvPr/>
-          </p:nvPicPr>
-          <p:blipFill>
-            <a:blip r:embed="rId9"/>
-            <a:stretch>
-              <a:fillRect/>
-            </a:stretch>
-          </p:blipFill>
-          <p:spPr>
-            <a:xfrm>
-              <a:off x="20266010" y="22303628"/>
-              <a:ext cx="849356" cy="1265707"/>
-            </a:xfrm>
-            <a:prstGeom prst="rect">
-              <a:avLst/>
-            </a:prstGeom>
-          </p:spPr>
-        </p:pic>
-      </p:grpSp>
-      <p:sp>
-        <p:nvSpPr>
-          <p:cNvPr id="241" name="Rectangle 240">
-            <a:extLst>
-              <a:ext uri="{FF2B5EF4-FFF2-40B4-BE49-F238E27FC236}">
-                <a16:creationId xmlns:a16="http://schemas.microsoft.com/office/drawing/2014/main" id="{09FCDB36-64FD-E341-AC5B-D600EC3B976C}"/>
-              </a:ext>
-            </a:extLst>
-          </p:cNvPr>
-          <p:cNvSpPr/>
-          <p:nvPr/>
-        </p:nvSpPr>
-        <p:spPr bwMode="auto">
-          <a:xfrm>
-            <a:off x="16472590" y="22385340"/>
-            <a:ext cx="2617569" cy="1792558"/>
-          </a:xfrm>
-          <a:prstGeom prst="rect">
-            <a:avLst/>
-          </a:prstGeom>
-          <a:noFill/>
-          <a:ln w="38100" cap="flat" cmpd="sng" algn="ctr">
-            <a:solidFill>
-              <a:schemeClr val="tx1"/>
-            </a:solidFill>
-            <a:prstDash val="solid"/>
-            <a:miter lim="800000"/>
-            <a:headEnd type="none" w="med" len="med"/>
-            <a:tailEnd type="none" w="med" len="med"/>
-          </a:ln>
-          <a:effectLst>
-            <a:outerShdw blurRad="50800" dist="38100" dir="2700000">
-              <a:srgbClr val="000000">
-                <a:alpha val="43000"/>
-              </a:srgbClr>
-            </a:outerShdw>
-          </a:effectLst>
-        </p:spPr>
-        <p:txBody>
-          <a:bodyPr vert="horz" wrap="square" lIns="91440" tIns="45720" rIns="91440" bIns="45720" numCol="1" rtlCol="0" anchor="ctr" anchorCtr="0" compatLnSpc="1">
-            <a:prstTxWarp prst="textNoShape">
-              <a:avLst/>
-            </a:prstTxWarp>
-          </a:bodyPr>
-          <a:lstStyle/>
-          <a:p>
-            <a:pPr marL="0" marR="0" indent="0" algn="ctr" defTabSz="3762375" rtl="0" eaLnBrk="1" fontAlgn="base" latinLnBrk="0" hangingPunct="1">
-              <a:lnSpc>
-                <a:spcPct val="100000"/>
-              </a:lnSpc>
-              <a:spcBef>
-                <a:spcPct val="0"/>
-              </a:spcBef>
-              <a:spcAft>
-                <a:spcPct val="0"/>
-              </a:spcAft>
-              <a:buClrTx/>
-              <a:buSzTx/>
-              <a:buFontTx/>
-              <a:buNone/>
-              <a:tabLst/>
-            </a:pPr>
-            <a:endParaRPr lang="en-US" dirty="0">
-              <a:latin typeface="Arial" pitchFamily="-110" charset="0"/>
-            </a:endParaRPr>
-          </a:p>
-        </p:txBody>
-      </p:sp>
-      <p:cxnSp>
-        <p:nvCxnSpPr>
-          <p:cNvPr id="242" name="Curved Connector 241">
-            <a:extLst>
-              <a:ext uri="{FF2B5EF4-FFF2-40B4-BE49-F238E27FC236}">
-                <a16:creationId xmlns:a16="http://schemas.microsoft.com/office/drawing/2014/main" id="{4DC6FD37-56E6-554B-B7BC-362EDD74E823}"/>
-              </a:ext>
-            </a:extLst>
-          </p:cNvPr>
-          <p:cNvCxnSpPr>
-            <a:cxnSpLocks/>
-          </p:cNvCxnSpPr>
-          <p:nvPr/>
-        </p:nvCxnSpPr>
-        <p:spPr bwMode="auto">
-          <a:xfrm flipV="1">
-            <a:off x="19090159" y="21562342"/>
-            <a:ext cx="811431" cy="1645920"/>
-          </a:xfrm>
-          <a:prstGeom prst="curvedConnector3">
-            <a:avLst>
-              <a:gd name="adj1" fmla="val 50000"/>
-            </a:avLst>
-          </a:prstGeom>
-          <a:solidFill>
-            <a:schemeClr val="accent1"/>
-          </a:solidFill>
-          <a:ln w="57150" cap="flat" cmpd="sng" algn="ctr">
-            <a:solidFill>
-              <a:schemeClr val="tx1"/>
-            </a:solidFill>
-            <a:prstDash val="solid"/>
-            <a:round/>
-            <a:headEnd type="none" w="med" len="med"/>
-            <a:tailEnd type="arrow" w="med" len="med"/>
-          </a:ln>
-          <a:effectLst/>
-        </p:spPr>
-      </p:cxnSp>
-      <p:grpSp>
-        <p:nvGrpSpPr>
-          <p:cNvPr id="39" name="Group 38">
-            <a:extLst>
-              <a:ext uri="{FF2B5EF4-FFF2-40B4-BE49-F238E27FC236}">
-                <a16:creationId xmlns:a16="http://schemas.microsoft.com/office/drawing/2014/main" id="{A1BAAF46-02E9-D746-840B-FA03ADC4DD28}"/>
-              </a:ext>
-            </a:extLst>
-          </p:cNvPr>
-          <p:cNvGrpSpPr/>
-          <p:nvPr/>
-        </p:nvGrpSpPr>
-        <p:grpSpPr>
-          <a:xfrm>
-            <a:off x="26920455" y="22790049"/>
-            <a:ext cx="1554090" cy="1009433"/>
-            <a:chOff x="609600" y="6858000"/>
-            <a:chExt cx="8305800" cy="5835500"/>
-          </a:xfrm>
-        </p:grpSpPr>
-        <p:pic>
-          <p:nvPicPr>
-            <p:cNvPr id="243" name="Picture 242">
-              <a:extLst>
-                <a:ext uri="{FF2B5EF4-FFF2-40B4-BE49-F238E27FC236}">
-                  <a16:creationId xmlns:a16="http://schemas.microsoft.com/office/drawing/2014/main" id="{41F4853C-B945-9549-8FE2-124B29631D42}"/>
-                </a:ext>
-              </a:extLst>
-            </p:cNvPr>
-            <p:cNvPicPr>
-              <a:picLocks noChangeAspect="1"/>
-            </p:cNvPicPr>
-            <p:nvPr/>
-          </p:nvPicPr>
-          <p:blipFill>
-            <a:blip r:embed="rId4"/>
-            <a:stretch>
-              <a:fillRect/>
-            </a:stretch>
-          </p:blipFill>
-          <p:spPr>
-            <a:xfrm>
-              <a:off x="609600" y="7010400"/>
-              <a:ext cx="3959196" cy="5639987"/>
-            </a:xfrm>
-            <a:prstGeom prst="rect">
-              <a:avLst/>
-            </a:prstGeom>
-          </p:spPr>
-        </p:pic>
-        <p:pic>
-          <p:nvPicPr>
-            <p:cNvPr id="244" name="Picture 243">
-              <a:extLst>
-                <a:ext uri="{FF2B5EF4-FFF2-40B4-BE49-F238E27FC236}">
-                  <a16:creationId xmlns:a16="http://schemas.microsoft.com/office/drawing/2014/main" id="{28FF817B-B8B7-7043-989F-CB8E4CB2E72E}"/>
-                </a:ext>
-              </a:extLst>
-            </p:cNvPr>
-            <p:cNvPicPr>
-              <a:picLocks noChangeAspect="1"/>
-            </p:cNvPicPr>
-            <p:nvPr/>
-          </p:nvPicPr>
-          <p:blipFill>
-            <a:blip r:embed="rId5"/>
-            <a:stretch>
-              <a:fillRect/>
-            </a:stretch>
-          </p:blipFill>
-          <p:spPr>
-            <a:xfrm>
-              <a:off x="6679407" y="6858000"/>
-              <a:ext cx="2235993" cy="5835500"/>
-            </a:xfrm>
-            <a:prstGeom prst="rect">
-              <a:avLst/>
-            </a:prstGeom>
-          </p:spPr>
-        </p:pic>
-        <p:cxnSp>
-          <p:nvCxnSpPr>
-            <p:cNvPr id="245" name="Straight Arrow Connector 244">
-              <a:extLst>
-                <a:ext uri="{FF2B5EF4-FFF2-40B4-BE49-F238E27FC236}">
-                  <a16:creationId xmlns:a16="http://schemas.microsoft.com/office/drawing/2014/main" id="{FF206092-C2D7-0B4C-9750-CE2169586DEC}"/>
-                </a:ext>
-              </a:extLst>
-            </p:cNvPr>
-            <p:cNvCxnSpPr>
-              <a:cxnSpLocks/>
-            </p:cNvCxnSpPr>
-            <p:nvPr/>
-          </p:nvCxnSpPr>
-          <p:spPr bwMode="auto">
-            <a:xfrm flipV="1">
-              <a:off x="4568796" y="9753600"/>
-              <a:ext cx="2194560" cy="0"/>
-            </a:xfrm>
-            <a:prstGeom prst="straightConnector1">
-              <a:avLst/>
-            </a:prstGeom>
-            <a:solidFill>
-              <a:schemeClr val="accent1"/>
-            </a:solidFill>
-            <a:ln w="57150" cap="flat" cmpd="sng" algn="ctr">
-              <a:solidFill>
-                <a:schemeClr val="tx1"/>
-              </a:solidFill>
-              <a:prstDash val="solid"/>
-              <a:round/>
-              <a:headEnd type="none" w="med" len="med"/>
-              <a:tailEnd type="arrow" w="med" len="med"/>
-            </a:ln>
-            <a:effectLst/>
-          </p:spPr>
-        </p:cxnSp>
-      </p:grpSp>
-      <p:sp>
-        <p:nvSpPr>
-          <p:cNvPr id="246" name="Rectangle 245">
-            <a:extLst>
-              <a:ext uri="{FF2B5EF4-FFF2-40B4-BE49-F238E27FC236}">
-                <a16:creationId xmlns:a16="http://schemas.microsoft.com/office/drawing/2014/main" id="{8CA6D0D1-4F66-8249-A338-2CE0A7454983}"/>
-              </a:ext>
-            </a:extLst>
-          </p:cNvPr>
-          <p:cNvSpPr/>
-          <p:nvPr/>
-        </p:nvSpPr>
-        <p:spPr bwMode="auto">
-          <a:xfrm>
-            <a:off x="26643231" y="22371490"/>
-            <a:ext cx="2160369" cy="1792558"/>
-          </a:xfrm>
-          <a:prstGeom prst="rect">
-            <a:avLst/>
-          </a:prstGeom>
-          <a:noFill/>
-          <a:ln w="38100" cap="flat" cmpd="sng" algn="ctr">
-            <a:solidFill>
-              <a:schemeClr val="tx1"/>
-            </a:solidFill>
-            <a:prstDash val="solid"/>
-            <a:miter lim="800000"/>
-            <a:headEnd type="none" w="med" len="med"/>
-            <a:tailEnd type="none" w="med" len="med"/>
-          </a:ln>
-          <a:effectLst>
-            <a:outerShdw blurRad="50800" dist="38100" dir="2700000">
-              <a:srgbClr val="000000">
-                <a:alpha val="43000"/>
-              </a:srgbClr>
-            </a:outerShdw>
-          </a:effectLst>
-        </p:spPr>
-        <p:txBody>
-          <a:bodyPr vert="horz" wrap="square" lIns="91440" tIns="45720" rIns="91440" bIns="45720" numCol="1" rtlCol="0" anchor="ctr" anchorCtr="0" compatLnSpc="1">
-            <a:prstTxWarp prst="textNoShape">
-              <a:avLst/>
-            </a:prstTxWarp>
-          </a:bodyPr>
-          <a:lstStyle/>
-          <a:p>
-            <a:pPr marL="0" marR="0" indent="0" algn="ctr" defTabSz="3762375" rtl="0" eaLnBrk="1" fontAlgn="base" latinLnBrk="0" hangingPunct="1">
-              <a:lnSpc>
-                <a:spcPct val="100000"/>
-              </a:lnSpc>
-              <a:spcBef>
-                <a:spcPct val="0"/>
-              </a:spcBef>
-              <a:spcAft>
-                <a:spcPct val="0"/>
-              </a:spcAft>
-              <a:buClrTx/>
-              <a:buSzTx/>
-              <a:buFontTx/>
-              <a:buNone/>
-              <a:tabLst/>
-            </a:pPr>
-            <a:endParaRPr lang="en-US" dirty="0">
-              <a:latin typeface="Arial" pitchFamily="-110" charset="0"/>
-            </a:endParaRPr>
-          </a:p>
-        </p:txBody>
-      </p:sp>
-      <p:sp>
-        <p:nvSpPr>
-          <p:cNvPr id="247" name="Google Shape;50;p6">
-            <a:extLst>
-              <a:ext uri="{FF2B5EF4-FFF2-40B4-BE49-F238E27FC236}">
-                <a16:creationId xmlns:a16="http://schemas.microsoft.com/office/drawing/2014/main" id="{D500EBB9-B00E-5C4F-8593-E7412FB92FB8}"/>
-              </a:ext>
-            </a:extLst>
-          </p:cNvPr>
-          <p:cNvSpPr txBox="1"/>
-          <p:nvPr/>
-        </p:nvSpPr>
-        <p:spPr>
-          <a:xfrm>
-            <a:off x="19206398" y="19284366"/>
-            <a:ext cx="4063494" cy="828208"/>
-          </a:xfrm>
-          <a:prstGeom prst="rect">
-            <a:avLst/>
-          </a:prstGeom>
-          <a:noFill/>
-          <a:ln>
-            <a:noFill/>
-          </a:ln>
-        </p:spPr>
-        <p:txBody>
-          <a:bodyPr spcFirstLastPara="1" wrap="square" lIns="91425" tIns="91425" rIns="91425" bIns="91425" anchor="t" anchorCtr="0">
-            <a:noAutofit/>
-          </a:bodyPr>
-          <a:lstStyle/>
-          <a:p>
-            <a:pPr lvl="0" algn="ctr">
-              <a:spcBef>
-                <a:spcPts val="0"/>
-              </a:spcBef>
-              <a:spcAft>
-                <a:spcPts val="0"/>
-              </a:spcAft>
-            </a:pPr>
-            <a:r>
-              <a:rPr lang="en-US" sz="3400" b="1" dirty="0"/>
-              <a:t>Autoencoder</a:t>
-            </a:r>
-          </a:p>
-        </p:txBody>
-      </p:sp>
-      <p:sp>
-        <p:nvSpPr>
-          <p:cNvPr id="248" name="Google Shape;50;p6">
-            <a:extLst>
-              <a:ext uri="{FF2B5EF4-FFF2-40B4-BE49-F238E27FC236}">
-                <a16:creationId xmlns:a16="http://schemas.microsoft.com/office/drawing/2014/main" id="{931F84FD-0942-3E4E-AECA-4F9A4588DD50}"/>
-              </a:ext>
-            </a:extLst>
-          </p:cNvPr>
-          <p:cNvSpPr txBox="1"/>
-          <p:nvPr/>
-        </p:nvSpPr>
-        <p:spPr>
-          <a:xfrm>
-            <a:off x="25864643" y="20094616"/>
-            <a:ext cx="3937787" cy="690649"/>
-          </a:xfrm>
-          <a:prstGeom prst="rect">
-            <a:avLst/>
-          </a:prstGeom>
-          <a:noFill/>
-          <a:ln>
-            <a:noFill/>
-          </a:ln>
-        </p:spPr>
-        <p:txBody>
-          <a:bodyPr spcFirstLastPara="1" wrap="square" lIns="91425" tIns="91425" rIns="91425" bIns="91425" anchor="t" anchorCtr="0">
-            <a:noAutofit/>
-          </a:bodyPr>
-          <a:lstStyle/>
-          <a:p>
-            <a:pPr lvl="0" algn="ctr">
-              <a:spcBef>
-                <a:spcPts val="0"/>
-              </a:spcBef>
-              <a:spcAft>
-                <a:spcPts val="0"/>
-              </a:spcAft>
-            </a:pPr>
-            <a:r>
-              <a:rPr lang="en-US" sz="3400" dirty="0">
-                <a:solidFill>
-                  <a:srgbClr val="0070C0"/>
-                </a:solidFill>
-              </a:rPr>
-              <a:t>Training</a:t>
-            </a:r>
-          </a:p>
-        </p:txBody>
-      </p:sp>
-      <p:sp>
-        <p:nvSpPr>
-          <p:cNvPr id="249" name="Google Shape;50;p6">
-            <a:extLst>
-              <a:ext uri="{FF2B5EF4-FFF2-40B4-BE49-F238E27FC236}">
-                <a16:creationId xmlns:a16="http://schemas.microsoft.com/office/drawing/2014/main" id="{E2CADA4B-D28D-6149-8F17-4488DDAB1A8F}"/>
-              </a:ext>
-            </a:extLst>
-          </p:cNvPr>
-          <p:cNvSpPr txBox="1"/>
-          <p:nvPr/>
-        </p:nvSpPr>
-        <p:spPr>
-          <a:xfrm>
-            <a:off x="25864644" y="21109480"/>
-            <a:ext cx="3937787" cy="690649"/>
-          </a:xfrm>
-          <a:prstGeom prst="rect">
-            <a:avLst/>
-          </a:prstGeom>
-          <a:noFill/>
-          <a:ln>
-            <a:noFill/>
-          </a:ln>
-        </p:spPr>
-        <p:txBody>
-          <a:bodyPr spcFirstLastPara="1" wrap="square" lIns="91425" tIns="91425" rIns="91425" bIns="91425" anchor="t" anchorCtr="0">
-            <a:noAutofit/>
-          </a:bodyPr>
-          <a:lstStyle/>
-          <a:p>
-            <a:pPr lvl="0" algn="ctr">
-              <a:spcBef>
-                <a:spcPts val="0"/>
-              </a:spcBef>
-              <a:spcAft>
-                <a:spcPts val="0"/>
-              </a:spcAft>
-            </a:pPr>
-            <a:r>
-              <a:rPr lang="en-US" sz="3400" dirty="0"/>
-              <a:t>Testing</a:t>
-            </a:r>
-          </a:p>
-        </p:txBody>
-      </p:sp>
-      <p:sp>
-        <p:nvSpPr>
-          <p:cNvPr id="250" name="Google Shape;50;p6">
-            <a:extLst>
-              <a:ext uri="{FF2B5EF4-FFF2-40B4-BE49-F238E27FC236}">
-                <a16:creationId xmlns:a16="http://schemas.microsoft.com/office/drawing/2014/main" id="{FFFE00FB-C80C-1445-89F3-6FFC6500B41D}"/>
-              </a:ext>
-            </a:extLst>
-          </p:cNvPr>
-          <p:cNvSpPr txBox="1"/>
-          <p:nvPr/>
-        </p:nvSpPr>
-        <p:spPr>
-          <a:xfrm>
-            <a:off x="25593162" y="24346025"/>
-            <a:ext cx="3573164" cy="1180975"/>
-          </a:xfrm>
-          <a:prstGeom prst="rect">
-            <a:avLst/>
-          </a:prstGeom>
-          <a:noFill/>
-          <a:ln>
-            <a:noFill/>
-          </a:ln>
-        </p:spPr>
-        <p:txBody>
-          <a:bodyPr spcFirstLastPara="1" wrap="square" lIns="91425" tIns="91425" rIns="91425" bIns="91425" anchor="t" anchorCtr="0">
-            <a:noAutofit/>
-          </a:bodyPr>
-          <a:lstStyle/>
-          <a:p>
-            <a:pPr lvl="0" algn="ctr">
-              <a:spcBef>
-                <a:spcPts val="0"/>
-              </a:spcBef>
-              <a:spcAft>
-                <a:spcPts val="0"/>
-              </a:spcAft>
-            </a:pPr>
-            <a:r>
-              <a:rPr lang="en-US" sz="3200" dirty="0"/>
-              <a:t>Identified footwear impressions</a:t>
-            </a:r>
-            <a:endParaRPr lang="en-US" sz="3200" i="1" dirty="0"/>
-          </a:p>
-        </p:txBody>
-      </p:sp>
-      <p:sp>
-        <p:nvSpPr>
-          <p:cNvPr id="42" name="Rectangle 41">
-            <a:extLst>
-              <a:ext uri="{FF2B5EF4-FFF2-40B4-BE49-F238E27FC236}">
-                <a16:creationId xmlns:a16="http://schemas.microsoft.com/office/drawing/2014/main" id="{7C0F0351-4ABC-DE4A-A1E2-6966060871A8}"/>
-              </a:ext>
-            </a:extLst>
-          </p:cNvPr>
-          <p:cNvSpPr/>
-          <p:nvPr/>
-        </p:nvSpPr>
-        <p:spPr>
-          <a:xfrm>
-            <a:off x="15638638" y="24312163"/>
-            <a:ext cx="4425651" cy="1077218"/>
-          </a:xfrm>
-          <a:prstGeom prst="rect">
-            <a:avLst/>
-          </a:prstGeom>
-        </p:spPr>
-        <p:txBody>
-          <a:bodyPr wrap="square">
-            <a:spAutoFit/>
-          </a:bodyPr>
-          <a:lstStyle/>
-          <a:p>
-            <a:pPr lvl="0" algn="ctr">
-              <a:spcBef>
-                <a:spcPts val="0"/>
-              </a:spcBef>
-              <a:spcAft>
-                <a:spcPts val="0"/>
-              </a:spcAft>
-            </a:pPr>
-            <a:r>
-              <a:rPr lang="en-US" sz="3200" dirty="0"/>
-              <a:t>Footwear impressions </a:t>
-            </a:r>
-          </a:p>
-          <a:p>
-            <a:pPr lvl="0" algn="ctr">
-              <a:spcBef>
-                <a:spcPts val="0"/>
-              </a:spcBef>
-              <a:spcAft>
-                <a:spcPts val="0"/>
-              </a:spcAft>
-            </a:pPr>
-            <a:r>
-              <a:rPr lang="en-US" sz="3200" dirty="0"/>
-              <a:t>at the crime scene</a:t>
-            </a:r>
-          </a:p>
-        </p:txBody>
-      </p:sp>
       <p:pic>
         <p:nvPicPr>
           <p:cNvPr id="2" name="Picture 1">
@@ -10563,8 +10541,8 @@
         </p:blipFill>
         <p:spPr>
           <a:xfrm>
-            <a:off x="7887161" y="18086542"/>
-            <a:ext cx="7119490" cy="5218085"/>
+            <a:off x="6398192" y="17221200"/>
+            <a:ext cx="9407410" cy="7086600"/>
           </a:xfrm>
           <a:prstGeom prst="rect">
             <a:avLst/>

--- a/poster/Footprint.pptx
+++ b/poster/Footprint.pptx
@@ -4537,7 +4537,7 @@
         </p:blipFill>
         <p:spPr bwMode="auto">
           <a:xfrm>
-            <a:off x="0" y="35021202"/>
+            <a:off x="7620000" y="35212219"/>
             <a:ext cx="9914238" cy="1326198"/>
           </a:xfrm>
           <a:prstGeom prst="rect">
@@ -4578,7 +4578,7 @@
         </p:nvSpPr>
         <p:spPr bwMode="auto">
           <a:xfrm>
-            <a:off x="228600" y="14554200"/>
+            <a:off x="228600" y="14097000"/>
             <a:ext cx="28803600" cy="1228725"/>
           </a:xfrm>
           <a:prstGeom prst="rect">
@@ -4631,7 +4631,7 @@
         </p:nvSpPr>
         <p:spPr bwMode="auto">
           <a:xfrm>
-            <a:off x="304800" y="26060400"/>
+            <a:off x="304800" y="25661250"/>
             <a:ext cx="28651200" cy="1228725"/>
           </a:xfrm>
           <a:prstGeom prst="rect">
@@ -4735,8 +4735,25 @@
                 <a:latin typeface="Book Antiqua"/>
                 <a:cs typeface="Book Antiqua"/>
               </a:rPr>
-              <a:t>Problem</a:t>
+              <a:t>Problem: </a:t>
             </a:r>
+            <a:r>
+              <a:rPr lang="en-US" sz="6600" b="1" dirty="0">
+                <a:solidFill>
+                  <a:schemeClr val="bg1"/>
+                </a:solidFill>
+                <a:latin typeface="Book Antiqua"/>
+                <a:sym typeface="Calibri"/>
+              </a:rPr>
+              <a:t>Forensic investigation</a:t>
+            </a:r>
+            <a:endParaRPr lang="en-US" sz="6600" b="1" dirty="0">
+              <a:solidFill>
+                <a:schemeClr val="bg1"/>
+              </a:solidFill>
+              <a:latin typeface="Book Antiqua"/>
+              <a:cs typeface="Book Antiqua"/>
+            </a:endParaRPr>
           </a:p>
         </p:txBody>
       </p:sp>
@@ -4754,8 +4771,8 @@
         </p:nvSpPr>
         <p:spPr>
           <a:xfrm>
-            <a:off x="1195358" y="27502776"/>
-            <a:ext cx="6043642" cy="861774"/>
+            <a:off x="762000" y="27103626"/>
+            <a:ext cx="8890575" cy="861774"/>
           </a:xfrm>
           <a:prstGeom prst="rect">
             <a:avLst/>
@@ -4782,7 +4799,7 @@
           <a:p>
             <a:r>
               <a:rPr lang="en-US" dirty="0"/>
-              <a:t>PCA as comparison</a:t>
+              <a:t>Comparison: PCA (Eigenface)</a:t>
             </a:r>
           </a:p>
         </p:txBody>
@@ -4809,7 +4826,7 @@
         </p:blipFill>
         <p:spPr>
           <a:xfrm>
-            <a:off x="457200" y="6858000"/>
+            <a:off x="457200" y="6534207"/>
             <a:ext cx="3959196" cy="5639987"/>
           </a:xfrm>
           <a:prstGeom prst="rect">
@@ -4839,7 +4856,7 @@
         </p:blipFill>
         <p:spPr>
           <a:xfrm>
-            <a:off x="6527007" y="6705600"/>
+            <a:off x="6527007" y="6381807"/>
             <a:ext cx="2235993" cy="5835500"/>
           </a:xfrm>
           <a:prstGeom prst="rect">
@@ -4861,7 +4878,7 @@
         </p:nvSpPr>
         <p:spPr>
           <a:xfrm>
-            <a:off x="419279" y="5325070"/>
+            <a:off x="419279" y="5001277"/>
             <a:ext cx="7710765" cy="830997"/>
           </a:xfrm>
           <a:prstGeom prst="rect">
@@ -4909,7 +4926,7 @@
         </p:nvSpPr>
         <p:spPr>
           <a:xfrm>
-            <a:off x="4339139" y="9828551"/>
+            <a:off x="4339139" y="9504758"/>
             <a:ext cx="2288113" cy="689808"/>
           </a:xfrm>
           <a:prstGeom prst="rect">
@@ -4955,7 +4972,7 @@
         </p:nvSpPr>
         <p:spPr>
           <a:xfrm>
-            <a:off x="4876800" y="12801600"/>
+            <a:off x="4876800" y="12477807"/>
             <a:ext cx="4960139" cy="1314393"/>
           </a:xfrm>
           <a:prstGeom prst="rect">
@@ -5017,7 +5034,7 @@
         </p:nvCxnSpPr>
         <p:spPr bwMode="auto">
           <a:xfrm flipV="1">
-            <a:off x="4416396" y="9601200"/>
+            <a:off x="4416396" y="9277407"/>
             <a:ext cx="2194560" cy="0"/>
           </a:xfrm>
           <a:prstGeom prst="straightConnector1">
@@ -5052,7 +5069,7 @@
         </p:nvSpPr>
         <p:spPr>
           <a:xfrm>
-            <a:off x="-76200" y="12801600"/>
+            <a:off x="-76200" y="12477807"/>
             <a:ext cx="5107513" cy="1314393"/>
           </a:xfrm>
           <a:prstGeom prst="rect">
@@ -5112,7 +5129,7 @@
         </p:nvGrpSpPr>
         <p:grpSpPr>
           <a:xfrm>
-            <a:off x="19735800" y="5334000"/>
+            <a:off x="19735800" y="5010207"/>
             <a:ext cx="9047670" cy="8305800"/>
             <a:chOff x="9773730" y="5341510"/>
             <a:chExt cx="9047670" cy="8305800"/>
@@ -5302,7 +5319,7 @@
         </p:nvSpPr>
         <p:spPr>
           <a:xfrm>
-            <a:off x="9829800" y="5325070"/>
+            <a:off x="9829800" y="5001277"/>
             <a:ext cx="9660017" cy="830997"/>
           </a:xfrm>
           <a:prstGeom prst="rect">
@@ -5366,7 +5383,7 @@
         </p:blipFill>
         <p:spPr>
           <a:xfrm>
-            <a:off x="13923325" y="6406542"/>
+            <a:off x="13923325" y="6082749"/>
             <a:ext cx="1196310" cy="3122133"/>
           </a:xfrm>
           <a:prstGeom prst="rect">
@@ -5395,7 +5412,7 @@
         </p:blipFill>
         <p:spPr>
           <a:xfrm>
-            <a:off x="9860497" y="10861131"/>
+            <a:off x="9860497" y="10537338"/>
             <a:ext cx="1525338" cy="1525339"/>
           </a:xfrm>
           <a:prstGeom prst="rect">
@@ -5425,7 +5442,7 @@
         </p:blipFill>
         <p:spPr>
           <a:xfrm rot="16200000">
-            <a:off x="12582188" y="10537357"/>
+            <a:off x="12582188" y="10213564"/>
             <a:ext cx="1525338" cy="2172887"/>
           </a:xfrm>
           <a:prstGeom prst="rect">
@@ -5455,7 +5472,7 @@
         </p:blipFill>
         <p:spPr>
           <a:xfrm flipH="1">
-            <a:off x="15303878" y="10537357"/>
+            <a:off x="15303878" y="10213564"/>
             <a:ext cx="1532642" cy="2172887"/>
           </a:xfrm>
           <a:prstGeom prst="rect">
@@ -5485,7 +5502,7 @@
         </p:blipFill>
         <p:spPr>
           <a:xfrm>
-            <a:off x="17709097" y="10537357"/>
+            <a:off x="17709097" y="10213564"/>
             <a:ext cx="1525338" cy="2172887"/>
           </a:xfrm>
           <a:prstGeom prst="rect">
@@ -5509,7 +5526,7 @@
         </p:nvCxnSpPr>
         <p:spPr bwMode="auto">
           <a:xfrm flipH="1">
-            <a:off x="10928636" y="9499056"/>
+            <a:off x="10928636" y="9175263"/>
             <a:ext cx="3224269" cy="1191147"/>
           </a:xfrm>
           <a:prstGeom prst="straightConnector1">
@@ -5546,7 +5563,7 @@
         </p:nvCxnSpPr>
         <p:spPr bwMode="auto">
           <a:xfrm>
-            <a:off x="14728431" y="9470557"/>
+            <a:off x="14728431" y="9146764"/>
             <a:ext cx="3743335" cy="937240"/>
           </a:xfrm>
           <a:prstGeom prst="straightConnector1">
@@ -5583,7 +5600,7 @@
         </p:nvCxnSpPr>
         <p:spPr bwMode="auto">
           <a:xfrm flipH="1">
-            <a:off x="13344857" y="9656184"/>
+            <a:off x="13344857" y="9332391"/>
             <a:ext cx="979511" cy="1091691"/>
           </a:xfrm>
           <a:prstGeom prst="straightConnector1">
@@ -5620,7 +5637,7 @@
         </p:nvCxnSpPr>
         <p:spPr bwMode="auto">
           <a:xfrm>
-            <a:off x="14707734" y="9656184"/>
+            <a:off x="14707734" y="9332391"/>
             <a:ext cx="1362465" cy="791025"/>
           </a:xfrm>
           <a:prstGeom prst="straightConnector1">
@@ -5655,7 +5672,7 @@
         </p:nvSpPr>
         <p:spPr>
           <a:xfrm>
-            <a:off x="9860497" y="12799419"/>
+            <a:off x="9860497" y="12475626"/>
             <a:ext cx="1525338" cy="828208"/>
           </a:xfrm>
           <a:prstGeom prst="rect">
@@ -5701,7 +5718,7 @@
         </p:nvSpPr>
         <p:spPr>
           <a:xfrm>
-            <a:off x="12258413" y="12817334"/>
+            <a:off x="12258413" y="12493541"/>
             <a:ext cx="2172888" cy="828208"/>
           </a:xfrm>
           <a:prstGeom prst="rect">
@@ -5747,7 +5764,7 @@
         </p:nvSpPr>
         <p:spPr>
           <a:xfrm>
-            <a:off x="15339593" y="12883542"/>
+            <a:off x="15339593" y="12559749"/>
             <a:ext cx="1532642" cy="828208"/>
           </a:xfrm>
           <a:prstGeom prst="rect">
@@ -5793,7 +5810,7 @@
         </p:nvSpPr>
         <p:spPr>
           <a:xfrm>
-            <a:off x="17131532" y="12883542"/>
+            <a:off x="17131532" y="12559749"/>
             <a:ext cx="2680468" cy="828208"/>
           </a:xfrm>
           <a:prstGeom prst="rect">
@@ -5839,7 +5856,7 @@
         </p:nvSpPr>
         <p:spPr>
           <a:xfrm>
-            <a:off x="6988339" y="16230600"/>
+            <a:off x="6988339" y="15773400"/>
             <a:ext cx="8533105" cy="707886"/>
           </a:xfrm>
           <a:prstGeom prst="rect">
@@ -5895,7 +5912,7 @@
         </p:nvSpPr>
         <p:spPr>
           <a:xfrm>
-            <a:off x="152400" y="16246734"/>
+            <a:off x="152400" y="15789534"/>
             <a:ext cx="6341801" cy="707886"/>
           </a:xfrm>
           <a:prstGeom prst="rect">
@@ -5943,7 +5960,7 @@
         </p:nvGrpSpPr>
         <p:grpSpPr>
           <a:xfrm>
-            <a:off x="228602" y="17221200"/>
+            <a:off x="228602" y="16764000"/>
             <a:ext cx="6265600" cy="8772850"/>
             <a:chOff x="334108" y="17379633"/>
             <a:chExt cx="8526528" cy="8772850"/>
@@ -6804,7 +6821,7 @@
         </p:nvSpPr>
         <p:spPr>
           <a:xfrm>
-            <a:off x="19507200" y="16209876"/>
+            <a:off x="19507200" y="15752676"/>
             <a:ext cx="5161991" cy="830997"/>
           </a:xfrm>
           <a:prstGeom prst="rect">
@@ -6852,7 +6869,7 @@
         </p:nvSpPr>
         <p:spPr>
           <a:xfrm>
-            <a:off x="7467600" y="24562159"/>
+            <a:off x="7467600" y="24104959"/>
             <a:ext cx="7498064" cy="721164"/>
           </a:xfrm>
           <a:prstGeom prst="rect">
@@ -6900,7 +6917,7 @@
         </p:nvGrpSpPr>
         <p:grpSpPr>
           <a:xfrm>
-            <a:off x="15925800" y="17256993"/>
+            <a:off x="15925800" y="16799793"/>
             <a:ext cx="13876634" cy="8270007"/>
             <a:chOff x="15086869" y="17256993"/>
             <a:chExt cx="14715562" cy="8270007"/>
@@ -10541,7 +10558,7 @@
         </p:blipFill>
         <p:spPr>
           <a:xfrm>
-            <a:off x="6398192" y="17221200"/>
+            <a:off x="6398192" y="16764000"/>
             <a:ext cx="9407410" cy="7086600"/>
           </a:xfrm>
           <a:prstGeom prst="rect">
@@ -10549,6 +10566,1118 @@
           </a:prstGeom>
         </p:spPr>
       </p:pic>
+      <p:sp>
+        <p:nvSpPr>
+          <p:cNvPr id="156" name="Google Shape;50;p6">
+            <a:extLst>
+              <a:ext uri="{FF2B5EF4-FFF2-40B4-BE49-F238E27FC236}">
+                <a16:creationId xmlns:a16="http://schemas.microsoft.com/office/drawing/2014/main" id="{8369EAEE-15F8-2447-AE53-CDE4BBF0DF25}"/>
+              </a:ext>
+            </a:extLst>
+          </p:cNvPr>
+          <p:cNvSpPr txBox="1"/>
+          <p:nvPr/>
+        </p:nvSpPr>
+        <p:spPr>
+          <a:xfrm>
+            <a:off x="10744200" y="27103626"/>
+            <a:ext cx="5152373" cy="861774"/>
+          </a:xfrm>
+          <a:prstGeom prst="rect">
+            <a:avLst/>
+          </a:prstGeom>
+        </p:spPr>
+        <p:txBody>
+          <a:bodyPr wrap="none">
+            <a:spAutoFit/>
+          </a:bodyPr>
+          <a:lstStyle>
+            <a:defPPr>
+              <a:defRPr lang="en-US"/>
+            </a:defPPr>
+            <a:lvl1pPr>
+              <a:defRPr sz="5000" b="1">
+                <a:solidFill>
+                  <a:schemeClr val="tx2"/>
+                </a:solidFill>
+                <a:latin typeface="Book Antiqua"/>
+                <a:cs typeface="Book Antiqua"/>
+              </a:defRPr>
+            </a:lvl1pPr>
+          </a:lstStyle>
+          <a:p>
+            <a:r>
+              <a:rPr lang="en-US" dirty="0"/>
+              <a:t>Eigenface results</a:t>
+            </a:r>
+          </a:p>
+        </p:txBody>
+      </p:sp>
+      <p:sp>
+        <p:nvSpPr>
+          <p:cNvPr id="158" name="Google Shape;50;p6">
+            <a:extLst>
+              <a:ext uri="{FF2B5EF4-FFF2-40B4-BE49-F238E27FC236}">
+                <a16:creationId xmlns:a16="http://schemas.microsoft.com/office/drawing/2014/main" id="{BC7542BE-742D-7F44-9CA2-2093944A4806}"/>
+              </a:ext>
+            </a:extLst>
+          </p:cNvPr>
+          <p:cNvSpPr txBox="1"/>
+          <p:nvPr/>
+        </p:nvSpPr>
+        <p:spPr>
+          <a:xfrm>
+            <a:off x="16992600" y="27107695"/>
+            <a:ext cx="11582017" cy="861774"/>
+          </a:xfrm>
+          <a:prstGeom prst="rect">
+            <a:avLst/>
+          </a:prstGeom>
+        </p:spPr>
+        <p:txBody>
+          <a:bodyPr wrap="none">
+            <a:spAutoFit/>
+          </a:bodyPr>
+          <a:lstStyle>
+            <a:defPPr>
+              <a:defRPr lang="en-US"/>
+            </a:defPPr>
+            <a:lvl1pPr>
+              <a:defRPr sz="5000" b="1">
+                <a:solidFill>
+                  <a:schemeClr val="tx2"/>
+                </a:solidFill>
+                <a:latin typeface="Book Antiqua"/>
+                <a:cs typeface="Book Antiqua"/>
+              </a:defRPr>
+            </a:lvl1pPr>
+          </a:lstStyle>
+          <a:p>
+            <a:r>
+              <a:rPr lang="en-US" dirty="0"/>
+              <a:t>Autoencoder and XYZ classifier results</a:t>
+            </a:r>
+          </a:p>
+        </p:txBody>
+      </p:sp>
+      <p:sp>
+        <p:nvSpPr>
+          <p:cNvPr id="159" name="Rectangle 158">
+            <a:extLst>
+              <a:ext uri="{FF2B5EF4-FFF2-40B4-BE49-F238E27FC236}">
+                <a16:creationId xmlns:a16="http://schemas.microsoft.com/office/drawing/2014/main" id="{8B005543-EB04-CA4B-8001-AD6931801AA6}"/>
+              </a:ext>
+            </a:extLst>
+          </p:cNvPr>
+          <p:cNvSpPr/>
+          <p:nvPr/>
+        </p:nvSpPr>
+        <p:spPr>
+          <a:xfrm>
+            <a:off x="1089593" y="28862586"/>
+            <a:ext cx="1717756" cy="954107"/>
+          </a:xfrm>
+          <a:prstGeom prst="rect">
+            <a:avLst/>
+          </a:prstGeom>
+        </p:spPr>
+        <p:txBody>
+          <a:bodyPr wrap="square">
+            <a:spAutoFit/>
+          </a:bodyPr>
+          <a:lstStyle/>
+          <a:p>
+            <a:pPr lvl="0" algn="ctr">
+              <a:spcBef>
+                <a:spcPts val="0"/>
+              </a:spcBef>
+              <a:spcAft>
+                <a:spcPts val="0"/>
+              </a:spcAft>
+            </a:pPr>
+            <a:r>
+              <a:rPr lang="en-US" sz="5600" dirty="0">
+                <a:latin typeface="Big Caslon Medium" panose="02000603090000020003" pitchFamily="2" charset="-79"/>
+                <a:cs typeface="Big Caslon Medium" panose="02000603090000020003" pitchFamily="2" charset="-79"/>
+              </a:rPr>
+              <a:t>X</a:t>
+            </a:r>
+          </a:p>
+        </p:txBody>
+      </p:sp>
+      <p:sp>
+        <p:nvSpPr>
+          <p:cNvPr id="161" name="Rectangle 160">
+            <a:extLst>
+              <a:ext uri="{FF2B5EF4-FFF2-40B4-BE49-F238E27FC236}">
+                <a16:creationId xmlns:a16="http://schemas.microsoft.com/office/drawing/2014/main" id="{BD25370C-FCF1-DA4B-830D-E7B78C6A24AC}"/>
+              </a:ext>
+            </a:extLst>
+          </p:cNvPr>
+          <p:cNvSpPr/>
+          <p:nvPr/>
+        </p:nvSpPr>
+        <p:spPr bwMode="auto">
+          <a:xfrm>
+            <a:off x="968430" y="29862996"/>
+            <a:ext cx="1872059" cy="3836812"/>
+          </a:xfrm>
+          <a:prstGeom prst="rect">
+            <a:avLst/>
+          </a:prstGeom>
+          <a:noFill/>
+          <a:ln w="38100" cap="flat" cmpd="sng" algn="ctr">
+            <a:solidFill>
+              <a:schemeClr val="tx1"/>
+            </a:solidFill>
+            <a:prstDash val="solid"/>
+            <a:miter lim="800000"/>
+            <a:headEnd type="none" w="med" len="med"/>
+            <a:tailEnd type="none" w="med" len="med"/>
+          </a:ln>
+          <a:effectLst>
+            <a:outerShdw blurRad="50800" dist="38100" dir="2700000">
+              <a:srgbClr val="000000">
+                <a:alpha val="43000"/>
+              </a:srgbClr>
+            </a:outerShdw>
+          </a:effectLst>
+        </p:spPr>
+        <p:txBody>
+          <a:bodyPr vert="horz" wrap="square" lIns="91440" tIns="45720" rIns="91440" bIns="45720" numCol="1" rtlCol="0" anchor="ctr" anchorCtr="0" compatLnSpc="1">
+            <a:prstTxWarp prst="textNoShape">
+              <a:avLst/>
+            </a:prstTxWarp>
+          </a:bodyPr>
+          <a:lstStyle/>
+          <a:p>
+            <a:pPr marL="0" marR="0" indent="0" algn="ctr" defTabSz="3762375" rtl="0" eaLnBrk="1" fontAlgn="base" latinLnBrk="0" hangingPunct="1">
+              <a:lnSpc>
+                <a:spcPct val="100000"/>
+              </a:lnSpc>
+              <a:spcBef>
+                <a:spcPct val="0"/>
+              </a:spcBef>
+              <a:spcAft>
+                <a:spcPct val="0"/>
+              </a:spcAft>
+              <a:buClrTx/>
+              <a:buSzTx/>
+              <a:buFontTx/>
+              <a:buNone/>
+              <a:tabLst/>
+            </a:pPr>
+            <a:endParaRPr lang="en-US" dirty="0">
+              <a:latin typeface="Arial" pitchFamily="-110" charset="0"/>
+            </a:endParaRPr>
+          </a:p>
+        </p:txBody>
+      </p:sp>
+      <p:sp>
+        <p:nvSpPr>
+          <p:cNvPr id="166" name="Rectangle 165">
+            <a:extLst>
+              <a:ext uri="{FF2B5EF4-FFF2-40B4-BE49-F238E27FC236}">
+                <a16:creationId xmlns:a16="http://schemas.microsoft.com/office/drawing/2014/main" id="{E7894DF7-961F-404C-AE78-B2F9BE4E8C05}"/>
+              </a:ext>
+            </a:extLst>
+          </p:cNvPr>
+          <p:cNvSpPr/>
+          <p:nvPr/>
+        </p:nvSpPr>
+        <p:spPr>
+          <a:xfrm>
+            <a:off x="2667000" y="28795840"/>
+            <a:ext cx="1717756" cy="954107"/>
+          </a:xfrm>
+          <a:prstGeom prst="rect">
+            <a:avLst/>
+          </a:prstGeom>
+        </p:spPr>
+        <p:txBody>
+          <a:bodyPr wrap="square">
+            <a:spAutoFit/>
+          </a:bodyPr>
+          <a:lstStyle/>
+          <a:p>
+            <a:pPr lvl="0" algn="ctr">
+              <a:spcBef>
+                <a:spcPts val="0"/>
+              </a:spcBef>
+              <a:spcAft>
+                <a:spcPts val="0"/>
+              </a:spcAft>
+            </a:pPr>
+            <a:r>
+              <a:rPr lang="en-US" sz="5600" dirty="0">
+                <a:latin typeface="Big Caslon Medium" panose="02000603090000020003" pitchFamily="2" charset="-79"/>
+                <a:cs typeface="Big Caslon Medium" panose="02000603090000020003" pitchFamily="2" charset="-79"/>
+              </a:rPr>
+              <a:t>=</a:t>
+            </a:r>
+          </a:p>
+        </p:txBody>
+      </p:sp>
+      <p:sp>
+        <p:nvSpPr>
+          <p:cNvPr id="167" name="Rectangle 166">
+            <a:extLst>
+              <a:ext uri="{FF2B5EF4-FFF2-40B4-BE49-F238E27FC236}">
+                <a16:creationId xmlns:a16="http://schemas.microsoft.com/office/drawing/2014/main" id="{45F20749-D6BB-6343-9D8A-F44C1BCA0729}"/>
+              </a:ext>
+            </a:extLst>
+          </p:cNvPr>
+          <p:cNvSpPr/>
+          <p:nvPr/>
+        </p:nvSpPr>
+        <p:spPr>
+          <a:xfrm>
+            <a:off x="4495800" y="28832333"/>
+            <a:ext cx="1717756" cy="954107"/>
+          </a:xfrm>
+          <a:prstGeom prst="rect">
+            <a:avLst/>
+          </a:prstGeom>
+        </p:spPr>
+        <p:txBody>
+          <a:bodyPr wrap="square">
+            <a:spAutoFit/>
+          </a:bodyPr>
+          <a:lstStyle/>
+          <a:p>
+            <a:pPr lvl="0" algn="ctr">
+              <a:spcBef>
+                <a:spcPts val="0"/>
+              </a:spcBef>
+              <a:spcAft>
+                <a:spcPts val="0"/>
+              </a:spcAft>
+            </a:pPr>
+            <a:r>
+              <a:rPr lang="en-US" sz="5600" dirty="0">
+                <a:latin typeface="Big Caslon Medium" panose="02000603090000020003" pitchFamily="2" charset="-79"/>
+                <a:cs typeface="Big Caslon Medium" panose="02000603090000020003" pitchFamily="2" charset="-79"/>
+              </a:rPr>
+              <a:t>U</a:t>
+            </a:r>
+          </a:p>
+        </p:txBody>
+      </p:sp>
+      <p:sp>
+        <p:nvSpPr>
+          <p:cNvPr id="168" name="Rectangle 167">
+            <a:extLst>
+              <a:ext uri="{FF2B5EF4-FFF2-40B4-BE49-F238E27FC236}">
+                <a16:creationId xmlns:a16="http://schemas.microsoft.com/office/drawing/2014/main" id="{15D93196-E170-4745-B8CC-67A68FC31B11}"/>
+              </a:ext>
+            </a:extLst>
+          </p:cNvPr>
+          <p:cNvSpPr/>
+          <p:nvPr/>
+        </p:nvSpPr>
+        <p:spPr>
+          <a:xfrm rot="16200000">
+            <a:off x="-1458491" y="31465863"/>
+            <a:ext cx="3883115" cy="584775"/>
+          </a:xfrm>
+          <a:prstGeom prst="rect">
+            <a:avLst/>
+          </a:prstGeom>
+        </p:spPr>
+        <p:txBody>
+          <a:bodyPr wrap="square">
+            <a:spAutoFit/>
+          </a:bodyPr>
+          <a:lstStyle/>
+          <a:p>
+            <a:pPr lvl="0" algn="ctr">
+              <a:spcBef>
+                <a:spcPts val="0"/>
+              </a:spcBef>
+              <a:spcAft>
+                <a:spcPts val="0"/>
+              </a:spcAft>
+            </a:pPr>
+            <a:r>
+              <a:rPr lang="en-US" sz="3200" dirty="0">
+                <a:latin typeface="+mn-lt"/>
+                <a:cs typeface="Big Caslon Medium" panose="02000603090000020003" pitchFamily="2" charset="-79"/>
+              </a:rPr>
+              <a:t>Features: 64 X 64</a:t>
+            </a:r>
+          </a:p>
+        </p:txBody>
+      </p:sp>
+      <p:sp>
+        <p:nvSpPr>
+          <p:cNvPr id="172" name="Rectangle 171">
+            <a:extLst>
+              <a:ext uri="{FF2B5EF4-FFF2-40B4-BE49-F238E27FC236}">
+                <a16:creationId xmlns:a16="http://schemas.microsoft.com/office/drawing/2014/main" id="{5250C6A7-47A2-9046-83A0-DCFE0E324E5A}"/>
+              </a:ext>
+            </a:extLst>
+          </p:cNvPr>
+          <p:cNvSpPr/>
+          <p:nvPr/>
+        </p:nvSpPr>
+        <p:spPr>
+          <a:xfrm>
+            <a:off x="-228600" y="33822382"/>
+            <a:ext cx="4339139" cy="1077218"/>
+          </a:xfrm>
+          <a:prstGeom prst="rect">
+            <a:avLst/>
+          </a:prstGeom>
+        </p:spPr>
+        <p:txBody>
+          <a:bodyPr wrap="square">
+            <a:spAutoFit/>
+          </a:bodyPr>
+          <a:lstStyle/>
+          <a:p>
+            <a:pPr lvl="0" algn="ctr">
+              <a:spcBef>
+                <a:spcPts val="0"/>
+              </a:spcBef>
+              <a:spcAft>
+                <a:spcPts val="0"/>
+              </a:spcAft>
+            </a:pPr>
+            <a:r>
+              <a:rPr lang="en-US" sz="3200" dirty="0">
+                <a:latin typeface="+mn-lt"/>
+                <a:cs typeface="Big Caslon Medium" panose="02000603090000020003" pitchFamily="2" charset="-79"/>
+              </a:rPr>
+              <a:t>Augmented images:</a:t>
+            </a:r>
+          </a:p>
+          <a:p>
+            <a:pPr lvl="0" algn="ctr">
+              <a:spcBef>
+                <a:spcPts val="0"/>
+              </a:spcBef>
+              <a:spcAft>
+                <a:spcPts val="0"/>
+              </a:spcAft>
+            </a:pPr>
+            <a:r>
+              <a:rPr lang="en-US" sz="3200" dirty="0">
+                <a:latin typeface="+mn-lt"/>
+                <a:cs typeface="Big Caslon Medium" panose="02000603090000020003" pitchFamily="2" charset="-79"/>
+              </a:rPr>
+              <a:t>11750</a:t>
+            </a:r>
+          </a:p>
+        </p:txBody>
+      </p:sp>
+      <p:sp>
+        <p:nvSpPr>
+          <p:cNvPr id="173" name="Rectangle 172">
+            <a:extLst>
+              <a:ext uri="{FF2B5EF4-FFF2-40B4-BE49-F238E27FC236}">
+                <a16:creationId xmlns:a16="http://schemas.microsoft.com/office/drawing/2014/main" id="{12FA8BC2-76D1-CA4D-BBB2-8F4AC339EB04}"/>
+              </a:ext>
+            </a:extLst>
+          </p:cNvPr>
+          <p:cNvSpPr/>
+          <p:nvPr/>
+        </p:nvSpPr>
+        <p:spPr bwMode="auto">
+          <a:xfrm>
+            <a:off x="4178272" y="29839844"/>
+            <a:ext cx="2035284" cy="3836812"/>
+          </a:xfrm>
+          <a:prstGeom prst="rect">
+            <a:avLst/>
+          </a:prstGeom>
+          <a:noFill/>
+          <a:ln w="38100" cap="flat" cmpd="sng" algn="ctr">
+            <a:solidFill>
+              <a:schemeClr val="tx1"/>
+            </a:solidFill>
+            <a:prstDash val="solid"/>
+            <a:miter lim="800000"/>
+            <a:headEnd type="none" w="med" len="med"/>
+            <a:tailEnd type="none" w="med" len="med"/>
+          </a:ln>
+          <a:effectLst>
+            <a:outerShdw blurRad="50800" dist="38100" dir="2700000">
+              <a:srgbClr val="000000">
+                <a:alpha val="43000"/>
+              </a:srgbClr>
+            </a:outerShdw>
+          </a:effectLst>
+        </p:spPr>
+        <p:txBody>
+          <a:bodyPr vert="horz" wrap="square" lIns="91440" tIns="45720" rIns="91440" bIns="45720" numCol="1" rtlCol="0" anchor="ctr" anchorCtr="0" compatLnSpc="1">
+            <a:prstTxWarp prst="textNoShape">
+              <a:avLst/>
+            </a:prstTxWarp>
+          </a:bodyPr>
+          <a:lstStyle/>
+          <a:p>
+            <a:pPr marL="0" marR="0" indent="0" algn="ctr" defTabSz="3762375" rtl="0" eaLnBrk="1" fontAlgn="base" latinLnBrk="0" hangingPunct="1">
+              <a:lnSpc>
+                <a:spcPct val="100000"/>
+              </a:lnSpc>
+              <a:spcBef>
+                <a:spcPct val="0"/>
+              </a:spcBef>
+              <a:spcAft>
+                <a:spcPct val="0"/>
+              </a:spcAft>
+              <a:buClrTx/>
+              <a:buSzTx/>
+              <a:buFontTx/>
+              <a:buNone/>
+              <a:tabLst/>
+            </a:pPr>
+            <a:endParaRPr lang="en-US" dirty="0">
+              <a:latin typeface="Arial" pitchFamily="-110" charset="0"/>
+            </a:endParaRPr>
+          </a:p>
+        </p:txBody>
+      </p:sp>
+      <p:sp>
+        <p:nvSpPr>
+          <p:cNvPr id="174" name="Rectangle 173">
+            <a:extLst>
+              <a:ext uri="{FF2B5EF4-FFF2-40B4-BE49-F238E27FC236}">
+                <a16:creationId xmlns:a16="http://schemas.microsoft.com/office/drawing/2014/main" id="{7370B81A-2CC4-C740-8FCA-3092D6A4B9CD}"/>
+              </a:ext>
+            </a:extLst>
+          </p:cNvPr>
+          <p:cNvSpPr/>
+          <p:nvPr/>
+        </p:nvSpPr>
+        <p:spPr>
+          <a:xfrm>
+            <a:off x="7121444" y="28790558"/>
+            <a:ext cx="1717756" cy="954107"/>
+          </a:xfrm>
+          <a:prstGeom prst="rect">
+            <a:avLst/>
+          </a:prstGeom>
+        </p:spPr>
+        <p:txBody>
+          <a:bodyPr wrap="square">
+            <a:spAutoFit/>
+          </a:bodyPr>
+          <a:lstStyle/>
+          <a:p>
+            <a:pPr lvl="0" algn="ctr">
+              <a:spcBef>
+                <a:spcPts val="0"/>
+              </a:spcBef>
+              <a:spcAft>
+                <a:spcPts val="0"/>
+              </a:spcAft>
+            </a:pPr>
+            <a:r>
+              <a:rPr lang="en-US" sz="5600" dirty="0">
+                <a:latin typeface="Big Caslon Medium" panose="02000603090000020003" pitchFamily="2" charset="-79"/>
+                <a:cs typeface="Big Caslon Medium" panose="02000603090000020003" pitchFamily="2" charset="-79"/>
+              </a:rPr>
+              <a:t>SV</a:t>
+            </a:r>
+            <a:r>
+              <a:rPr lang="en-US" sz="5600" baseline="30000" dirty="0">
+                <a:latin typeface="Big Caslon Medium" panose="02000603090000020003" pitchFamily="2" charset="-79"/>
+                <a:cs typeface="Big Caslon Medium" panose="02000603090000020003" pitchFamily="2" charset="-79"/>
+              </a:rPr>
+              <a:t>T</a:t>
+            </a:r>
+          </a:p>
+        </p:txBody>
+      </p:sp>
+      <p:sp>
+        <p:nvSpPr>
+          <p:cNvPr id="175" name="Rectangle 174">
+            <a:extLst>
+              <a:ext uri="{FF2B5EF4-FFF2-40B4-BE49-F238E27FC236}">
+                <a16:creationId xmlns:a16="http://schemas.microsoft.com/office/drawing/2014/main" id="{A2D5562B-979D-3045-9DD2-80A40DD6BBFA}"/>
+              </a:ext>
+            </a:extLst>
+          </p:cNvPr>
+          <p:cNvSpPr/>
+          <p:nvPr/>
+        </p:nvSpPr>
+        <p:spPr bwMode="auto">
+          <a:xfrm>
+            <a:off x="6447886" y="29849973"/>
+            <a:ext cx="3051247" cy="1822677"/>
+          </a:xfrm>
+          <a:prstGeom prst="rect">
+            <a:avLst/>
+          </a:prstGeom>
+          <a:noFill/>
+          <a:ln w="38100" cap="flat" cmpd="sng" algn="ctr">
+            <a:solidFill>
+              <a:schemeClr val="tx1"/>
+            </a:solidFill>
+            <a:prstDash val="solid"/>
+            <a:miter lim="800000"/>
+            <a:headEnd type="none" w="med" len="med"/>
+            <a:tailEnd type="none" w="med" len="med"/>
+          </a:ln>
+          <a:effectLst>
+            <a:outerShdw blurRad="50800" dist="38100" dir="2700000">
+              <a:srgbClr val="000000">
+                <a:alpha val="43000"/>
+              </a:srgbClr>
+            </a:outerShdw>
+          </a:effectLst>
+        </p:spPr>
+        <p:txBody>
+          <a:bodyPr vert="horz" wrap="square" lIns="91440" tIns="45720" rIns="91440" bIns="45720" numCol="1" rtlCol="0" anchor="ctr" anchorCtr="0" compatLnSpc="1">
+            <a:prstTxWarp prst="textNoShape">
+              <a:avLst/>
+            </a:prstTxWarp>
+          </a:bodyPr>
+          <a:lstStyle/>
+          <a:p>
+            <a:pPr marL="0" marR="0" indent="0" algn="ctr" defTabSz="3762375" rtl="0" eaLnBrk="1" fontAlgn="base" latinLnBrk="0" hangingPunct="1">
+              <a:lnSpc>
+                <a:spcPct val="100000"/>
+              </a:lnSpc>
+              <a:spcBef>
+                <a:spcPct val="0"/>
+              </a:spcBef>
+              <a:spcAft>
+                <a:spcPct val="0"/>
+              </a:spcAft>
+              <a:buClrTx/>
+              <a:buSzTx/>
+              <a:buFontTx/>
+              <a:buNone/>
+              <a:tabLst/>
+            </a:pPr>
+            <a:endParaRPr lang="en-US" dirty="0">
+              <a:latin typeface="Arial" pitchFamily="-110" charset="0"/>
+            </a:endParaRPr>
+          </a:p>
+        </p:txBody>
+      </p:sp>
+      <p:cxnSp>
+        <p:nvCxnSpPr>
+          <p:cNvPr id="176" name="Straight Connector 175">
+            <a:extLst>
+              <a:ext uri="{FF2B5EF4-FFF2-40B4-BE49-F238E27FC236}">
+                <a16:creationId xmlns:a16="http://schemas.microsoft.com/office/drawing/2014/main" id="{9B730836-5C06-454A-B893-2DA1B5DFFD9F}"/>
+              </a:ext>
+            </a:extLst>
+          </p:cNvPr>
+          <p:cNvCxnSpPr>
+            <a:cxnSpLocks/>
+          </p:cNvCxnSpPr>
+          <p:nvPr/>
+        </p:nvCxnSpPr>
+        <p:spPr bwMode="auto">
+          <a:xfrm>
+            <a:off x="5117633" y="29862996"/>
+            <a:ext cx="0" cy="3813660"/>
+          </a:xfrm>
+          <a:prstGeom prst="line">
+            <a:avLst/>
+          </a:prstGeom>
+          <a:solidFill>
+            <a:schemeClr val="accent1"/>
+          </a:solidFill>
+          <a:ln w="38100" cap="flat" cmpd="sng" algn="ctr">
+            <a:solidFill>
+              <a:srgbClr val="0070C0"/>
+            </a:solidFill>
+            <a:prstDash val="dash"/>
+            <a:round/>
+            <a:headEnd type="none" w="med" len="med"/>
+            <a:tailEnd type="none" w="med" len="med"/>
+          </a:ln>
+          <a:effectLst/>
+        </p:spPr>
+      </p:cxnSp>
+      <p:cxnSp>
+        <p:nvCxnSpPr>
+          <p:cNvPr id="177" name="Straight Connector 176">
+            <a:extLst>
+              <a:ext uri="{FF2B5EF4-FFF2-40B4-BE49-F238E27FC236}">
+                <a16:creationId xmlns:a16="http://schemas.microsoft.com/office/drawing/2014/main" id="{A7B0B1E2-8CFF-DE41-86AC-C5077DD07EE9}"/>
+              </a:ext>
+            </a:extLst>
+          </p:cNvPr>
+          <p:cNvCxnSpPr>
+            <a:cxnSpLocks/>
+          </p:cNvCxnSpPr>
+          <p:nvPr/>
+        </p:nvCxnSpPr>
+        <p:spPr bwMode="auto">
+          <a:xfrm>
+            <a:off x="6447886" y="30777040"/>
+            <a:ext cx="3226324" cy="0"/>
+          </a:xfrm>
+          <a:prstGeom prst="line">
+            <a:avLst/>
+          </a:prstGeom>
+          <a:solidFill>
+            <a:schemeClr val="accent1"/>
+          </a:solidFill>
+          <a:ln w="38100" cap="flat" cmpd="sng" algn="ctr">
+            <a:solidFill>
+              <a:srgbClr val="0070C0"/>
+            </a:solidFill>
+            <a:prstDash val="dash"/>
+            <a:round/>
+            <a:headEnd type="none" w="med" len="med"/>
+            <a:tailEnd type="none" w="med" len="med"/>
+          </a:ln>
+          <a:effectLst/>
+        </p:spPr>
+      </p:cxnSp>
+      <p:sp>
+        <p:nvSpPr>
+          <p:cNvPr id="178" name="Rectangle 177">
+            <a:extLst>
+              <a:ext uri="{FF2B5EF4-FFF2-40B4-BE49-F238E27FC236}">
+                <a16:creationId xmlns:a16="http://schemas.microsoft.com/office/drawing/2014/main" id="{E9FFF001-509F-0945-9136-F3644E9C04C9}"/>
+              </a:ext>
+            </a:extLst>
+          </p:cNvPr>
+          <p:cNvSpPr/>
+          <p:nvPr/>
+        </p:nvSpPr>
+        <p:spPr>
+          <a:xfrm rot="16200000">
+            <a:off x="2706642" y="31525507"/>
+            <a:ext cx="3883115" cy="584775"/>
+          </a:xfrm>
+          <a:prstGeom prst="rect">
+            <a:avLst/>
+          </a:prstGeom>
+        </p:spPr>
+        <p:txBody>
+          <a:bodyPr wrap="square">
+            <a:spAutoFit/>
+          </a:bodyPr>
+          <a:lstStyle/>
+          <a:p>
+            <a:pPr lvl="0" algn="ctr">
+              <a:spcBef>
+                <a:spcPts val="0"/>
+              </a:spcBef>
+              <a:spcAft>
+                <a:spcPts val="0"/>
+              </a:spcAft>
+            </a:pPr>
+            <a:r>
+              <a:rPr lang="en-US" sz="3200" dirty="0">
+                <a:latin typeface="+mn-lt"/>
+                <a:cs typeface="Big Caslon Medium" panose="02000603090000020003" pitchFamily="2" charset="-79"/>
+              </a:rPr>
+              <a:t>Significant</a:t>
+            </a:r>
+          </a:p>
+        </p:txBody>
+      </p:sp>
+      <p:sp>
+        <p:nvSpPr>
+          <p:cNvPr id="179" name="Rectangle 178">
+            <a:extLst>
+              <a:ext uri="{FF2B5EF4-FFF2-40B4-BE49-F238E27FC236}">
+                <a16:creationId xmlns:a16="http://schemas.microsoft.com/office/drawing/2014/main" id="{C1B69563-065A-5546-9E4E-ADBBCC2F04CE}"/>
+              </a:ext>
+            </a:extLst>
+          </p:cNvPr>
+          <p:cNvSpPr/>
+          <p:nvPr/>
+        </p:nvSpPr>
+        <p:spPr>
+          <a:xfrm rot="16200000">
+            <a:off x="3684830" y="31465863"/>
+            <a:ext cx="3883115" cy="584775"/>
+          </a:xfrm>
+          <a:prstGeom prst="rect">
+            <a:avLst/>
+          </a:prstGeom>
+        </p:spPr>
+        <p:txBody>
+          <a:bodyPr wrap="square">
+            <a:spAutoFit/>
+          </a:bodyPr>
+          <a:lstStyle/>
+          <a:p>
+            <a:pPr lvl="0" algn="ctr">
+              <a:spcBef>
+                <a:spcPts val="0"/>
+              </a:spcBef>
+              <a:spcAft>
+                <a:spcPts val="0"/>
+              </a:spcAft>
+            </a:pPr>
+            <a:r>
+              <a:rPr lang="en-US" sz="3200" dirty="0">
+                <a:latin typeface="+mn-lt"/>
+                <a:cs typeface="Big Caslon Medium" panose="02000603090000020003" pitchFamily="2" charset="-79"/>
+              </a:rPr>
+              <a:t>Noise</a:t>
+            </a:r>
+          </a:p>
+        </p:txBody>
+      </p:sp>
+      <p:sp>
+        <p:nvSpPr>
+          <p:cNvPr id="180" name="Rectangle 179">
+            <a:extLst>
+              <a:ext uri="{FF2B5EF4-FFF2-40B4-BE49-F238E27FC236}">
+                <a16:creationId xmlns:a16="http://schemas.microsoft.com/office/drawing/2014/main" id="{34A48915-7ED5-0244-B177-B169393DAE98}"/>
+              </a:ext>
+            </a:extLst>
+          </p:cNvPr>
+          <p:cNvSpPr/>
+          <p:nvPr/>
+        </p:nvSpPr>
+        <p:spPr>
+          <a:xfrm>
+            <a:off x="6527007" y="30015040"/>
+            <a:ext cx="2972126" cy="584775"/>
+          </a:xfrm>
+          <a:prstGeom prst="rect">
+            <a:avLst/>
+          </a:prstGeom>
+        </p:spPr>
+        <p:txBody>
+          <a:bodyPr wrap="square">
+            <a:spAutoFit/>
+          </a:bodyPr>
+          <a:lstStyle/>
+          <a:p>
+            <a:pPr lvl="0" algn="ctr">
+              <a:spcBef>
+                <a:spcPts val="0"/>
+              </a:spcBef>
+              <a:spcAft>
+                <a:spcPts val="0"/>
+              </a:spcAft>
+            </a:pPr>
+            <a:r>
+              <a:rPr lang="en-US" sz="3200" dirty="0">
+                <a:latin typeface="+mn-lt"/>
+                <a:cs typeface="Big Caslon Medium" panose="02000603090000020003" pitchFamily="2" charset="-79"/>
+              </a:rPr>
+              <a:t>Significant</a:t>
+            </a:r>
+          </a:p>
+        </p:txBody>
+      </p:sp>
+      <p:sp>
+        <p:nvSpPr>
+          <p:cNvPr id="181" name="Rectangle 180">
+            <a:extLst>
+              <a:ext uri="{FF2B5EF4-FFF2-40B4-BE49-F238E27FC236}">
+                <a16:creationId xmlns:a16="http://schemas.microsoft.com/office/drawing/2014/main" id="{E7C7B287-D4F1-D448-B9FE-050401D71227}"/>
+              </a:ext>
+            </a:extLst>
+          </p:cNvPr>
+          <p:cNvSpPr/>
+          <p:nvPr/>
+        </p:nvSpPr>
+        <p:spPr>
+          <a:xfrm>
+            <a:off x="6494201" y="30937200"/>
+            <a:ext cx="3004932" cy="584775"/>
+          </a:xfrm>
+          <a:prstGeom prst="rect">
+            <a:avLst/>
+          </a:prstGeom>
+        </p:spPr>
+        <p:txBody>
+          <a:bodyPr wrap="square">
+            <a:spAutoFit/>
+          </a:bodyPr>
+          <a:lstStyle/>
+          <a:p>
+            <a:pPr lvl="0" algn="ctr">
+              <a:spcBef>
+                <a:spcPts val="0"/>
+              </a:spcBef>
+              <a:spcAft>
+                <a:spcPts val="0"/>
+              </a:spcAft>
+            </a:pPr>
+            <a:r>
+              <a:rPr lang="en-US" sz="3200" dirty="0">
+                <a:latin typeface="+mn-lt"/>
+                <a:cs typeface="Big Caslon Medium" panose="02000603090000020003" pitchFamily="2" charset="-79"/>
+              </a:rPr>
+              <a:t>Noise</a:t>
+            </a:r>
+          </a:p>
+        </p:txBody>
+      </p:sp>
+      <p:sp>
+        <p:nvSpPr>
+          <p:cNvPr id="182" name="Rectangle 181">
+            <a:extLst>
+              <a:ext uri="{FF2B5EF4-FFF2-40B4-BE49-F238E27FC236}">
+                <a16:creationId xmlns:a16="http://schemas.microsoft.com/office/drawing/2014/main" id="{474313FD-7992-B04E-A65C-D3BEE7C20CBE}"/>
+              </a:ext>
+            </a:extLst>
+          </p:cNvPr>
+          <p:cNvSpPr/>
+          <p:nvPr/>
+        </p:nvSpPr>
+        <p:spPr>
+          <a:xfrm>
+            <a:off x="3762792" y="34307065"/>
+            <a:ext cx="3965474" cy="584775"/>
+          </a:xfrm>
+          <a:prstGeom prst="rect">
+            <a:avLst/>
+          </a:prstGeom>
+        </p:spPr>
+        <p:txBody>
+          <a:bodyPr wrap="square">
+            <a:spAutoFit/>
+          </a:bodyPr>
+          <a:lstStyle/>
+          <a:p>
+            <a:pPr lvl="0" algn="ctr">
+              <a:spcBef>
+                <a:spcPts val="0"/>
+              </a:spcBef>
+              <a:spcAft>
+                <a:spcPts val="0"/>
+              </a:spcAft>
+            </a:pPr>
+            <a:r>
+              <a:rPr lang="en-US" sz="3200" dirty="0">
+                <a:latin typeface="+mn-lt"/>
+                <a:cs typeface="Big Caslon Medium" panose="02000603090000020003" pitchFamily="2" charset="-79"/>
+              </a:rPr>
+              <a:t>100 eigen-footprints</a:t>
+            </a:r>
+          </a:p>
+        </p:txBody>
+      </p:sp>
+      <p:cxnSp>
+        <p:nvCxnSpPr>
+          <p:cNvPr id="184" name="Straight Arrow Connector 183">
+            <a:extLst>
+              <a:ext uri="{FF2B5EF4-FFF2-40B4-BE49-F238E27FC236}">
+                <a16:creationId xmlns:a16="http://schemas.microsoft.com/office/drawing/2014/main" id="{22C15F92-A084-7D40-BAB6-EDA05ACE2268}"/>
+              </a:ext>
+            </a:extLst>
+          </p:cNvPr>
+          <p:cNvCxnSpPr>
+            <a:cxnSpLocks/>
+          </p:cNvCxnSpPr>
+          <p:nvPr/>
+        </p:nvCxnSpPr>
+        <p:spPr bwMode="auto">
+          <a:xfrm flipH="1" flipV="1">
+            <a:off x="4674175" y="33739908"/>
+            <a:ext cx="304512" cy="603650"/>
+          </a:xfrm>
+          <a:prstGeom prst="straightConnector1">
+            <a:avLst/>
+          </a:prstGeom>
+          <a:solidFill>
+            <a:schemeClr val="accent1"/>
+          </a:solidFill>
+          <a:ln w="57150" cap="flat" cmpd="sng" algn="ctr">
+            <a:solidFill>
+              <a:srgbClr val="0070C0"/>
+            </a:solidFill>
+            <a:prstDash val="solid"/>
+            <a:round/>
+            <a:headEnd type="none" w="med" len="med"/>
+            <a:tailEnd type="arrow" w="med" len="med"/>
+          </a:ln>
+          <a:effectLst/>
+        </p:spPr>
+      </p:cxnSp>
+      <p:sp>
+        <p:nvSpPr>
+          <p:cNvPr id="188" name="Google Shape;50;p6">
+            <a:extLst>
+              <a:ext uri="{FF2B5EF4-FFF2-40B4-BE49-F238E27FC236}">
+                <a16:creationId xmlns:a16="http://schemas.microsoft.com/office/drawing/2014/main" id="{7DE5196A-FA03-0845-8A8D-191720DF2929}"/>
+              </a:ext>
+            </a:extLst>
+          </p:cNvPr>
+          <p:cNvSpPr txBox="1"/>
+          <p:nvPr/>
+        </p:nvSpPr>
+        <p:spPr>
+          <a:xfrm>
+            <a:off x="177795" y="35485626"/>
+            <a:ext cx="7518405" cy="861774"/>
+          </a:xfrm>
+          <a:prstGeom prst="rect">
+            <a:avLst/>
+          </a:prstGeom>
+        </p:spPr>
+        <p:txBody>
+          <a:bodyPr wrap="none">
+            <a:spAutoFit/>
+          </a:bodyPr>
+          <a:lstStyle>
+            <a:defPPr>
+              <a:defRPr lang="en-US"/>
+            </a:defPPr>
+            <a:lvl1pPr>
+              <a:defRPr sz="5000" b="1">
+                <a:solidFill>
+                  <a:schemeClr val="tx2"/>
+                </a:solidFill>
+                <a:latin typeface="Book Antiqua"/>
+                <a:cs typeface="Book Antiqua"/>
+              </a:defRPr>
+            </a:lvl1pPr>
+          </a:lstStyle>
+          <a:p>
+            <a:r>
+              <a:rPr lang="en-US" dirty="0"/>
+              <a:t>10-701 Machine Learning</a:t>
+            </a:r>
+          </a:p>
+        </p:txBody>
+      </p:sp>
+      <p:sp>
+        <p:nvSpPr>
+          <p:cNvPr id="190" name="Google Shape;50;p6">
+            <a:extLst>
+              <a:ext uri="{FF2B5EF4-FFF2-40B4-BE49-F238E27FC236}">
+                <a16:creationId xmlns:a16="http://schemas.microsoft.com/office/drawing/2014/main" id="{6CF678D7-9E53-6E41-9816-AA704F8281CB}"/>
+              </a:ext>
+            </a:extLst>
+          </p:cNvPr>
+          <p:cNvSpPr txBox="1"/>
+          <p:nvPr/>
+        </p:nvSpPr>
+        <p:spPr>
+          <a:xfrm>
+            <a:off x="10038105" y="32039664"/>
+            <a:ext cx="7038078" cy="3320288"/>
+          </a:xfrm>
+          <a:prstGeom prst="rect">
+            <a:avLst/>
+          </a:prstGeom>
+          <a:noFill/>
+          <a:ln>
+            <a:noFill/>
+          </a:ln>
+        </p:spPr>
+        <p:txBody>
+          <a:bodyPr spcFirstLastPara="1" wrap="square" lIns="91425" tIns="91425" rIns="91425" bIns="91425" anchor="t" anchorCtr="0">
+            <a:noAutofit/>
+          </a:bodyPr>
+          <a:lstStyle/>
+          <a:p>
+            <a:pPr lvl="0">
+              <a:spcBef>
+                <a:spcPts val="0"/>
+              </a:spcBef>
+              <a:spcAft>
+                <a:spcPts val="0"/>
+              </a:spcAft>
+            </a:pPr>
+            <a:r>
+              <a:rPr lang="en-US" sz="3600" dirty="0"/>
+              <a:t>Several issues for applying PCA:</a:t>
+            </a:r>
+          </a:p>
+          <a:p>
+            <a:pPr marL="571500" indent="-571500">
+              <a:spcBef>
+                <a:spcPts val="0"/>
+              </a:spcBef>
+              <a:spcAft>
+                <a:spcPts val="0"/>
+              </a:spcAft>
+              <a:buFont typeface="Arial" panose="020B0604020202020204" pitchFamily="34" charset="0"/>
+              <a:buChar char="•"/>
+            </a:pPr>
+            <a:r>
+              <a:rPr lang="en-US" sz="3600" dirty="0"/>
+              <a:t>Low accuracy: </a:t>
+            </a:r>
+          </a:p>
+          <a:p>
+            <a:pPr marL="571500" indent="-571500">
+              <a:spcBef>
+                <a:spcPts val="0"/>
+              </a:spcBef>
+              <a:spcAft>
+                <a:spcPts val="0"/>
+              </a:spcAft>
+              <a:buFont typeface="Arial" panose="020B0604020202020204" pitchFamily="34" charset="0"/>
+              <a:buChar char="•"/>
+            </a:pPr>
+            <a:r>
+              <a:rPr lang="en-US" sz="3600" dirty="0"/>
+              <a:t>Not robust</a:t>
+            </a:r>
+          </a:p>
+          <a:p>
+            <a:pPr marL="1028700" lvl="1" indent="-571500">
+              <a:spcBef>
+                <a:spcPts val="0"/>
+              </a:spcBef>
+              <a:spcAft>
+                <a:spcPts val="0"/>
+              </a:spcAft>
+              <a:buFont typeface="Courier New" panose="02070309020205020404" pitchFamily="49" charset="0"/>
+              <a:buChar char="o"/>
+            </a:pPr>
+            <a:r>
+              <a:rPr lang="en-US" sz="3200" dirty="0"/>
+              <a:t>Requires centered footprints</a:t>
+            </a:r>
+          </a:p>
+          <a:p>
+            <a:pPr marL="1028700" lvl="1" indent="-571500">
+              <a:spcBef>
+                <a:spcPts val="0"/>
+              </a:spcBef>
+              <a:spcAft>
+                <a:spcPts val="0"/>
+              </a:spcAft>
+              <a:buFont typeface="Courier New" panose="02070309020205020404" pitchFamily="49" charset="0"/>
+              <a:buChar char="o"/>
+            </a:pPr>
+            <a:r>
+              <a:rPr lang="en-US" sz="3200" dirty="0"/>
+              <a:t>Requires same size</a:t>
+            </a:r>
+          </a:p>
+          <a:p>
+            <a:pPr marL="1028700" lvl="1" indent="-571500">
+              <a:spcBef>
+                <a:spcPts val="0"/>
+              </a:spcBef>
+              <a:spcAft>
+                <a:spcPts val="0"/>
+              </a:spcAft>
+              <a:buFont typeface="Courier New" panose="02070309020205020404" pitchFamily="49" charset="0"/>
+              <a:buChar char="o"/>
+            </a:pPr>
+            <a:r>
+              <a:rPr lang="en-US" sz="3200" dirty="0"/>
+              <a:t>Sensitive to angles</a:t>
+            </a:r>
+          </a:p>
+          <a:p>
+            <a:pPr lvl="0">
+              <a:spcBef>
+                <a:spcPts val="0"/>
+              </a:spcBef>
+              <a:spcAft>
+                <a:spcPts val="0"/>
+              </a:spcAft>
+            </a:pPr>
+            <a:endParaRPr lang="en-US" sz="3600" dirty="0"/>
+          </a:p>
+        </p:txBody>
+      </p:sp>
     </p:spTree>
     <p:extLst>
       <p:ext uri="{BB962C8B-B14F-4D97-AF65-F5344CB8AC3E}">

--- a/poster/Footprint.pptx
+++ b/poster/Footprint.pptx
@@ -238,7 +238,7 @@
           <a:p>
             <a:fld id="{5288C8A9-C8E4-D04E-9830-749FB15BD155}" type="datetimeFigureOut">
               <a:rPr lang="en-US" smtClean="0"/>
-              <a:t>12/7/18</a:t>
+              <a:t>12/8/18</a:t>
             </a:fld>
             <a:endParaRPr lang="en-US" dirty="0"/>
           </a:p>
@@ -4152,14 +4152,14 @@
           </a:ln>
           <a:extLst>
             <a:ext uri="{909E8E84-426E-40dd-AFC4-6F175D3DCCD1}">
-              <a14:hiddenFill xmlns="" xmlns:a14="http://schemas.microsoft.com/office/drawing/2010/main">
+              <a14:hiddenFill xmlns:a14="http://schemas.microsoft.com/office/drawing/2010/main" xmlns="">
                 <a:solidFill>
                   <a:srgbClr val="FFFFFF"/>
                 </a:solidFill>
               </a14:hiddenFill>
             </a:ext>
             <a:ext uri="{91240B29-F687-4f45-9708-019B960494DF}">
-              <a14:hiddenLine xmlns="" xmlns:a14="http://schemas.microsoft.com/office/drawing/2010/main" w="9525">
+              <a14:hiddenLine xmlns:a14="http://schemas.microsoft.com/office/drawing/2010/main" xmlns="" w="9525">
                 <a:solidFill>
                   <a:srgbClr val="000000"/>
                 </a:solidFill>
@@ -4313,14 +4313,14 @@
           </a:ln>
           <a:extLst>
             <a:ext uri="{909E8E84-426E-40dd-AFC4-6F175D3DCCD1}">
-              <a14:hiddenFill xmlns="" xmlns:a14="http://schemas.microsoft.com/office/drawing/2010/main">
+              <a14:hiddenFill xmlns:a14="http://schemas.microsoft.com/office/drawing/2010/main" xmlns="">
                 <a:solidFill>
                   <a:srgbClr val="FFFFFF"/>
                 </a:solidFill>
               </a14:hiddenFill>
             </a:ext>
             <a:ext uri="{91240B29-F687-4f45-9708-019B960494DF}">
-              <a14:hiddenLine xmlns="" xmlns:a14="http://schemas.microsoft.com/office/drawing/2010/main" w="9525">
+              <a14:hiddenLine xmlns:a14="http://schemas.microsoft.com/office/drawing/2010/main" xmlns="" w="9525">
                 <a:solidFill>
                   <a:srgbClr val="000000"/>
                 </a:solidFill>
@@ -4451,7 +4451,7 @@
                 <a:cs typeface="Calibri"/>
                 <a:sym typeface="Calibri"/>
               </a:rPr>
-              <a:t>Adj. Forensic Investigation via XYZ</a:t>
+              <a:t>Forensic Investigation via Robust Feature Extraction</a:t>
             </a:r>
           </a:p>
           <a:p>
@@ -4537,7 +4537,7 @@
         </p:blipFill>
         <p:spPr bwMode="auto">
           <a:xfrm>
-            <a:off x="7620000" y="35212219"/>
+            <a:off x="19454253" y="35245559"/>
             <a:ext cx="9914238" cy="1326198"/>
           </a:xfrm>
           <a:prstGeom prst="rect">
@@ -4549,14 +4549,14 @@
           </a:ln>
           <a:extLst>
             <a:ext uri="{909E8E84-426E-40dd-AFC4-6F175D3DCCD1}">
-              <a14:hiddenFill xmlns="" xmlns:a14="http://schemas.microsoft.com/office/drawing/2010/main">
+              <a14:hiddenFill xmlns:a14="http://schemas.microsoft.com/office/drawing/2010/main" xmlns="">
                 <a:solidFill>
                   <a:srgbClr val="FFFFFF"/>
                 </a:solidFill>
               </a14:hiddenFill>
             </a:ext>
             <a:ext uri="{91240B29-F687-4f45-9708-019B960494DF}">
-              <a14:hiddenLine xmlns="" xmlns:a14="http://schemas.microsoft.com/office/drawing/2010/main" w="9525">
+              <a14:hiddenLine xmlns:a14="http://schemas.microsoft.com/office/drawing/2010/main" xmlns="" w="9525">
                 <a:solidFill>
                   <a:srgbClr val="000000"/>
                 </a:solidFill>
@@ -4592,7 +4592,7 @@
           </a:ln>
           <a:extLst>
             <a:ext uri="{91240B29-F687-4f45-9708-019B960494DF}">
-              <a14:hiddenLine xmlns="" xmlns:a14="http://schemas.microsoft.com/office/drawing/2010/main" w="9525">
+              <a14:hiddenLine xmlns:a14="http://schemas.microsoft.com/office/drawing/2010/main" xmlns="" w="9525">
                 <a:solidFill>
                   <a:srgbClr val="000000"/>
                 </a:solidFill>
@@ -4616,7 +4616,7 @@
                 <a:latin typeface="Book Antiqua"/>
                 <a:cs typeface="Book Antiqua"/>
               </a:rPr>
-              <a:t>Our solution: Autoencoder and XYZ classifier </a:t>
+              <a:t>Our solution: Data augmentation and robust feature extraction</a:t>
             </a:r>
           </a:p>
         </p:txBody>
@@ -4645,7 +4645,7 @@
           </a:ln>
           <a:extLst>
             <a:ext uri="{91240B29-F687-4f45-9708-019B960494DF}">
-              <a14:hiddenLine xmlns="" xmlns:a14="http://schemas.microsoft.com/office/drawing/2010/main" w="9525">
+              <a14:hiddenLine xmlns:a14="http://schemas.microsoft.com/office/drawing/2010/main" xmlns="" w="9525">
                 <a:solidFill>
                   <a:srgbClr val="000000"/>
                 </a:solidFill>
@@ -4711,7 +4711,7 @@
           </a:ln>
           <a:extLst>
             <a:ext uri="{91240B29-F687-4f45-9708-019B960494DF}">
-              <a14:hiddenLine xmlns="" xmlns:a14="http://schemas.microsoft.com/office/drawing/2010/main" w="9525">
+              <a14:hiddenLine xmlns:a14="http://schemas.microsoft.com/office/drawing/2010/main" xmlns="" w="9525">
                 <a:solidFill>
                   <a:srgbClr val="000000"/>
                 </a:solidFill>
@@ -10965,7 +10965,7 @@
                 <a:latin typeface="+mn-lt"/>
                 <a:cs typeface="Big Caslon Medium" panose="02000603090000020003" pitchFamily="2" charset="-79"/>
               </a:rPr>
-              <a:t>11750</a:t>
+              <a:t>117500</a:t>
             </a:r>
           </a:p>
         </p:txBody>
@@ -11206,13 +11206,14 @@
           </p:cNvPr>
           <p:cNvCxnSpPr>
             <a:cxnSpLocks/>
+            <a:endCxn id="175" idx="3"/>
           </p:cNvCxnSpPr>
           <p:nvPr/>
         </p:nvCxnSpPr>
         <p:spPr bwMode="auto">
-          <a:xfrm>
-            <a:off x="6447886" y="30777040"/>
-            <a:ext cx="3226324" cy="0"/>
+          <a:xfrm flipV="1">
+            <a:off x="6447886" y="30761312"/>
+            <a:ext cx="3051247" cy="15728"/>
           </a:xfrm>
           <a:prstGeom prst="line">
             <a:avLst/>
@@ -11555,7 +11556,7 @@
         </p:nvSpPr>
         <p:spPr>
           <a:xfrm>
-            <a:off x="10038105" y="32039664"/>
+            <a:off x="9954522" y="32417512"/>
             <a:ext cx="7038078" cy="3320288"/>
           </a:xfrm>
           <a:prstGeom prst="rect">
@@ -11597,8 +11598,8 @@
               <a:buChar char="•"/>
             </a:pPr>
             <a:r>
-              <a:rPr lang="en-US" sz="3600" dirty="0"/>
-              <a:t>Low accuracy: </a:t>
+              <a:rPr lang="en-US" sz="3200" dirty="0"/>
+              <a:t>Low accuracy: &lt;0.1 (300 classes)</a:t>
             </a:r>
           </a:p>
           <a:p>
@@ -11613,8 +11614,8 @@
               <a:buChar char="•"/>
             </a:pPr>
             <a:r>
-              <a:rPr lang="en-US" sz="3600" dirty="0"/>
-              <a:t>Not robust</a:t>
+              <a:rPr lang="en-US" sz="3200" dirty="0"/>
+              <a:t>Possible reason: not robust</a:t>
             </a:r>
           </a:p>
           <a:p>
@@ -11629,7 +11630,7 @@
               <a:buChar char="o"/>
             </a:pPr>
             <a:r>
-              <a:rPr lang="en-US" sz="3200" dirty="0"/>
+              <a:rPr lang="en-US" sz="2800" dirty="0"/>
               <a:t>Requires centered footprints</a:t>
             </a:r>
           </a:p>
@@ -11645,7 +11646,7 @@
               <a:buChar char="o"/>
             </a:pPr>
             <a:r>
-              <a:rPr lang="en-US" sz="3200" dirty="0"/>
+              <a:rPr lang="en-US" sz="2800" dirty="0"/>
               <a:t>Requires same size</a:t>
             </a:r>
           </a:p>
@@ -11661,12 +11662,92 @@
               <a:buChar char="o"/>
             </a:pPr>
             <a:r>
-              <a:rPr lang="en-US" sz="3200" dirty="0"/>
+              <a:rPr lang="en-US" sz="2800" dirty="0"/>
               <a:t>Sensitive to angles</a:t>
             </a:r>
           </a:p>
           <a:p>
-            <a:pPr lvl="0">
+            <a:pPr marL="457200" indent="-457200">
+              <a:spcBef>
+                <a:spcPts val="0"/>
+              </a:spcBef>
+              <a:spcAft>
+                <a:spcPts val="0"/>
+              </a:spcAft>
+              <a:buFont typeface="Arial" panose="020B0604020202020204" pitchFamily="34" charset="0"/>
+              <a:buChar char="•"/>
+            </a:pPr>
+            <a:r>
+              <a:rPr lang="en-US" sz="3200" dirty="0"/>
+              <a:t>Cannot scale to 1175 classes</a:t>
+            </a:r>
+          </a:p>
+        </p:txBody>
+      </p:sp>
+      <p:pic>
+        <p:nvPicPr>
+          <p:cNvPr id="6" name="Picture 5">
+            <a:extLst>
+              <a:ext uri="{FF2B5EF4-FFF2-40B4-BE49-F238E27FC236}">
+                <a16:creationId xmlns:a16="http://schemas.microsoft.com/office/drawing/2014/main" id="{A0560B7D-FE96-BB4A-95DE-8368BD70EAD8}"/>
+              </a:ext>
+            </a:extLst>
+          </p:cNvPr>
+          <p:cNvPicPr>
+            <a:picLocks noChangeAspect="1"/>
+          </p:cNvPicPr>
+          <p:nvPr/>
+        </p:nvPicPr>
+        <p:blipFill>
+          <a:blip r:embed="rId11"/>
+          <a:stretch>
+            <a:fillRect/>
+          </a:stretch>
+        </p:blipFill>
+        <p:spPr>
+          <a:xfrm>
+            <a:off x="9616375" y="28538897"/>
+            <a:ext cx="7220146" cy="3693703"/>
+          </a:xfrm>
+          <a:prstGeom prst="rect">
+            <a:avLst/>
+          </a:prstGeom>
+        </p:spPr>
+      </p:pic>
+      <p:sp>
+        <p:nvSpPr>
+          <p:cNvPr id="197" name="Google Shape;50;p6">
+            <a:extLst>
+              <a:ext uri="{FF2B5EF4-FFF2-40B4-BE49-F238E27FC236}">
+                <a16:creationId xmlns:a16="http://schemas.microsoft.com/office/drawing/2014/main" id="{D0A8D1F8-6BE5-4744-A171-38B340FB1A91}"/>
+              </a:ext>
+            </a:extLst>
+          </p:cNvPr>
+          <p:cNvSpPr txBox="1"/>
+          <p:nvPr/>
+        </p:nvSpPr>
+        <p:spPr>
+          <a:xfrm>
+            <a:off x="15667345" y="30134248"/>
+            <a:ext cx="877138" cy="690649"/>
+          </a:xfrm>
+          <a:prstGeom prst="rect">
+            <a:avLst/>
+          </a:prstGeom>
+          <a:solidFill>
+            <a:schemeClr val="bg1"/>
+          </a:solidFill>
+          <a:ln>
+            <a:noFill/>
+          </a:ln>
+        </p:spPr>
+        <p:txBody>
+          <a:bodyPr spcFirstLastPara="1" wrap="square" lIns="91425" tIns="91425" rIns="91425" bIns="91425" anchor="t" anchorCtr="0">
+            <a:noAutofit/>
+          </a:bodyPr>
+          <a:lstStyle/>
+          <a:p>
+            <a:pPr lvl="0" algn="ctr">
               <a:spcBef>
                 <a:spcPts val="0"/>
               </a:spcBef>
@@ -11674,7 +11755,10 @@
                 <a:spcPts val="0"/>
               </a:spcAft>
             </a:pPr>
-            <a:endParaRPr lang="en-US" sz="3600" dirty="0"/>
+            <a:r>
+              <a:rPr lang="en-US" sz="3200" i="1" dirty="0"/>
+              <a:t>?</a:t>
+            </a:r>
           </a:p>
         </p:txBody>
       </p:sp>

--- a/poster/Footprint.pptx
+++ b/poster/Footprint.pptx
@@ -238,7 +238,7 @@
           <a:p>
             <a:fld id="{5288C8A9-C8E4-D04E-9830-749FB15BD155}" type="datetimeFigureOut">
               <a:rPr lang="en-US" smtClean="0"/>
-              <a:t>12/7/18</a:t>
+              <a:t>12/8/2018</a:t>
             </a:fld>
             <a:endParaRPr lang="en-US" dirty="0"/>
           </a:p>
@@ -4152,14 +4152,14 @@
           </a:ln>
           <a:extLst>
             <a:ext uri="{909E8E84-426E-40dd-AFC4-6F175D3DCCD1}">
-              <a14:hiddenFill xmlns="" xmlns:a14="http://schemas.microsoft.com/office/drawing/2010/main">
+              <a14:hiddenFill xmlns:a14="http://schemas.microsoft.com/office/drawing/2010/main" xmlns="">
                 <a:solidFill>
                   <a:srgbClr val="FFFFFF"/>
                 </a:solidFill>
               </a14:hiddenFill>
             </a:ext>
             <a:ext uri="{91240B29-F687-4f45-9708-019B960494DF}">
-              <a14:hiddenLine xmlns="" xmlns:a14="http://schemas.microsoft.com/office/drawing/2010/main" w="9525">
+              <a14:hiddenLine xmlns:a14="http://schemas.microsoft.com/office/drawing/2010/main" xmlns="" w="9525">
                 <a:solidFill>
                   <a:srgbClr val="000000"/>
                 </a:solidFill>
@@ -4313,14 +4313,14 @@
           </a:ln>
           <a:extLst>
             <a:ext uri="{909E8E84-426E-40dd-AFC4-6F175D3DCCD1}">
-              <a14:hiddenFill xmlns="" xmlns:a14="http://schemas.microsoft.com/office/drawing/2010/main">
+              <a14:hiddenFill xmlns:a14="http://schemas.microsoft.com/office/drawing/2010/main" xmlns="">
                 <a:solidFill>
                   <a:srgbClr val="FFFFFF"/>
                 </a:solidFill>
               </a14:hiddenFill>
             </a:ext>
             <a:ext uri="{91240B29-F687-4f45-9708-019B960494DF}">
-              <a14:hiddenLine xmlns="" xmlns:a14="http://schemas.microsoft.com/office/drawing/2010/main" w="9525">
+              <a14:hiddenLine xmlns:a14="http://schemas.microsoft.com/office/drawing/2010/main" xmlns="" w="9525">
                 <a:solidFill>
                   <a:srgbClr val="000000"/>
                 </a:solidFill>
@@ -4549,14 +4549,14 @@
           </a:ln>
           <a:extLst>
             <a:ext uri="{909E8E84-426E-40dd-AFC4-6F175D3DCCD1}">
-              <a14:hiddenFill xmlns="" xmlns:a14="http://schemas.microsoft.com/office/drawing/2010/main">
+              <a14:hiddenFill xmlns:a14="http://schemas.microsoft.com/office/drawing/2010/main" xmlns="">
                 <a:solidFill>
                   <a:srgbClr val="FFFFFF"/>
                 </a:solidFill>
               </a14:hiddenFill>
             </a:ext>
             <a:ext uri="{91240B29-F687-4f45-9708-019B960494DF}">
-              <a14:hiddenLine xmlns="" xmlns:a14="http://schemas.microsoft.com/office/drawing/2010/main" w="9525">
+              <a14:hiddenLine xmlns:a14="http://schemas.microsoft.com/office/drawing/2010/main" xmlns="" w="9525">
                 <a:solidFill>
                   <a:srgbClr val="000000"/>
                 </a:solidFill>
@@ -4592,7 +4592,7 @@
           </a:ln>
           <a:extLst>
             <a:ext uri="{91240B29-F687-4f45-9708-019B960494DF}">
-              <a14:hiddenLine xmlns="" xmlns:a14="http://schemas.microsoft.com/office/drawing/2010/main" w="9525">
+              <a14:hiddenLine xmlns:a14="http://schemas.microsoft.com/office/drawing/2010/main" xmlns="" w="9525">
                 <a:solidFill>
                   <a:srgbClr val="000000"/>
                 </a:solidFill>
@@ -4645,7 +4645,7 @@
           </a:ln>
           <a:extLst>
             <a:ext uri="{91240B29-F687-4f45-9708-019B960494DF}">
-              <a14:hiddenLine xmlns="" xmlns:a14="http://schemas.microsoft.com/office/drawing/2010/main" w="9525">
+              <a14:hiddenLine xmlns:a14="http://schemas.microsoft.com/office/drawing/2010/main" xmlns="" w="9525">
                 <a:solidFill>
                   <a:srgbClr val="000000"/>
                 </a:solidFill>
@@ -4711,7 +4711,7 @@
           </a:ln>
           <a:extLst>
             <a:ext uri="{91240B29-F687-4f45-9708-019B960494DF}">
-              <a14:hiddenLine xmlns="" xmlns:a14="http://schemas.microsoft.com/office/drawing/2010/main" w="9525">
+              <a14:hiddenLine xmlns:a14="http://schemas.microsoft.com/office/drawing/2010/main" xmlns="" w="9525">
                 <a:solidFill>
                   <a:srgbClr val="000000"/>
                 </a:solidFill>
@@ -10628,7 +10628,7 @@
         <p:spPr>
           <a:xfrm>
             <a:off x="16992600" y="27107695"/>
-            <a:ext cx="11582017" cy="861774"/>
+            <a:ext cx="11864145" cy="861774"/>
           </a:xfrm>
           <a:prstGeom prst="rect">
             <a:avLst/>
@@ -10655,7 +10655,7 @@
           <a:p>
             <a:r>
               <a:rPr lang="en-US" dirty="0"/>
-              <a:t>Autoencoder and XYZ classifier results</a:t>
+              <a:t>Autoencoder and KNN classifier results</a:t>
             </a:r>
           </a:p>
         </p:txBody>
@@ -11675,6 +11675,561 @@
               </a:spcAft>
             </a:pPr>
             <a:endParaRPr lang="en-US" sz="3600" dirty="0"/>
+          </a:p>
+        </p:txBody>
+      </p:sp>
+      <p:pic>
+        <p:nvPicPr>
+          <p:cNvPr id="5" name="Picture 4">
+            <a:extLst>
+              <a:ext uri="{FF2B5EF4-FFF2-40B4-BE49-F238E27FC236}">
+                <a16:creationId xmlns:a16="http://schemas.microsoft.com/office/drawing/2014/main" id="{8390DB72-18E3-434D-8E1B-9B943DE15471}"/>
+              </a:ext>
+            </a:extLst>
+          </p:cNvPr>
+          <p:cNvPicPr>
+            <a:picLocks noChangeAspect="1"/>
+          </p:cNvPicPr>
+          <p:nvPr/>
+        </p:nvPicPr>
+        <p:blipFill>
+          <a:blip r:embed="rId11"/>
+          <a:stretch>
+            <a:fillRect/>
+          </a:stretch>
+        </p:blipFill>
+        <p:spPr>
+          <a:xfrm>
+            <a:off x="20086132" y="31131431"/>
+            <a:ext cx="1768752" cy="1768752"/>
+          </a:xfrm>
+          <a:prstGeom prst="rect">
+            <a:avLst/>
+          </a:prstGeom>
+        </p:spPr>
+      </p:pic>
+      <p:pic>
+        <p:nvPicPr>
+          <p:cNvPr id="14" name="Picture 13">
+            <a:extLst>
+              <a:ext uri="{FF2B5EF4-FFF2-40B4-BE49-F238E27FC236}">
+                <a16:creationId xmlns:a16="http://schemas.microsoft.com/office/drawing/2014/main" id="{66DDE184-3761-44BC-BEF2-8CCDD1F15068}"/>
+              </a:ext>
+            </a:extLst>
+          </p:cNvPr>
+          <p:cNvPicPr>
+            <a:picLocks noChangeAspect="1"/>
+          </p:cNvPicPr>
+          <p:nvPr/>
+        </p:nvPicPr>
+        <p:blipFill>
+          <a:blip r:embed="rId12"/>
+          <a:stretch>
+            <a:fillRect/>
+          </a:stretch>
+        </p:blipFill>
+        <p:spPr>
+          <a:xfrm>
+            <a:off x="21389086" y="33173047"/>
+            <a:ext cx="1768752" cy="1768752"/>
+          </a:xfrm>
+          <a:prstGeom prst="rect">
+            <a:avLst/>
+          </a:prstGeom>
+        </p:spPr>
+      </p:pic>
+      <p:pic>
+        <p:nvPicPr>
+          <p:cNvPr id="19" name="Picture 18">
+            <a:extLst>
+              <a:ext uri="{FF2B5EF4-FFF2-40B4-BE49-F238E27FC236}">
+                <a16:creationId xmlns:a16="http://schemas.microsoft.com/office/drawing/2014/main" id="{4513E6B3-73ED-4479-BD22-0DA5E9EA2649}"/>
+              </a:ext>
+            </a:extLst>
+          </p:cNvPr>
+          <p:cNvPicPr>
+            <a:picLocks noChangeAspect="1"/>
+          </p:cNvPicPr>
+          <p:nvPr/>
+        </p:nvPicPr>
+        <p:blipFill>
+          <a:blip r:embed="rId13"/>
+          <a:stretch>
+            <a:fillRect/>
+          </a:stretch>
+        </p:blipFill>
+        <p:spPr>
+          <a:xfrm>
+            <a:off x="18811351" y="33154026"/>
+            <a:ext cx="1768752" cy="1768752"/>
+          </a:xfrm>
+          <a:prstGeom prst="rect">
+            <a:avLst/>
+          </a:prstGeom>
+        </p:spPr>
+      </p:pic>
+      <p:pic>
+        <p:nvPicPr>
+          <p:cNvPr id="62" name="Picture 61">
+            <a:extLst>
+              <a:ext uri="{FF2B5EF4-FFF2-40B4-BE49-F238E27FC236}">
+                <a16:creationId xmlns:a16="http://schemas.microsoft.com/office/drawing/2014/main" id="{54AC6D19-CD8D-460F-8862-418A1B6DCFAE}"/>
+              </a:ext>
+            </a:extLst>
+          </p:cNvPr>
+          <p:cNvPicPr>
+            <a:picLocks noChangeAspect="1"/>
+          </p:cNvPicPr>
+          <p:nvPr/>
+        </p:nvPicPr>
+        <p:blipFill>
+          <a:blip r:embed="rId14"/>
+          <a:stretch>
+            <a:fillRect/>
+          </a:stretch>
+        </p:blipFill>
+        <p:spPr>
+          <a:xfrm>
+            <a:off x="18829266" y="35221089"/>
+            <a:ext cx="1113003" cy="1113003"/>
+          </a:xfrm>
+          <a:prstGeom prst="rect">
+            <a:avLst/>
+          </a:prstGeom>
+        </p:spPr>
+      </p:pic>
+      <p:pic>
+        <p:nvPicPr>
+          <p:cNvPr id="512" name="Picture 511">
+            <a:extLst>
+              <a:ext uri="{FF2B5EF4-FFF2-40B4-BE49-F238E27FC236}">
+                <a16:creationId xmlns:a16="http://schemas.microsoft.com/office/drawing/2014/main" id="{508D0201-39AE-4D1A-8CBC-FFE39B8DF7DF}"/>
+              </a:ext>
+            </a:extLst>
+          </p:cNvPr>
+          <p:cNvPicPr>
+            <a:picLocks noChangeAspect="1"/>
+          </p:cNvPicPr>
+          <p:nvPr/>
+        </p:nvPicPr>
+        <p:blipFill>
+          <a:blip r:embed="rId15"/>
+          <a:stretch>
+            <a:fillRect/>
+          </a:stretch>
+        </p:blipFill>
+        <p:spPr>
+          <a:xfrm>
+            <a:off x="20414006" y="35176621"/>
+            <a:ext cx="1113003" cy="1113003"/>
+          </a:xfrm>
+          <a:prstGeom prst="rect">
+            <a:avLst/>
+          </a:prstGeom>
+        </p:spPr>
+      </p:pic>
+      <p:pic>
+        <p:nvPicPr>
+          <p:cNvPr id="519" name="Picture 518">
+            <a:extLst>
+              <a:ext uri="{FF2B5EF4-FFF2-40B4-BE49-F238E27FC236}">
+                <a16:creationId xmlns:a16="http://schemas.microsoft.com/office/drawing/2014/main" id="{5D11D9EF-23E1-44CA-ADC2-D8DBBFEFB52D}"/>
+              </a:ext>
+            </a:extLst>
+          </p:cNvPr>
+          <p:cNvPicPr>
+            <a:picLocks noChangeAspect="1"/>
+          </p:cNvPicPr>
+          <p:nvPr/>
+        </p:nvPicPr>
+        <p:blipFill>
+          <a:blip r:embed="rId16"/>
+          <a:stretch>
+            <a:fillRect/>
+          </a:stretch>
+        </p:blipFill>
+        <p:spPr>
+          <a:xfrm>
+            <a:off x="22129351" y="35214663"/>
+            <a:ext cx="1113003" cy="1113003"/>
+          </a:xfrm>
+          <a:prstGeom prst="rect">
+            <a:avLst/>
+          </a:prstGeom>
+        </p:spPr>
+      </p:pic>
+      <p:pic>
+        <p:nvPicPr>
+          <p:cNvPr id="544" name="Picture 543">
+            <a:extLst>
+              <a:ext uri="{FF2B5EF4-FFF2-40B4-BE49-F238E27FC236}">
+                <a16:creationId xmlns:a16="http://schemas.microsoft.com/office/drawing/2014/main" id="{4BFB75E4-834A-4EB6-BDA5-AF1EA996B590}"/>
+              </a:ext>
+            </a:extLst>
+          </p:cNvPr>
+          <p:cNvPicPr>
+            <a:picLocks noChangeAspect="1"/>
+          </p:cNvPicPr>
+          <p:nvPr/>
+        </p:nvPicPr>
+        <p:blipFill>
+          <a:blip r:embed="rId17"/>
+          <a:stretch>
+            <a:fillRect/>
+          </a:stretch>
+        </p:blipFill>
+        <p:spPr>
+          <a:xfrm>
+            <a:off x="25838834" y="31151339"/>
+            <a:ext cx="1768753" cy="1768753"/>
+          </a:xfrm>
+          <a:prstGeom prst="rect">
+            <a:avLst/>
+          </a:prstGeom>
+        </p:spPr>
+      </p:pic>
+      <p:sp>
+        <p:nvSpPr>
+          <p:cNvPr id="251" name="Google Shape;50;p6">
+            <a:extLst>
+              <a:ext uri="{FF2B5EF4-FFF2-40B4-BE49-F238E27FC236}">
+                <a16:creationId xmlns:a16="http://schemas.microsoft.com/office/drawing/2014/main" id="{BF6651E0-0575-4CA8-8107-3BC659F1719D}"/>
+              </a:ext>
+            </a:extLst>
+          </p:cNvPr>
+          <p:cNvSpPr txBox="1"/>
+          <p:nvPr/>
+        </p:nvSpPr>
+        <p:spPr>
+          <a:xfrm>
+            <a:off x="17045392" y="27950970"/>
+            <a:ext cx="8421168" cy="3320288"/>
+          </a:xfrm>
+          <a:prstGeom prst="rect">
+            <a:avLst/>
+          </a:prstGeom>
+          <a:noFill/>
+          <a:ln>
+            <a:noFill/>
+          </a:ln>
+        </p:spPr>
+        <p:txBody>
+          <a:bodyPr spcFirstLastPara="1" wrap="square" lIns="91425" tIns="91425" rIns="91425" bIns="91425" anchor="t" anchorCtr="0">
+            <a:noAutofit/>
+          </a:bodyPr>
+          <a:lstStyle/>
+          <a:p>
+            <a:pPr marL="571500" indent="-571500">
+              <a:spcBef>
+                <a:spcPts val="0"/>
+              </a:spcBef>
+              <a:spcAft>
+                <a:spcPts val="0"/>
+              </a:spcAft>
+              <a:buFont typeface="Arial" panose="020B0604020202020204" pitchFamily="34" charset="0"/>
+              <a:buChar char="•"/>
+            </a:pPr>
+            <a:r>
+              <a:rPr lang="en-US" sz="3600" dirty="0"/>
+              <a:t>Learnt some useful proper filters</a:t>
+            </a:r>
+          </a:p>
+          <a:p>
+            <a:pPr marL="571500" indent="-571500">
+              <a:spcBef>
+                <a:spcPts val="0"/>
+              </a:spcBef>
+              <a:spcAft>
+                <a:spcPts val="0"/>
+              </a:spcAft>
+              <a:buFont typeface="Arial" panose="020B0604020202020204" pitchFamily="34" charset="0"/>
+              <a:buChar char="•"/>
+            </a:pPr>
+            <a:r>
+              <a:rPr lang="en-US" sz="3600" dirty="0"/>
+              <a:t>Some features are not useful</a:t>
+            </a:r>
+          </a:p>
+          <a:p>
+            <a:pPr marL="571500" indent="-571500">
+              <a:spcBef>
+                <a:spcPts val="0"/>
+              </a:spcBef>
+              <a:spcAft>
+                <a:spcPts val="0"/>
+              </a:spcAft>
+              <a:buFont typeface="Arial" panose="020B0604020202020204" pitchFamily="34" charset="0"/>
+              <a:buChar char="•"/>
+            </a:pPr>
+            <a:r>
+              <a:rPr lang="en-US" sz="3600" dirty="0"/>
+              <a:t>Sparse encoding</a:t>
+            </a:r>
+          </a:p>
+          <a:p>
+            <a:pPr marL="571500" indent="-571500">
+              <a:spcBef>
+                <a:spcPts val="0"/>
+              </a:spcBef>
+              <a:spcAft>
+                <a:spcPts val="0"/>
+              </a:spcAft>
+              <a:buFont typeface="Arial" panose="020B0604020202020204" pitchFamily="34" charset="0"/>
+              <a:buChar char="•"/>
+            </a:pPr>
+            <a:r>
+              <a:rPr lang="en-US" sz="3600" dirty="0"/>
+              <a:t>Poor reconstruction leads to poor </a:t>
+            </a:r>
+            <a:r>
+              <a:rPr lang="en-US" altLang="zh-CN" sz="3600" dirty="0"/>
+              <a:t>KNN </a:t>
+            </a:r>
+            <a:r>
+              <a:rPr lang="en-US" sz="3600" dirty="0"/>
+              <a:t>classification (1% to 5</a:t>
+            </a:r>
+            <a:r>
+              <a:rPr lang="en-US" altLang="zh-CN" sz="3600" dirty="0"/>
+              <a:t>%</a:t>
+            </a:r>
+            <a:r>
+              <a:rPr lang="zh-CN" altLang="en-US" sz="3600" dirty="0"/>
+              <a:t>）</a:t>
+            </a:r>
+            <a:endParaRPr lang="en-US" sz="3600" dirty="0"/>
+          </a:p>
+          <a:p>
+            <a:pPr lvl="0">
+              <a:spcBef>
+                <a:spcPts val="0"/>
+              </a:spcBef>
+              <a:spcAft>
+                <a:spcPts val="0"/>
+              </a:spcAft>
+            </a:pPr>
+            <a:endParaRPr lang="en-US" sz="3600" dirty="0"/>
+          </a:p>
+        </p:txBody>
+      </p:sp>
+      <p:pic>
+        <p:nvPicPr>
+          <p:cNvPr id="546" name="Picture 545">
+            <a:extLst>
+              <a:ext uri="{FF2B5EF4-FFF2-40B4-BE49-F238E27FC236}">
+                <a16:creationId xmlns:a16="http://schemas.microsoft.com/office/drawing/2014/main" id="{D98FD834-615A-4D4B-8DE6-26EEAB3069BF}"/>
+              </a:ext>
+            </a:extLst>
+          </p:cNvPr>
+          <p:cNvPicPr>
+            <a:picLocks noChangeAspect="1"/>
+          </p:cNvPicPr>
+          <p:nvPr/>
+        </p:nvPicPr>
+        <p:blipFill>
+          <a:blip r:embed="rId18"/>
+          <a:stretch>
+            <a:fillRect/>
+          </a:stretch>
+        </p:blipFill>
+        <p:spPr>
+          <a:xfrm>
+            <a:off x="25892796" y="33822382"/>
+            <a:ext cx="1768752" cy="1768752"/>
+          </a:xfrm>
+          <a:prstGeom prst="rect">
+            <a:avLst/>
+          </a:prstGeom>
+        </p:spPr>
+      </p:pic>
+      <p:cxnSp>
+        <p:nvCxnSpPr>
+          <p:cNvPr id="549" name="Straight Arrow Connector 548">
+            <a:extLst>
+              <a:ext uri="{FF2B5EF4-FFF2-40B4-BE49-F238E27FC236}">
+                <a16:creationId xmlns:a16="http://schemas.microsoft.com/office/drawing/2014/main" id="{5E07FE9B-A586-4292-9882-E29CA775A13C}"/>
+              </a:ext>
+            </a:extLst>
+          </p:cNvPr>
+          <p:cNvCxnSpPr>
+            <a:cxnSpLocks/>
+          </p:cNvCxnSpPr>
+          <p:nvPr/>
+        </p:nvCxnSpPr>
+        <p:spPr bwMode="auto">
+          <a:xfrm flipH="1">
+            <a:off x="18487670" y="33305953"/>
+            <a:ext cx="39265" cy="3020997"/>
+          </a:xfrm>
+          <a:prstGeom prst="straightConnector1">
+            <a:avLst/>
+          </a:prstGeom>
+          <a:ln w="9525" cap="flat" cmpd="sng" algn="ctr">
+            <a:solidFill>
+              <a:schemeClr val="dk1"/>
+            </a:solidFill>
+            <a:prstDash val="solid"/>
+            <a:round/>
+            <a:headEnd type="none" w="med" len="med"/>
+            <a:tailEnd type="arrow" w="med" len="med"/>
+          </a:ln>
+        </p:spPr>
+        <p:style>
+          <a:lnRef idx="0">
+            <a:scrgbClr r="0" g="0" b="0"/>
+          </a:lnRef>
+          <a:fillRef idx="0">
+            <a:scrgbClr r="0" g="0" b="0"/>
+          </a:fillRef>
+          <a:effectRef idx="0">
+            <a:scrgbClr r="0" g="0" b="0"/>
+          </a:effectRef>
+          <a:fontRef idx="minor">
+            <a:schemeClr val="tx1"/>
+          </a:fontRef>
+        </p:style>
+      </p:cxnSp>
+      <p:sp>
+        <p:nvSpPr>
+          <p:cNvPr id="550" name="TextBox 549">
+            <a:extLst>
+              <a:ext uri="{FF2B5EF4-FFF2-40B4-BE49-F238E27FC236}">
+                <a16:creationId xmlns:a16="http://schemas.microsoft.com/office/drawing/2014/main" id="{C4B051E4-F857-4A76-AE84-3620FDB83D02}"/>
+              </a:ext>
+            </a:extLst>
+          </p:cNvPr>
+          <p:cNvSpPr txBox="1"/>
+          <p:nvPr/>
+        </p:nvSpPr>
+        <p:spPr>
+          <a:xfrm rot="16200000">
+            <a:off x="15686661" y="32861638"/>
+            <a:ext cx="4926835" cy="584775"/>
+          </a:xfrm>
+          <a:prstGeom prst="rect">
+            <a:avLst/>
+          </a:prstGeom>
+          <a:noFill/>
+        </p:spPr>
+        <p:txBody>
+          <a:bodyPr wrap="square" rtlCol="0">
+            <a:spAutoFit/>
+          </a:bodyPr>
+          <a:lstStyle/>
+          <a:p>
+            <a:r>
+              <a:rPr lang="en-US" altLang="zh-CN" sz="3200" dirty="0"/>
+              <a:t>Features </a:t>
+            </a:r>
+            <a:endParaRPr lang="en-US" sz="3200" dirty="0"/>
+          </a:p>
+        </p:txBody>
+      </p:sp>
+      <p:sp>
+        <p:nvSpPr>
+          <p:cNvPr id="252" name="TextBox 251">
+            <a:extLst>
+              <a:ext uri="{FF2B5EF4-FFF2-40B4-BE49-F238E27FC236}">
+                <a16:creationId xmlns:a16="http://schemas.microsoft.com/office/drawing/2014/main" id="{6441AE04-9720-4ED0-BB15-03BAF9A1480C}"/>
+              </a:ext>
+            </a:extLst>
+          </p:cNvPr>
+          <p:cNvSpPr txBox="1"/>
+          <p:nvPr/>
+        </p:nvSpPr>
+        <p:spPr>
+          <a:xfrm>
+            <a:off x="25516570" y="33033475"/>
+            <a:ext cx="4926835" cy="584775"/>
+          </a:xfrm>
+          <a:prstGeom prst="rect">
+            <a:avLst/>
+          </a:prstGeom>
+          <a:noFill/>
+        </p:spPr>
+        <p:txBody>
+          <a:bodyPr wrap="square" rtlCol="0">
+            <a:spAutoFit/>
+          </a:bodyPr>
+          <a:lstStyle/>
+          <a:p>
+            <a:r>
+              <a:rPr lang="en-US" altLang="zh-CN" sz="3200" dirty="0"/>
+              <a:t>Reconstruction</a:t>
+            </a:r>
+            <a:endParaRPr lang="en-US" sz="3200" dirty="0"/>
+          </a:p>
+        </p:txBody>
+      </p:sp>
+      <p:sp>
+        <p:nvSpPr>
+          <p:cNvPr id="253" name="TextBox 252">
+            <a:extLst>
+              <a:ext uri="{FF2B5EF4-FFF2-40B4-BE49-F238E27FC236}">
+                <a16:creationId xmlns:a16="http://schemas.microsoft.com/office/drawing/2014/main" id="{C48E3FB4-4AAA-4739-BF86-992AD4B1D8C7}"/>
+              </a:ext>
+            </a:extLst>
+          </p:cNvPr>
+          <p:cNvSpPr txBox="1"/>
+          <p:nvPr/>
+        </p:nvSpPr>
+        <p:spPr>
+          <a:xfrm>
+            <a:off x="25516570" y="35749029"/>
+            <a:ext cx="4926835" cy="584775"/>
+          </a:xfrm>
+          <a:prstGeom prst="rect">
+            <a:avLst/>
+          </a:prstGeom>
+          <a:noFill/>
+        </p:spPr>
+        <p:txBody>
+          <a:bodyPr wrap="square" rtlCol="0">
+            <a:spAutoFit/>
+          </a:bodyPr>
+          <a:lstStyle/>
+          <a:p>
+            <a:r>
+              <a:rPr lang="en-US" altLang="zh-CN" sz="3200" dirty="0"/>
+              <a:t>Final Encoding</a:t>
+            </a:r>
+            <a:endParaRPr lang="en-US" sz="3200" dirty="0"/>
+          </a:p>
+        </p:txBody>
+      </p:sp>
+      <p:sp>
+        <p:nvSpPr>
+          <p:cNvPr id="254" name="TextBox 253">
+            <a:extLst>
+              <a:ext uri="{FF2B5EF4-FFF2-40B4-BE49-F238E27FC236}">
+                <a16:creationId xmlns:a16="http://schemas.microsoft.com/office/drawing/2014/main" id="{EC5FB53C-698A-489A-ACC2-2DA2B7371155}"/>
+              </a:ext>
+            </a:extLst>
+          </p:cNvPr>
+          <p:cNvSpPr txBox="1"/>
+          <p:nvPr/>
+        </p:nvSpPr>
+        <p:spPr>
+          <a:xfrm rot="16200000">
+            <a:off x="17128550" y="29827230"/>
+            <a:ext cx="4926835" cy="584775"/>
+          </a:xfrm>
+          <a:prstGeom prst="rect">
+            <a:avLst/>
+          </a:prstGeom>
+          <a:noFill/>
+        </p:spPr>
+        <p:txBody>
+          <a:bodyPr wrap="square" rtlCol="0">
+            <a:spAutoFit/>
+          </a:bodyPr>
+          <a:lstStyle/>
+          <a:p>
+            <a:r>
+              <a:rPr lang="en-US" altLang="zh-CN" sz="3200" dirty="0"/>
+              <a:t>Input </a:t>
+            </a:r>
+            <a:endParaRPr lang="en-US" sz="3200" dirty="0"/>
           </a:p>
         </p:txBody>
       </p:sp>

--- a/poster/Footprint.pptx
+++ b/poster/Footprint.pptx
@@ -238,7 +238,7 @@
           <a:p>
             <a:fld id="{5288C8A9-C8E4-D04E-9830-749FB15BD155}" type="datetimeFigureOut">
               <a:rPr lang="en-US" smtClean="0"/>
-              <a:t>12/8/2018</a:t>
+              <a:t>12/8/18</a:t>
             </a:fld>
             <a:endParaRPr lang="en-US" dirty="0"/>
           </a:p>
@@ -4152,14 +4152,14 @@
           </a:ln>
           <a:extLst>
             <a:ext uri="{909E8E84-426E-40dd-AFC4-6F175D3DCCD1}">
-              <a14:hiddenFill xmlns:a14="http://schemas.microsoft.com/office/drawing/2010/main" xmlns="">
+              <a14:hiddenFill xmlns="" xmlns:a14="http://schemas.microsoft.com/office/drawing/2010/main">
                 <a:solidFill>
                   <a:srgbClr val="FFFFFF"/>
                 </a:solidFill>
               </a14:hiddenFill>
             </a:ext>
             <a:ext uri="{91240B29-F687-4f45-9708-019B960494DF}">
-              <a14:hiddenLine xmlns:a14="http://schemas.microsoft.com/office/drawing/2010/main" xmlns="" w="9525">
+              <a14:hiddenLine xmlns="" xmlns:a14="http://schemas.microsoft.com/office/drawing/2010/main" w="9525">
                 <a:solidFill>
                   <a:srgbClr val="000000"/>
                 </a:solidFill>
@@ -4313,14 +4313,14 @@
           </a:ln>
           <a:extLst>
             <a:ext uri="{909E8E84-426E-40dd-AFC4-6F175D3DCCD1}">
-              <a14:hiddenFill xmlns:a14="http://schemas.microsoft.com/office/drawing/2010/main" xmlns="">
+              <a14:hiddenFill xmlns="" xmlns:a14="http://schemas.microsoft.com/office/drawing/2010/main">
                 <a:solidFill>
                   <a:srgbClr val="FFFFFF"/>
                 </a:solidFill>
               </a14:hiddenFill>
             </a:ext>
             <a:ext uri="{91240B29-F687-4f45-9708-019B960494DF}">
-              <a14:hiddenLine xmlns:a14="http://schemas.microsoft.com/office/drawing/2010/main" xmlns="" w="9525">
+              <a14:hiddenLine xmlns="" xmlns:a14="http://schemas.microsoft.com/office/drawing/2010/main" w="9525">
                 <a:solidFill>
                   <a:srgbClr val="000000"/>
                 </a:solidFill>
@@ -4451,7 +4451,7 @@
                 <a:cs typeface="Calibri"/>
                 <a:sym typeface="Calibri"/>
               </a:rPr>
-              <a:t>Adj. Forensic Investigation via XYZ</a:t>
+              <a:t>Forensic Investigation via Robust Feature Extraction</a:t>
             </a:r>
           </a:p>
           <a:p>
@@ -4537,7 +4537,7 @@
         </p:blipFill>
         <p:spPr bwMode="auto">
           <a:xfrm>
-            <a:off x="7620000" y="35212219"/>
+            <a:off x="7547549" y="35204400"/>
             <a:ext cx="9914238" cy="1326198"/>
           </a:xfrm>
           <a:prstGeom prst="rect">
@@ -4549,14 +4549,14 @@
           </a:ln>
           <a:extLst>
             <a:ext uri="{909E8E84-426E-40dd-AFC4-6F175D3DCCD1}">
-              <a14:hiddenFill xmlns:a14="http://schemas.microsoft.com/office/drawing/2010/main" xmlns="">
+              <a14:hiddenFill xmlns="" xmlns:a14="http://schemas.microsoft.com/office/drawing/2010/main">
                 <a:solidFill>
                   <a:srgbClr val="FFFFFF"/>
                 </a:solidFill>
               </a14:hiddenFill>
             </a:ext>
             <a:ext uri="{91240B29-F687-4f45-9708-019B960494DF}">
-              <a14:hiddenLine xmlns:a14="http://schemas.microsoft.com/office/drawing/2010/main" xmlns="" w="9525">
+              <a14:hiddenLine xmlns="" xmlns:a14="http://schemas.microsoft.com/office/drawing/2010/main" w="9525">
                 <a:solidFill>
                   <a:srgbClr val="000000"/>
                 </a:solidFill>
@@ -4592,7 +4592,7 @@
           </a:ln>
           <a:extLst>
             <a:ext uri="{91240B29-F687-4f45-9708-019B960494DF}">
-              <a14:hiddenLine xmlns:a14="http://schemas.microsoft.com/office/drawing/2010/main" xmlns="" w="9525">
+              <a14:hiddenLine xmlns="" xmlns:a14="http://schemas.microsoft.com/office/drawing/2010/main" w="9525">
                 <a:solidFill>
                   <a:srgbClr val="000000"/>
                 </a:solidFill>
@@ -4616,7 +4616,7 @@
                 <a:latin typeface="Book Antiqua"/>
                 <a:cs typeface="Book Antiqua"/>
               </a:rPr>
-              <a:t>Our solution: Autoencoder and XYZ classifier </a:t>
+              <a:t>Our solution: Data augmentation and robust feature extraction</a:t>
             </a:r>
           </a:p>
         </p:txBody>
@@ -4645,7 +4645,7 @@
           </a:ln>
           <a:extLst>
             <a:ext uri="{91240B29-F687-4f45-9708-019B960494DF}">
-              <a14:hiddenLine xmlns:a14="http://schemas.microsoft.com/office/drawing/2010/main" xmlns="" w="9525">
+              <a14:hiddenLine xmlns="" xmlns:a14="http://schemas.microsoft.com/office/drawing/2010/main" w="9525">
                 <a:solidFill>
                   <a:srgbClr val="000000"/>
                 </a:solidFill>
@@ -4711,7 +4711,7 @@
           </a:ln>
           <a:extLst>
             <a:ext uri="{91240B29-F687-4f45-9708-019B960494DF}">
-              <a14:hiddenLine xmlns:a14="http://schemas.microsoft.com/office/drawing/2010/main" xmlns="" w="9525">
+              <a14:hiddenLine xmlns="" xmlns:a14="http://schemas.microsoft.com/office/drawing/2010/main" w="9525">
                 <a:solidFill>
                   <a:srgbClr val="000000"/>
                 </a:solidFill>
@@ -10615,53 +10615,6 @@
       </p:sp>
       <p:sp>
         <p:nvSpPr>
-          <p:cNvPr id="158" name="Google Shape;50;p6">
-            <a:extLst>
-              <a:ext uri="{FF2B5EF4-FFF2-40B4-BE49-F238E27FC236}">
-                <a16:creationId xmlns:a16="http://schemas.microsoft.com/office/drawing/2014/main" id="{BC7542BE-742D-7F44-9CA2-2093944A4806}"/>
-              </a:ext>
-            </a:extLst>
-          </p:cNvPr>
-          <p:cNvSpPr txBox="1"/>
-          <p:nvPr/>
-        </p:nvSpPr>
-        <p:spPr>
-          <a:xfrm>
-            <a:off x="16992600" y="27107695"/>
-            <a:ext cx="11864145" cy="861774"/>
-          </a:xfrm>
-          <a:prstGeom prst="rect">
-            <a:avLst/>
-          </a:prstGeom>
-        </p:spPr>
-        <p:txBody>
-          <a:bodyPr wrap="none">
-            <a:spAutoFit/>
-          </a:bodyPr>
-          <a:lstStyle>
-            <a:defPPr>
-              <a:defRPr lang="en-US"/>
-            </a:defPPr>
-            <a:lvl1pPr>
-              <a:defRPr sz="5000" b="1">
-                <a:solidFill>
-                  <a:schemeClr val="tx2"/>
-                </a:solidFill>
-                <a:latin typeface="Book Antiqua"/>
-                <a:cs typeface="Book Antiqua"/>
-              </a:defRPr>
-            </a:lvl1pPr>
-          </a:lstStyle>
-          <a:p>
-            <a:r>
-              <a:rPr lang="en-US" dirty="0"/>
-              <a:t>Autoencoder and KNN classifier results</a:t>
-            </a:r>
-          </a:p>
-        </p:txBody>
-      </p:sp>
-      <p:sp>
-        <p:nvSpPr>
           <p:cNvPr id="159" name="Rectangle 158">
             <a:extLst>
               <a:ext uri="{FF2B5EF4-FFF2-40B4-BE49-F238E27FC236}">
@@ -10965,7 +10918,7 @@
                 <a:latin typeface="+mn-lt"/>
                 <a:cs typeface="Big Caslon Medium" panose="02000603090000020003" pitchFamily="2" charset="-79"/>
               </a:rPr>
-              <a:t>11750</a:t>
+              <a:t>117500</a:t>
             </a:r>
           </a:p>
         </p:txBody>
@@ -11206,13 +11159,14 @@
           </p:cNvPr>
           <p:cNvCxnSpPr>
             <a:cxnSpLocks/>
+            <a:endCxn id="175" idx="3"/>
           </p:cNvCxnSpPr>
           <p:nvPr/>
         </p:nvCxnSpPr>
         <p:spPr bwMode="auto">
-          <a:xfrm>
-            <a:off x="6447886" y="30777040"/>
-            <a:ext cx="3226324" cy="0"/>
+          <a:xfrm flipV="1">
+            <a:off x="6447886" y="30761312"/>
+            <a:ext cx="3051247" cy="15728"/>
           </a:xfrm>
           <a:prstGeom prst="line">
             <a:avLst/>
@@ -11555,7 +11509,7 @@
         </p:nvSpPr>
         <p:spPr>
           <a:xfrm>
-            <a:off x="10038105" y="32039664"/>
+            <a:off x="9954522" y="31844015"/>
             <a:ext cx="7038078" cy="3320288"/>
           </a:xfrm>
           <a:prstGeom prst="rect">
@@ -11597,8 +11551,8 @@
               <a:buChar char="•"/>
             </a:pPr>
             <a:r>
-              <a:rPr lang="en-US" sz="3600" dirty="0"/>
-              <a:t>Low accuracy: </a:t>
+              <a:rPr lang="en-US" sz="3200" dirty="0"/>
+              <a:t>Low accuracy: &lt;0.1 (300 classes)</a:t>
             </a:r>
           </a:p>
           <a:p>
@@ -11613,8 +11567,8 @@
               <a:buChar char="•"/>
             </a:pPr>
             <a:r>
-              <a:rPr lang="en-US" sz="3600" dirty="0"/>
-              <a:t>Not robust</a:t>
+              <a:rPr lang="en-US" sz="3200" dirty="0"/>
+              <a:t>Possible reason: not robust</a:t>
             </a:r>
           </a:p>
           <a:p>
@@ -11629,7 +11583,7 @@
               <a:buChar char="o"/>
             </a:pPr>
             <a:r>
-              <a:rPr lang="en-US" sz="3200" dirty="0"/>
+              <a:rPr lang="en-US" sz="2800" dirty="0"/>
               <a:t>Requires centered footprints</a:t>
             </a:r>
           </a:p>
@@ -11645,7 +11599,7 @@
               <a:buChar char="o"/>
             </a:pPr>
             <a:r>
-              <a:rPr lang="en-US" sz="3200" dirty="0"/>
+              <a:rPr lang="en-US" sz="2800" dirty="0"/>
               <a:t>Requires same size</a:t>
             </a:r>
           </a:p>
@@ -11661,29 +11615,34 @@
               <a:buChar char="o"/>
             </a:pPr>
             <a:r>
-              <a:rPr lang="en-US" sz="3200" dirty="0"/>
+              <a:rPr lang="en-US" sz="2800" dirty="0"/>
               <a:t>Sensitive to angles</a:t>
             </a:r>
           </a:p>
           <a:p>
-            <a:pPr lvl="0">
+            <a:pPr marL="457200" indent="-457200">
               <a:spcBef>
                 <a:spcPts val="0"/>
               </a:spcBef>
               <a:spcAft>
                 <a:spcPts val="0"/>
               </a:spcAft>
+              <a:buFont typeface="Arial" panose="020B0604020202020204" pitchFamily="34" charset="0"/>
+              <a:buChar char="•"/>
             </a:pPr>
-            <a:endParaRPr lang="en-US" sz="3600" dirty="0"/>
+            <a:r>
+              <a:rPr lang="en-US" sz="3200" dirty="0"/>
+              <a:t>Cannot scale to 1175 classes</a:t>
+            </a:r>
           </a:p>
         </p:txBody>
       </p:sp>
       <p:pic>
         <p:nvPicPr>
-          <p:cNvPr id="5" name="Picture 4">
+          <p:cNvPr id="6" name="Picture 5">
             <a:extLst>
               <a:ext uri="{FF2B5EF4-FFF2-40B4-BE49-F238E27FC236}">
-                <a16:creationId xmlns:a16="http://schemas.microsoft.com/office/drawing/2014/main" id="{8390DB72-18E3-434D-8E1B-9B943DE15471}"/>
+                <a16:creationId xmlns:a16="http://schemas.microsoft.com/office/drawing/2014/main" id="{A0560B7D-FE96-BB4A-95DE-8368BD70EAD8}"/>
               </a:ext>
             </a:extLst>
           </p:cNvPr>
@@ -11700,20 +11659,115 @@
         </p:blipFill>
         <p:spPr>
           <a:xfrm>
-            <a:off x="20086132" y="31131431"/>
-            <a:ext cx="1768752" cy="1768752"/>
+            <a:off x="9677400" y="28157897"/>
+            <a:ext cx="7220146" cy="3693703"/>
           </a:xfrm>
           <a:prstGeom prst="rect">
             <a:avLst/>
           </a:prstGeom>
         </p:spPr>
       </p:pic>
+      <p:sp>
+        <p:nvSpPr>
+          <p:cNvPr id="197" name="Google Shape;50;p6">
+            <a:extLst>
+              <a:ext uri="{FF2B5EF4-FFF2-40B4-BE49-F238E27FC236}">
+                <a16:creationId xmlns:a16="http://schemas.microsoft.com/office/drawing/2014/main" id="{D0A8D1F8-6BE5-4744-A171-38B340FB1A91}"/>
+              </a:ext>
+            </a:extLst>
+          </p:cNvPr>
+          <p:cNvSpPr txBox="1"/>
+          <p:nvPr/>
+        </p:nvSpPr>
+        <p:spPr>
+          <a:xfrm>
+            <a:off x="15631630" y="29699230"/>
+            <a:ext cx="877138" cy="690649"/>
+          </a:xfrm>
+          <a:prstGeom prst="rect">
+            <a:avLst/>
+          </a:prstGeom>
+          <a:solidFill>
+            <a:schemeClr val="bg1"/>
+          </a:solidFill>
+          <a:ln>
+            <a:noFill/>
+          </a:ln>
+        </p:spPr>
+        <p:txBody>
+          <a:bodyPr spcFirstLastPara="1" wrap="square" lIns="91425" tIns="91425" rIns="91425" bIns="91425" anchor="t" anchorCtr="0">
+            <a:noAutofit/>
+          </a:bodyPr>
+          <a:lstStyle/>
+          <a:p>
+            <a:pPr lvl="0" algn="ctr">
+              <a:spcBef>
+                <a:spcPts val="0"/>
+              </a:spcBef>
+              <a:spcAft>
+                <a:spcPts val="0"/>
+              </a:spcAft>
+            </a:pPr>
+            <a:r>
+              <a:rPr lang="en-US" sz="3200" i="1" dirty="0"/>
+              <a:t>?</a:t>
+            </a:r>
+          </a:p>
+        </p:txBody>
+      </p:sp>
+      <p:sp>
+        <p:nvSpPr>
+          <p:cNvPr id="221" name="Google Shape;50;p6">
+            <a:extLst>
+              <a:ext uri="{FF2B5EF4-FFF2-40B4-BE49-F238E27FC236}">
+                <a16:creationId xmlns:a16="http://schemas.microsoft.com/office/drawing/2014/main" id="{8EC21D1E-3DF8-EA4B-9F38-0011424051C2}"/>
+              </a:ext>
+            </a:extLst>
+          </p:cNvPr>
+          <p:cNvSpPr txBox="1"/>
+          <p:nvPr/>
+        </p:nvSpPr>
+        <p:spPr>
+          <a:xfrm>
+            <a:off x="16992600" y="27107695"/>
+            <a:ext cx="11864145" cy="861774"/>
+          </a:xfrm>
+          <a:prstGeom prst="rect">
+            <a:avLst/>
+          </a:prstGeom>
+        </p:spPr>
+        <p:txBody>
+          <a:bodyPr wrap="none">
+            <a:spAutoFit/>
+          </a:bodyPr>
+          <a:lstStyle>
+            <a:defPPr>
+              <a:defRPr lang="en-US"/>
+            </a:defPPr>
+            <a:lvl1pPr>
+              <a:defRPr sz="5000" b="1">
+                <a:solidFill>
+                  <a:schemeClr val="tx2"/>
+                </a:solidFill>
+                <a:latin typeface="Book Antiqua"/>
+                <a:cs typeface="Book Antiqua"/>
+              </a:defRPr>
+            </a:lvl1pPr>
+          </a:lstStyle>
+          <a:p>
+            <a:r>
+              <a:rPr lang="en-US" dirty="0"/>
+              <a:t>Autoencoder and KNN classifier results</a:t>
+            </a:r>
+          </a:p>
+        </p:txBody>
+      </p:sp>
       <p:pic>
         <p:nvPicPr>
-          <p:cNvPr id="14" name="Picture 13">
+          <p:cNvPr id="222" name="Picture 221">
             <a:extLst>
               <a:ext uri="{FF2B5EF4-FFF2-40B4-BE49-F238E27FC236}">
-                <a16:creationId xmlns:a16="http://schemas.microsoft.com/office/drawing/2014/main" id="{66DDE184-3761-44BC-BEF2-8CCDD1F15068}"/>
+                <a16:creationId xmlns:a16="http://schemas.microsoft.com/office/drawing/2014/main" id="{33D0BBE7-F7ED-ED48-99D0-E6DD57100BEE}"/>
               </a:ext>
             </a:extLst>
           </p:cNvPr>
@@ -11730,7 +11784,7 @@
         </p:blipFill>
         <p:spPr>
           <a:xfrm>
-            <a:off x="21389086" y="33173047"/>
+            <a:off x="20086132" y="31131431"/>
             <a:ext cx="1768752" cy="1768752"/>
           </a:xfrm>
           <a:prstGeom prst="rect">
@@ -11740,10 +11794,10 @@
       </p:pic>
       <p:pic>
         <p:nvPicPr>
-          <p:cNvPr id="19" name="Picture 18">
+          <p:cNvPr id="225" name="Picture 224">
             <a:extLst>
               <a:ext uri="{FF2B5EF4-FFF2-40B4-BE49-F238E27FC236}">
-                <a16:creationId xmlns:a16="http://schemas.microsoft.com/office/drawing/2014/main" id="{4513E6B3-73ED-4479-BD22-0DA5E9EA2649}"/>
+                <a16:creationId xmlns:a16="http://schemas.microsoft.com/office/drawing/2014/main" id="{4D5A10DE-FDDF-8E4B-8534-23B6C8B73CB7}"/>
               </a:ext>
             </a:extLst>
           </p:cNvPr>
@@ -11760,7 +11814,7 @@
         </p:blipFill>
         <p:spPr>
           <a:xfrm>
-            <a:off x="18811351" y="33154026"/>
+            <a:off x="21389086" y="33173047"/>
             <a:ext cx="1768752" cy="1768752"/>
           </a:xfrm>
           <a:prstGeom prst="rect">
@@ -11770,10 +11824,10 @@
       </p:pic>
       <p:pic>
         <p:nvPicPr>
-          <p:cNvPr id="62" name="Picture 61">
+          <p:cNvPr id="226" name="Picture 225">
             <a:extLst>
               <a:ext uri="{FF2B5EF4-FFF2-40B4-BE49-F238E27FC236}">
-                <a16:creationId xmlns:a16="http://schemas.microsoft.com/office/drawing/2014/main" id="{54AC6D19-CD8D-460F-8862-418A1B6DCFAE}"/>
+                <a16:creationId xmlns:a16="http://schemas.microsoft.com/office/drawing/2014/main" id="{1D6F2C0C-0179-FA48-8600-985B0097BCD3}"/>
               </a:ext>
             </a:extLst>
           </p:cNvPr>
@@ -11790,8 +11844,8 @@
         </p:blipFill>
         <p:spPr>
           <a:xfrm>
-            <a:off x="18829266" y="35221089"/>
-            <a:ext cx="1113003" cy="1113003"/>
+            <a:off x="18811351" y="33154026"/>
+            <a:ext cx="1768752" cy="1768752"/>
           </a:xfrm>
           <a:prstGeom prst="rect">
             <a:avLst/>
@@ -11800,10 +11854,10 @@
       </p:pic>
       <p:pic>
         <p:nvPicPr>
-          <p:cNvPr id="512" name="Picture 511">
+          <p:cNvPr id="227" name="Picture 226">
             <a:extLst>
               <a:ext uri="{FF2B5EF4-FFF2-40B4-BE49-F238E27FC236}">
-                <a16:creationId xmlns:a16="http://schemas.microsoft.com/office/drawing/2014/main" id="{508D0201-39AE-4D1A-8CBC-FFE39B8DF7DF}"/>
+                <a16:creationId xmlns:a16="http://schemas.microsoft.com/office/drawing/2014/main" id="{E7CCCE0E-ED21-074F-ADC0-97C5375931B4}"/>
               </a:ext>
             </a:extLst>
           </p:cNvPr>
@@ -11820,7 +11874,7 @@
         </p:blipFill>
         <p:spPr>
           <a:xfrm>
-            <a:off x="20414006" y="35176621"/>
+            <a:off x="18829266" y="35221089"/>
             <a:ext cx="1113003" cy="1113003"/>
           </a:xfrm>
           <a:prstGeom prst="rect">
@@ -11830,10 +11884,10 @@
       </p:pic>
       <p:pic>
         <p:nvPicPr>
-          <p:cNvPr id="519" name="Picture 518">
+          <p:cNvPr id="228" name="Picture 227">
             <a:extLst>
               <a:ext uri="{FF2B5EF4-FFF2-40B4-BE49-F238E27FC236}">
-                <a16:creationId xmlns:a16="http://schemas.microsoft.com/office/drawing/2014/main" id="{5D11D9EF-23E1-44CA-ADC2-D8DBBFEFB52D}"/>
+                <a16:creationId xmlns:a16="http://schemas.microsoft.com/office/drawing/2014/main" id="{AA444E6E-CDF4-704C-A256-00BB3EF93341}"/>
               </a:ext>
             </a:extLst>
           </p:cNvPr>
@@ -11850,7 +11904,7 @@
         </p:blipFill>
         <p:spPr>
           <a:xfrm>
-            <a:off x="22129351" y="35214663"/>
+            <a:off x="20414006" y="35176621"/>
             <a:ext cx="1113003" cy="1113003"/>
           </a:xfrm>
           <a:prstGeom prst="rect">
@@ -11860,10 +11914,10 @@
       </p:pic>
       <p:pic>
         <p:nvPicPr>
-          <p:cNvPr id="544" name="Picture 543">
+          <p:cNvPr id="229" name="Picture 228">
             <a:extLst>
               <a:ext uri="{FF2B5EF4-FFF2-40B4-BE49-F238E27FC236}">
-                <a16:creationId xmlns:a16="http://schemas.microsoft.com/office/drawing/2014/main" id="{4BFB75E4-834A-4EB6-BDA5-AF1EA996B590}"/>
+                <a16:creationId xmlns:a16="http://schemas.microsoft.com/office/drawing/2014/main" id="{181A685A-512C-1040-A8B4-C40A561FBFDD}"/>
               </a:ext>
             </a:extLst>
           </p:cNvPr>
@@ -11880,6 +11934,36 @@
         </p:blipFill>
         <p:spPr>
           <a:xfrm>
+            <a:off x="22129351" y="35214663"/>
+            <a:ext cx="1113003" cy="1113003"/>
+          </a:xfrm>
+          <a:prstGeom prst="rect">
+            <a:avLst/>
+          </a:prstGeom>
+        </p:spPr>
+      </p:pic>
+      <p:pic>
+        <p:nvPicPr>
+          <p:cNvPr id="230" name="Picture 229">
+            <a:extLst>
+              <a:ext uri="{FF2B5EF4-FFF2-40B4-BE49-F238E27FC236}">
+                <a16:creationId xmlns:a16="http://schemas.microsoft.com/office/drawing/2014/main" id="{A7F9FB80-DB0D-584B-99F7-7FE3827DFCA2}"/>
+              </a:ext>
+            </a:extLst>
+          </p:cNvPr>
+          <p:cNvPicPr>
+            <a:picLocks noChangeAspect="1"/>
+          </p:cNvPicPr>
+          <p:nvPr/>
+        </p:nvPicPr>
+        <p:blipFill>
+          <a:blip r:embed="rId18"/>
+          <a:stretch>
+            <a:fillRect/>
+          </a:stretch>
+        </p:blipFill>
+        <p:spPr>
+          <a:xfrm>
             <a:off x="25838834" y="31151339"/>
             <a:ext cx="1768753" cy="1768753"/>
           </a:xfrm>
@@ -11890,10 +11974,10 @@
       </p:pic>
       <p:sp>
         <p:nvSpPr>
-          <p:cNvPr id="251" name="Google Shape;50;p6">
+          <p:cNvPr id="237" name="Google Shape;50;p6">
             <a:extLst>
               <a:ext uri="{FF2B5EF4-FFF2-40B4-BE49-F238E27FC236}">
-                <a16:creationId xmlns:a16="http://schemas.microsoft.com/office/drawing/2014/main" id="{BF6651E0-0575-4CA8-8107-3BC659F1719D}"/>
+                <a16:creationId xmlns:a16="http://schemas.microsoft.com/office/drawing/2014/main" id="{0FB74265-726B-354B-81E2-8013BD0A1F5C}"/>
               </a:ext>
             </a:extLst>
           </p:cNvPr>
@@ -12014,10 +12098,10 @@
       </p:sp>
       <p:pic>
         <p:nvPicPr>
-          <p:cNvPr id="546" name="Picture 545">
+          <p:cNvPr id="240" name="Picture 239">
             <a:extLst>
               <a:ext uri="{FF2B5EF4-FFF2-40B4-BE49-F238E27FC236}">
-                <a16:creationId xmlns:a16="http://schemas.microsoft.com/office/drawing/2014/main" id="{D98FD834-615A-4D4B-8DE6-26EEAB3069BF}"/>
+                <a16:creationId xmlns:a16="http://schemas.microsoft.com/office/drawing/2014/main" id="{75BCBAD6-30C2-294D-8730-B7EAE09F5D60}"/>
               </a:ext>
             </a:extLst>
           </p:cNvPr>
@@ -12027,7 +12111,7 @@
           <p:nvPr/>
         </p:nvPicPr>
         <p:blipFill>
-          <a:blip r:embed="rId18"/>
+          <a:blip r:embed="rId19"/>
           <a:stretch>
             <a:fillRect/>
           </a:stretch>
@@ -12044,10 +12128,10 @@
       </p:pic>
       <p:cxnSp>
         <p:nvCxnSpPr>
-          <p:cNvPr id="549" name="Straight Arrow Connector 548">
+          <p:cNvPr id="251" name="Straight Arrow Connector 250">
             <a:extLst>
               <a:ext uri="{FF2B5EF4-FFF2-40B4-BE49-F238E27FC236}">
-                <a16:creationId xmlns:a16="http://schemas.microsoft.com/office/drawing/2014/main" id="{5E07FE9B-A586-4292-9882-E29CA775A13C}"/>
+                <a16:creationId xmlns:a16="http://schemas.microsoft.com/office/drawing/2014/main" id="{28E7486D-4ABB-F449-92CC-5B549A1A48A5}"/>
               </a:ext>
             </a:extLst>
           </p:cNvPr>
@@ -12091,10 +12175,10 @@
       </p:cxnSp>
       <p:sp>
         <p:nvSpPr>
-          <p:cNvPr id="550" name="TextBox 549">
+          <p:cNvPr id="252" name="TextBox 251">
             <a:extLst>
               <a:ext uri="{FF2B5EF4-FFF2-40B4-BE49-F238E27FC236}">
-                <a16:creationId xmlns:a16="http://schemas.microsoft.com/office/drawing/2014/main" id="{C4B051E4-F857-4A76-AE84-3620FDB83D02}"/>
+                <a16:creationId xmlns:a16="http://schemas.microsoft.com/office/drawing/2014/main" id="{7E32D217-094F-D845-893F-FB38AAEB5447}"/>
               </a:ext>
             </a:extLst>
           </p:cNvPr>
@@ -12127,10 +12211,10 @@
       </p:sp>
       <p:sp>
         <p:nvSpPr>
-          <p:cNvPr id="252" name="TextBox 251">
+          <p:cNvPr id="253" name="TextBox 252">
             <a:extLst>
               <a:ext uri="{FF2B5EF4-FFF2-40B4-BE49-F238E27FC236}">
-                <a16:creationId xmlns:a16="http://schemas.microsoft.com/office/drawing/2014/main" id="{6441AE04-9720-4ED0-BB15-03BAF9A1480C}"/>
+                <a16:creationId xmlns:a16="http://schemas.microsoft.com/office/drawing/2014/main" id="{1AB42069-5917-AB43-8EF8-FF7464584CDE}"/>
               </a:ext>
             </a:extLst>
           </p:cNvPr>
@@ -12163,10 +12247,10 @@
       </p:sp>
       <p:sp>
         <p:nvSpPr>
-          <p:cNvPr id="253" name="TextBox 252">
+          <p:cNvPr id="254" name="TextBox 253">
             <a:extLst>
               <a:ext uri="{FF2B5EF4-FFF2-40B4-BE49-F238E27FC236}">
-                <a16:creationId xmlns:a16="http://schemas.microsoft.com/office/drawing/2014/main" id="{C48E3FB4-4AAA-4739-BF86-992AD4B1D8C7}"/>
+                <a16:creationId xmlns:a16="http://schemas.microsoft.com/office/drawing/2014/main" id="{304FFC30-8D0B-C743-BCA9-A36E77AF1380}"/>
               </a:ext>
             </a:extLst>
           </p:cNvPr>
@@ -12199,10 +12283,10 @@
       </p:sp>
       <p:sp>
         <p:nvSpPr>
-          <p:cNvPr id="254" name="TextBox 253">
+          <p:cNvPr id="255" name="TextBox 254">
             <a:extLst>
               <a:ext uri="{FF2B5EF4-FFF2-40B4-BE49-F238E27FC236}">
-                <a16:creationId xmlns:a16="http://schemas.microsoft.com/office/drawing/2014/main" id="{EC5FB53C-698A-489A-ACC2-2DA2B7371155}"/>
+                <a16:creationId xmlns:a16="http://schemas.microsoft.com/office/drawing/2014/main" id="{3F0F3EA3-A66F-004B-83CD-682F6745B9AB}"/>
               </a:ext>
             </a:extLst>
           </p:cNvPr>

--- a/poster/Footprint.pptx
+++ b/poster/Footprint.pptx
@@ -238,7 +238,7 @@
           <a:p>
             <a:fld id="{5288C8A9-C8E4-D04E-9830-749FB15BD155}" type="datetimeFigureOut">
               <a:rPr lang="en-US" smtClean="0"/>
-              <a:t>12/8/18</a:t>
+              <a:t>12/9/18</a:t>
             </a:fld>
             <a:endParaRPr lang="en-US" dirty="0"/>
           </a:p>
@@ -4130,6 +4130,36 @@
           <a:chExt cx="0" cy="0"/>
         </a:xfrm>
       </p:grpSpPr>
+      <p:pic>
+        <p:nvPicPr>
+          <p:cNvPr id="25" name="Picture 24">
+            <a:extLst>
+              <a:ext uri="{FF2B5EF4-FFF2-40B4-BE49-F238E27FC236}">
+                <a16:creationId xmlns:a16="http://schemas.microsoft.com/office/drawing/2014/main" id="{12CF3EC4-D768-7948-A305-2CC67585C314}"/>
+              </a:ext>
+            </a:extLst>
+          </p:cNvPr>
+          <p:cNvPicPr>
+            <a:picLocks noChangeAspect="1"/>
+          </p:cNvPicPr>
+          <p:nvPr/>
+        </p:nvPicPr>
+        <p:blipFill>
+          <a:blip r:embed="rId3"/>
+          <a:stretch>
+            <a:fillRect/>
+          </a:stretch>
+        </p:blipFill>
+        <p:spPr>
+          <a:xfrm>
+            <a:off x="17202394" y="17743182"/>
+            <a:ext cx="2399673" cy="1584953"/>
+          </a:xfrm>
+          <a:prstGeom prst="rect">
+            <a:avLst/>
+          </a:prstGeom>
+        </p:spPr>
+      </p:pic>
       <p:sp>
         <p:nvSpPr>
           <p:cNvPr id="12290" name="Text Box 4"/>
@@ -4152,14 +4182,14 @@
           </a:ln>
           <a:extLst>
             <a:ext uri="{909E8E84-426E-40dd-AFC4-6F175D3DCCD1}">
-              <a14:hiddenFill xmlns="" xmlns:a14="http://schemas.microsoft.com/office/drawing/2010/main">
+              <a14:hiddenFill xmlns:a14="http://schemas.microsoft.com/office/drawing/2010/main" xmlns="">
                 <a:solidFill>
                   <a:srgbClr val="FFFFFF"/>
                 </a:solidFill>
               </a14:hiddenFill>
             </a:ext>
             <a:ext uri="{91240B29-F687-4f45-9708-019B960494DF}">
-              <a14:hiddenLine xmlns="" xmlns:a14="http://schemas.microsoft.com/office/drawing/2010/main" w="9525">
+              <a14:hiddenLine xmlns:a14="http://schemas.microsoft.com/office/drawing/2010/main" xmlns="" w="9525">
                 <a:solidFill>
                   <a:srgbClr val="000000"/>
                 </a:solidFill>
@@ -4313,14 +4343,14 @@
           </a:ln>
           <a:extLst>
             <a:ext uri="{909E8E84-426E-40dd-AFC4-6F175D3DCCD1}">
-              <a14:hiddenFill xmlns="" xmlns:a14="http://schemas.microsoft.com/office/drawing/2010/main">
+              <a14:hiddenFill xmlns:a14="http://schemas.microsoft.com/office/drawing/2010/main" xmlns="">
                 <a:solidFill>
                   <a:srgbClr val="FFFFFF"/>
                 </a:solidFill>
               </a14:hiddenFill>
             </a:ext>
             <a:ext uri="{91240B29-F687-4f45-9708-019B960494DF}">
-              <a14:hiddenLine xmlns="" xmlns:a14="http://schemas.microsoft.com/office/drawing/2010/main" w="9525">
+              <a14:hiddenLine xmlns:a14="http://schemas.microsoft.com/office/drawing/2010/main" xmlns="" w="9525">
                 <a:solidFill>
                   <a:srgbClr val="000000"/>
                 </a:solidFill>
@@ -4451,8 +4481,32 @@
                 <a:cs typeface="Calibri"/>
                 <a:sym typeface="Calibri"/>
               </a:rPr>
-              <a:t>Forensic Investigation via Robust Feature Extraction</a:t>
-            </a:r>
+              <a:t>Forensic Investigation via Autoencoder</a:t>
+            </a:r>
+            <a:r>
+              <a:rPr lang="zh-CN" altLang="en-US" sz="8000" b="1" dirty="0">
+                <a:latin typeface="Calibri"/>
+                <a:ea typeface="Calibri"/>
+                <a:cs typeface="Calibri"/>
+                <a:sym typeface="Calibri"/>
+              </a:rPr>
+              <a:t> </a:t>
+            </a:r>
+            <a:r>
+              <a:rPr lang="en-US" altLang="zh-CN" sz="8000" b="1" dirty="0">
+                <a:latin typeface="Calibri"/>
+                <a:ea typeface="Calibri"/>
+                <a:cs typeface="Calibri"/>
+                <a:sym typeface="Calibri"/>
+              </a:rPr>
+              <a:t>and KNN</a:t>
+            </a:r>
+            <a:endParaRPr lang="en-US" sz="8000" b="1" dirty="0">
+              <a:latin typeface="Calibri"/>
+              <a:ea typeface="Calibri"/>
+              <a:cs typeface="Calibri"/>
+              <a:sym typeface="Calibri"/>
+            </a:endParaRPr>
           </a:p>
           <a:p>
             <a:pPr algn="ctr"/>
@@ -4525,7 +4579,7 @@
           <p:nvPr/>
         </p:nvPicPr>
         <p:blipFill rotWithShape="1">
-          <a:blip r:embed="rId3">
+          <a:blip r:embed="rId4">
             <a:extLst>
               <a:ext uri="{28A0092B-C50C-407E-A947-70E740481C1C}">
                 <a14:useLocalDpi xmlns:a14="http://schemas.microsoft.com/office/drawing/2010/main" val="0"/>
@@ -4549,14 +4603,14 @@
           </a:ln>
           <a:extLst>
             <a:ext uri="{909E8E84-426E-40dd-AFC4-6F175D3DCCD1}">
-              <a14:hiddenFill xmlns="" xmlns:a14="http://schemas.microsoft.com/office/drawing/2010/main">
+              <a14:hiddenFill xmlns:a14="http://schemas.microsoft.com/office/drawing/2010/main" xmlns="">
                 <a:solidFill>
                   <a:srgbClr val="FFFFFF"/>
                 </a:solidFill>
               </a14:hiddenFill>
             </a:ext>
             <a:ext uri="{91240B29-F687-4f45-9708-019B960494DF}">
-              <a14:hiddenLine xmlns="" xmlns:a14="http://schemas.microsoft.com/office/drawing/2010/main" w="9525">
+              <a14:hiddenLine xmlns:a14="http://schemas.microsoft.com/office/drawing/2010/main" xmlns="" w="9525">
                 <a:solidFill>
                   <a:srgbClr val="000000"/>
                 </a:solidFill>
@@ -4592,7 +4646,7 @@
           </a:ln>
           <a:extLst>
             <a:ext uri="{91240B29-F687-4f45-9708-019B960494DF}">
-              <a14:hiddenLine xmlns="" xmlns:a14="http://schemas.microsoft.com/office/drawing/2010/main" w="9525">
+              <a14:hiddenLine xmlns:a14="http://schemas.microsoft.com/office/drawing/2010/main" xmlns="" w="9525">
                 <a:solidFill>
                   <a:srgbClr val="000000"/>
                 </a:solidFill>
@@ -4616,7 +4670,7 @@
                 <a:latin typeface="Book Antiqua"/>
                 <a:cs typeface="Book Antiqua"/>
               </a:rPr>
-              <a:t>Our solution: Data augmentation and robust feature extraction</a:t>
+              <a:t>Our solution: Data augmentation and autoencoder</a:t>
             </a:r>
           </a:p>
         </p:txBody>
@@ -4645,7 +4699,7 @@
           </a:ln>
           <a:extLst>
             <a:ext uri="{91240B29-F687-4f45-9708-019B960494DF}">
-              <a14:hiddenLine xmlns="" xmlns:a14="http://schemas.microsoft.com/office/drawing/2010/main" w="9525">
+              <a14:hiddenLine xmlns:a14="http://schemas.microsoft.com/office/drawing/2010/main" xmlns="" w="9525">
                 <a:solidFill>
                   <a:srgbClr val="000000"/>
                 </a:solidFill>
@@ -4711,7 +4765,7 @@
           </a:ln>
           <a:extLst>
             <a:ext uri="{91240B29-F687-4f45-9708-019B960494DF}">
-              <a14:hiddenLine xmlns="" xmlns:a14="http://schemas.microsoft.com/office/drawing/2010/main" w="9525">
+              <a14:hiddenLine xmlns:a14="http://schemas.microsoft.com/office/drawing/2010/main" xmlns="" w="9525">
                 <a:solidFill>
                   <a:srgbClr val="000000"/>
                 </a:solidFill>
@@ -4819,7 +4873,7 @@
           <p:nvPr/>
         </p:nvPicPr>
         <p:blipFill>
-          <a:blip r:embed="rId4"/>
+          <a:blip r:embed="rId5"/>
           <a:stretch>
             <a:fillRect/>
           </a:stretch>
@@ -4849,7 +4903,7 @@
           <p:nvPr/>
         </p:nvPicPr>
         <p:blipFill>
-          <a:blip r:embed="rId5"/>
+          <a:blip r:embed="rId6"/>
           <a:stretch>
             <a:fillRect/>
           </a:stretch>
@@ -5206,7 +5260,7 @@
             <p:nvPr/>
           </p:nvPicPr>
           <p:blipFill>
-            <a:blip r:embed="rId4"/>
+            <a:blip r:embed="rId5"/>
             <a:stretch>
               <a:fillRect/>
             </a:stretch>
@@ -5376,7 +5430,7 @@
           <p:nvPr/>
         </p:nvPicPr>
         <p:blipFill>
-          <a:blip r:embed="rId5"/>
+          <a:blip r:embed="rId6"/>
           <a:stretch>
             <a:fillRect/>
           </a:stretch>
@@ -5406,7 +5460,7 @@
           <p:nvPr/>
         </p:nvPicPr>
         <p:blipFill rotWithShape="1">
-          <a:blip r:embed="rId4"/>
+          <a:blip r:embed="rId5"/>
           <a:srcRect t="16577" b="13224"/>
           <a:stretch/>
         </p:blipFill>
@@ -5435,7 +5489,7 @@
           <p:nvPr/>
         </p:nvPicPr>
         <p:blipFill>
-          <a:blip r:embed="rId4"/>
+          <a:blip r:embed="rId5"/>
           <a:stretch>
             <a:fillRect/>
           </a:stretch>
@@ -5465,7 +5519,7 @@
           <p:nvPr/>
         </p:nvPicPr>
         <p:blipFill>
-          <a:blip r:embed="rId4"/>
+          <a:blip r:embed="rId5"/>
           <a:stretch>
             <a:fillRect/>
           </a:stretch>
@@ -5495,7 +5549,7 @@
           <p:nvPr/>
         </p:nvPicPr>
         <p:blipFill>
-          <a:blip r:embed="rId4"/>
+          <a:blip r:embed="rId5"/>
           <a:stretch>
             <a:fillRect/>
           </a:stretch>
@@ -5961,9 +6015,9 @@
         <p:grpSpPr>
           <a:xfrm>
             <a:off x="228602" y="16764000"/>
-            <a:ext cx="6265600" cy="8772850"/>
+            <a:ext cx="5488107" cy="8847390"/>
             <a:chOff x="334108" y="17379633"/>
-            <a:chExt cx="8526528" cy="8772850"/>
+            <a:chExt cx="7468478" cy="8847390"/>
           </a:xfrm>
         </p:grpSpPr>
         <p:pic>
@@ -5981,7 +6035,7 @@
             <p:nvPr/>
           </p:nvPicPr>
           <p:blipFill>
-            <a:blip r:embed="rId5"/>
+            <a:blip r:embed="rId6"/>
             <a:stretch>
               <a:fillRect/>
             </a:stretch>
@@ -6011,7 +6065,7 @@
             <p:nvPr/>
           </p:nvPicPr>
           <p:blipFill rotWithShape="1">
-            <a:blip r:embed="rId5"/>
+            <a:blip r:embed="rId6"/>
             <a:srcRect t="16933" b="45178"/>
             <a:stretch/>
           </p:blipFill>
@@ -6040,7 +6094,7 @@
             <p:nvPr/>
           </p:nvPicPr>
           <p:blipFill rotWithShape="1">
-            <a:blip r:embed="rId5"/>
+            <a:blip r:embed="rId6"/>
             <a:srcRect t="16933" b="45178"/>
             <a:stretch/>
           </p:blipFill>
@@ -6069,7 +6123,7 @@
             <p:nvPr/>
           </p:nvPicPr>
           <p:blipFill rotWithShape="1">
-            <a:blip r:embed="rId5"/>
+            <a:blip r:embed="rId6"/>
             <a:srcRect t="16933" b="45178"/>
             <a:stretch/>
           </p:blipFill>
@@ -6098,7 +6152,7 @@
             <p:nvPr/>
           </p:nvPicPr>
           <p:blipFill rotWithShape="1">
-            <a:blip r:embed="rId6">
+            <a:blip r:embed="rId7">
               <a:extLst>
                 <a:ext uri="{BEBA8EAE-BF5A-486C-A8C5-ECC9F3942E4B}">
                   <a14:imgProps xmlns:a14="http://schemas.microsoft.com/office/drawing/2010/main">
@@ -6483,43 +6537,6 @@
         </p:sp>
         <p:cxnSp>
           <p:nvCxnSpPr>
-            <p:cNvPr id="145" name="Straight Arrow Connector 144">
-              <a:extLst>
-                <a:ext uri="{FF2B5EF4-FFF2-40B4-BE49-F238E27FC236}">
-                  <a16:creationId xmlns:a16="http://schemas.microsoft.com/office/drawing/2014/main" id="{1B51DAB4-9FE7-3C42-977F-C7D54DCA5E74}"/>
-                </a:ext>
-              </a:extLst>
-            </p:cNvPr>
-            <p:cNvCxnSpPr>
-              <a:cxnSpLocks/>
-            </p:cNvCxnSpPr>
-            <p:nvPr/>
-          </p:nvCxnSpPr>
-          <p:spPr bwMode="auto">
-            <a:xfrm flipV="1">
-              <a:off x="4550102" y="21490131"/>
-              <a:ext cx="2077150" cy="33638"/>
-            </a:xfrm>
-            <a:prstGeom prst="straightConnector1">
-              <a:avLst/>
-            </a:prstGeom>
-            <a:solidFill>
-              <a:schemeClr val="accent1"/>
-            </a:solidFill>
-            <a:ln w="57150" cap="flat" cmpd="sng" algn="ctr">
-              <a:solidFill>
-                <a:srgbClr val="FF0000"/>
-              </a:solidFill>
-              <a:prstDash val="solid"/>
-              <a:round/>
-              <a:headEnd type="none" w="med" len="med"/>
-              <a:tailEnd type="arrow" w="med" len="med"/>
-            </a:ln>
-            <a:effectLst/>
-          </p:spPr>
-        </p:cxnSp>
-        <p:cxnSp>
-          <p:nvCxnSpPr>
             <p:cNvPr id="148" name="Straight Arrow Connector 147">
               <a:extLst>
                 <a:ext uri="{FF2B5EF4-FFF2-40B4-BE49-F238E27FC236}">
@@ -6681,8 +6698,8 @@
           </p:nvSpPr>
           <p:spPr>
             <a:xfrm>
-              <a:off x="4529258" y="22136423"/>
-              <a:ext cx="4331378" cy="2532244"/>
+              <a:off x="5394309" y="25640284"/>
+              <a:ext cx="2408277" cy="586739"/>
             </a:xfrm>
             <a:prstGeom prst="rect">
               <a:avLst/>
@@ -6707,105 +6724,12 @@
                 </a:spcAft>
               </a:pPr>
               <a:r>
-                <a:rPr lang="en-US" altLang="zh-CN" sz="3200" dirty="0"/>
-                <a:t>Noise:</a:t>
-              </a:r>
-            </a:p>
-            <a:p>
-              <a:pPr marL="457200" lvl="0" indent="-457200">
-                <a:spcBef>
-                  <a:spcPts val="0"/>
-                </a:spcBef>
-                <a:spcAft>
-                  <a:spcPts val="0"/>
-                </a:spcAft>
-                <a:buFontTx/>
-                <a:buChar char="-"/>
-              </a:pPr>
-              <a:r>
-                <a:rPr lang="en-US" sz="3200" dirty="0"/>
-                <a:t>Gaussian</a:t>
-              </a:r>
-            </a:p>
-            <a:p>
-              <a:pPr marL="457200" lvl="0" indent="-457200">
-                <a:spcBef>
-                  <a:spcPts val="0"/>
-                </a:spcBef>
-                <a:spcAft>
-                  <a:spcPts val="0"/>
-                </a:spcAft>
-                <a:buFontTx/>
-                <a:buChar char="-"/>
-              </a:pPr>
-              <a:r>
-                <a:rPr lang="en-US" sz="3200" dirty="0"/>
-                <a:t>Poisson</a:t>
-              </a:r>
-            </a:p>
-            <a:p>
-              <a:pPr marL="457200" lvl="0" indent="-457200">
-                <a:spcBef>
-                  <a:spcPts val="0"/>
-                </a:spcBef>
-                <a:spcAft>
-                  <a:spcPts val="0"/>
-                </a:spcAft>
-                <a:buFontTx/>
-                <a:buChar char="-"/>
-              </a:pPr>
-              <a:r>
-                <a:rPr lang="en-US" sz="3200" dirty="0"/>
-                <a:t>Salt &amp; Pepper</a:t>
-              </a:r>
-            </a:p>
-            <a:p>
-              <a:pPr marL="457200" lvl="0" indent="-457200">
-                <a:spcBef>
-                  <a:spcPts val="0"/>
-                </a:spcBef>
-                <a:spcAft>
-                  <a:spcPts val="0"/>
-                </a:spcAft>
-                <a:buFontTx/>
-                <a:buChar char="-"/>
-              </a:pPr>
-              <a:r>
                 <a:rPr lang="en-US" sz="3200" dirty="0"/>
                 <a:t>Speckle</a:t>
               </a:r>
             </a:p>
           </p:txBody>
         </p:sp>
-        <p:pic>
-          <p:nvPicPr>
-            <p:cNvPr id="162" name="Picture 161">
-              <a:extLst>
-                <a:ext uri="{FF2B5EF4-FFF2-40B4-BE49-F238E27FC236}">
-                  <a16:creationId xmlns:a16="http://schemas.microsoft.com/office/drawing/2014/main" id="{880808AD-EEED-9B4E-8760-0E3EED67EF3E}"/>
-                </a:ext>
-              </a:extLst>
-            </p:cNvPr>
-            <p:cNvPicPr>
-              <a:picLocks noChangeAspect="1"/>
-            </p:cNvPicPr>
-            <p:nvPr/>
-          </p:nvPicPr>
-          <p:blipFill rotWithShape="1">
-            <a:blip r:embed="rId4"/>
-            <a:srcRect t="16577" b="13224"/>
-            <a:stretch/>
-          </p:blipFill>
-          <p:spPr>
-            <a:xfrm>
-              <a:off x="6631987" y="20768596"/>
-              <a:ext cx="1525338" cy="1525339"/>
-            </a:xfrm>
-            <a:prstGeom prst="rect">
-              <a:avLst/>
-            </a:prstGeom>
-          </p:spPr>
-        </p:pic>
       </p:grpSp>
       <p:sp>
         <p:nvSpPr>
@@ -8413,7 +8337,7 @@
             <p:nvPr/>
           </p:nvPicPr>
           <p:blipFill>
-            <a:blip r:embed="rId7"/>
+            <a:blip r:embed="rId8"/>
             <a:stretch>
               <a:fillRect/>
             </a:stretch>
@@ -8496,573 +8420,6 @@
             </a:p>
           </p:txBody>
         </p:sp>
-        <p:grpSp>
-          <p:nvGrpSpPr>
-            <p:cNvPr id="146" name="Group 145">
-              <a:extLst>
-                <a:ext uri="{FF2B5EF4-FFF2-40B4-BE49-F238E27FC236}">
-                  <a16:creationId xmlns:a16="http://schemas.microsoft.com/office/drawing/2014/main" id="{0F26BAA2-A43A-D44C-9E9B-E6FF5B2AED7F}"/>
-                </a:ext>
-              </a:extLst>
-            </p:cNvPr>
-            <p:cNvGrpSpPr/>
-            <p:nvPr/>
-          </p:nvGrpSpPr>
-          <p:grpSpPr>
-            <a:xfrm>
-              <a:off x="16472590" y="18160816"/>
-              <a:ext cx="2502089" cy="1641862"/>
-              <a:chOff x="334108" y="17379633"/>
-              <a:chExt cx="7823217" cy="7994967"/>
-            </a:xfrm>
-          </p:grpSpPr>
-          <p:pic>
-            <p:nvPicPr>
-              <p:cNvPr id="147" name="Picture 146">
-                <a:extLst>
-                  <a:ext uri="{FF2B5EF4-FFF2-40B4-BE49-F238E27FC236}">
-                    <a16:creationId xmlns:a16="http://schemas.microsoft.com/office/drawing/2014/main" id="{D43EECD7-972C-6A47-A535-50771CE9E844}"/>
-                  </a:ext>
-                </a:extLst>
-              </p:cNvPr>
-              <p:cNvPicPr>
-                <a:picLocks noChangeAspect="1"/>
-              </p:cNvPicPr>
-              <p:nvPr/>
-            </p:nvPicPr>
-            <p:blipFill>
-              <a:blip r:embed="rId5"/>
-              <a:stretch>
-                <a:fillRect/>
-              </a:stretch>
-            </p:blipFill>
-            <p:spPr>
-              <a:xfrm>
-                <a:off x="334108" y="19507200"/>
-                <a:ext cx="1342060" cy="3502512"/>
-              </a:xfrm>
-              <a:prstGeom prst="rect">
-                <a:avLst/>
-              </a:prstGeom>
-            </p:spPr>
-          </p:pic>
-          <p:pic>
-            <p:nvPicPr>
-              <p:cNvPr id="149" name="Picture 148">
-                <a:extLst>
-                  <a:ext uri="{FF2B5EF4-FFF2-40B4-BE49-F238E27FC236}">
-                    <a16:creationId xmlns:a16="http://schemas.microsoft.com/office/drawing/2014/main" id="{665ED391-01C9-1140-ADCD-16B058580531}"/>
-                  </a:ext>
-                </a:extLst>
-              </p:cNvPr>
-              <p:cNvPicPr>
-                <a:picLocks noChangeAspect="1"/>
-              </p:cNvPicPr>
-              <p:nvPr/>
-            </p:nvPicPr>
-            <p:blipFill rotWithShape="1">
-              <a:blip r:embed="rId5"/>
-              <a:srcRect t="16933" b="45178"/>
-              <a:stretch/>
-            </p:blipFill>
-            <p:spPr>
-              <a:xfrm>
-                <a:off x="2451259" y="17379633"/>
-                <a:ext cx="1342060" cy="1327066"/>
-              </a:xfrm>
-              <a:prstGeom prst="rect">
-                <a:avLst/>
-              </a:prstGeom>
-            </p:spPr>
-          </p:pic>
-          <p:pic>
-            <p:nvPicPr>
-              <p:cNvPr id="151" name="Picture 150">
-                <a:extLst>
-                  <a:ext uri="{FF2B5EF4-FFF2-40B4-BE49-F238E27FC236}">
-                    <a16:creationId xmlns:a16="http://schemas.microsoft.com/office/drawing/2014/main" id="{F0AEC92B-5996-A746-8B68-AFD16D5D8043}"/>
-                  </a:ext>
-                </a:extLst>
-              </p:cNvPr>
-              <p:cNvPicPr>
-                <a:picLocks noChangeAspect="1"/>
-              </p:cNvPicPr>
-              <p:nvPr/>
-            </p:nvPicPr>
-            <p:blipFill rotWithShape="1">
-              <a:blip r:embed="rId5"/>
-              <a:srcRect t="16933" b="45178"/>
-              <a:stretch/>
-            </p:blipFill>
-            <p:spPr>
-              <a:xfrm rot="16200000">
-                <a:off x="2451259" y="19604766"/>
-                <a:ext cx="1342060" cy="1327066"/>
-              </a:xfrm>
-              <a:prstGeom prst="rect">
-                <a:avLst/>
-              </a:prstGeom>
-            </p:spPr>
-          </p:pic>
-          <p:pic>
-            <p:nvPicPr>
-              <p:cNvPr id="152" name="Picture 151">
-                <a:extLst>
-                  <a:ext uri="{FF2B5EF4-FFF2-40B4-BE49-F238E27FC236}">
-                    <a16:creationId xmlns:a16="http://schemas.microsoft.com/office/drawing/2014/main" id="{F3464B9D-BA97-E441-B612-CD04855B2499}"/>
-                  </a:ext>
-                </a:extLst>
-              </p:cNvPr>
-              <p:cNvPicPr>
-                <a:picLocks noChangeAspect="1"/>
-              </p:cNvPicPr>
-              <p:nvPr/>
-            </p:nvPicPr>
-            <p:blipFill rotWithShape="1">
-              <a:blip r:embed="rId5"/>
-              <a:srcRect t="16933" b="45178"/>
-              <a:stretch/>
-            </p:blipFill>
-            <p:spPr>
-              <a:xfrm flipH="1">
-                <a:off x="2434578" y="21829899"/>
-                <a:ext cx="1375422" cy="1327066"/>
-              </a:xfrm>
-              <a:prstGeom prst="rect">
-                <a:avLst/>
-              </a:prstGeom>
-            </p:spPr>
-          </p:pic>
-          <p:pic>
-            <p:nvPicPr>
-              <p:cNvPr id="154" name="Picture 153">
-                <a:extLst>
-                  <a:ext uri="{FF2B5EF4-FFF2-40B4-BE49-F238E27FC236}">
-                    <a16:creationId xmlns:a16="http://schemas.microsoft.com/office/drawing/2014/main" id="{426CD974-6402-B74A-B9DB-19757A23318A}"/>
-                  </a:ext>
-                </a:extLst>
-              </p:cNvPr>
-              <p:cNvPicPr>
-                <a:picLocks noChangeAspect="1"/>
-              </p:cNvPicPr>
-              <p:nvPr/>
-            </p:nvPicPr>
-            <p:blipFill rotWithShape="1">
-              <a:blip r:embed="rId6">
-                <a:extLst>
-                  <a:ext uri="{BEBA8EAE-BF5A-486C-A8C5-ECC9F3942E4B}">
-                    <a14:imgProps xmlns:a14="http://schemas.microsoft.com/office/drawing/2010/main">
-                      <a14:imgLayer>
-                        <a14:imgEffect>
-                          <a14:sharpenSoften amount="50000"/>
-                        </a14:imgEffect>
-                        <a14:imgEffect>
-                          <a14:brightnessContrast bright="-40000" contrast="20000"/>
-                        </a14:imgEffect>
-                      </a14:imgLayer>
-                    </a14:imgProps>
-                  </a:ext>
-                </a:extLst>
-              </a:blip>
-              <a:srcRect t="16933" b="45178"/>
-              <a:stretch/>
-            </p:blipFill>
-            <p:spPr>
-              <a:xfrm>
-                <a:off x="2451259" y="24047534"/>
-                <a:ext cx="1342060" cy="1327066"/>
-              </a:xfrm>
-              <a:prstGeom prst="rect">
-                <a:avLst/>
-              </a:prstGeom>
-            </p:spPr>
-          </p:pic>
-          <p:grpSp>
-            <p:nvGrpSpPr>
-              <p:cNvPr id="155" name="Group 154">
-                <a:extLst>
-                  <a:ext uri="{FF2B5EF4-FFF2-40B4-BE49-F238E27FC236}">
-                    <a16:creationId xmlns:a16="http://schemas.microsoft.com/office/drawing/2014/main" id="{2FF1B882-7019-A149-9CD8-7E56A96F3B80}"/>
-                  </a:ext>
-                </a:extLst>
-              </p:cNvPr>
-              <p:cNvGrpSpPr/>
-              <p:nvPr/>
-            </p:nvGrpSpPr>
-            <p:grpSpPr>
-              <a:xfrm>
-                <a:off x="1651991" y="18262393"/>
-                <a:ext cx="710210" cy="6503201"/>
-                <a:chOff x="1651990" y="18262393"/>
-                <a:chExt cx="1296169" cy="6503201"/>
-              </a:xfrm>
-            </p:grpSpPr>
-            <p:cxnSp>
-              <p:nvCxnSpPr>
-                <p:cNvPr id="185" name="Straight Arrow Connector 184">
-                  <a:extLst>
-                    <a:ext uri="{FF2B5EF4-FFF2-40B4-BE49-F238E27FC236}">
-                      <a16:creationId xmlns:a16="http://schemas.microsoft.com/office/drawing/2014/main" id="{CDB0163F-0F91-6D45-B2D1-330C38689B42}"/>
-                    </a:ext>
-                  </a:extLst>
-                </p:cNvPr>
-                <p:cNvCxnSpPr>
-                  <a:cxnSpLocks/>
-                </p:cNvCxnSpPr>
-                <p:nvPr/>
-              </p:nvCxnSpPr>
-              <p:spPr bwMode="auto">
-                <a:xfrm flipV="1">
-                  <a:off x="1651990" y="20346589"/>
-                  <a:ext cx="1232288" cy="823966"/>
-                </a:xfrm>
-                <a:prstGeom prst="straightConnector1">
-                  <a:avLst/>
-                </a:prstGeom>
-                <a:solidFill>
-                  <a:schemeClr val="accent1"/>
-                </a:solidFill>
-                <a:ln w="57150" cap="flat" cmpd="sng" algn="ctr">
-                  <a:solidFill>
-                    <a:srgbClr val="FF0000"/>
-                  </a:solidFill>
-                  <a:prstDash val="solid"/>
-                  <a:round/>
-                  <a:headEnd type="none" w="med" len="med"/>
-                  <a:tailEnd type="arrow" w="med" len="med"/>
-                </a:ln>
-                <a:effectLst/>
-              </p:spPr>
-            </p:cxnSp>
-            <p:cxnSp>
-              <p:nvCxnSpPr>
-                <p:cNvPr id="187" name="Straight Arrow Connector 186">
-                  <a:extLst>
-                    <a:ext uri="{FF2B5EF4-FFF2-40B4-BE49-F238E27FC236}">
-                      <a16:creationId xmlns:a16="http://schemas.microsoft.com/office/drawing/2014/main" id="{AA3714F0-20EA-4A42-BAAD-D76ADF3A9AE2}"/>
-                    </a:ext>
-                  </a:extLst>
-                </p:cNvPr>
-                <p:cNvCxnSpPr>
-                  <a:cxnSpLocks/>
-                </p:cNvCxnSpPr>
-                <p:nvPr/>
-              </p:nvCxnSpPr>
-              <p:spPr bwMode="auto">
-                <a:xfrm flipV="1">
-                  <a:off x="1676168" y="18262393"/>
-                  <a:ext cx="1271991" cy="2908162"/>
-                </a:xfrm>
-                <a:prstGeom prst="straightConnector1">
-                  <a:avLst/>
-                </a:prstGeom>
-                <a:solidFill>
-                  <a:schemeClr val="accent1"/>
-                </a:solidFill>
-                <a:ln w="57150" cap="flat" cmpd="sng" algn="ctr">
-                  <a:solidFill>
-                    <a:srgbClr val="FF0000"/>
-                  </a:solidFill>
-                  <a:prstDash val="solid"/>
-                  <a:round/>
-                  <a:headEnd type="none" w="med" len="med"/>
-                  <a:tailEnd type="arrow" w="med" len="med"/>
-                </a:ln>
-                <a:effectLst/>
-              </p:spPr>
-            </p:cxnSp>
-            <p:cxnSp>
-              <p:nvCxnSpPr>
-                <p:cNvPr id="189" name="Straight Arrow Connector 188">
-                  <a:extLst>
-                    <a:ext uri="{FF2B5EF4-FFF2-40B4-BE49-F238E27FC236}">
-                      <a16:creationId xmlns:a16="http://schemas.microsoft.com/office/drawing/2014/main" id="{B8E59CF3-3A2C-9B4F-A013-AD07F2652049}"/>
-                    </a:ext>
-                  </a:extLst>
-                </p:cNvPr>
-                <p:cNvCxnSpPr>
-                  <a:cxnSpLocks/>
-                </p:cNvCxnSpPr>
-                <p:nvPr/>
-              </p:nvCxnSpPr>
-              <p:spPr bwMode="auto">
-                <a:xfrm>
-                  <a:off x="1651990" y="21160417"/>
-                  <a:ext cx="1091210" cy="1302978"/>
-                </a:xfrm>
-                <a:prstGeom prst="straightConnector1">
-                  <a:avLst/>
-                </a:prstGeom>
-                <a:solidFill>
-                  <a:schemeClr val="accent1"/>
-                </a:solidFill>
-                <a:ln w="57150" cap="flat" cmpd="sng" algn="ctr">
-                  <a:solidFill>
-                    <a:srgbClr val="FF0000"/>
-                  </a:solidFill>
-                  <a:prstDash val="solid"/>
-                  <a:round/>
-                  <a:headEnd type="none" w="med" len="med"/>
-                  <a:tailEnd type="arrow" w="med" len="med"/>
-                </a:ln>
-                <a:effectLst/>
-              </p:spPr>
-            </p:cxnSp>
-            <p:cxnSp>
-              <p:nvCxnSpPr>
-                <p:cNvPr id="191" name="Straight Arrow Connector 190">
-                  <a:extLst>
-                    <a:ext uri="{FF2B5EF4-FFF2-40B4-BE49-F238E27FC236}">
-                      <a16:creationId xmlns:a16="http://schemas.microsoft.com/office/drawing/2014/main" id="{5C7AB9A7-A5F1-0541-BF2E-DF9B514C2A69}"/>
-                    </a:ext>
-                  </a:extLst>
-                </p:cNvPr>
-                <p:cNvCxnSpPr>
-                  <a:cxnSpLocks/>
-                  <a:stCxn id="147" idx="3"/>
-                </p:cNvCxnSpPr>
-                <p:nvPr/>
-              </p:nvCxnSpPr>
-              <p:spPr bwMode="auto">
-                <a:xfrm>
-                  <a:off x="1676169" y="21258456"/>
-                  <a:ext cx="1067032" cy="3507138"/>
-                </a:xfrm>
-                <a:prstGeom prst="straightConnector1">
-                  <a:avLst/>
-                </a:prstGeom>
-                <a:solidFill>
-                  <a:schemeClr val="accent1"/>
-                </a:solidFill>
-                <a:ln w="57150" cap="flat" cmpd="sng" algn="ctr">
-                  <a:solidFill>
-                    <a:srgbClr val="FF0000"/>
-                  </a:solidFill>
-                  <a:prstDash val="solid"/>
-                  <a:round/>
-                  <a:headEnd type="none" w="med" len="med"/>
-                  <a:tailEnd type="arrow" w="med" len="med"/>
-                </a:ln>
-                <a:effectLst/>
-              </p:spPr>
-            </p:cxnSp>
-          </p:grpSp>
-          <p:cxnSp>
-            <p:nvCxnSpPr>
-              <p:cNvPr id="163" name="Straight Arrow Connector 162">
-                <a:extLst>
-                  <a:ext uri="{FF2B5EF4-FFF2-40B4-BE49-F238E27FC236}">
-                    <a16:creationId xmlns:a16="http://schemas.microsoft.com/office/drawing/2014/main" id="{0662BE07-6BB0-DC4A-9BA4-E5A8552336DA}"/>
-                  </a:ext>
-                </a:extLst>
-              </p:cNvPr>
-              <p:cNvCxnSpPr>
-                <a:cxnSpLocks/>
-              </p:cNvCxnSpPr>
-              <p:nvPr/>
-            </p:nvCxnSpPr>
-            <p:spPr bwMode="auto">
-              <a:xfrm flipV="1">
-                <a:off x="4550102" y="21490131"/>
-                <a:ext cx="2077150" cy="33638"/>
-              </a:xfrm>
-              <a:prstGeom prst="straightConnector1">
-                <a:avLst/>
-              </a:prstGeom>
-              <a:solidFill>
-                <a:schemeClr val="accent1"/>
-              </a:solidFill>
-              <a:ln w="57150" cap="flat" cmpd="sng" algn="ctr">
-                <a:solidFill>
-                  <a:srgbClr val="FF0000"/>
-                </a:solidFill>
-                <a:prstDash val="solid"/>
-                <a:round/>
-                <a:headEnd type="none" w="med" len="med"/>
-                <a:tailEnd type="arrow" w="med" len="med"/>
-              </a:ln>
-              <a:effectLst/>
-            </p:spPr>
-          </p:cxnSp>
-          <p:cxnSp>
-            <p:nvCxnSpPr>
-              <p:cNvPr id="165" name="Straight Arrow Connector 164">
-                <a:extLst>
-                  <a:ext uri="{FF2B5EF4-FFF2-40B4-BE49-F238E27FC236}">
-                    <a16:creationId xmlns:a16="http://schemas.microsoft.com/office/drawing/2014/main" id="{E852C649-AE35-6C4A-B0EB-341956421CFE}"/>
-                  </a:ext>
-                </a:extLst>
-              </p:cNvPr>
-              <p:cNvCxnSpPr>
-                <a:cxnSpLocks/>
-              </p:cNvCxnSpPr>
-              <p:nvPr/>
-            </p:nvCxnSpPr>
-            <p:spPr bwMode="auto">
-              <a:xfrm>
-                <a:off x="3901668" y="18323774"/>
-                <a:ext cx="648434" cy="3199995"/>
-              </a:xfrm>
-              <a:prstGeom prst="straightConnector1">
-                <a:avLst/>
-              </a:prstGeom>
-              <a:solidFill>
-                <a:schemeClr val="accent1"/>
-              </a:solidFill>
-              <a:ln w="57150" cap="flat" cmpd="sng" algn="ctr">
-                <a:solidFill>
-                  <a:srgbClr val="FF0000"/>
-                </a:solidFill>
-                <a:prstDash val="solid"/>
-                <a:round/>
-                <a:headEnd type="none" w="med" len="med"/>
-                <a:tailEnd type="none" w="med" len="med"/>
-              </a:ln>
-              <a:effectLst/>
-            </p:spPr>
-          </p:cxnSp>
-          <p:cxnSp>
-            <p:nvCxnSpPr>
-              <p:cNvPr id="169" name="Straight Arrow Connector 168">
-                <a:extLst>
-                  <a:ext uri="{FF2B5EF4-FFF2-40B4-BE49-F238E27FC236}">
-                    <a16:creationId xmlns:a16="http://schemas.microsoft.com/office/drawing/2014/main" id="{4023AB5B-2349-3645-81A4-08E4710DD541}"/>
-                  </a:ext>
-                </a:extLst>
-              </p:cNvPr>
-              <p:cNvCxnSpPr>
-                <a:cxnSpLocks/>
-              </p:cNvCxnSpPr>
-              <p:nvPr/>
-            </p:nvCxnSpPr>
-            <p:spPr bwMode="auto">
-              <a:xfrm>
-                <a:off x="3886200" y="20269200"/>
-                <a:ext cx="629441" cy="1300872"/>
-              </a:xfrm>
-              <a:prstGeom prst="straightConnector1">
-                <a:avLst/>
-              </a:prstGeom>
-              <a:solidFill>
-                <a:schemeClr val="accent1"/>
-              </a:solidFill>
-              <a:ln w="57150" cap="flat" cmpd="sng" algn="ctr">
-                <a:solidFill>
-                  <a:srgbClr val="FF0000"/>
-                </a:solidFill>
-                <a:prstDash val="solid"/>
-                <a:round/>
-                <a:headEnd type="none" w="med" len="med"/>
-                <a:tailEnd type="none" w="med" len="med"/>
-              </a:ln>
-              <a:effectLst/>
-            </p:spPr>
-          </p:cxnSp>
-          <p:cxnSp>
-            <p:nvCxnSpPr>
-              <p:cNvPr id="170" name="Straight Arrow Connector 169">
-                <a:extLst>
-                  <a:ext uri="{FF2B5EF4-FFF2-40B4-BE49-F238E27FC236}">
-                    <a16:creationId xmlns:a16="http://schemas.microsoft.com/office/drawing/2014/main" id="{6163EAB4-4E4D-4945-B2C8-BF10C28523D6}"/>
-                  </a:ext>
-                </a:extLst>
-              </p:cNvPr>
-              <p:cNvCxnSpPr>
-                <a:cxnSpLocks/>
-              </p:cNvCxnSpPr>
-              <p:nvPr/>
-            </p:nvCxnSpPr>
-            <p:spPr bwMode="auto">
-              <a:xfrm flipV="1">
-                <a:off x="3838066" y="21542424"/>
-                <a:ext cx="657734" cy="1012776"/>
-              </a:xfrm>
-              <a:prstGeom prst="straightConnector1">
-                <a:avLst/>
-              </a:prstGeom>
-              <a:solidFill>
-                <a:schemeClr val="accent1"/>
-              </a:solidFill>
-              <a:ln w="57150" cap="flat" cmpd="sng" algn="ctr">
-                <a:solidFill>
-                  <a:srgbClr val="FF0000"/>
-                </a:solidFill>
-                <a:prstDash val="solid"/>
-                <a:round/>
-                <a:headEnd type="none" w="med" len="med"/>
-                <a:tailEnd type="none" w="med" len="med"/>
-              </a:ln>
-              <a:effectLst/>
-            </p:spPr>
-          </p:cxnSp>
-          <p:cxnSp>
-            <p:nvCxnSpPr>
-              <p:cNvPr id="171" name="Straight Arrow Connector 170">
-                <a:extLst>
-                  <a:ext uri="{FF2B5EF4-FFF2-40B4-BE49-F238E27FC236}">
-                    <a16:creationId xmlns:a16="http://schemas.microsoft.com/office/drawing/2014/main" id="{4CD120A5-9A8C-F440-9CDF-99B75426D15B}"/>
-                  </a:ext>
-                </a:extLst>
-              </p:cNvPr>
-              <p:cNvCxnSpPr>
-                <a:cxnSpLocks/>
-                <a:stCxn id="154" idx="3"/>
-              </p:cNvCxnSpPr>
-              <p:nvPr/>
-            </p:nvCxnSpPr>
-            <p:spPr bwMode="auto">
-              <a:xfrm flipV="1">
-                <a:off x="3793319" y="21568059"/>
-                <a:ext cx="722322" cy="3143008"/>
-              </a:xfrm>
-              <a:prstGeom prst="straightConnector1">
-                <a:avLst/>
-              </a:prstGeom>
-              <a:solidFill>
-                <a:schemeClr val="accent1"/>
-              </a:solidFill>
-              <a:ln w="57150" cap="flat" cmpd="sng" algn="ctr">
-                <a:solidFill>
-                  <a:srgbClr val="FF0000"/>
-                </a:solidFill>
-                <a:prstDash val="solid"/>
-                <a:round/>
-                <a:headEnd type="none" w="med" len="med"/>
-                <a:tailEnd type="none" w="med" len="med"/>
-              </a:ln>
-              <a:effectLst/>
-            </p:spPr>
-          </p:cxnSp>
-          <p:pic>
-            <p:nvPicPr>
-              <p:cNvPr id="183" name="Picture 182">
-                <a:extLst>
-                  <a:ext uri="{FF2B5EF4-FFF2-40B4-BE49-F238E27FC236}">
-                    <a16:creationId xmlns:a16="http://schemas.microsoft.com/office/drawing/2014/main" id="{A5DABED0-47C7-6B40-B43F-8A1FCDE93F52}"/>
-                  </a:ext>
-                </a:extLst>
-              </p:cNvPr>
-              <p:cNvPicPr>
-                <a:picLocks noChangeAspect="1"/>
-              </p:cNvPicPr>
-              <p:nvPr/>
-            </p:nvPicPr>
-            <p:blipFill rotWithShape="1">
-              <a:blip r:embed="rId4"/>
-              <a:srcRect t="16577" b="13224"/>
-              <a:stretch/>
-            </p:blipFill>
-            <p:spPr>
-              <a:xfrm>
-                <a:off x="6631987" y="20768596"/>
-                <a:ext cx="1525338" cy="1525339"/>
-              </a:xfrm>
-              <a:prstGeom prst="rect">
-                <a:avLst/>
-              </a:prstGeom>
-            </p:spPr>
-          </p:pic>
-        </p:grpSp>
         <p:sp>
           <p:nvSpPr>
             <p:cNvPr id="192" name="Rectangle 191">
@@ -9383,358 +8740,6 @@
             </a:p>
           </p:txBody>
         </p:sp>
-        <p:grpSp>
-          <p:nvGrpSpPr>
-            <p:cNvPr id="205" name="Group 204">
-              <a:extLst>
-                <a:ext uri="{FF2B5EF4-FFF2-40B4-BE49-F238E27FC236}">
-                  <a16:creationId xmlns:a16="http://schemas.microsoft.com/office/drawing/2014/main" id="{B103B722-B162-CF47-BFE1-AB7CC1251C02}"/>
-                </a:ext>
-              </a:extLst>
-            </p:cNvPr>
-            <p:cNvGrpSpPr/>
-            <p:nvPr/>
-          </p:nvGrpSpPr>
-          <p:grpSpPr>
-            <a:xfrm>
-              <a:off x="24115794" y="18195681"/>
-              <a:ext cx="1111690" cy="1641862"/>
-              <a:chOff x="334108" y="17379633"/>
-              <a:chExt cx="3475892" cy="7994967"/>
-            </a:xfrm>
-          </p:grpSpPr>
-          <p:pic>
-            <p:nvPicPr>
-              <p:cNvPr id="206" name="Picture 205">
-                <a:extLst>
-                  <a:ext uri="{FF2B5EF4-FFF2-40B4-BE49-F238E27FC236}">
-                    <a16:creationId xmlns:a16="http://schemas.microsoft.com/office/drawing/2014/main" id="{0B7D6E9C-9C9E-664D-A0ED-92F0303B93D7}"/>
-                  </a:ext>
-                </a:extLst>
-              </p:cNvPr>
-              <p:cNvPicPr>
-                <a:picLocks noChangeAspect="1"/>
-              </p:cNvPicPr>
-              <p:nvPr/>
-            </p:nvPicPr>
-            <p:blipFill>
-              <a:blip r:embed="rId5"/>
-              <a:stretch>
-                <a:fillRect/>
-              </a:stretch>
-            </p:blipFill>
-            <p:spPr>
-              <a:xfrm>
-                <a:off x="334108" y="19507200"/>
-                <a:ext cx="1342060" cy="3502512"/>
-              </a:xfrm>
-              <a:prstGeom prst="rect">
-                <a:avLst/>
-              </a:prstGeom>
-            </p:spPr>
-          </p:pic>
-          <p:pic>
-            <p:nvPicPr>
-              <p:cNvPr id="207" name="Picture 206">
-                <a:extLst>
-                  <a:ext uri="{FF2B5EF4-FFF2-40B4-BE49-F238E27FC236}">
-                    <a16:creationId xmlns:a16="http://schemas.microsoft.com/office/drawing/2014/main" id="{CC7B2163-7EC0-134C-99C6-BF33D06071C1}"/>
-                  </a:ext>
-                </a:extLst>
-              </p:cNvPr>
-              <p:cNvPicPr>
-                <a:picLocks noChangeAspect="1"/>
-              </p:cNvPicPr>
-              <p:nvPr/>
-            </p:nvPicPr>
-            <p:blipFill rotWithShape="1">
-              <a:blip r:embed="rId5"/>
-              <a:srcRect t="16933" b="45178"/>
-              <a:stretch/>
-            </p:blipFill>
-            <p:spPr>
-              <a:xfrm>
-                <a:off x="2451259" y="17379633"/>
-                <a:ext cx="1342060" cy="1327066"/>
-              </a:xfrm>
-              <a:prstGeom prst="rect">
-                <a:avLst/>
-              </a:prstGeom>
-            </p:spPr>
-          </p:pic>
-          <p:pic>
-            <p:nvPicPr>
-              <p:cNvPr id="208" name="Picture 207">
-                <a:extLst>
-                  <a:ext uri="{FF2B5EF4-FFF2-40B4-BE49-F238E27FC236}">
-                    <a16:creationId xmlns:a16="http://schemas.microsoft.com/office/drawing/2014/main" id="{C9B29518-BC69-3545-AD00-B46263BA569C}"/>
-                  </a:ext>
-                </a:extLst>
-              </p:cNvPr>
-              <p:cNvPicPr>
-                <a:picLocks noChangeAspect="1"/>
-              </p:cNvPicPr>
-              <p:nvPr/>
-            </p:nvPicPr>
-            <p:blipFill rotWithShape="1">
-              <a:blip r:embed="rId5"/>
-              <a:srcRect t="16933" b="45178"/>
-              <a:stretch/>
-            </p:blipFill>
-            <p:spPr>
-              <a:xfrm rot="16200000">
-                <a:off x="2451259" y="19604766"/>
-                <a:ext cx="1342060" cy="1327066"/>
-              </a:xfrm>
-              <a:prstGeom prst="rect">
-                <a:avLst/>
-              </a:prstGeom>
-            </p:spPr>
-          </p:pic>
-          <p:pic>
-            <p:nvPicPr>
-              <p:cNvPr id="211" name="Picture 210">
-                <a:extLst>
-                  <a:ext uri="{FF2B5EF4-FFF2-40B4-BE49-F238E27FC236}">
-                    <a16:creationId xmlns:a16="http://schemas.microsoft.com/office/drawing/2014/main" id="{869E1EAB-0D97-684D-9CB0-B1D12212F315}"/>
-                  </a:ext>
-                </a:extLst>
-              </p:cNvPr>
-              <p:cNvPicPr>
-                <a:picLocks noChangeAspect="1"/>
-              </p:cNvPicPr>
-              <p:nvPr/>
-            </p:nvPicPr>
-            <p:blipFill rotWithShape="1">
-              <a:blip r:embed="rId5"/>
-              <a:srcRect t="16933" b="45178"/>
-              <a:stretch/>
-            </p:blipFill>
-            <p:spPr>
-              <a:xfrm flipH="1">
-                <a:off x="2434578" y="21829899"/>
-                <a:ext cx="1375422" cy="1327066"/>
-              </a:xfrm>
-              <a:prstGeom prst="rect">
-                <a:avLst/>
-              </a:prstGeom>
-            </p:spPr>
-          </p:pic>
-          <p:pic>
-            <p:nvPicPr>
-              <p:cNvPr id="213" name="Picture 212">
-                <a:extLst>
-                  <a:ext uri="{FF2B5EF4-FFF2-40B4-BE49-F238E27FC236}">
-                    <a16:creationId xmlns:a16="http://schemas.microsoft.com/office/drawing/2014/main" id="{A9D0D947-013B-B14D-BEBC-1CE64C500899}"/>
-                  </a:ext>
-                </a:extLst>
-              </p:cNvPr>
-              <p:cNvPicPr>
-                <a:picLocks noChangeAspect="1"/>
-              </p:cNvPicPr>
-              <p:nvPr/>
-            </p:nvPicPr>
-            <p:blipFill rotWithShape="1">
-              <a:blip r:embed="rId6">
-                <a:extLst>
-                  <a:ext uri="{BEBA8EAE-BF5A-486C-A8C5-ECC9F3942E4B}">
-                    <a14:imgProps xmlns:a14="http://schemas.microsoft.com/office/drawing/2010/main">
-                      <a14:imgLayer>
-                        <a14:imgEffect>
-                          <a14:sharpenSoften amount="50000"/>
-                        </a14:imgEffect>
-                        <a14:imgEffect>
-                          <a14:brightnessContrast bright="-40000" contrast="20000"/>
-                        </a14:imgEffect>
-                      </a14:imgLayer>
-                    </a14:imgProps>
-                  </a:ext>
-                </a:extLst>
-              </a:blip>
-              <a:srcRect t="16933" b="45178"/>
-              <a:stretch/>
-            </p:blipFill>
-            <p:spPr>
-              <a:xfrm>
-                <a:off x="2451259" y="24047534"/>
-                <a:ext cx="1342060" cy="1327066"/>
-              </a:xfrm>
-              <a:prstGeom prst="rect">
-                <a:avLst/>
-              </a:prstGeom>
-            </p:spPr>
-          </p:pic>
-          <p:grpSp>
-            <p:nvGrpSpPr>
-              <p:cNvPr id="224" name="Group 223">
-                <a:extLst>
-                  <a:ext uri="{FF2B5EF4-FFF2-40B4-BE49-F238E27FC236}">
-                    <a16:creationId xmlns:a16="http://schemas.microsoft.com/office/drawing/2014/main" id="{9EED4796-A085-1E49-996C-E2A885ECF636}"/>
-                  </a:ext>
-                </a:extLst>
-              </p:cNvPr>
-              <p:cNvGrpSpPr/>
-              <p:nvPr/>
-            </p:nvGrpSpPr>
-            <p:grpSpPr>
-              <a:xfrm>
-                <a:off x="1651991" y="18262393"/>
-                <a:ext cx="710210" cy="6503201"/>
-                <a:chOff x="1651990" y="18262393"/>
-                <a:chExt cx="1296169" cy="6503201"/>
-              </a:xfrm>
-            </p:grpSpPr>
-            <p:cxnSp>
-              <p:nvCxnSpPr>
-                <p:cNvPr id="231" name="Straight Arrow Connector 230">
-                  <a:extLst>
-                    <a:ext uri="{FF2B5EF4-FFF2-40B4-BE49-F238E27FC236}">
-                      <a16:creationId xmlns:a16="http://schemas.microsoft.com/office/drawing/2014/main" id="{C24D40AB-CBB4-0C41-82DD-2E3DB7E638FD}"/>
-                    </a:ext>
-                  </a:extLst>
-                </p:cNvPr>
-                <p:cNvCxnSpPr>
-                  <a:cxnSpLocks/>
-                </p:cNvCxnSpPr>
-                <p:nvPr/>
-              </p:nvCxnSpPr>
-              <p:spPr bwMode="auto">
-                <a:xfrm flipV="1">
-                  <a:off x="1651990" y="20346589"/>
-                  <a:ext cx="1232288" cy="823966"/>
-                </a:xfrm>
-                <a:prstGeom prst="straightConnector1">
-                  <a:avLst/>
-                </a:prstGeom>
-                <a:solidFill>
-                  <a:schemeClr val="accent1"/>
-                </a:solidFill>
-                <a:ln w="57150" cap="flat" cmpd="sng" algn="ctr">
-                  <a:solidFill>
-                    <a:srgbClr val="FF0000"/>
-                  </a:solidFill>
-                  <a:prstDash val="solid"/>
-                  <a:round/>
-                  <a:headEnd type="none" w="med" len="med"/>
-                  <a:tailEnd type="arrow" w="med" len="med"/>
-                </a:ln>
-                <a:effectLst/>
-              </p:spPr>
-            </p:cxnSp>
-            <p:cxnSp>
-              <p:nvCxnSpPr>
-                <p:cNvPr id="232" name="Straight Arrow Connector 231">
-                  <a:extLst>
-                    <a:ext uri="{FF2B5EF4-FFF2-40B4-BE49-F238E27FC236}">
-                      <a16:creationId xmlns:a16="http://schemas.microsoft.com/office/drawing/2014/main" id="{6FF5D8C0-295C-2F4C-AA32-FF28489679C0}"/>
-                    </a:ext>
-                  </a:extLst>
-                </p:cNvPr>
-                <p:cNvCxnSpPr>
-                  <a:cxnSpLocks/>
-                </p:cNvCxnSpPr>
-                <p:nvPr/>
-              </p:nvCxnSpPr>
-              <p:spPr bwMode="auto">
-                <a:xfrm flipV="1">
-                  <a:off x="1676168" y="18262393"/>
-                  <a:ext cx="1271991" cy="2908162"/>
-                </a:xfrm>
-                <a:prstGeom prst="straightConnector1">
-                  <a:avLst/>
-                </a:prstGeom>
-                <a:solidFill>
-                  <a:schemeClr val="accent1"/>
-                </a:solidFill>
-                <a:ln w="57150" cap="flat" cmpd="sng" algn="ctr">
-                  <a:solidFill>
-                    <a:srgbClr val="FF0000"/>
-                  </a:solidFill>
-                  <a:prstDash val="solid"/>
-                  <a:round/>
-                  <a:headEnd type="none" w="med" len="med"/>
-                  <a:tailEnd type="arrow" w="med" len="med"/>
-                </a:ln>
-                <a:effectLst/>
-              </p:spPr>
-            </p:cxnSp>
-            <p:cxnSp>
-              <p:nvCxnSpPr>
-                <p:cNvPr id="233" name="Straight Arrow Connector 232">
-                  <a:extLst>
-                    <a:ext uri="{FF2B5EF4-FFF2-40B4-BE49-F238E27FC236}">
-                      <a16:creationId xmlns:a16="http://schemas.microsoft.com/office/drawing/2014/main" id="{09CE0708-F1FC-F545-A3FB-DA20429A2CAC}"/>
-                    </a:ext>
-                  </a:extLst>
-                </p:cNvPr>
-                <p:cNvCxnSpPr>
-                  <a:cxnSpLocks/>
-                </p:cNvCxnSpPr>
-                <p:nvPr/>
-              </p:nvCxnSpPr>
-              <p:spPr bwMode="auto">
-                <a:xfrm>
-                  <a:off x="1651990" y="21160417"/>
-                  <a:ext cx="1091210" cy="1302978"/>
-                </a:xfrm>
-                <a:prstGeom prst="straightConnector1">
-                  <a:avLst/>
-                </a:prstGeom>
-                <a:solidFill>
-                  <a:schemeClr val="accent1"/>
-                </a:solidFill>
-                <a:ln w="57150" cap="flat" cmpd="sng" algn="ctr">
-                  <a:solidFill>
-                    <a:srgbClr val="FF0000"/>
-                  </a:solidFill>
-                  <a:prstDash val="solid"/>
-                  <a:round/>
-                  <a:headEnd type="none" w="med" len="med"/>
-                  <a:tailEnd type="arrow" w="med" len="med"/>
-                </a:ln>
-                <a:effectLst/>
-              </p:spPr>
-            </p:cxnSp>
-            <p:cxnSp>
-              <p:nvCxnSpPr>
-                <p:cNvPr id="234" name="Straight Arrow Connector 233">
-                  <a:extLst>
-                    <a:ext uri="{FF2B5EF4-FFF2-40B4-BE49-F238E27FC236}">
-                      <a16:creationId xmlns:a16="http://schemas.microsoft.com/office/drawing/2014/main" id="{4AA71D28-BBB7-E24A-8251-C41B7E1F49BE}"/>
-                    </a:ext>
-                  </a:extLst>
-                </p:cNvPr>
-                <p:cNvCxnSpPr>
-                  <a:cxnSpLocks/>
-                  <a:stCxn id="206" idx="3"/>
-                </p:cNvCxnSpPr>
-                <p:nvPr/>
-              </p:nvCxnSpPr>
-              <p:spPr bwMode="auto">
-                <a:xfrm>
-                  <a:off x="1676169" y="21258456"/>
-                  <a:ext cx="1067032" cy="3507138"/>
-                </a:xfrm>
-                <a:prstGeom prst="straightConnector1">
-                  <a:avLst/>
-                </a:prstGeom>
-                <a:solidFill>
-                  <a:schemeClr val="accent1"/>
-                </a:solidFill>
-                <a:ln w="57150" cap="flat" cmpd="sng" algn="ctr">
-                  <a:solidFill>
-                    <a:srgbClr val="FF0000"/>
-                  </a:solidFill>
-                  <a:prstDash val="solid"/>
-                  <a:round/>
-                  <a:headEnd type="none" w="med" len="med"/>
-                  <a:tailEnd type="arrow" w="med" len="med"/>
-                </a:ln>
-                <a:effectLst/>
-              </p:spPr>
-            </p:cxnSp>
-          </p:grpSp>
-        </p:grpSp>
         <p:sp>
           <p:nvSpPr>
             <p:cNvPr id="235" name="Rectangle 234">
@@ -9921,7 +8926,7 @@
               <p:nvPr/>
             </p:nvPicPr>
             <p:blipFill>
-              <a:blip r:embed="rId4"/>
+              <a:blip r:embed="rId5"/>
               <a:stretch>
                 <a:fillRect/>
               </a:stretch>
@@ -9951,7 +8956,7 @@
               <p:nvPr/>
             </p:nvPicPr>
             <p:blipFill>
-              <a:blip r:embed="rId8"/>
+              <a:blip r:embed="rId9"/>
               <a:stretch>
                 <a:fillRect/>
               </a:stretch>
@@ -9981,7 +8986,7 @@
               <p:nvPr/>
             </p:nvPicPr>
             <p:blipFill>
-              <a:blip r:embed="rId9"/>
+              <a:blip r:embed="rId10"/>
               <a:stretch>
                 <a:fillRect/>
               </a:stretch>
@@ -10139,7 +9144,7 @@
               <p:nvPr/>
             </p:nvPicPr>
             <p:blipFill>
-              <a:blip r:embed="rId4"/>
+              <a:blip r:embed="rId5"/>
               <a:stretch>
                 <a:fillRect/>
               </a:stretch>
@@ -10169,7 +9174,7 @@
               <p:nvPr/>
             </p:nvPicPr>
             <p:blipFill>
-              <a:blip r:embed="rId5"/>
+              <a:blip r:embed="rId6"/>
               <a:stretch>
                 <a:fillRect/>
               </a:stretch>
@@ -10551,7 +9556,7 @@
           <p:nvPr/>
         </p:nvPicPr>
         <p:blipFill>
-          <a:blip r:embed="rId10"/>
+          <a:blip r:embed="rId11"/>
           <a:stretch>
             <a:fillRect/>
           </a:stretch>
@@ -11652,7 +10657,7 @@
           <p:nvPr/>
         </p:nvPicPr>
         <p:blipFill>
-          <a:blip r:embed="rId11"/>
+          <a:blip r:embed="rId12"/>
           <a:stretch>
             <a:fillRect/>
           </a:stretch>
@@ -11777,7 +10782,7 @@
           <p:nvPr/>
         </p:nvPicPr>
         <p:blipFill>
-          <a:blip r:embed="rId12"/>
+          <a:blip r:embed="rId13"/>
           <a:stretch>
             <a:fillRect/>
           </a:stretch>
@@ -11807,7 +10812,7 @@
           <p:nvPr/>
         </p:nvPicPr>
         <p:blipFill>
-          <a:blip r:embed="rId13"/>
+          <a:blip r:embed="rId14"/>
           <a:stretch>
             <a:fillRect/>
           </a:stretch>
@@ -11837,7 +10842,7 @@
           <p:nvPr/>
         </p:nvPicPr>
         <p:blipFill>
-          <a:blip r:embed="rId14"/>
+          <a:blip r:embed="rId15"/>
           <a:stretch>
             <a:fillRect/>
           </a:stretch>
@@ -11867,7 +10872,7 @@
           <p:nvPr/>
         </p:nvPicPr>
         <p:blipFill>
-          <a:blip r:embed="rId15"/>
+          <a:blip r:embed="rId16"/>
           <a:stretch>
             <a:fillRect/>
           </a:stretch>
@@ -11897,7 +10902,7 @@
           <p:nvPr/>
         </p:nvPicPr>
         <p:blipFill>
-          <a:blip r:embed="rId16"/>
+          <a:blip r:embed="rId17"/>
           <a:stretch>
             <a:fillRect/>
           </a:stretch>
@@ -11927,7 +10932,7 @@
           <p:nvPr/>
         </p:nvPicPr>
         <p:blipFill>
-          <a:blip r:embed="rId17"/>
+          <a:blip r:embed="rId18"/>
           <a:stretch>
             <a:fillRect/>
           </a:stretch>
@@ -11957,7 +10962,7 @@
           <p:nvPr/>
         </p:nvPicPr>
         <p:blipFill>
-          <a:blip r:embed="rId18"/>
+          <a:blip r:embed="rId19"/>
           <a:stretch>
             <a:fillRect/>
           </a:stretch>
@@ -12111,7 +11116,7 @@
           <p:nvPr/>
         </p:nvPicPr>
         <p:blipFill>
-          <a:blip r:embed="rId19"/>
+          <a:blip r:embed="rId20"/>
           <a:stretch>
             <a:fillRect/>
           </a:stretch>
@@ -12317,6 +11322,438 @@
           </a:p>
         </p:txBody>
       </p:sp>
+      <p:cxnSp>
+        <p:nvCxnSpPr>
+          <p:cNvPr id="198" name="Straight Arrow Connector 197">
+            <a:extLst>
+              <a:ext uri="{FF2B5EF4-FFF2-40B4-BE49-F238E27FC236}">
+                <a16:creationId xmlns:a16="http://schemas.microsoft.com/office/drawing/2014/main" id="{48BBA3BF-BDE8-644D-979C-08353ACF63F2}"/>
+              </a:ext>
+            </a:extLst>
+          </p:cNvPr>
+          <p:cNvCxnSpPr>
+            <a:cxnSpLocks/>
+          </p:cNvCxnSpPr>
+          <p:nvPr/>
+        </p:nvCxnSpPr>
+        <p:spPr bwMode="auto">
+          <a:xfrm flipV="1">
+            <a:off x="3319262" y="20088798"/>
+            <a:ext cx="496167" cy="823966"/>
+          </a:xfrm>
+          <a:prstGeom prst="straightConnector1">
+            <a:avLst/>
+          </a:prstGeom>
+          <a:solidFill>
+            <a:schemeClr val="accent1"/>
+          </a:solidFill>
+          <a:ln w="57150" cap="flat" cmpd="sng" algn="ctr">
+            <a:solidFill>
+              <a:srgbClr val="FF0000"/>
+            </a:solidFill>
+            <a:prstDash val="solid"/>
+            <a:round/>
+            <a:headEnd type="none" w="med" len="med"/>
+            <a:tailEnd type="arrow" w="med" len="med"/>
+          </a:ln>
+          <a:effectLst/>
+        </p:spPr>
+      </p:cxnSp>
+      <p:cxnSp>
+        <p:nvCxnSpPr>
+          <p:cNvPr id="199" name="Straight Arrow Connector 198">
+            <a:extLst>
+              <a:ext uri="{FF2B5EF4-FFF2-40B4-BE49-F238E27FC236}">
+                <a16:creationId xmlns:a16="http://schemas.microsoft.com/office/drawing/2014/main" id="{A5D0AB8F-C276-3C45-8180-3575674819E3}"/>
+              </a:ext>
+            </a:extLst>
+          </p:cNvPr>
+          <p:cNvCxnSpPr>
+            <a:cxnSpLocks/>
+          </p:cNvCxnSpPr>
+          <p:nvPr/>
+        </p:nvCxnSpPr>
+        <p:spPr bwMode="auto">
+          <a:xfrm flipV="1">
+            <a:off x="3328997" y="18004602"/>
+            <a:ext cx="512153" cy="2908162"/>
+          </a:xfrm>
+          <a:prstGeom prst="straightConnector1">
+            <a:avLst/>
+          </a:prstGeom>
+          <a:solidFill>
+            <a:schemeClr val="accent1"/>
+          </a:solidFill>
+          <a:ln w="57150" cap="flat" cmpd="sng" algn="ctr">
+            <a:solidFill>
+              <a:srgbClr val="FF0000"/>
+            </a:solidFill>
+            <a:prstDash val="solid"/>
+            <a:round/>
+            <a:headEnd type="none" w="med" len="med"/>
+            <a:tailEnd type="arrow" w="med" len="med"/>
+          </a:ln>
+          <a:effectLst/>
+        </p:spPr>
+      </p:cxnSp>
+      <p:cxnSp>
+        <p:nvCxnSpPr>
+          <p:cNvPr id="200" name="Straight Arrow Connector 199">
+            <a:extLst>
+              <a:ext uri="{FF2B5EF4-FFF2-40B4-BE49-F238E27FC236}">
+                <a16:creationId xmlns:a16="http://schemas.microsoft.com/office/drawing/2014/main" id="{9FC3E357-14EF-7A4E-9C0D-54AF72D55814}"/>
+              </a:ext>
+            </a:extLst>
+          </p:cNvPr>
+          <p:cNvCxnSpPr>
+            <a:cxnSpLocks/>
+          </p:cNvCxnSpPr>
+          <p:nvPr/>
+        </p:nvCxnSpPr>
+        <p:spPr bwMode="auto">
+          <a:xfrm>
+            <a:off x="3319262" y="20902626"/>
+            <a:ext cx="439364" cy="1302978"/>
+          </a:xfrm>
+          <a:prstGeom prst="straightConnector1">
+            <a:avLst/>
+          </a:prstGeom>
+          <a:solidFill>
+            <a:schemeClr val="accent1"/>
+          </a:solidFill>
+          <a:ln w="57150" cap="flat" cmpd="sng" algn="ctr">
+            <a:solidFill>
+              <a:srgbClr val="FF0000"/>
+            </a:solidFill>
+            <a:prstDash val="solid"/>
+            <a:round/>
+            <a:headEnd type="none" w="med" len="med"/>
+            <a:tailEnd type="arrow" w="med" len="med"/>
+          </a:ln>
+          <a:effectLst/>
+        </p:spPr>
+      </p:cxnSp>
+      <p:cxnSp>
+        <p:nvCxnSpPr>
+          <p:cNvPr id="201" name="Straight Arrow Connector 200">
+            <a:extLst>
+              <a:ext uri="{FF2B5EF4-FFF2-40B4-BE49-F238E27FC236}">
+                <a16:creationId xmlns:a16="http://schemas.microsoft.com/office/drawing/2014/main" id="{BEC0DD23-647C-6843-97B0-0805C41835EE}"/>
+              </a:ext>
+            </a:extLst>
+          </p:cNvPr>
+          <p:cNvCxnSpPr>
+            <a:cxnSpLocks/>
+          </p:cNvCxnSpPr>
+          <p:nvPr/>
+        </p:nvCxnSpPr>
+        <p:spPr bwMode="auto">
+          <a:xfrm>
+            <a:off x="3328997" y="21000665"/>
+            <a:ext cx="429629" cy="3507138"/>
+          </a:xfrm>
+          <a:prstGeom prst="straightConnector1">
+            <a:avLst/>
+          </a:prstGeom>
+          <a:solidFill>
+            <a:schemeClr val="accent1"/>
+          </a:solidFill>
+          <a:ln w="57150" cap="flat" cmpd="sng" algn="ctr">
+            <a:solidFill>
+              <a:srgbClr val="FF0000"/>
+            </a:solidFill>
+            <a:prstDash val="solid"/>
+            <a:round/>
+            <a:headEnd type="none" w="med" len="med"/>
+            <a:tailEnd type="arrow" w="med" len="med"/>
+          </a:ln>
+          <a:effectLst/>
+        </p:spPr>
+      </p:cxnSp>
+      <p:pic>
+        <p:nvPicPr>
+          <p:cNvPr id="12" name="Picture 11" descr="A screenshot of a cell phone&#13;&#10;&#13;&#10;Description automatically generated">
+            <a:extLst>
+              <a:ext uri="{FF2B5EF4-FFF2-40B4-BE49-F238E27FC236}">
+                <a16:creationId xmlns:a16="http://schemas.microsoft.com/office/drawing/2014/main" id="{EEE91693-E633-7741-92FF-B6734A35F03E}"/>
+              </a:ext>
+            </a:extLst>
+          </p:cNvPr>
+          <p:cNvPicPr>
+            <a:picLocks noChangeAspect="1"/>
+          </p:cNvPicPr>
+          <p:nvPr/>
+        </p:nvPicPr>
+        <p:blipFill rotWithShape="1">
+          <a:blip r:embed="rId21"/>
+          <a:srcRect l="31995" t="40811" r="30011" b="19463"/>
+          <a:stretch/>
+        </p:blipFill>
+        <p:spPr>
+          <a:xfrm>
+            <a:off x="4263220" y="16622855"/>
+            <a:ext cx="854413" cy="1586430"/>
+          </a:xfrm>
+          <a:prstGeom prst="rect">
+            <a:avLst/>
+          </a:prstGeom>
+        </p:spPr>
+      </p:pic>
+      <p:pic>
+        <p:nvPicPr>
+          <p:cNvPr id="15" name="Picture 14" descr="A screenshot of a cell phone&#13;&#10;&#13;&#10;Description automatically generated">
+            <a:extLst>
+              <a:ext uri="{FF2B5EF4-FFF2-40B4-BE49-F238E27FC236}">
+                <a16:creationId xmlns:a16="http://schemas.microsoft.com/office/drawing/2014/main" id="{4D7ED840-F8FB-2242-8FB2-BB2B4E1B4267}"/>
+              </a:ext>
+            </a:extLst>
+          </p:cNvPr>
+          <p:cNvPicPr>
+            <a:picLocks noChangeAspect="1"/>
+          </p:cNvPicPr>
+          <p:nvPr/>
+        </p:nvPicPr>
+        <p:blipFill rotWithShape="1">
+          <a:blip r:embed="rId22"/>
+          <a:srcRect l="31651" t="40159" r="30323" b="17444"/>
+          <a:stretch/>
+        </p:blipFill>
+        <p:spPr>
+          <a:xfrm>
+            <a:off x="4275751" y="18660747"/>
+            <a:ext cx="893588" cy="1769243"/>
+          </a:xfrm>
+          <a:prstGeom prst="rect">
+            <a:avLst/>
+          </a:prstGeom>
+        </p:spPr>
+      </p:pic>
+      <p:sp>
+        <p:nvSpPr>
+          <p:cNvPr id="202" name="Google Shape;50;p6">
+            <a:extLst>
+              <a:ext uri="{FF2B5EF4-FFF2-40B4-BE49-F238E27FC236}">
+                <a16:creationId xmlns:a16="http://schemas.microsoft.com/office/drawing/2014/main" id="{E473004E-2FF4-094E-9C71-4B821523B03A}"/>
+              </a:ext>
+            </a:extLst>
+          </p:cNvPr>
+          <p:cNvSpPr txBox="1"/>
+          <p:nvPr/>
+        </p:nvSpPr>
+        <p:spPr>
+          <a:xfrm>
+            <a:off x="3814845" y="18087600"/>
+            <a:ext cx="2023171" cy="828208"/>
+          </a:xfrm>
+          <a:prstGeom prst="rect">
+            <a:avLst/>
+          </a:prstGeom>
+          <a:noFill/>
+          <a:ln>
+            <a:noFill/>
+          </a:ln>
+        </p:spPr>
+        <p:txBody>
+          <a:bodyPr spcFirstLastPara="1" wrap="square" lIns="91425" tIns="91425" rIns="91425" bIns="91425" anchor="t" anchorCtr="0">
+            <a:noAutofit/>
+          </a:bodyPr>
+          <a:lstStyle/>
+          <a:p>
+            <a:pPr lvl="0">
+              <a:spcBef>
+                <a:spcPts val="0"/>
+              </a:spcBef>
+              <a:spcAft>
+                <a:spcPts val="0"/>
+              </a:spcAft>
+            </a:pPr>
+            <a:r>
+              <a:rPr lang="en-US" sz="3200" dirty="0"/>
+              <a:t>Gaussian</a:t>
+            </a:r>
+          </a:p>
+        </p:txBody>
+      </p:sp>
+      <p:sp>
+        <p:nvSpPr>
+          <p:cNvPr id="204" name="Google Shape;50;p6">
+            <a:extLst>
+              <a:ext uri="{FF2B5EF4-FFF2-40B4-BE49-F238E27FC236}">
+                <a16:creationId xmlns:a16="http://schemas.microsoft.com/office/drawing/2014/main" id="{2465613B-2652-604A-A71C-326C173951C3}"/>
+              </a:ext>
+            </a:extLst>
+          </p:cNvPr>
+          <p:cNvSpPr txBox="1"/>
+          <p:nvPr/>
+        </p:nvSpPr>
+        <p:spPr>
+          <a:xfrm>
+            <a:off x="3868143" y="20242393"/>
+            <a:ext cx="1749831" cy="828208"/>
+          </a:xfrm>
+          <a:prstGeom prst="rect">
+            <a:avLst/>
+          </a:prstGeom>
+          <a:noFill/>
+          <a:ln>
+            <a:noFill/>
+          </a:ln>
+        </p:spPr>
+        <p:txBody>
+          <a:bodyPr spcFirstLastPara="1" wrap="square" lIns="91425" tIns="91425" rIns="91425" bIns="91425" anchor="t" anchorCtr="0">
+            <a:noAutofit/>
+          </a:bodyPr>
+          <a:lstStyle/>
+          <a:p>
+            <a:pPr lvl="0">
+              <a:spcBef>
+                <a:spcPts val="0"/>
+              </a:spcBef>
+              <a:spcAft>
+                <a:spcPts val="0"/>
+              </a:spcAft>
+            </a:pPr>
+            <a:r>
+              <a:rPr lang="en-US" sz="3200" dirty="0"/>
+              <a:t>Poisson</a:t>
+            </a:r>
+          </a:p>
+        </p:txBody>
+      </p:sp>
+      <p:pic>
+        <p:nvPicPr>
+          <p:cNvPr id="20" name="Picture 19" descr="A screenshot of a cell phone&#13;&#10;&#13;&#10;Description automatically generated">
+            <a:extLst>
+              <a:ext uri="{FF2B5EF4-FFF2-40B4-BE49-F238E27FC236}">
+                <a16:creationId xmlns:a16="http://schemas.microsoft.com/office/drawing/2014/main" id="{652A6772-7E87-E841-B890-2BC4765D2C12}"/>
+              </a:ext>
+            </a:extLst>
+          </p:cNvPr>
+          <p:cNvPicPr>
+            <a:picLocks noChangeAspect="1"/>
+          </p:cNvPicPr>
+          <p:nvPr/>
+        </p:nvPicPr>
+        <p:blipFill rotWithShape="1">
+          <a:blip r:embed="rId23"/>
+          <a:srcRect l="30186" t="40850" r="30128" b="17035"/>
+          <a:stretch/>
+        </p:blipFill>
+        <p:spPr>
+          <a:xfrm>
+            <a:off x="4261805" y="20821627"/>
+            <a:ext cx="1012619" cy="1908284"/>
+          </a:xfrm>
+          <a:prstGeom prst="rect">
+            <a:avLst/>
+          </a:prstGeom>
+        </p:spPr>
+      </p:pic>
+      <p:sp>
+        <p:nvSpPr>
+          <p:cNvPr id="209" name="Google Shape;50;p6">
+            <a:extLst>
+              <a:ext uri="{FF2B5EF4-FFF2-40B4-BE49-F238E27FC236}">
+                <a16:creationId xmlns:a16="http://schemas.microsoft.com/office/drawing/2014/main" id="{1186A141-2733-D345-87BF-BDC87012B645}"/>
+              </a:ext>
+            </a:extLst>
+          </p:cNvPr>
+          <p:cNvSpPr txBox="1"/>
+          <p:nvPr/>
+        </p:nvSpPr>
+        <p:spPr>
+          <a:xfrm>
+            <a:off x="3496350" y="22603693"/>
+            <a:ext cx="2816159" cy="828208"/>
+          </a:xfrm>
+          <a:prstGeom prst="rect">
+            <a:avLst/>
+          </a:prstGeom>
+          <a:noFill/>
+          <a:ln>
+            <a:noFill/>
+          </a:ln>
+        </p:spPr>
+        <p:txBody>
+          <a:bodyPr spcFirstLastPara="1" wrap="square" lIns="91425" tIns="91425" rIns="91425" bIns="91425" anchor="t" anchorCtr="0">
+            <a:noAutofit/>
+          </a:bodyPr>
+          <a:lstStyle/>
+          <a:p>
+            <a:pPr lvl="0">
+              <a:spcBef>
+                <a:spcPts val="0"/>
+              </a:spcBef>
+              <a:spcAft>
+                <a:spcPts val="0"/>
+              </a:spcAft>
+            </a:pPr>
+            <a:r>
+              <a:rPr lang="en-US" sz="3200" dirty="0"/>
+              <a:t>Salt &amp; Pepper</a:t>
+            </a:r>
+          </a:p>
+        </p:txBody>
+      </p:sp>
+      <p:pic>
+        <p:nvPicPr>
+          <p:cNvPr id="23" name="Picture 22" descr="A screenshot of a cell phone&#13;&#10;&#13;&#10;Description automatically generated">
+            <a:extLst>
+              <a:ext uri="{FF2B5EF4-FFF2-40B4-BE49-F238E27FC236}">
+                <a16:creationId xmlns:a16="http://schemas.microsoft.com/office/drawing/2014/main" id="{8E6B1AE1-EB89-9B4A-8B7C-748A542BE4CE}"/>
+              </a:ext>
+            </a:extLst>
+          </p:cNvPr>
+          <p:cNvPicPr>
+            <a:picLocks noChangeAspect="1"/>
+          </p:cNvPicPr>
+          <p:nvPr/>
+        </p:nvPicPr>
+        <p:blipFill rotWithShape="1">
+          <a:blip r:embed="rId24"/>
+          <a:srcRect l="30833" t="40075" r="36291" b="17035"/>
+          <a:stretch/>
+        </p:blipFill>
+        <p:spPr>
+          <a:xfrm>
+            <a:off x="4317068" y="23162472"/>
+            <a:ext cx="885364" cy="2051175"/>
+          </a:xfrm>
+          <a:prstGeom prst="rect">
+            <a:avLst/>
+          </a:prstGeom>
+        </p:spPr>
+      </p:pic>
+      <p:pic>
+        <p:nvPicPr>
+          <p:cNvPr id="27" name="Picture 26" descr="A picture containing air conditioner&#13;&#10;&#13;&#10;Description automatically generated">
+            <a:extLst>
+              <a:ext uri="{FF2B5EF4-FFF2-40B4-BE49-F238E27FC236}">
+                <a16:creationId xmlns:a16="http://schemas.microsoft.com/office/drawing/2014/main" id="{8C7E966A-594D-1C45-8219-5F81315FB598}"/>
+              </a:ext>
+            </a:extLst>
+          </p:cNvPr>
+          <p:cNvPicPr>
+            <a:picLocks noChangeAspect="1"/>
+          </p:cNvPicPr>
+          <p:nvPr/>
+        </p:nvPicPr>
+        <p:blipFill>
+          <a:blip r:embed="rId25"/>
+          <a:stretch>
+            <a:fillRect/>
+          </a:stretch>
+        </p:blipFill>
+        <p:spPr>
+          <a:xfrm>
+            <a:off x="24419478" y="17763379"/>
+            <a:ext cx="1522379" cy="1641176"/>
+          </a:xfrm>
+          <a:prstGeom prst="rect">
+            <a:avLst/>
+          </a:prstGeom>
+        </p:spPr>
+      </p:pic>
     </p:spTree>
     <p:extLst>
       <p:ext uri="{BB962C8B-B14F-4D97-AF65-F5344CB8AC3E}">

--- a/poster/Footprint.pptx
+++ b/poster/Footprint.pptx
@@ -4182,14 +4182,14 @@
           </a:ln>
           <a:extLst>
             <a:ext uri="{909E8E84-426E-40dd-AFC4-6F175D3DCCD1}">
-              <a14:hiddenFill xmlns:a14="http://schemas.microsoft.com/office/drawing/2010/main" xmlns="">
+              <a14:hiddenFill xmlns="" xmlns:a14="http://schemas.microsoft.com/office/drawing/2010/main">
                 <a:solidFill>
                   <a:srgbClr val="FFFFFF"/>
                 </a:solidFill>
               </a14:hiddenFill>
             </a:ext>
             <a:ext uri="{91240B29-F687-4f45-9708-019B960494DF}">
-              <a14:hiddenLine xmlns:a14="http://schemas.microsoft.com/office/drawing/2010/main" xmlns="" w="9525">
+              <a14:hiddenLine xmlns="" xmlns:a14="http://schemas.microsoft.com/office/drawing/2010/main" w="9525">
                 <a:solidFill>
                   <a:srgbClr val="000000"/>
                 </a:solidFill>
@@ -4343,14 +4343,14 @@
           </a:ln>
           <a:extLst>
             <a:ext uri="{909E8E84-426E-40dd-AFC4-6F175D3DCCD1}">
-              <a14:hiddenFill xmlns:a14="http://schemas.microsoft.com/office/drawing/2010/main" xmlns="">
+              <a14:hiddenFill xmlns="" xmlns:a14="http://schemas.microsoft.com/office/drawing/2010/main">
                 <a:solidFill>
                   <a:srgbClr val="FFFFFF"/>
                 </a:solidFill>
               </a14:hiddenFill>
             </a:ext>
             <a:ext uri="{91240B29-F687-4f45-9708-019B960494DF}">
-              <a14:hiddenLine xmlns:a14="http://schemas.microsoft.com/office/drawing/2010/main" xmlns="" w="9525">
+              <a14:hiddenLine xmlns="" xmlns:a14="http://schemas.microsoft.com/office/drawing/2010/main" w="9525">
                 <a:solidFill>
                   <a:srgbClr val="000000"/>
                 </a:solidFill>
@@ -4603,14 +4603,14 @@
           </a:ln>
           <a:extLst>
             <a:ext uri="{909E8E84-426E-40dd-AFC4-6F175D3DCCD1}">
-              <a14:hiddenFill xmlns:a14="http://schemas.microsoft.com/office/drawing/2010/main" xmlns="">
+              <a14:hiddenFill xmlns="" xmlns:a14="http://schemas.microsoft.com/office/drawing/2010/main">
                 <a:solidFill>
                   <a:srgbClr val="FFFFFF"/>
                 </a:solidFill>
               </a14:hiddenFill>
             </a:ext>
             <a:ext uri="{91240B29-F687-4f45-9708-019B960494DF}">
-              <a14:hiddenLine xmlns:a14="http://schemas.microsoft.com/office/drawing/2010/main" xmlns="" w="9525">
+              <a14:hiddenLine xmlns="" xmlns:a14="http://schemas.microsoft.com/office/drawing/2010/main" w="9525">
                 <a:solidFill>
                   <a:srgbClr val="000000"/>
                 </a:solidFill>
@@ -4646,7 +4646,7 @@
           </a:ln>
           <a:extLst>
             <a:ext uri="{91240B29-F687-4f45-9708-019B960494DF}">
-              <a14:hiddenLine xmlns:a14="http://schemas.microsoft.com/office/drawing/2010/main" xmlns="" w="9525">
+              <a14:hiddenLine xmlns="" xmlns:a14="http://schemas.microsoft.com/office/drawing/2010/main" w="9525">
                 <a:solidFill>
                   <a:srgbClr val="000000"/>
                 </a:solidFill>
@@ -4699,7 +4699,7 @@
           </a:ln>
           <a:extLst>
             <a:ext uri="{91240B29-F687-4f45-9708-019B960494DF}">
-              <a14:hiddenLine xmlns:a14="http://schemas.microsoft.com/office/drawing/2010/main" xmlns="" w="9525">
+              <a14:hiddenLine xmlns="" xmlns:a14="http://schemas.microsoft.com/office/drawing/2010/main" w="9525">
                 <a:solidFill>
                   <a:srgbClr val="000000"/>
                 </a:solidFill>
@@ -4765,7 +4765,7 @@
           </a:ln>
           <a:extLst>
             <a:ext uri="{91240B29-F687-4f45-9708-019B960494DF}">
-              <a14:hiddenLine xmlns:a14="http://schemas.microsoft.com/office/drawing/2010/main" xmlns="" w="9525">
+              <a14:hiddenLine xmlns="" xmlns:a14="http://schemas.microsoft.com/office/drawing/2010/main" w="9525">
                 <a:solidFill>
                   <a:srgbClr val="000000"/>
                 </a:solidFill>
@@ -9632,7 +9632,7 @@
         </p:nvSpPr>
         <p:spPr>
           <a:xfrm>
-            <a:off x="1089593" y="28862586"/>
+            <a:off x="1089593" y="28037428"/>
             <a:ext cx="1717756" cy="954107"/>
           </a:xfrm>
           <a:prstGeom prst="rect">
@@ -9677,7 +9677,7 @@
         </p:nvSpPr>
         <p:spPr bwMode="auto">
           <a:xfrm>
-            <a:off x="968430" y="29862996"/>
+            <a:off x="968430" y="29037838"/>
             <a:ext cx="1872059" cy="3836812"/>
           </a:xfrm>
           <a:prstGeom prst="rect">
@@ -9745,7 +9745,7 @@
         </p:nvSpPr>
         <p:spPr>
           <a:xfrm>
-            <a:off x="2667000" y="28795840"/>
+            <a:off x="2667000" y="27970682"/>
             <a:ext cx="1717756" cy="954107"/>
           </a:xfrm>
           <a:prstGeom prst="rect">
@@ -9790,7 +9790,7 @@
         </p:nvSpPr>
         <p:spPr>
           <a:xfrm>
-            <a:off x="4495800" y="28832333"/>
+            <a:off x="4495800" y="28007175"/>
             <a:ext cx="1717756" cy="954107"/>
           </a:xfrm>
           <a:prstGeom prst="rect">
@@ -9835,7 +9835,7 @@
         </p:nvSpPr>
         <p:spPr>
           <a:xfrm rot="16200000">
-            <a:off x="-1458491" y="31465863"/>
+            <a:off x="-1458491" y="30640705"/>
             <a:ext cx="3883115" cy="584775"/>
           </a:xfrm>
           <a:prstGeom prst="rect">
@@ -9880,7 +9880,7 @@
         </p:nvSpPr>
         <p:spPr>
           <a:xfrm>
-            <a:off x="-228600" y="33822382"/>
+            <a:off x="-228600" y="32997224"/>
             <a:ext cx="4339139" cy="1077218"/>
           </a:xfrm>
           <a:prstGeom prst="rect">
@@ -9942,7 +9942,7 @@
         </p:nvSpPr>
         <p:spPr bwMode="auto">
           <a:xfrm>
-            <a:off x="4178272" y="29839844"/>
+            <a:off x="4178272" y="29014686"/>
             <a:ext cx="2035284" cy="3836812"/>
           </a:xfrm>
           <a:prstGeom prst="rect">
@@ -10010,7 +10010,7 @@
         </p:nvSpPr>
         <p:spPr>
           <a:xfrm>
-            <a:off x="7121444" y="28790558"/>
+            <a:off x="7121444" y="27965400"/>
             <a:ext cx="1717756" cy="954107"/>
           </a:xfrm>
           <a:prstGeom prst="rect">
@@ -10062,7 +10062,7 @@
         </p:nvSpPr>
         <p:spPr bwMode="auto">
           <a:xfrm>
-            <a:off x="6447886" y="29849973"/>
+            <a:off x="6447886" y="29024815"/>
             <a:ext cx="3051247" cy="1822677"/>
           </a:xfrm>
           <a:prstGeom prst="rect">
@@ -10132,7 +10132,7 @@
         </p:nvCxnSpPr>
         <p:spPr bwMode="auto">
           <a:xfrm>
-            <a:off x="5117633" y="29862996"/>
+            <a:off x="5117633" y="29037838"/>
             <a:ext cx="0" cy="3813660"/>
           </a:xfrm>
           <a:prstGeom prst="line">
@@ -10170,7 +10170,7 @@
         </p:nvCxnSpPr>
         <p:spPr bwMode="auto">
           <a:xfrm flipV="1">
-            <a:off x="6447886" y="30761312"/>
+            <a:off x="6447886" y="29936154"/>
             <a:ext cx="3051247" cy="15728"/>
           </a:xfrm>
           <a:prstGeom prst="line">
@@ -10205,7 +10205,7 @@
         </p:nvSpPr>
         <p:spPr>
           <a:xfrm rot="16200000">
-            <a:off x="2706642" y="31525507"/>
+            <a:off x="2706642" y="30700349"/>
             <a:ext cx="3883115" cy="584775"/>
           </a:xfrm>
           <a:prstGeom prst="rect">
@@ -10250,7 +10250,7 @@
         </p:nvSpPr>
         <p:spPr>
           <a:xfrm rot="16200000">
-            <a:off x="3684830" y="31465863"/>
+            <a:off x="3684830" y="30640705"/>
             <a:ext cx="3883115" cy="584775"/>
           </a:xfrm>
           <a:prstGeom prst="rect">
@@ -10295,7 +10295,7 @@
         </p:nvSpPr>
         <p:spPr>
           <a:xfrm>
-            <a:off x="6527007" y="30015040"/>
+            <a:off x="6527007" y="29189882"/>
             <a:ext cx="2972126" cy="584775"/>
           </a:xfrm>
           <a:prstGeom prst="rect">
@@ -10340,7 +10340,7 @@
         </p:nvSpPr>
         <p:spPr>
           <a:xfrm>
-            <a:off x="6494201" y="30937200"/>
+            <a:off x="6494201" y="30112042"/>
             <a:ext cx="3004932" cy="584775"/>
           </a:xfrm>
           <a:prstGeom prst="rect">
@@ -10385,7 +10385,7 @@
         </p:nvSpPr>
         <p:spPr>
           <a:xfrm>
-            <a:off x="3762792" y="34307065"/>
+            <a:off x="3429000" y="33481907"/>
             <a:ext cx="3965474" cy="584775"/>
           </a:xfrm>
           <a:prstGeom prst="rect">
@@ -10432,7 +10432,7 @@
         </p:nvCxnSpPr>
         <p:spPr bwMode="auto">
           <a:xfrm flipH="1" flipV="1">
-            <a:off x="4674175" y="33739908"/>
+            <a:off x="4674175" y="32914750"/>
             <a:ext cx="304512" cy="603650"/>
           </a:xfrm>
           <a:prstGeom prst="straightConnector1">
@@ -11754,6 +11754,103 @@
           </a:prstGeom>
         </p:spPr>
       </p:pic>
+      <p:pic>
+        <p:nvPicPr>
+          <p:cNvPr id="5" name="Picture 4">
+            <a:extLst>
+              <a:ext uri="{FF2B5EF4-FFF2-40B4-BE49-F238E27FC236}">
+                <a16:creationId xmlns:a16="http://schemas.microsoft.com/office/drawing/2014/main" id="{46AEAFF0-CF49-704C-83CC-A991F6CC7130}"/>
+              </a:ext>
+            </a:extLst>
+          </p:cNvPr>
+          <p:cNvPicPr>
+            <a:picLocks noChangeAspect="1"/>
+          </p:cNvPicPr>
+          <p:nvPr/>
+        </p:nvPicPr>
+        <p:blipFill>
+          <a:blip r:embed="rId26"/>
+          <a:stretch>
+            <a:fillRect/>
+          </a:stretch>
+        </p:blipFill>
+        <p:spPr>
+          <a:xfrm>
+            <a:off x="3429000" y="34082209"/>
+            <a:ext cx="3856519" cy="1235584"/>
+          </a:xfrm>
+          <a:prstGeom prst="rect">
+            <a:avLst/>
+          </a:prstGeom>
+        </p:spPr>
+      </p:pic>
+      <p:pic>
+        <p:nvPicPr>
+          <p:cNvPr id="14" name="Picture 13">
+            <a:extLst>
+              <a:ext uri="{FF2B5EF4-FFF2-40B4-BE49-F238E27FC236}">
+                <a16:creationId xmlns:a16="http://schemas.microsoft.com/office/drawing/2014/main" id="{EA3B608F-83F6-0A4E-95F0-A28B1A750520}"/>
+              </a:ext>
+            </a:extLst>
+          </p:cNvPr>
+          <p:cNvPicPr>
+            <a:picLocks noChangeAspect="1"/>
+          </p:cNvPicPr>
+          <p:nvPr/>
+        </p:nvPicPr>
+        <p:blipFill rotWithShape="1">
+          <a:blip r:embed="rId27"/>
+          <a:srcRect l="16871" t="52811" r="11864" b="9244"/>
+          <a:stretch/>
+        </p:blipFill>
+        <p:spPr>
+          <a:xfrm>
+            <a:off x="7692824" y="33531558"/>
+            <a:ext cx="1908376" cy="1749042"/>
+          </a:xfrm>
+          <a:prstGeom prst="rect">
+            <a:avLst/>
+          </a:prstGeom>
+        </p:spPr>
+      </p:pic>
+      <p:cxnSp>
+        <p:nvCxnSpPr>
+          <p:cNvPr id="185" name="Straight Arrow Connector 184">
+            <a:extLst>
+              <a:ext uri="{FF2B5EF4-FFF2-40B4-BE49-F238E27FC236}">
+                <a16:creationId xmlns:a16="http://schemas.microsoft.com/office/drawing/2014/main" id="{8C52A724-11C2-AA44-8EC0-3FD0C8EF18FA}"/>
+              </a:ext>
+            </a:extLst>
+          </p:cNvPr>
+          <p:cNvCxnSpPr>
+            <a:cxnSpLocks/>
+            <a:stCxn id="14" idx="1"/>
+          </p:cNvCxnSpPr>
+          <p:nvPr/>
+        </p:nvCxnSpPr>
+        <p:spPr bwMode="auto">
+          <a:xfrm flipH="1">
+            <a:off x="5874997" y="34406079"/>
+            <a:ext cx="1817827" cy="593295"/>
+          </a:xfrm>
+          <a:prstGeom prst="straightConnector1">
+            <a:avLst/>
+          </a:prstGeom>
+          <a:solidFill>
+            <a:schemeClr val="accent1"/>
+          </a:solidFill>
+          <a:ln w="57150" cap="flat" cmpd="sng" algn="ctr">
+            <a:solidFill>
+              <a:srgbClr val="0070C0"/>
+            </a:solidFill>
+            <a:prstDash val="solid"/>
+            <a:round/>
+            <a:headEnd type="none" w="med" len="med"/>
+            <a:tailEnd type="arrow" w="med" len="med"/>
+          </a:ln>
+          <a:effectLst/>
+        </p:spPr>
+      </p:cxnSp>
     </p:spTree>
     <p:extLst>
       <p:ext uri="{BB962C8B-B14F-4D97-AF65-F5344CB8AC3E}">
